--- a/Documentation/Android_Bluetooth_API.pptx
+++ b/Documentation/Android_Bluetooth_API.pptx
@@ -12,16 +12,16 @@
     <p:sldId id="262" r:id="rId3"/>
     <p:sldId id="275" r:id="rId4"/>
     <p:sldId id="261" r:id="rId5"/>
-    <p:sldId id="265" r:id="rId6"/>
-    <p:sldId id="271" r:id="rId7"/>
-    <p:sldId id="272" r:id="rId8"/>
-    <p:sldId id="273" r:id="rId9"/>
-    <p:sldId id="278" r:id="rId10"/>
-    <p:sldId id="276" r:id="rId11"/>
-    <p:sldId id="277" r:id="rId12"/>
-    <p:sldId id="258" r:id="rId13"/>
-    <p:sldId id="270" r:id="rId14"/>
-    <p:sldId id="269" r:id="rId15"/>
+    <p:sldId id="258" r:id="rId6"/>
+    <p:sldId id="269" r:id="rId7"/>
+    <p:sldId id="265" r:id="rId8"/>
+    <p:sldId id="271" r:id="rId9"/>
+    <p:sldId id="272" r:id="rId10"/>
+    <p:sldId id="273" r:id="rId11"/>
+    <p:sldId id="278" r:id="rId12"/>
+    <p:sldId id="276" r:id="rId13"/>
+    <p:sldId id="277" r:id="rId14"/>
+    <p:sldId id="270" r:id="rId15"/>
     <p:sldId id="263" r:id="rId16"/>
     <p:sldId id="264" r:id="rId17"/>
     <p:sldId id="267" r:id="rId18"/>
@@ -7261,6 +7261,13 @@
         </dgm:presLayoutVars>
       </dgm:prSet>
       <dgm:spPr/>
+      <dgm:t>
+        <a:bodyPr/>
+        <a:lstStyle/>
+        <a:p>
+          <a:endParaRPr lang="en-US"/>
+        </a:p>
+      </dgm:t>
     </dgm:pt>
     <dgm:pt modelId="{43F6BAEA-4AAE-4161-96A2-31F1B1982731}" type="pres">
       <dgm:prSet presAssocID="{0B45398B-589C-45CB-9D29-5659223A7291}" presName="node" presStyleLbl="node1" presStyleIdx="0" presStyleCnt="7" custScaleX="140744" custScaleY="110000">
@@ -7269,14 +7276,35 @@
         </dgm:presLayoutVars>
       </dgm:prSet>
       <dgm:spPr/>
+      <dgm:t>
+        <a:bodyPr/>
+        <a:lstStyle/>
+        <a:p>
+          <a:endParaRPr lang="en-US"/>
+        </a:p>
+      </dgm:t>
     </dgm:pt>
     <dgm:pt modelId="{1BD21772-7C57-47E4-8006-374CC747770F}" type="pres">
       <dgm:prSet presAssocID="{1A15A384-456A-4939-A036-5E642C322B61}" presName="sibTrans" presStyleLbl="sibTrans2D1" presStyleIdx="0" presStyleCnt="6"/>
       <dgm:spPr/>
+      <dgm:t>
+        <a:bodyPr/>
+        <a:lstStyle/>
+        <a:p>
+          <a:endParaRPr lang="en-US"/>
+        </a:p>
+      </dgm:t>
     </dgm:pt>
     <dgm:pt modelId="{7C16DD59-EC11-49D1-950F-6FFB06567F80}" type="pres">
       <dgm:prSet presAssocID="{1A15A384-456A-4939-A036-5E642C322B61}" presName="connectorText" presStyleLbl="sibTrans2D1" presStyleIdx="0" presStyleCnt="6"/>
       <dgm:spPr/>
+      <dgm:t>
+        <a:bodyPr/>
+        <a:lstStyle/>
+        <a:p>
+          <a:endParaRPr lang="en-US"/>
+        </a:p>
+      </dgm:t>
     </dgm:pt>
     <dgm:pt modelId="{722C9942-1C8B-4452-8D36-6F0004243210}" type="pres">
       <dgm:prSet presAssocID="{49DA27BC-869B-46F5-8956-0CD73CE8773A}" presName="node" presStyleLbl="node1" presStyleIdx="1" presStyleCnt="7" custScaleX="140744" custScaleY="110000" custLinFactNeighborX="-399" custLinFactNeighborY="-15662">
@@ -7295,14 +7323,35 @@
           </a:avLst>
         </a:prstGeom>
       </dgm:spPr>
+      <dgm:t>
+        <a:bodyPr/>
+        <a:lstStyle/>
+        <a:p>
+          <a:endParaRPr lang="en-US"/>
+        </a:p>
+      </dgm:t>
     </dgm:pt>
     <dgm:pt modelId="{53E8EB28-2AF3-4962-A1DB-CB4CC2E75A6B}" type="pres">
       <dgm:prSet presAssocID="{67E61026-58FD-4094-8B90-533E50B9849A}" presName="sibTrans" presStyleLbl="sibTrans2D1" presStyleIdx="1" presStyleCnt="6"/>
       <dgm:spPr/>
+      <dgm:t>
+        <a:bodyPr/>
+        <a:lstStyle/>
+        <a:p>
+          <a:endParaRPr lang="en-US"/>
+        </a:p>
+      </dgm:t>
     </dgm:pt>
     <dgm:pt modelId="{9D6F9806-D5FF-4002-98DF-25A7D3D11599}" type="pres">
       <dgm:prSet presAssocID="{67E61026-58FD-4094-8B90-533E50B9849A}" presName="connectorText" presStyleLbl="sibTrans2D1" presStyleIdx="1" presStyleCnt="6"/>
       <dgm:spPr/>
+      <dgm:t>
+        <a:bodyPr/>
+        <a:lstStyle/>
+        <a:p>
+          <a:endParaRPr lang="en-US"/>
+        </a:p>
+      </dgm:t>
     </dgm:pt>
     <dgm:pt modelId="{7A359767-1373-4F94-854C-C2C9AC24AD9C}" type="pres">
       <dgm:prSet presAssocID="{C5005033-92D4-41DD-8FFB-AAA6F546212A}" presName="node" presStyleLbl="node1" presStyleIdx="2" presStyleCnt="7" custScaleX="140744" custScaleY="110000">
@@ -7311,14 +7360,35 @@
         </dgm:presLayoutVars>
       </dgm:prSet>
       <dgm:spPr/>
+      <dgm:t>
+        <a:bodyPr/>
+        <a:lstStyle/>
+        <a:p>
+          <a:endParaRPr lang="en-US"/>
+        </a:p>
+      </dgm:t>
     </dgm:pt>
     <dgm:pt modelId="{D62A8EDC-28AD-4146-B835-FE1853F43C09}" type="pres">
       <dgm:prSet presAssocID="{7C015268-2938-46F6-8541-B8CD8E48D1AB}" presName="sibTrans" presStyleLbl="sibTrans2D1" presStyleIdx="2" presStyleCnt="6"/>
       <dgm:spPr/>
+      <dgm:t>
+        <a:bodyPr/>
+        <a:lstStyle/>
+        <a:p>
+          <a:endParaRPr lang="en-US"/>
+        </a:p>
+      </dgm:t>
     </dgm:pt>
     <dgm:pt modelId="{8F6F2BEE-4059-4276-A3EA-650CD854903F}" type="pres">
       <dgm:prSet presAssocID="{7C015268-2938-46F6-8541-B8CD8E48D1AB}" presName="connectorText" presStyleLbl="sibTrans2D1" presStyleIdx="2" presStyleCnt="6"/>
       <dgm:spPr/>
+      <dgm:t>
+        <a:bodyPr/>
+        <a:lstStyle/>
+        <a:p>
+          <a:endParaRPr lang="en-US"/>
+        </a:p>
+      </dgm:t>
     </dgm:pt>
     <dgm:pt modelId="{587304DE-C51D-40C2-8EF5-34D35118B44C}" type="pres">
       <dgm:prSet presAssocID="{6EEE752B-0229-4684-B4C0-CC6DDB66D5CC}" presName="node" presStyleLbl="node1" presStyleIdx="3" presStyleCnt="7" custScaleX="140744" custScaleY="110000">
@@ -7327,14 +7397,35 @@
         </dgm:presLayoutVars>
       </dgm:prSet>
       <dgm:spPr/>
+      <dgm:t>
+        <a:bodyPr/>
+        <a:lstStyle/>
+        <a:p>
+          <a:endParaRPr lang="en-US"/>
+        </a:p>
+      </dgm:t>
     </dgm:pt>
     <dgm:pt modelId="{BBF91EE0-9A70-4C66-8B43-1C7EF81311B4}" type="pres">
       <dgm:prSet presAssocID="{EEB85A38-6FE5-4261-BCC0-FD33CE79A9EF}" presName="sibTrans" presStyleLbl="sibTrans2D1" presStyleIdx="3" presStyleCnt="6"/>
       <dgm:spPr/>
+      <dgm:t>
+        <a:bodyPr/>
+        <a:lstStyle/>
+        <a:p>
+          <a:endParaRPr lang="en-US"/>
+        </a:p>
+      </dgm:t>
     </dgm:pt>
     <dgm:pt modelId="{352FE5DC-1D50-434C-ADA8-100B31B47D42}" type="pres">
       <dgm:prSet presAssocID="{EEB85A38-6FE5-4261-BCC0-FD33CE79A9EF}" presName="connectorText" presStyleLbl="sibTrans2D1" presStyleIdx="3" presStyleCnt="6"/>
       <dgm:spPr/>
+      <dgm:t>
+        <a:bodyPr/>
+        <a:lstStyle/>
+        <a:p>
+          <a:endParaRPr lang="en-US"/>
+        </a:p>
+      </dgm:t>
     </dgm:pt>
     <dgm:pt modelId="{E0B780D8-79CB-4B6B-A765-330365A5BA56}" type="pres">
       <dgm:prSet presAssocID="{D2A4EEC9-CB58-44EF-9BE4-B999D49D4806}" presName="node" presStyleLbl="node1" presStyleIdx="4" presStyleCnt="7" custScaleX="140744" custScaleY="110000">
@@ -7343,14 +7434,35 @@
         </dgm:presLayoutVars>
       </dgm:prSet>
       <dgm:spPr/>
+      <dgm:t>
+        <a:bodyPr/>
+        <a:lstStyle/>
+        <a:p>
+          <a:endParaRPr lang="en-US"/>
+        </a:p>
+      </dgm:t>
     </dgm:pt>
     <dgm:pt modelId="{22943B0C-FC79-4F4A-A2D6-4488E902FCDF}" type="pres">
       <dgm:prSet presAssocID="{A7E1657B-12D3-4C4D-9317-275DFE635BF9}" presName="sibTrans" presStyleLbl="sibTrans2D1" presStyleIdx="4" presStyleCnt="6"/>
       <dgm:spPr/>
+      <dgm:t>
+        <a:bodyPr/>
+        <a:lstStyle/>
+        <a:p>
+          <a:endParaRPr lang="en-US"/>
+        </a:p>
+      </dgm:t>
     </dgm:pt>
     <dgm:pt modelId="{57B58789-5A8F-4122-B65A-3199D936A251}" type="pres">
       <dgm:prSet presAssocID="{A7E1657B-12D3-4C4D-9317-275DFE635BF9}" presName="connectorText" presStyleLbl="sibTrans2D1" presStyleIdx="4" presStyleCnt="6"/>
       <dgm:spPr/>
+      <dgm:t>
+        <a:bodyPr/>
+        <a:lstStyle/>
+        <a:p>
+          <a:endParaRPr lang="en-US"/>
+        </a:p>
+      </dgm:t>
     </dgm:pt>
     <dgm:pt modelId="{E64BB72B-8FED-4FA3-8049-A3DD57954BBC}" type="pres">
       <dgm:prSet presAssocID="{680A31B8-1B31-4855-B680-5C2E09B694E5}" presName="node" presStyleLbl="node1" presStyleIdx="5" presStyleCnt="7" custScaleX="140744" custScaleY="110000">
@@ -7359,14 +7471,35 @@
         </dgm:presLayoutVars>
       </dgm:prSet>
       <dgm:spPr/>
+      <dgm:t>
+        <a:bodyPr/>
+        <a:lstStyle/>
+        <a:p>
+          <a:endParaRPr lang="en-US"/>
+        </a:p>
+      </dgm:t>
     </dgm:pt>
     <dgm:pt modelId="{14ED9C5A-E794-4EF7-86FA-DE50F867143C}" type="pres">
       <dgm:prSet presAssocID="{41E2274A-589D-4C9B-ADEF-BB9818A84AF9}" presName="sibTrans" presStyleLbl="sibTrans2D1" presStyleIdx="5" presStyleCnt="6"/>
       <dgm:spPr/>
+      <dgm:t>
+        <a:bodyPr/>
+        <a:lstStyle/>
+        <a:p>
+          <a:endParaRPr lang="en-US"/>
+        </a:p>
+      </dgm:t>
     </dgm:pt>
     <dgm:pt modelId="{E5ED9161-CB2C-42AE-87DB-57EA6D1621C3}" type="pres">
       <dgm:prSet presAssocID="{41E2274A-589D-4C9B-ADEF-BB9818A84AF9}" presName="connectorText" presStyleLbl="sibTrans2D1" presStyleIdx="5" presStyleCnt="6"/>
       <dgm:spPr/>
+      <dgm:t>
+        <a:bodyPr/>
+        <a:lstStyle/>
+        <a:p>
+          <a:endParaRPr lang="en-US"/>
+        </a:p>
+      </dgm:t>
     </dgm:pt>
     <dgm:pt modelId="{49CF2DD7-B708-45CB-8B77-DBD30A0630BB}" type="pres">
       <dgm:prSet presAssocID="{80533E6E-AC03-4237-8CFD-ADC5A789884C}" presName="node" presStyleLbl="node1" presStyleIdx="6" presStyleCnt="7" custScaleX="140744" custScaleY="110000">
@@ -7375,36 +7508,43 @@
         </dgm:presLayoutVars>
       </dgm:prSet>
       <dgm:spPr/>
+      <dgm:t>
+        <a:bodyPr/>
+        <a:lstStyle/>
+        <a:p>
+          <a:endParaRPr lang="en-US"/>
+        </a:p>
+      </dgm:t>
     </dgm:pt>
   </dgm:ptLst>
   <dgm:cxnLst>
+    <dgm:cxn modelId="{548B9068-5651-4276-9BC7-CD784D25A836}" type="presOf" srcId="{F2895ABF-0B55-469A-A334-21F3EFA565F3}" destId="{67DED806-F6CE-43B3-B020-8848CF6F09A6}" srcOrd="0" destOrd="0" presId="urn:microsoft.com/office/officeart/2005/8/layout/process2"/>
+    <dgm:cxn modelId="{D1AEE91B-DC4C-43E9-8242-9FC348C789BA}" type="presOf" srcId="{EEB85A38-6FE5-4261-BCC0-FD33CE79A9EF}" destId="{352FE5DC-1D50-434C-ADA8-100B31B47D42}" srcOrd="1" destOrd="0" presId="urn:microsoft.com/office/officeart/2005/8/layout/process2"/>
+    <dgm:cxn modelId="{2A384CB6-223F-42AB-9A47-5DCB105AD576}" srcId="{F2895ABF-0B55-469A-A334-21F3EFA565F3}" destId="{49DA27BC-869B-46F5-8956-0CD73CE8773A}" srcOrd="1" destOrd="0" parTransId="{352265DB-B09D-4E6A-AAE3-EF9ABE86E0D1}" sibTransId="{67E61026-58FD-4094-8B90-533E50B9849A}"/>
+    <dgm:cxn modelId="{54E48040-C5D1-4132-8E7C-2946C31BB391}" type="presOf" srcId="{41E2274A-589D-4C9B-ADEF-BB9818A84AF9}" destId="{14ED9C5A-E794-4EF7-86FA-DE50F867143C}" srcOrd="0" destOrd="0" presId="urn:microsoft.com/office/officeart/2005/8/layout/process2"/>
+    <dgm:cxn modelId="{D527DCE7-8D72-487A-96A7-DA77CB7CA9A4}" type="presOf" srcId="{EEB85A38-6FE5-4261-BCC0-FD33CE79A9EF}" destId="{BBF91EE0-9A70-4C66-8B43-1C7EF81311B4}" srcOrd="0" destOrd="0" presId="urn:microsoft.com/office/officeart/2005/8/layout/process2"/>
+    <dgm:cxn modelId="{AD549B26-401F-452E-81FC-604B0A1546DB}" type="presOf" srcId="{680A31B8-1B31-4855-B680-5C2E09B694E5}" destId="{E64BB72B-8FED-4FA3-8049-A3DD57954BBC}" srcOrd="0" destOrd="0" presId="urn:microsoft.com/office/officeart/2005/8/layout/process2"/>
+    <dgm:cxn modelId="{CA066FEC-ED1D-4569-8CAF-3BBBCCEC1366}" type="presOf" srcId="{A7E1657B-12D3-4C4D-9317-275DFE635BF9}" destId="{22943B0C-FC79-4F4A-A2D6-4488E902FCDF}" srcOrd="0" destOrd="0" presId="urn:microsoft.com/office/officeart/2005/8/layout/process2"/>
     <dgm:cxn modelId="{E9670718-498B-4FE7-BA0D-C57F70741B0A}" type="presOf" srcId="{D2A4EEC9-CB58-44EF-9BE4-B999D49D4806}" destId="{E0B780D8-79CB-4B6B-A765-330365A5BA56}" srcOrd="0" destOrd="0" presId="urn:microsoft.com/office/officeart/2005/8/layout/process2"/>
-    <dgm:cxn modelId="{D1AEE91B-DC4C-43E9-8242-9FC348C789BA}" type="presOf" srcId="{EEB85A38-6FE5-4261-BCC0-FD33CE79A9EF}" destId="{352FE5DC-1D50-434C-ADA8-100B31B47D42}" srcOrd="1" destOrd="0" presId="urn:microsoft.com/office/officeart/2005/8/layout/process2"/>
+    <dgm:cxn modelId="{A002412E-5A13-463B-957B-5851EF9CF3EB}" srcId="{F2895ABF-0B55-469A-A334-21F3EFA565F3}" destId="{6EEE752B-0229-4684-B4C0-CC6DDB66D5CC}" srcOrd="3" destOrd="0" parTransId="{C05FE28B-5263-4ECC-9768-A8887D631C30}" sibTransId="{EEB85A38-6FE5-4261-BCC0-FD33CE79A9EF}"/>
+    <dgm:cxn modelId="{F72A70A1-3995-472F-A233-0FADEA029489}" type="presOf" srcId="{0B45398B-589C-45CB-9D29-5659223A7291}" destId="{43F6BAEA-4AAE-4161-96A2-31F1B1982731}" srcOrd="0" destOrd="0" presId="urn:microsoft.com/office/officeart/2005/8/layout/process2"/>
+    <dgm:cxn modelId="{54594A38-5B4A-44CD-94A5-2A2AEBB70B90}" type="presOf" srcId="{A7E1657B-12D3-4C4D-9317-275DFE635BF9}" destId="{57B58789-5A8F-4122-B65A-3199D936A251}" srcOrd="1" destOrd="0" presId="urn:microsoft.com/office/officeart/2005/8/layout/process2"/>
+    <dgm:cxn modelId="{44A04C4F-F1AE-4D75-A602-6B2967595E35}" type="presOf" srcId="{67E61026-58FD-4094-8B90-533E50B9849A}" destId="{53E8EB28-2AF3-4962-A1DB-CB4CC2E75A6B}" srcOrd="0" destOrd="0" presId="urn:microsoft.com/office/officeart/2005/8/layout/process2"/>
+    <dgm:cxn modelId="{954A2A90-81D8-4DFD-9FF3-3E1CEF299E0F}" type="presOf" srcId="{1A15A384-456A-4939-A036-5E642C322B61}" destId="{7C16DD59-EC11-49D1-950F-6FFB06567F80}" srcOrd="1" destOrd="0" presId="urn:microsoft.com/office/officeart/2005/8/layout/process2"/>
+    <dgm:cxn modelId="{BDF954C3-ECA9-44CE-AE85-E19F11DF41DE}" type="presOf" srcId="{6EEE752B-0229-4684-B4C0-CC6DDB66D5CC}" destId="{587304DE-C51D-40C2-8EF5-34D35118B44C}" srcOrd="0" destOrd="0" presId="urn:microsoft.com/office/officeart/2005/8/layout/process2"/>
+    <dgm:cxn modelId="{7E236A77-14A2-424B-81B7-1F688FD0647D}" type="presOf" srcId="{67E61026-58FD-4094-8B90-533E50B9849A}" destId="{9D6F9806-D5FF-4002-98DF-25A7D3D11599}" srcOrd="1" destOrd="0" presId="urn:microsoft.com/office/officeart/2005/8/layout/process2"/>
+    <dgm:cxn modelId="{BD835193-33C1-4F80-B9FB-F3A3667BC68F}" type="presOf" srcId="{49DA27BC-869B-46F5-8956-0CD73CE8773A}" destId="{722C9942-1C8B-4452-8D36-6F0004243210}" srcOrd="0" destOrd="0" presId="urn:microsoft.com/office/officeart/2005/8/layout/process2"/>
+    <dgm:cxn modelId="{D383B3DA-17B3-4822-A436-788A4F6A63C8}" type="presOf" srcId="{1A15A384-456A-4939-A036-5E642C322B61}" destId="{1BD21772-7C57-47E4-8006-374CC747770F}" srcOrd="0" destOrd="0" presId="urn:microsoft.com/office/officeart/2005/8/layout/process2"/>
     <dgm:cxn modelId="{FC6DF625-A01A-4103-AA04-0A61C9595C18}" srcId="{F2895ABF-0B55-469A-A334-21F3EFA565F3}" destId="{D2A4EEC9-CB58-44EF-9BE4-B999D49D4806}" srcOrd="4" destOrd="0" parTransId="{E6E840C6-7B9D-49EB-B8FB-01456BF9B783}" sibTransId="{A7E1657B-12D3-4C4D-9317-275DFE635BF9}"/>
-    <dgm:cxn modelId="{AD549B26-401F-452E-81FC-604B0A1546DB}" type="presOf" srcId="{680A31B8-1B31-4855-B680-5C2E09B694E5}" destId="{E64BB72B-8FED-4FA3-8049-A3DD57954BBC}" srcOrd="0" destOrd="0" presId="urn:microsoft.com/office/officeart/2005/8/layout/process2"/>
-    <dgm:cxn modelId="{A002412E-5A13-463B-957B-5851EF9CF3EB}" srcId="{F2895ABF-0B55-469A-A334-21F3EFA565F3}" destId="{6EEE752B-0229-4684-B4C0-CC6DDB66D5CC}" srcOrd="3" destOrd="0" parTransId="{C05FE28B-5263-4ECC-9768-A8887D631C30}" sibTransId="{EEB85A38-6FE5-4261-BCC0-FD33CE79A9EF}"/>
-    <dgm:cxn modelId="{54594A38-5B4A-44CD-94A5-2A2AEBB70B90}" type="presOf" srcId="{A7E1657B-12D3-4C4D-9317-275DFE635BF9}" destId="{57B58789-5A8F-4122-B65A-3199D936A251}" srcOrd="1" destOrd="0" presId="urn:microsoft.com/office/officeart/2005/8/layout/process2"/>
-    <dgm:cxn modelId="{54E48040-C5D1-4132-8E7C-2946C31BB391}" type="presOf" srcId="{41E2274A-589D-4C9B-ADEF-BB9818A84AF9}" destId="{14ED9C5A-E794-4EF7-86FA-DE50F867143C}" srcOrd="0" destOrd="0" presId="urn:microsoft.com/office/officeart/2005/8/layout/process2"/>
+    <dgm:cxn modelId="{B801CF97-69EC-4B25-9690-9A6346FAA781}" type="presOf" srcId="{7C015268-2938-46F6-8541-B8CD8E48D1AB}" destId="{8F6F2BEE-4059-4276-A3EA-650CD854903F}" srcOrd="1" destOrd="0" presId="urn:microsoft.com/office/officeart/2005/8/layout/process2"/>
+    <dgm:cxn modelId="{9EAB20F8-E12F-41EE-A49D-F0FCC218541E}" type="presOf" srcId="{C5005033-92D4-41DD-8FFB-AAA6F546212A}" destId="{7A359767-1373-4F94-854C-C2C9AC24AD9C}" srcOrd="0" destOrd="0" presId="urn:microsoft.com/office/officeart/2005/8/layout/process2"/>
+    <dgm:cxn modelId="{4D5C1FAD-F3FF-422B-AE67-CFE7DCC0EED9}" srcId="{F2895ABF-0B55-469A-A334-21F3EFA565F3}" destId="{C5005033-92D4-41DD-8FFB-AAA6F546212A}" srcOrd="2" destOrd="0" parTransId="{712C2AFA-154C-4173-9C00-C886FC9052D3}" sibTransId="{7C015268-2938-46F6-8541-B8CD8E48D1AB}"/>
+    <dgm:cxn modelId="{D11588DB-C897-4ACF-9EB3-FB15D3D158BB}" srcId="{F2895ABF-0B55-469A-A334-21F3EFA565F3}" destId="{80533E6E-AC03-4237-8CFD-ADC5A789884C}" srcOrd="6" destOrd="0" parTransId="{6A947F24-BCD5-4B62-866F-09F05990ECFF}" sibTransId="{9E89B93F-D1B3-4DDE-8682-4BA9658BBD94}"/>
+    <dgm:cxn modelId="{353930F2-2487-4F58-8E80-2E7EAAADA283}" type="presOf" srcId="{7C015268-2938-46F6-8541-B8CD8E48D1AB}" destId="{D62A8EDC-28AD-4146-B835-FE1853F43C09}" srcOrd="0" destOrd="0" presId="urn:microsoft.com/office/officeart/2005/8/layout/process2"/>
+    <dgm:cxn modelId="{56EB4E71-3252-4D04-BC24-25A30843F289}" type="presOf" srcId="{41E2274A-589D-4C9B-ADEF-BB9818A84AF9}" destId="{E5ED9161-CB2C-42AE-87DB-57EA6D1621C3}" srcOrd="1" destOrd="0" presId="urn:microsoft.com/office/officeart/2005/8/layout/process2"/>
+    <dgm:cxn modelId="{A000F3D5-43DC-47AF-8994-B2113923F7F6}" type="presOf" srcId="{80533E6E-AC03-4237-8CFD-ADC5A789884C}" destId="{49CF2DD7-B708-45CB-8B77-DBD30A0630BB}" srcOrd="0" destOrd="0" presId="urn:microsoft.com/office/officeart/2005/8/layout/process2"/>
     <dgm:cxn modelId="{E996F347-7D27-4447-B764-CC500AC4E7D0}" srcId="{F2895ABF-0B55-469A-A334-21F3EFA565F3}" destId="{0B45398B-589C-45CB-9D29-5659223A7291}" srcOrd="0" destOrd="0" parTransId="{5AF75DEA-44BC-4DD9-961A-DBCBA90D5B06}" sibTransId="{1A15A384-456A-4939-A036-5E642C322B61}"/>
-    <dgm:cxn modelId="{548B9068-5651-4276-9BC7-CD784D25A836}" type="presOf" srcId="{F2895ABF-0B55-469A-A334-21F3EFA565F3}" destId="{67DED806-F6CE-43B3-B020-8848CF6F09A6}" srcOrd="0" destOrd="0" presId="urn:microsoft.com/office/officeart/2005/8/layout/process2"/>
-    <dgm:cxn modelId="{44A04C4F-F1AE-4D75-A602-6B2967595E35}" type="presOf" srcId="{67E61026-58FD-4094-8B90-533E50B9849A}" destId="{53E8EB28-2AF3-4962-A1DB-CB4CC2E75A6B}" srcOrd="0" destOrd="0" presId="urn:microsoft.com/office/officeart/2005/8/layout/process2"/>
-    <dgm:cxn modelId="{56EB4E71-3252-4D04-BC24-25A30843F289}" type="presOf" srcId="{41E2274A-589D-4C9B-ADEF-BB9818A84AF9}" destId="{E5ED9161-CB2C-42AE-87DB-57EA6D1621C3}" srcOrd="1" destOrd="0" presId="urn:microsoft.com/office/officeart/2005/8/layout/process2"/>
-    <dgm:cxn modelId="{7E236A77-14A2-424B-81B7-1F688FD0647D}" type="presOf" srcId="{67E61026-58FD-4094-8B90-533E50B9849A}" destId="{9D6F9806-D5FF-4002-98DF-25A7D3D11599}" srcOrd="1" destOrd="0" presId="urn:microsoft.com/office/officeart/2005/8/layout/process2"/>
-    <dgm:cxn modelId="{954A2A90-81D8-4DFD-9FF3-3E1CEF299E0F}" type="presOf" srcId="{1A15A384-456A-4939-A036-5E642C322B61}" destId="{7C16DD59-EC11-49D1-950F-6FFB06567F80}" srcOrd="1" destOrd="0" presId="urn:microsoft.com/office/officeart/2005/8/layout/process2"/>
-    <dgm:cxn modelId="{BD835193-33C1-4F80-B9FB-F3A3667BC68F}" type="presOf" srcId="{49DA27BC-869B-46F5-8956-0CD73CE8773A}" destId="{722C9942-1C8B-4452-8D36-6F0004243210}" srcOrd="0" destOrd="0" presId="urn:microsoft.com/office/officeart/2005/8/layout/process2"/>
-    <dgm:cxn modelId="{B801CF97-69EC-4B25-9690-9A6346FAA781}" type="presOf" srcId="{7C015268-2938-46F6-8541-B8CD8E48D1AB}" destId="{8F6F2BEE-4059-4276-A3EA-650CD854903F}" srcOrd="1" destOrd="0" presId="urn:microsoft.com/office/officeart/2005/8/layout/process2"/>
-    <dgm:cxn modelId="{F72A70A1-3995-472F-A233-0FADEA029489}" type="presOf" srcId="{0B45398B-589C-45CB-9D29-5659223A7291}" destId="{43F6BAEA-4AAE-4161-96A2-31F1B1982731}" srcOrd="0" destOrd="0" presId="urn:microsoft.com/office/officeart/2005/8/layout/process2"/>
-    <dgm:cxn modelId="{4D5C1FAD-F3FF-422B-AE67-CFE7DCC0EED9}" srcId="{F2895ABF-0B55-469A-A334-21F3EFA565F3}" destId="{C5005033-92D4-41DD-8FFB-AAA6F546212A}" srcOrd="2" destOrd="0" parTransId="{712C2AFA-154C-4173-9C00-C886FC9052D3}" sibTransId="{7C015268-2938-46F6-8541-B8CD8E48D1AB}"/>
-    <dgm:cxn modelId="{2A384CB6-223F-42AB-9A47-5DCB105AD576}" srcId="{F2895ABF-0B55-469A-A334-21F3EFA565F3}" destId="{49DA27BC-869B-46F5-8956-0CD73CE8773A}" srcOrd="1" destOrd="0" parTransId="{352265DB-B09D-4E6A-AAE3-EF9ABE86E0D1}" sibTransId="{67E61026-58FD-4094-8B90-533E50B9849A}"/>
-    <dgm:cxn modelId="{BDF954C3-ECA9-44CE-AE85-E19F11DF41DE}" type="presOf" srcId="{6EEE752B-0229-4684-B4C0-CC6DDB66D5CC}" destId="{587304DE-C51D-40C2-8EF5-34D35118B44C}" srcOrd="0" destOrd="0" presId="urn:microsoft.com/office/officeart/2005/8/layout/process2"/>
-    <dgm:cxn modelId="{A000F3D5-43DC-47AF-8994-B2113923F7F6}" type="presOf" srcId="{80533E6E-AC03-4237-8CFD-ADC5A789884C}" destId="{49CF2DD7-B708-45CB-8B77-DBD30A0630BB}" srcOrd="0" destOrd="0" presId="urn:microsoft.com/office/officeart/2005/8/layout/process2"/>
-    <dgm:cxn modelId="{D383B3DA-17B3-4822-A436-788A4F6A63C8}" type="presOf" srcId="{1A15A384-456A-4939-A036-5E642C322B61}" destId="{1BD21772-7C57-47E4-8006-374CC747770F}" srcOrd="0" destOrd="0" presId="urn:microsoft.com/office/officeart/2005/8/layout/process2"/>
-    <dgm:cxn modelId="{D11588DB-C897-4ACF-9EB3-FB15D3D158BB}" srcId="{F2895ABF-0B55-469A-A334-21F3EFA565F3}" destId="{80533E6E-AC03-4237-8CFD-ADC5A789884C}" srcOrd="6" destOrd="0" parTransId="{6A947F24-BCD5-4B62-866F-09F05990ECFF}" sibTransId="{9E89B93F-D1B3-4DDE-8682-4BA9658BBD94}"/>
-    <dgm:cxn modelId="{D527DCE7-8D72-487A-96A7-DA77CB7CA9A4}" type="presOf" srcId="{EEB85A38-6FE5-4261-BCC0-FD33CE79A9EF}" destId="{BBF91EE0-9A70-4C66-8B43-1C7EF81311B4}" srcOrd="0" destOrd="0" presId="urn:microsoft.com/office/officeart/2005/8/layout/process2"/>
-    <dgm:cxn modelId="{CA066FEC-ED1D-4569-8CAF-3BBBCCEC1366}" type="presOf" srcId="{A7E1657B-12D3-4C4D-9317-275DFE635BF9}" destId="{22943B0C-FC79-4F4A-A2D6-4488E902FCDF}" srcOrd="0" destOrd="0" presId="urn:microsoft.com/office/officeart/2005/8/layout/process2"/>
-    <dgm:cxn modelId="{353930F2-2487-4F58-8E80-2E7EAAADA283}" type="presOf" srcId="{7C015268-2938-46F6-8541-B8CD8E48D1AB}" destId="{D62A8EDC-28AD-4146-B835-FE1853F43C09}" srcOrd="0" destOrd="0" presId="urn:microsoft.com/office/officeart/2005/8/layout/process2"/>
     <dgm:cxn modelId="{2BF143F4-E55F-443E-AB4F-248DF1B48E4C}" srcId="{F2895ABF-0B55-469A-A334-21F3EFA565F3}" destId="{680A31B8-1B31-4855-B680-5C2E09B694E5}" srcOrd="5" destOrd="0" parTransId="{FCFC1E1C-EB26-4DD7-80F0-15C150664EBD}" sibTransId="{41E2274A-589D-4C9B-ADEF-BB9818A84AF9}"/>
-    <dgm:cxn modelId="{9EAB20F8-E12F-41EE-A49D-F0FCC218541E}" type="presOf" srcId="{C5005033-92D4-41DD-8FFB-AAA6F546212A}" destId="{7A359767-1373-4F94-854C-C2C9AC24AD9C}" srcOrd="0" destOrd="0" presId="urn:microsoft.com/office/officeart/2005/8/layout/process2"/>
     <dgm:cxn modelId="{1B6B45BA-00D4-4B7C-AEA2-D8BF0B683E96}" type="presParOf" srcId="{67DED806-F6CE-43B3-B020-8848CF6F09A6}" destId="{43F6BAEA-4AAE-4161-96A2-31F1B1982731}" srcOrd="0" destOrd="0" presId="urn:microsoft.com/office/officeart/2005/8/layout/process2"/>
     <dgm:cxn modelId="{FA7F3428-0478-4199-9543-C6C74A9E9ECC}" type="presParOf" srcId="{67DED806-F6CE-43B3-B020-8848CF6F09A6}" destId="{1BD21772-7C57-47E4-8006-374CC747770F}" srcOrd="1" destOrd="0" presId="urn:microsoft.com/office/officeart/2005/8/layout/process2"/>
     <dgm:cxn modelId="{6D03F713-F8FA-4FD9-95CB-29F281DCFCED}" type="presParOf" srcId="{1BD21772-7C57-47E4-8006-374CC747770F}" destId="{7C16DD59-EC11-49D1-950F-6FFB06567F80}" srcOrd="0" destOrd="0" presId="urn:microsoft.com/office/officeart/2005/8/layout/process2"/>
@@ -8067,6 +8207,13 @@
         </dgm:presLayoutVars>
       </dgm:prSet>
       <dgm:spPr/>
+      <dgm:t>
+        <a:bodyPr/>
+        <a:lstStyle/>
+        <a:p>
+          <a:endParaRPr lang="en-US"/>
+        </a:p>
+      </dgm:t>
     </dgm:pt>
     <dgm:pt modelId="{43F6BAEA-4AAE-4161-96A2-31F1B1982731}" type="pres">
       <dgm:prSet presAssocID="{0B45398B-589C-45CB-9D29-5659223A7291}" presName="node" presStyleLbl="node1" presStyleIdx="0" presStyleCnt="7" custScaleX="140744" custScaleY="110000">
@@ -8075,14 +8222,35 @@
         </dgm:presLayoutVars>
       </dgm:prSet>
       <dgm:spPr/>
+      <dgm:t>
+        <a:bodyPr/>
+        <a:lstStyle/>
+        <a:p>
+          <a:endParaRPr lang="en-US"/>
+        </a:p>
+      </dgm:t>
     </dgm:pt>
     <dgm:pt modelId="{1BD21772-7C57-47E4-8006-374CC747770F}" type="pres">
       <dgm:prSet presAssocID="{1A15A384-456A-4939-A036-5E642C322B61}" presName="sibTrans" presStyleLbl="sibTrans2D1" presStyleIdx="0" presStyleCnt="6"/>
       <dgm:spPr/>
+      <dgm:t>
+        <a:bodyPr/>
+        <a:lstStyle/>
+        <a:p>
+          <a:endParaRPr lang="en-US"/>
+        </a:p>
+      </dgm:t>
     </dgm:pt>
     <dgm:pt modelId="{7C16DD59-EC11-49D1-950F-6FFB06567F80}" type="pres">
       <dgm:prSet presAssocID="{1A15A384-456A-4939-A036-5E642C322B61}" presName="connectorText" presStyleLbl="sibTrans2D1" presStyleIdx="0" presStyleCnt="6"/>
       <dgm:spPr/>
+      <dgm:t>
+        <a:bodyPr/>
+        <a:lstStyle/>
+        <a:p>
+          <a:endParaRPr lang="en-US"/>
+        </a:p>
+      </dgm:t>
     </dgm:pt>
     <dgm:pt modelId="{722C9942-1C8B-4452-8D36-6F0004243210}" type="pres">
       <dgm:prSet presAssocID="{49DA27BC-869B-46F5-8956-0CD73CE8773A}" presName="node" presStyleLbl="node1" presStyleIdx="1" presStyleCnt="7" custScaleX="140744" custScaleY="110000" custLinFactNeighborX="-399" custLinFactNeighborY="-15662">
@@ -8101,14 +8269,35 @@
           </a:avLst>
         </a:prstGeom>
       </dgm:spPr>
+      <dgm:t>
+        <a:bodyPr/>
+        <a:lstStyle/>
+        <a:p>
+          <a:endParaRPr lang="en-US"/>
+        </a:p>
+      </dgm:t>
     </dgm:pt>
     <dgm:pt modelId="{53E8EB28-2AF3-4962-A1DB-CB4CC2E75A6B}" type="pres">
       <dgm:prSet presAssocID="{67E61026-58FD-4094-8B90-533E50B9849A}" presName="sibTrans" presStyleLbl="sibTrans2D1" presStyleIdx="1" presStyleCnt="6"/>
       <dgm:spPr/>
+      <dgm:t>
+        <a:bodyPr/>
+        <a:lstStyle/>
+        <a:p>
+          <a:endParaRPr lang="en-US"/>
+        </a:p>
+      </dgm:t>
     </dgm:pt>
     <dgm:pt modelId="{9D6F9806-D5FF-4002-98DF-25A7D3D11599}" type="pres">
       <dgm:prSet presAssocID="{67E61026-58FD-4094-8B90-533E50B9849A}" presName="connectorText" presStyleLbl="sibTrans2D1" presStyleIdx="1" presStyleCnt="6"/>
       <dgm:spPr/>
+      <dgm:t>
+        <a:bodyPr/>
+        <a:lstStyle/>
+        <a:p>
+          <a:endParaRPr lang="en-US"/>
+        </a:p>
+      </dgm:t>
     </dgm:pt>
     <dgm:pt modelId="{7A359767-1373-4F94-854C-C2C9AC24AD9C}" type="pres">
       <dgm:prSet presAssocID="{C5005033-92D4-41DD-8FFB-AAA6F546212A}" presName="node" presStyleLbl="node1" presStyleIdx="2" presStyleCnt="7" custScaleX="140744" custScaleY="110000">
@@ -8117,14 +8306,35 @@
         </dgm:presLayoutVars>
       </dgm:prSet>
       <dgm:spPr/>
+      <dgm:t>
+        <a:bodyPr/>
+        <a:lstStyle/>
+        <a:p>
+          <a:endParaRPr lang="en-US"/>
+        </a:p>
+      </dgm:t>
     </dgm:pt>
     <dgm:pt modelId="{D62A8EDC-28AD-4146-B835-FE1853F43C09}" type="pres">
       <dgm:prSet presAssocID="{7C015268-2938-46F6-8541-B8CD8E48D1AB}" presName="sibTrans" presStyleLbl="sibTrans2D1" presStyleIdx="2" presStyleCnt="6"/>
       <dgm:spPr/>
+      <dgm:t>
+        <a:bodyPr/>
+        <a:lstStyle/>
+        <a:p>
+          <a:endParaRPr lang="en-US"/>
+        </a:p>
+      </dgm:t>
     </dgm:pt>
     <dgm:pt modelId="{8F6F2BEE-4059-4276-A3EA-650CD854903F}" type="pres">
       <dgm:prSet presAssocID="{7C015268-2938-46F6-8541-B8CD8E48D1AB}" presName="connectorText" presStyleLbl="sibTrans2D1" presStyleIdx="2" presStyleCnt="6"/>
       <dgm:spPr/>
+      <dgm:t>
+        <a:bodyPr/>
+        <a:lstStyle/>
+        <a:p>
+          <a:endParaRPr lang="en-US"/>
+        </a:p>
+      </dgm:t>
     </dgm:pt>
     <dgm:pt modelId="{587304DE-C51D-40C2-8EF5-34D35118B44C}" type="pres">
       <dgm:prSet presAssocID="{6EEE752B-0229-4684-B4C0-CC6DDB66D5CC}" presName="node" presStyleLbl="node1" presStyleIdx="3" presStyleCnt="7" custScaleX="140744" custScaleY="110000">
@@ -8133,14 +8343,35 @@
         </dgm:presLayoutVars>
       </dgm:prSet>
       <dgm:spPr/>
+      <dgm:t>
+        <a:bodyPr/>
+        <a:lstStyle/>
+        <a:p>
+          <a:endParaRPr lang="en-US"/>
+        </a:p>
+      </dgm:t>
     </dgm:pt>
     <dgm:pt modelId="{BBF91EE0-9A70-4C66-8B43-1C7EF81311B4}" type="pres">
       <dgm:prSet presAssocID="{EEB85A38-6FE5-4261-BCC0-FD33CE79A9EF}" presName="sibTrans" presStyleLbl="sibTrans2D1" presStyleIdx="3" presStyleCnt="6"/>
       <dgm:spPr/>
+      <dgm:t>
+        <a:bodyPr/>
+        <a:lstStyle/>
+        <a:p>
+          <a:endParaRPr lang="en-US"/>
+        </a:p>
+      </dgm:t>
     </dgm:pt>
     <dgm:pt modelId="{352FE5DC-1D50-434C-ADA8-100B31B47D42}" type="pres">
       <dgm:prSet presAssocID="{EEB85A38-6FE5-4261-BCC0-FD33CE79A9EF}" presName="connectorText" presStyleLbl="sibTrans2D1" presStyleIdx="3" presStyleCnt="6"/>
       <dgm:spPr/>
+      <dgm:t>
+        <a:bodyPr/>
+        <a:lstStyle/>
+        <a:p>
+          <a:endParaRPr lang="en-US"/>
+        </a:p>
+      </dgm:t>
     </dgm:pt>
     <dgm:pt modelId="{E0B780D8-79CB-4B6B-A765-330365A5BA56}" type="pres">
       <dgm:prSet presAssocID="{D2A4EEC9-CB58-44EF-9BE4-B999D49D4806}" presName="node" presStyleLbl="node1" presStyleIdx="4" presStyleCnt="7" custScaleX="140744" custScaleY="110000">
@@ -8149,14 +8380,35 @@
         </dgm:presLayoutVars>
       </dgm:prSet>
       <dgm:spPr/>
+      <dgm:t>
+        <a:bodyPr/>
+        <a:lstStyle/>
+        <a:p>
+          <a:endParaRPr lang="en-US"/>
+        </a:p>
+      </dgm:t>
     </dgm:pt>
     <dgm:pt modelId="{22943B0C-FC79-4F4A-A2D6-4488E902FCDF}" type="pres">
       <dgm:prSet presAssocID="{A7E1657B-12D3-4C4D-9317-275DFE635BF9}" presName="sibTrans" presStyleLbl="sibTrans2D1" presStyleIdx="4" presStyleCnt="6"/>
       <dgm:spPr/>
+      <dgm:t>
+        <a:bodyPr/>
+        <a:lstStyle/>
+        <a:p>
+          <a:endParaRPr lang="en-US"/>
+        </a:p>
+      </dgm:t>
     </dgm:pt>
     <dgm:pt modelId="{57B58789-5A8F-4122-B65A-3199D936A251}" type="pres">
       <dgm:prSet presAssocID="{A7E1657B-12D3-4C4D-9317-275DFE635BF9}" presName="connectorText" presStyleLbl="sibTrans2D1" presStyleIdx="4" presStyleCnt="6"/>
       <dgm:spPr/>
+      <dgm:t>
+        <a:bodyPr/>
+        <a:lstStyle/>
+        <a:p>
+          <a:endParaRPr lang="en-US"/>
+        </a:p>
+      </dgm:t>
     </dgm:pt>
     <dgm:pt modelId="{E64BB72B-8FED-4FA3-8049-A3DD57954BBC}" type="pres">
       <dgm:prSet presAssocID="{680A31B8-1B31-4855-B680-5C2E09B694E5}" presName="node" presStyleLbl="node1" presStyleIdx="5" presStyleCnt="7" custScaleX="140744" custScaleY="110000">
@@ -8165,14 +8417,35 @@
         </dgm:presLayoutVars>
       </dgm:prSet>
       <dgm:spPr/>
+      <dgm:t>
+        <a:bodyPr/>
+        <a:lstStyle/>
+        <a:p>
+          <a:endParaRPr lang="en-US"/>
+        </a:p>
+      </dgm:t>
     </dgm:pt>
     <dgm:pt modelId="{14ED9C5A-E794-4EF7-86FA-DE50F867143C}" type="pres">
       <dgm:prSet presAssocID="{41E2274A-589D-4C9B-ADEF-BB9818A84AF9}" presName="sibTrans" presStyleLbl="sibTrans2D1" presStyleIdx="5" presStyleCnt="6"/>
       <dgm:spPr/>
+      <dgm:t>
+        <a:bodyPr/>
+        <a:lstStyle/>
+        <a:p>
+          <a:endParaRPr lang="en-US"/>
+        </a:p>
+      </dgm:t>
     </dgm:pt>
     <dgm:pt modelId="{E5ED9161-CB2C-42AE-87DB-57EA6D1621C3}" type="pres">
       <dgm:prSet presAssocID="{41E2274A-589D-4C9B-ADEF-BB9818A84AF9}" presName="connectorText" presStyleLbl="sibTrans2D1" presStyleIdx="5" presStyleCnt="6"/>
       <dgm:spPr/>
+      <dgm:t>
+        <a:bodyPr/>
+        <a:lstStyle/>
+        <a:p>
+          <a:endParaRPr lang="en-US"/>
+        </a:p>
+      </dgm:t>
     </dgm:pt>
     <dgm:pt modelId="{49CF2DD7-B708-45CB-8B77-DBD30A0630BB}" type="pres">
       <dgm:prSet presAssocID="{80533E6E-AC03-4237-8CFD-ADC5A789884C}" presName="node" presStyleLbl="node1" presStyleIdx="6" presStyleCnt="7" custScaleX="140744" custScaleY="110000">
@@ -8181,36 +8454,43 @@
         </dgm:presLayoutVars>
       </dgm:prSet>
       <dgm:spPr/>
+      <dgm:t>
+        <a:bodyPr/>
+        <a:lstStyle/>
+        <a:p>
+          <a:endParaRPr lang="en-US"/>
+        </a:p>
+      </dgm:t>
     </dgm:pt>
   </dgm:ptLst>
   <dgm:cxnLst>
+    <dgm:cxn modelId="{548B9068-5651-4276-9BC7-CD784D25A836}" type="presOf" srcId="{F2895ABF-0B55-469A-A334-21F3EFA565F3}" destId="{67DED806-F6CE-43B3-B020-8848CF6F09A6}" srcOrd="0" destOrd="0" presId="urn:microsoft.com/office/officeart/2005/8/layout/process2"/>
+    <dgm:cxn modelId="{D1AEE91B-DC4C-43E9-8242-9FC348C789BA}" type="presOf" srcId="{EEB85A38-6FE5-4261-BCC0-FD33CE79A9EF}" destId="{352FE5DC-1D50-434C-ADA8-100B31B47D42}" srcOrd="1" destOrd="0" presId="urn:microsoft.com/office/officeart/2005/8/layout/process2"/>
+    <dgm:cxn modelId="{2A384CB6-223F-42AB-9A47-5DCB105AD576}" srcId="{F2895ABF-0B55-469A-A334-21F3EFA565F3}" destId="{49DA27BC-869B-46F5-8956-0CD73CE8773A}" srcOrd="1" destOrd="0" parTransId="{352265DB-B09D-4E6A-AAE3-EF9ABE86E0D1}" sibTransId="{67E61026-58FD-4094-8B90-533E50B9849A}"/>
+    <dgm:cxn modelId="{54E48040-C5D1-4132-8E7C-2946C31BB391}" type="presOf" srcId="{41E2274A-589D-4C9B-ADEF-BB9818A84AF9}" destId="{14ED9C5A-E794-4EF7-86FA-DE50F867143C}" srcOrd="0" destOrd="0" presId="urn:microsoft.com/office/officeart/2005/8/layout/process2"/>
+    <dgm:cxn modelId="{D527DCE7-8D72-487A-96A7-DA77CB7CA9A4}" type="presOf" srcId="{EEB85A38-6FE5-4261-BCC0-FD33CE79A9EF}" destId="{BBF91EE0-9A70-4C66-8B43-1C7EF81311B4}" srcOrd="0" destOrd="0" presId="urn:microsoft.com/office/officeart/2005/8/layout/process2"/>
+    <dgm:cxn modelId="{AD549B26-401F-452E-81FC-604B0A1546DB}" type="presOf" srcId="{680A31B8-1B31-4855-B680-5C2E09B694E5}" destId="{E64BB72B-8FED-4FA3-8049-A3DD57954BBC}" srcOrd="0" destOrd="0" presId="urn:microsoft.com/office/officeart/2005/8/layout/process2"/>
+    <dgm:cxn modelId="{CA066FEC-ED1D-4569-8CAF-3BBBCCEC1366}" type="presOf" srcId="{A7E1657B-12D3-4C4D-9317-275DFE635BF9}" destId="{22943B0C-FC79-4F4A-A2D6-4488E902FCDF}" srcOrd="0" destOrd="0" presId="urn:microsoft.com/office/officeart/2005/8/layout/process2"/>
     <dgm:cxn modelId="{E9670718-498B-4FE7-BA0D-C57F70741B0A}" type="presOf" srcId="{D2A4EEC9-CB58-44EF-9BE4-B999D49D4806}" destId="{E0B780D8-79CB-4B6B-A765-330365A5BA56}" srcOrd="0" destOrd="0" presId="urn:microsoft.com/office/officeart/2005/8/layout/process2"/>
-    <dgm:cxn modelId="{D1AEE91B-DC4C-43E9-8242-9FC348C789BA}" type="presOf" srcId="{EEB85A38-6FE5-4261-BCC0-FD33CE79A9EF}" destId="{352FE5DC-1D50-434C-ADA8-100B31B47D42}" srcOrd="1" destOrd="0" presId="urn:microsoft.com/office/officeart/2005/8/layout/process2"/>
+    <dgm:cxn modelId="{A002412E-5A13-463B-957B-5851EF9CF3EB}" srcId="{F2895ABF-0B55-469A-A334-21F3EFA565F3}" destId="{6EEE752B-0229-4684-B4C0-CC6DDB66D5CC}" srcOrd="3" destOrd="0" parTransId="{C05FE28B-5263-4ECC-9768-A8887D631C30}" sibTransId="{EEB85A38-6FE5-4261-BCC0-FD33CE79A9EF}"/>
+    <dgm:cxn modelId="{F72A70A1-3995-472F-A233-0FADEA029489}" type="presOf" srcId="{0B45398B-589C-45CB-9D29-5659223A7291}" destId="{43F6BAEA-4AAE-4161-96A2-31F1B1982731}" srcOrd="0" destOrd="0" presId="urn:microsoft.com/office/officeart/2005/8/layout/process2"/>
+    <dgm:cxn modelId="{54594A38-5B4A-44CD-94A5-2A2AEBB70B90}" type="presOf" srcId="{A7E1657B-12D3-4C4D-9317-275DFE635BF9}" destId="{57B58789-5A8F-4122-B65A-3199D936A251}" srcOrd="1" destOrd="0" presId="urn:microsoft.com/office/officeart/2005/8/layout/process2"/>
+    <dgm:cxn modelId="{44A04C4F-F1AE-4D75-A602-6B2967595E35}" type="presOf" srcId="{67E61026-58FD-4094-8B90-533E50B9849A}" destId="{53E8EB28-2AF3-4962-A1DB-CB4CC2E75A6B}" srcOrd="0" destOrd="0" presId="urn:microsoft.com/office/officeart/2005/8/layout/process2"/>
+    <dgm:cxn modelId="{954A2A90-81D8-4DFD-9FF3-3E1CEF299E0F}" type="presOf" srcId="{1A15A384-456A-4939-A036-5E642C322B61}" destId="{7C16DD59-EC11-49D1-950F-6FFB06567F80}" srcOrd="1" destOrd="0" presId="urn:microsoft.com/office/officeart/2005/8/layout/process2"/>
+    <dgm:cxn modelId="{BDF954C3-ECA9-44CE-AE85-E19F11DF41DE}" type="presOf" srcId="{6EEE752B-0229-4684-B4C0-CC6DDB66D5CC}" destId="{587304DE-C51D-40C2-8EF5-34D35118B44C}" srcOrd="0" destOrd="0" presId="urn:microsoft.com/office/officeart/2005/8/layout/process2"/>
+    <dgm:cxn modelId="{7E236A77-14A2-424B-81B7-1F688FD0647D}" type="presOf" srcId="{67E61026-58FD-4094-8B90-533E50B9849A}" destId="{9D6F9806-D5FF-4002-98DF-25A7D3D11599}" srcOrd="1" destOrd="0" presId="urn:microsoft.com/office/officeart/2005/8/layout/process2"/>
+    <dgm:cxn modelId="{BD835193-33C1-4F80-B9FB-F3A3667BC68F}" type="presOf" srcId="{49DA27BC-869B-46F5-8956-0CD73CE8773A}" destId="{722C9942-1C8B-4452-8D36-6F0004243210}" srcOrd="0" destOrd="0" presId="urn:microsoft.com/office/officeart/2005/8/layout/process2"/>
+    <dgm:cxn modelId="{D383B3DA-17B3-4822-A436-788A4F6A63C8}" type="presOf" srcId="{1A15A384-456A-4939-A036-5E642C322B61}" destId="{1BD21772-7C57-47E4-8006-374CC747770F}" srcOrd="0" destOrd="0" presId="urn:microsoft.com/office/officeart/2005/8/layout/process2"/>
     <dgm:cxn modelId="{FC6DF625-A01A-4103-AA04-0A61C9595C18}" srcId="{F2895ABF-0B55-469A-A334-21F3EFA565F3}" destId="{D2A4EEC9-CB58-44EF-9BE4-B999D49D4806}" srcOrd="4" destOrd="0" parTransId="{E6E840C6-7B9D-49EB-B8FB-01456BF9B783}" sibTransId="{A7E1657B-12D3-4C4D-9317-275DFE635BF9}"/>
-    <dgm:cxn modelId="{AD549B26-401F-452E-81FC-604B0A1546DB}" type="presOf" srcId="{680A31B8-1B31-4855-B680-5C2E09B694E5}" destId="{E64BB72B-8FED-4FA3-8049-A3DD57954BBC}" srcOrd="0" destOrd="0" presId="urn:microsoft.com/office/officeart/2005/8/layout/process2"/>
-    <dgm:cxn modelId="{A002412E-5A13-463B-957B-5851EF9CF3EB}" srcId="{F2895ABF-0B55-469A-A334-21F3EFA565F3}" destId="{6EEE752B-0229-4684-B4C0-CC6DDB66D5CC}" srcOrd="3" destOrd="0" parTransId="{C05FE28B-5263-4ECC-9768-A8887D631C30}" sibTransId="{EEB85A38-6FE5-4261-BCC0-FD33CE79A9EF}"/>
-    <dgm:cxn modelId="{54594A38-5B4A-44CD-94A5-2A2AEBB70B90}" type="presOf" srcId="{A7E1657B-12D3-4C4D-9317-275DFE635BF9}" destId="{57B58789-5A8F-4122-B65A-3199D936A251}" srcOrd="1" destOrd="0" presId="urn:microsoft.com/office/officeart/2005/8/layout/process2"/>
-    <dgm:cxn modelId="{54E48040-C5D1-4132-8E7C-2946C31BB391}" type="presOf" srcId="{41E2274A-589D-4C9B-ADEF-BB9818A84AF9}" destId="{14ED9C5A-E794-4EF7-86FA-DE50F867143C}" srcOrd="0" destOrd="0" presId="urn:microsoft.com/office/officeart/2005/8/layout/process2"/>
+    <dgm:cxn modelId="{B801CF97-69EC-4B25-9690-9A6346FAA781}" type="presOf" srcId="{7C015268-2938-46F6-8541-B8CD8E48D1AB}" destId="{8F6F2BEE-4059-4276-A3EA-650CD854903F}" srcOrd="1" destOrd="0" presId="urn:microsoft.com/office/officeart/2005/8/layout/process2"/>
+    <dgm:cxn modelId="{9EAB20F8-E12F-41EE-A49D-F0FCC218541E}" type="presOf" srcId="{C5005033-92D4-41DD-8FFB-AAA6F546212A}" destId="{7A359767-1373-4F94-854C-C2C9AC24AD9C}" srcOrd="0" destOrd="0" presId="urn:microsoft.com/office/officeart/2005/8/layout/process2"/>
+    <dgm:cxn modelId="{4D5C1FAD-F3FF-422B-AE67-CFE7DCC0EED9}" srcId="{F2895ABF-0B55-469A-A334-21F3EFA565F3}" destId="{C5005033-92D4-41DD-8FFB-AAA6F546212A}" srcOrd="2" destOrd="0" parTransId="{712C2AFA-154C-4173-9C00-C886FC9052D3}" sibTransId="{7C015268-2938-46F6-8541-B8CD8E48D1AB}"/>
+    <dgm:cxn modelId="{D11588DB-C897-4ACF-9EB3-FB15D3D158BB}" srcId="{F2895ABF-0B55-469A-A334-21F3EFA565F3}" destId="{80533E6E-AC03-4237-8CFD-ADC5A789884C}" srcOrd="6" destOrd="0" parTransId="{6A947F24-BCD5-4B62-866F-09F05990ECFF}" sibTransId="{9E89B93F-D1B3-4DDE-8682-4BA9658BBD94}"/>
+    <dgm:cxn modelId="{353930F2-2487-4F58-8E80-2E7EAAADA283}" type="presOf" srcId="{7C015268-2938-46F6-8541-B8CD8E48D1AB}" destId="{D62A8EDC-28AD-4146-B835-FE1853F43C09}" srcOrd="0" destOrd="0" presId="urn:microsoft.com/office/officeart/2005/8/layout/process2"/>
+    <dgm:cxn modelId="{56EB4E71-3252-4D04-BC24-25A30843F289}" type="presOf" srcId="{41E2274A-589D-4C9B-ADEF-BB9818A84AF9}" destId="{E5ED9161-CB2C-42AE-87DB-57EA6D1621C3}" srcOrd="1" destOrd="0" presId="urn:microsoft.com/office/officeart/2005/8/layout/process2"/>
+    <dgm:cxn modelId="{A000F3D5-43DC-47AF-8994-B2113923F7F6}" type="presOf" srcId="{80533E6E-AC03-4237-8CFD-ADC5A789884C}" destId="{49CF2DD7-B708-45CB-8B77-DBD30A0630BB}" srcOrd="0" destOrd="0" presId="urn:microsoft.com/office/officeart/2005/8/layout/process2"/>
     <dgm:cxn modelId="{E996F347-7D27-4447-B764-CC500AC4E7D0}" srcId="{F2895ABF-0B55-469A-A334-21F3EFA565F3}" destId="{0B45398B-589C-45CB-9D29-5659223A7291}" srcOrd="0" destOrd="0" parTransId="{5AF75DEA-44BC-4DD9-961A-DBCBA90D5B06}" sibTransId="{1A15A384-456A-4939-A036-5E642C322B61}"/>
-    <dgm:cxn modelId="{548B9068-5651-4276-9BC7-CD784D25A836}" type="presOf" srcId="{F2895ABF-0B55-469A-A334-21F3EFA565F3}" destId="{67DED806-F6CE-43B3-B020-8848CF6F09A6}" srcOrd="0" destOrd="0" presId="urn:microsoft.com/office/officeart/2005/8/layout/process2"/>
-    <dgm:cxn modelId="{44A04C4F-F1AE-4D75-A602-6B2967595E35}" type="presOf" srcId="{67E61026-58FD-4094-8B90-533E50B9849A}" destId="{53E8EB28-2AF3-4962-A1DB-CB4CC2E75A6B}" srcOrd="0" destOrd="0" presId="urn:microsoft.com/office/officeart/2005/8/layout/process2"/>
-    <dgm:cxn modelId="{56EB4E71-3252-4D04-BC24-25A30843F289}" type="presOf" srcId="{41E2274A-589D-4C9B-ADEF-BB9818A84AF9}" destId="{E5ED9161-CB2C-42AE-87DB-57EA6D1621C3}" srcOrd="1" destOrd="0" presId="urn:microsoft.com/office/officeart/2005/8/layout/process2"/>
-    <dgm:cxn modelId="{7E236A77-14A2-424B-81B7-1F688FD0647D}" type="presOf" srcId="{67E61026-58FD-4094-8B90-533E50B9849A}" destId="{9D6F9806-D5FF-4002-98DF-25A7D3D11599}" srcOrd="1" destOrd="0" presId="urn:microsoft.com/office/officeart/2005/8/layout/process2"/>
-    <dgm:cxn modelId="{954A2A90-81D8-4DFD-9FF3-3E1CEF299E0F}" type="presOf" srcId="{1A15A384-456A-4939-A036-5E642C322B61}" destId="{7C16DD59-EC11-49D1-950F-6FFB06567F80}" srcOrd="1" destOrd="0" presId="urn:microsoft.com/office/officeart/2005/8/layout/process2"/>
-    <dgm:cxn modelId="{BD835193-33C1-4F80-B9FB-F3A3667BC68F}" type="presOf" srcId="{49DA27BC-869B-46F5-8956-0CD73CE8773A}" destId="{722C9942-1C8B-4452-8D36-6F0004243210}" srcOrd="0" destOrd="0" presId="urn:microsoft.com/office/officeart/2005/8/layout/process2"/>
-    <dgm:cxn modelId="{B801CF97-69EC-4B25-9690-9A6346FAA781}" type="presOf" srcId="{7C015268-2938-46F6-8541-B8CD8E48D1AB}" destId="{8F6F2BEE-4059-4276-A3EA-650CD854903F}" srcOrd="1" destOrd="0" presId="urn:microsoft.com/office/officeart/2005/8/layout/process2"/>
-    <dgm:cxn modelId="{F72A70A1-3995-472F-A233-0FADEA029489}" type="presOf" srcId="{0B45398B-589C-45CB-9D29-5659223A7291}" destId="{43F6BAEA-4AAE-4161-96A2-31F1B1982731}" srcOrd="0" destOrd="0" presId="urn:microsoft.com/office/officeart/2005/8/layout/process2"/>
-    <dgm:cxn modelId="{4D5C1FAD-F3FF-422B-AE67-CFE7DCC0EED9}" srcId="{F2895ABF-0B55-469A-A334-21F3EFA565F3}" destId="{C5005033-92D4-41DD-8FFB-AAA6F546212A}" srcOrd="2" destOrd="0" parTransId="{712C2AFA-154C-4173-9C00-C886FC9052D3}" sibTransId="{7C015268-2938-46F6-8541-B8CD8E48D1AB}"/>
-    <dgm:cxn modelId="{2A384CB6-223F-42AB-9A47-5DCB105AD576}" srcId="{F2895ABF-0B55-469A-A334-21F3EFA565F3}" destId="{49DA27BC-869B-46F5-8956-0CD73CE8773A}" srcOrd="1" destOrd="0" parTransId="{352265DB-B09D-4E6A-AAE3-EF9ABE86E0D1}" sibTransId="{67E61026-58FD-4094-8B90-533E50B9849A}"/>
-    <dgm:cxn modelId="{BDF954C3-ECA9-44CE-AE85-E19F11DF41DE}" type="presOf" srcId="{6EEE752B-0229-4684-B4C0-CC6DDB66D5CC}" destId="{587304DE-C51D-40C2-8EF5-34D35118B44C}" srcOrd="0" destOrd="0" presId="urn:microsoft.com/office/officeart/2005/8/layout/process2"/>
-    <dgm:cxn modelId="{A000F3D5-43DC-47AF-8994-B2113923F7F6}" type="presOf" srcId="{80533E6E-AC03-4237-8CFD-ADC5A789884C}" destId="{49CF2DD7-B708-45CB-8B77-DBD30A0630BB}" srcOrd="0" destOrd="0" presId="urn:microsoft.com/office/officeart/2005/8/layout/process2"/>
-    <dgm:cxn modelId="{D383B3DA-17B3-4822-A436-788A4F6A63C8}" type="presOf" srcId="{1A15A384-456A-4939-A036-5E642C322B61}" destId="{1BD21772-7C57-47E4-8006-374CC747770F}" srcOrd="0" destOrd="0" presId="urn:microsoft.com/office/officeart/2005/8/layout/process2"/>
-    <dgm:cxn modelId="{D11588DB-C897-4ACF-9EB3-FB15D3D158BB}" srcId="{F2895ABF-0B55-469A-A334-21F3EFA565F3}" destId="{80533E6E-AC03-4237-8CFD-ADC5A789884C}" srcOrd="6" destOrd="0" parTransId="{6A947F24-BCD5-4B62-866F-09F05990ECFF}" sibTransId="{9E89B93F-D1B3-4DDE-8682-4BA9658BBD94}"/>
-    <dgm:cxn modelId="{D527DCE7-8D72-487A-96A7-DA77CB7CA9A4}" type="presOf" srcId="{EEB85A38-6FE5-4261-BCC0-FD33CE79A9EF}" destId="{BBF91EE0-9A70-4C66-8B43-1C7EF81311B4}" srcOrd="0" destOrd="0" presId="urn:microsoft.com/office/officeart/2005/8/layout/process2"/>
-    <dgm:cxn modelId="{CA066FEC-ED1D-4569-8CAF-3BBBCCEC1366}" type="presOf" srcId="{A7E1657B-12D3-4C4D-9317-275DFE635BF9}" destId="{22943B0C-FC79-4F4A-A2D6-4488E902FCDF}" srcOrd="0" destOrd="0" presId="urn:microsoft.com/office/officeart/2005/8/layout/process2"/>
-    <dgm:cxn modelId="{353930F2-2487-4F58-8E80-2E7EAAADA283}" type="presOf" srcId="{7C015268-2938-46F6-8541-B8CD8E48D1AB}" destId="{D62A8EDC-28AD-4146-B835-FE1853F43C09}" srcOrd="0" destOrd="0" presId="urn:microsoft.com/office/officeart/2005/8/layout/process2"/>
     <dgm:cxn modelId="{2BF143F4-E55F-443E-AB4F-248DF1B48E4C}" srcId="{F2895ABF-0B55-469A-A334-21F3EFA565F3}" destId="{680A31B8-1B31-4855-B680-5C2E09B694E5}" srcOrd="5" destOrd="0" parTransId="{FCFC1E1C-EB26-4DD7-80F0-15C150664EBD}" sibTransId="{41E2274A-589D-4C9B-ADEF-BB9818A84AF9}"/>
-    <dgm:cxn modelId="{9EAB20F8-E12F-41EE-A49D-F0FCC218541E}" type="presOf" srcId="{C5005033-92D4-41DD-8FFB-AAA6F546212A}" destId="{7A359767-1373-4F94-854C-C2C9AC24AD9C}" srcOrd="0" destOrd="0" presId="urn:microsoft.com/office/officeart/2005/8/layout/process2"/>
     <dgm:cxn modelId="{1B6B45BA-00D4-4B7C-AEA2-D8BF0B683E96}" type="presParOf" srcId="{67DED806-F6CE-43B3-B020-8848CF6F09A6}" destId="{43F6BAEA-4AAE-4161-96A2-31F1B1982731}" srcOrd="0" destOrd="0" presId="urn:microsoft.com/office/officeart/2005/8/layout/process2"/>
     <dgm:cxn modelId="{FA7F3428-0478-4199-9543-C6C74A9E9ECC}" type="presParOf" srcId="{67DED806-F6CE-43B3-B020-8848CF6F09A6}" destId="{1BD21772-7C57-47E4-8006-374CC747770F}" srcOrd="1" destOrd="0" presId="urn:microsoft.com/office/officeart/2005/8/layout/process2"/>
     <dgm:cxn modelId="{6D03F713-F8FA-4FD9-95CB-29F281DCFCED}" type="presParOf" srcId="{1BD21772-7C57-47E4-8006-374CC747770F}" destId="{7C16DD59-EC11-49D1-950F-6FFB06567F80}" srcOrd="0" destOrd="0" presId="urn:microsoft.com/office/officeart/2005/8/layout/process2"/>
@@ -8972,6 +9252,13 @@
         </dgm:presLayoutVars>
       </dgm:prSet>
       <dgm:spPr/>
+      <dgm:t>
+        <a:bodyPr/>
+        <a:lstStyle/>
+        <a:p>
+          <a:endParaRPr lang="en-US"/>
+        </a:p>
+      </dgm:t>
     </dgm:pt>
     <dgm:pt modelId="{43F6BAEA-4AAE-4161-96A2-31F1B1982731}" type="pres">
       <dgm:prSet presAssocID="{0B45398B-589C-45CB-9D29-5659223A7291}" presName="node" presStyleLbl="node1" presStyleIdx="0" presStyleCnt="7" custScaleX="140744" custScaleY="110000">
@@ -8990,14 +9277,35 @@
           </a:avLst>
         </a:prstGeom>
       </dgm:spPr>
+      <dgm:t>
+        <a:bodyPr/>
+        <a:lstStyle/>
+        <a:p>
+          <a:endParaRPr lang="en-US"/>
+        </a:p>
+      </dgm:t>
     </dgm:pt>
     <dgm:pt modelId="{1BD21772-7C57-47E4-8006-374CC747770F}" type="pres">
       <dgm:prSet presAssocID="{1A15A384-456A-4939-A036-5E642C322B61}" presName="sibTrans" presStyleLbl="sibTrans2D1" presStyleIdx="0" presStyleCnt="6"/>
       <dgm:spPr/>
+      <dgm:t>
+        <a:bodyPr/>
+        <a:lstStyle/>
+        <a:p>
+          <a:endParaRPr lang="en-US"/>
+        </a:p>
+      </dgm:t>
     </dgm:pt>
     <dgm:pt modelId="{7C16DD59-EC11-49D1-950F-6FFB06567F80}" type="pres">
       <dgm:prSet presAssocID="{1A15A384-456A-4939-A036-5E642C322B61}" presName="connectorText" presStyleLbl="sibTrans2D1" presStyleIdx="0" presStyleCnt="6"/>
       <dgm:spPr/>
+      <dgm:t>
+        <a:bodyPr/>
+        <a:lstStyle/>
+        <a:p>
+          <a:endParaRPr lang="en-US"/>
+        </a:p>
+      </dgm:t>
     </dgm:pt>
     <dgm:pt modelId="{722C9942-1C8B-4452-8D36-6F0004243210}" type="pres">
       <dgm:prSet presAssocID="{49DA27BC-869B-46F5-8956-0CD73CE8773A}" presName="node" presStyleLbl="node1" presStyleIdx="1" presStyleCnt="7" custScaleX="140744" custScaleY="110000" custLinFactNeighborX="-399" custLinFactNeighborY="-15662">
@@ -9016,14 +9324,35 @@
           </a:avLst>
         </a:prstGeom>
       </dgm:spPr>
+      <dgm:t>
+        <a:bodyPr/>
+        <a:lstStyle/>
+        <a:p>
+          <a:endParaRPr lang="en-US"/>
+        </a:p>
+      </dgm:t>
     </dgm:pt>
     <dgm:pt modelId="{53E8EB28-2AF3-4962-A1DB-CB4CC2E75A6B}" type="pres">
       <dgm:prSet presAssocID="{67E61026-58FD-4094-8B90-533E50B9849A}" presName="sibTrans" presStyleLbl="sibTrans2D1" presStyleIdx="1" presStyleCnt="6"/>
       <dgm:spPr/>
+      <dgm:t>
+        <a:bodyPr/>
+        <a:lstStyle/>
+        <a:p>
+          <a:endParaRPr lang="en-US"/>
+        </a:p>
+      </dgm:t>
     </dgm:pt>
     <dgm:pt modelId="{9D6F9806-D5FF-4002-98DF-25A7D3D11599}" type="pres">
       <dgm:prSet presAssocID="{67E61026-58FD-4094-8B90-533E50B9849A}" presName="connectorText" presStyleLbl="sibTrans2D1" presStyleIdx="1" presStyleCnt="6"/>
       <dgm:spPr/>
+      <dgm:t>
+        <a:bodyPr/>
+        <a:lstStyle/>
+        <a:p>
+          <a:endParaRPr lang="en-US"/>
+        </a:p>
+      </dgm:t>
     </dgm:pt>
     <dgm:pt modelId="{7A359767-1373-4F94-854C-C2C9AC24AD9C}" type="pres">
       <dgm:prSet presAssocID="{C5005033-92D4-41DD-8FFB-AAA6F546212A}" presName="node" presStyleLbl="node1" presStyleIdx="2" presStyleCnt="7" custScaleX="140744" custScaleY="110000">
@@ -9042,14 +9371,35 @@
           </a:avLst>
         </a:prstGeom>
       </dgm:spPr>
+      <dgm:t>
+        <a:bodyPr/>
+        <a:lstStyle/>
+        <a:p>
+          <a:endParaRPr lang="en-US"/>
+        </a:p>
+      </dgm:t>
     </dgm:pt>
     <dgm:pt modelId="{D62A8EDC-28AD-4146-B835-FE1853F43C09}" type="pres">
       <dgm:prSet presAssocID="{7C015268-2938-46F6-8541-B8CD8E48D1AB}" presName="sibTrans" presStyleLbl="sibTrans2D1" presStyleIdx="2" presStyleCnt="6"/>
       <dgm:spPr/>
+      <dgm:t>
+        <a:bodyPr/>
+        <a:lstStyle/>
+        <a:p>
+          <a:endParaRPr lang="en-US"/>
+        </a:p>
+      </dgm:t>
     </dgm:pt>
     <dgm:pt modelId="{8F6F2BEE-4059-4276-A3EA-650CD854903F}" type="pres">
       <dgm:prSet presAssocID="{7C015268-2938-46F6-8541-B8CD8E48D1AB}" presName="connectorText" presStyleLbl="sibTrans2D1" presStyleIdx="2" presStyleCnt="6"/>
       <dgm:spPr/>
+      <dgm:t>
+        <a:bodyPr/>
+        <a:lstStyle/>
+        <a:p>
+          <a:endParaRPr lang="en-US"/>
+        </a:p>
+      </dgm:t>
     </dgm:pt>
     <dgm:pt modelId="{587304DE-C51D-40C2-8EF5-34D35118B44C}" type="pres">
       <dgm:prSet presAssocID="{6EEE752B-0229-4684-B4C0-CC6DDB66D5CC}" presName="node" presStyleLbl="node1" presStyleIdx="3" presStyleCnt="7" custScaleX="140744" custScaleY="110000">
@@ -9058,14 +9408,35 @@
         </dgm:presLayoutVars>
       </dgm:prSet>
       <dgm:spPr/>
+      <dgm:t>
+        <a:bodyPr/>
+        <a:lstStyle/>
+        <a:p>
+          <a:endParaRPr lang="en-US"/>
+        </a:p>
+      </dgm:t>
     </dgm:pt>
     <dgm:pt modelId="{BBF91EE0-9A70-4C66-8B43-1C7EF81311B4}" type="pres">
       <dgm:prSet presAssocID="{EEB85A38-6FE5-4261-BCC0-FD33CE79A9EF}" presName="sibTrans" presStyleLbl="sibTrans2D1" presStyleIdx="3" presStyleCnt="6"/>
       <dgm:spPr/>
+      <dgm:t>
+        <a:bodyPr/>
+        <a:lstStyle/>
+        <a:p>
+          <a:endParaRPr lang="en-US"/>
+        </a:p>
+      </dgm:t>
     </dgm:pt>
     <dgm:pt modelId="{352FE5DC-1D50-434C-ADA8-100B31B47D42}" type="pres">
       <dgm:prSet presAssocID="{EEB85A38-6FE5-4261-BCC0-FD33CE79A9EF}" presName="connectorText" presStyleLbl="sibTrans2D1" presStyleIdx="3" presStyleCnt="6"/>
       <dgm:spPr/>
+      <dgm:t>
+        <a:bodyPr/>
+        <a:lstStyle/>
+        <a:p>
+          <a:endParaRPr lang="en-US"/>
+        </a:p>
+      </dgm:t>
     </dgm:pt>
     <dgm:pt modelId="{E0B780D8-79CB-4B6B-A765-330365A5BA56}" type="pres">
       <dgm:prSet presAssocID="{D2A4EEC9-CB58-44EF-9BE4-B999D49D4806}" presName="node" presStyleLbl="node1" presStyleIdx="4" presStyleCnt="7" custScaleX="140744" custScaleY="110000">
@@ -9074,14 +9445,35 @@
         </dgm:presLayoutVars>
       </dgm:prSet>
       <dgm:spPr/>
+      <dgm:t>
+        <a:bodyPr/>
+        <a:lstStyle/>
+        <a:p>
+          <a:endParaRPr lang="en-US"/>
+        </a:p>
+      </dgm:t>
     </dgm:pt>
     <dgm:pt modelId="{22943B0C-FC79-4F4A-A2D6-4488E902FCDF}" type="pres">
       <dgm:prSet presAssocID="{A7E1657B-12D3-4C4D-9317-275DFE635BF9}" presName="sibTrans" presStyleLbl="sibTrans2D1" presStyleIdx="4" presStyleCnt="6"/>
       <dgm:spPr/>
+      <dgm:t>
+        <a:bodyPr/>
+        <a:lstStyle/>
+        <a:p>
+          <a:endParaRPr lang="en-US"/>
+        </a:p>
+      </dgm:t>
     </dgm:pt>
     <dgm:pt modelId="{57B58789-5A8F-4122-B65A-3199D936A251}" type="pres">
       <dgm:prSet presAssocID="{A7E1657B-12D3-4C4D-9317-275DFE635BF9}" presName="connectorText" presStyleLbl="sibTrans2D1" presStyleIdx="4" presStyleCnt="6"/>
       <dgm:spPr/>
+      <dgm:t>
+        <a:bodyPr/>
+        <a:lstStyle/>
+        <a:p>
+          <a:endParaRPr lang="en-US"/>
+        </a:p>
+      </dgm:t>
     </dgm:pt>
     <dgm:pt modelId="{E64BB72B-8FED-4FA3-8049-A3DD57954BBC}" type="pres">
       <dgm:prSet presAssocID="{680A31B8-1B31-4855-B680-5C2E09B694E5}" presName="node" presStyleLbl="node1" presStyleIdx="5" presStyleCnt="7" custScaleX="140744" custScaleY="110000">
@@ -9090,14 +9482,35 @@
         </dgm:presLayoutVars>
       </dgm:prSet>
       <dgm:spPr/>
+      <dgm:t>
+        <a:bodyPr/>
+        <a:lstStyle/>
+        <a:p>
+          <a:endParaRPr lang="en-US"/>
+        </a:p>
+      </dgm:t>
     </dgm:pt>
     <dgm:pt modelId="{14ED9C5A-E794-4EF7-86FA-DE50F867143C}" type="pres">
       <dgm:prSet presAssocID="{41E2274A-589D-4C9B-ADEF-BB9818A84AF9}" presName="sibTrans" presStyleLbl="sibTrans2D1" presStyleIdx="5" presStyleCnt="6"/>
       <dgm:spPr/>
+      <dgm:t>
+        <a:bodyPr/>
+        <a:lstStyle/>
+        <a:p>
+          <a:endParaRPr lang="en-US"/>
+        </a:p>
+      </dgm:t>
     </dgm:pt>
     <dgm:pt modelId="{E5ED9161-CB2C-42AE-87DB-57EA6D1621C3}" type="pres">
       <dgm:prSet presAssocID="{41E2274A-589D-4C9B-ADEF-BB9818A84AF9}" presName="connectorText" presStyleLbl="sibTrans2D1" presStyleIdx="5" presStyleCnt="6"/>
       <dgm:spPr/>
+      <dgm:t>
+        <a:bodyPr/>
+        <a:lstStyle/>
+        <a:p>
+          <a:endParaRPr lang="en-US"/>
+        </a:p>
+      </dgm:t>
     </dgm:pt>
     <dgm:pt modelId="{49CF2DD7-B708-45CB-8B77-DBD30A0630BB}" type="pres">
       <dgm:prSet presAssocID="{80533E6E-AC03-4237-8CFD-ADC5A789884C}" presName="node" presStyleLbl="node1" presStyleIdx="6" presStyleCnt="7" custScaleX="140744" custScaleY="110000">
@@ -9106,36 +9519,43 @@
         </dgm:presLayoutVars>
       </dgm:prSet>
       <dgm:spPr/>
+      <dgm:t>
+        <a:bodyPr/>
+        <a:lstStyle/>
+        <a:p>
+          <a:endParaRPr lang="en-US"/>
+        </a:p>
+      </dgm:t>
     </dgm:pt>
   </dgm:ptLst>
   <dgm:cxnLst>
+    <dgm:cxn modelId="{548B9068-5651-4276-9BC7-CD784D25A836}" type="presOf" srcId="{F2895ABF-0B55-469A-A334-21F3EFA565F3}" destId="{67DED806-F6CE-43B3-B020-8848CF6F09A6}" srcOrd="0" destOrd="0" presId="urn:microsoft.com/office/officeart/2005/8/layout/process2"/>
+    <dgm:cxn modelId="{D1AEE91B-DC4C-43E9-8242-9FC348C789BA}" type="presOf" srcId="{EEB85A38-6FE5-4261-BCC0-FD33CE79A9EF}" destId="{352FE5DC-1D50-434C-ADA8-100B31B47D42}" srcOrd="1" destOrd="0" presId="urn:microsoft.com/office/officeart/2005/8/layout/process2"/>
+    <dgm:cxn modelId="{2A384CB6-223F-42AB-9A47-5DCB105AD576}" srcId="{F2895ABF-0B55-469A-A334-21F3EFA565F3}" destId="{49DA27BC-869B-46F5-8956-0CD73CE8773A}" srcOrd="1" destOrd="0" parTransId="{352265DB-B09D-4E6A-AAE3-EF9ABE86E0D1}" sibTransId="{67E61026-58FD-4094-8B90-533E50B9849A}"/>
+    <dgm:cxn modelId="{54E48040-C5D1-4132-8E7C-2946C31BB391}" type="presOf" srcId="{41E2274A-589D-4C9B-ADEF-BB9818A84AF9}" destId="{14ED9C5A-E794-4EF7-86FA-DE50F867143C}" srcOrd="0" destOrd="0" presId="urn:microsoft.com/office/officeart/2005/8/layout/process2"/>
+    <dgm:cxn modelId="{D527DCE7-8D72-487A-96A7-DA77CB7CA9A4}" type="presOf" srcId="{EEB85A38-6FE5-4261-BCC0-FD33CE79A9EF}" destId="{BBF91EE0-9A70-4C66-8B43-1C7EF81311B4}" srcOrd="0" destOrd="0" presId="urn:microsoft.com/office/officeart/2005/8/layout/process2"/>
+    <dgm:cxn modelId="{AD549B26-401F-452E-81FC-604B0A1546DB}" type="presOf" srcId="{680A31B8-1B31-4855-B680-5C2E09B694E5}" destId="{E64BB72B-8FED-4FA3-8049-A3DD57954BBC}" srcOrd="0" destOrd="0" presId="urn:microsoft.com/office/officeart/2005/8/layout/process2"/>
+    <dgm:cxn modelId="{CA066FEC-ED1D-4569-8CAF-3BBBCCEC1366}" type="presOf" srcId="{A7E1657B-12D3-4C4D-9317-275DFE635BF9}" destId="{22943B0C-FC79-4F4A-A2D6-4488E902FCDF}" srcOrd="0" destOrd="0" presId="urn:microsoft.com/office/officeart/2005/8/layout/process2"/>
     <dgm:cxn modelId="{E9670718-498B-4FE7-BA0D-C57F70741B0A}" type="presOf" srcId="{D2A4EEC9-CB58-44EF-9BE4-B999D49D4806}" destId="{E0B780D8-79CB-4B6B-A765-330365A5BA56}" srcOrd="0" destOrd="0" presId="urn:microsoft.com/office/officeart/2005/8/layout/process2"/>
-    <dgm:cxn modelId="{D1AEE91B-DC4C-43E9-8242-9FC348C789BA}" type="presOf" srcId="{EEB85A38-6FE5-4261-BCC0-FD33CE79A9EF}" destId="{352FE5DC-1D50-434C-ADA8-100B31B47D42}" srcOrd="1" destOrd="0" presId="urn:microsoft.com/office/officeart/2005/8/layout/process2"/>
+    <dgm:cxn modelId="{A002412E-5A13-463B-957B-5851EF9CF3EB}" srcId="{F2895ABF-0B55-469A-A334-21F3EFA565F3}" destId="{6EEE752B-0229-4684-B4C0-CC6DDB66D5CC}" srcOrd="3" destOrd="0" parTransId="{C05FE28B-5263-4ECC-9768-A8887D631C30}" sibTransId="{EEB85A38-6FE5-4261-BCC0-FD33CE79A9EF}"/>
+    <dgm:cxn modelId="{F72A70A1-3995-472F-A233-0FADEA029489}" type="presOf" srcId="{0B45398B-589C-45CB-9D29-5659223A7291}" destId="{43F6BAEA-4AAE-4161-96A2-31F1B1982731}" srcOrd="0" destOrd="0" presId="urn:microsoft.com/office/officeart/2005/8/layout/process2"/>
+    <dgm:cxn modelId="{54594A38-5B4A-44CD-94A5-2A2AEBB70B90}" type="presOf" srcId="{A7E1657B-12D3-4C4D-9317-275DFE635BF9}" destId="{57B58789-5A8F-4122-B65A-3199D936A251}" srcOrd="1" destOrd="0" presId="urn:microsoft.com/office/officeart/2005/8/layout/process2"/>
+    <dgm:cxn modelId="{44A04C4F-F1AE-4D75-A602-6B2967595E35}" type="presOf" srcId="{67E61026-58FD-4094-8B90-533E50B9849A}" destId="{53E8EB28-2AF3-4962-A1DB-CB4CC2E75A6B}" srcOrd="0" destOrd="0" presId="urn:microsoft.com/office/officeart/2005/8/layout/process2"/>
+    <dgm:cxn modelId="{954A2A90-81D8-4DFD-9FF3-3E1CEF299E0F}" type="presOf" srcId="{1A15A384-456A-4939-A036-5E642C322B61}" destId="{7C16DD59-EC11-49D1-950F-6FFB06567F80}" srcOrd="1" destOrd="0" presId="urn:microsoft.com/office/officeart/2005/8/layout/process2"/>
+    <dgm:cxn modelId="{BDF954C3-ECA9-44CE-AE85-E19F11DF41DE}" type="presOf" srcId="{6EEE752B-0229-4684-B4C0-CC6DDB66D5CC}" destId="{587304DE-C51D-40C2-8EF5-34D35118B44C}" srcOrd="0" destOrd="0" presId="urn:microsoft.com/office/officeart/2005/8/layout/process2"/>
+    <dgm:cxn modelId="{7E236A77-14A2-424B-81B7-1F688FD0647D}" type="presOf" srcId="{67E61026-58FD-4094-8B90-533E50B9849A}" destId="{9D6F9806-D5FF-4002-98DF-25A7D3D11599}" srcOrd="1" destOrd="0" presId="urn:microsoft.com/office/officeart/2005/8/layout/process2"/>
+    <dgm:cxn modelId="{BD835193-33C1-4F80-B9FB-F3A3667BC68F}" type="presOf" srcId="{49DA27BC-869B-46F5-8956-0CD73CE8773A}" destId="{722C9942-1C8B-4452-8D36-6F0004243210}" srcOrd="0" destOrd="0" presId="urn:microsoft.com/office/officeart/2005/8/layout/process2"/>
+    <dgm:cxn modelId="{D383B3DA-17B3-4822-A436-788A4F6A63C8}" type="presOf" srcId="{1A15A384-456A-4939-A036-5E642C322B61}" destId="{1BD21772-7C57-47E4-8006-374CC747770F}" srcOrd="0" destOrd="0" presId="urn:microsoft.com/office/officeart/2005/8/layout/process2"/>
     <dgm:cxn modelId="{FC6DF625-A01A-4103-AA04-0A61C9595C18}" srcId="{F2895ABF-0B55-469A-A334-21F3EFA565F3}" destId="{D2A4EEC9-CB58-44EF-9BE4-B999D49D4806}" srcOrd="4" destOrd="0" parTransId="{E6E840C6-7B9D-49EB-B8FB-01456BF9B783}" sibTransId="{A7E1657B-12D3-4C4D-9317-275DFE635BF9}"/>
-    <dgm:cxn modelId="{AD549B26-401F-452E-81FC-604B0A1546DB}" type="presOf" srcId="{680A31B8-1B31-4855-B680-5C2E09B694E5}" destId="{E64BB72B-8FED-4FA3-8049-A3DD57954BBC}" srcOrd="0" destOrd="0" presId="urn:microsoft.com/office/officeart/2005/8/layout/process2"/>
-    <dgm:cxn modelId="{A002412E-5A13-463B-957B-5851EF9CF3EB}" srcId="{F2895ABF-0B55-469A-A334-21F3EFA565F3}" destId="{6EEE752B-0229-4684-B4C0-CC6DDB66D5CC}" srcOrd="3" destOrd="0" parTransId="{C05FE28B-5263-4ECC-9768-A8887D631C30}" sibTransId="{EEB85A38-6FE5-4261-BCC0-FD33CE79A9EF}"/>
-    <dgm:cxn modelId="{54594A38-5B4A-44CD-94A5-2A2AEBB70B90}" type="presOf" srcId="{A7E1657B-12D3-4C4D-9317-275DFE635BF9}" destId="{57B58789-5A8F-4122-B65A-3199D936A251}" srcOrd="1" destOrd="0" presId="urn:microsoft.com/office/officeart/2005/8/layout/process2"/>
-    <dgm:cxn modelId="{54E48040-C5D1-4132-8E7C-2946C31BB391}" type="presOf" srcId="{41E2274A-589D-4C9B-ADEF-BB9818A84AF9}" destId="{14ED9C5A-E794-4EF7-86FA-DE50F867143C}" srcOrd="0" destOrd="0" presId="urn:microsoft.com/office/officeart/2005/8/layout/process2"/>
+    <dgm:cxn modelId="{B801CF97-69EC-4B25-9690-9A6346FAA781}" type="presOf" srcId="{7C015268-2938-46F6-8541-B8CD8E48D1AB}" destId="{8F6F2BEE-4059-4276-A3EA-650CD854903F}" srcOrd="1" destOrd="0" presId="urn:microsoft.com/office/officeart/2005/8/layout/process2"/>
+    <dgm:cxn modelId="{9EAB20F8-E12F-41EE-A49D-F0FCC218541E}" type="presOf" srcId="{C5005033-92D4-41DD-8FFB-AAA6F546212A}" destId="{7A359767-1373-4F94-854C-C2C9AC24AD9C}" srcOrd="0" destOrd="0" presId="urn:microsoft.com/office/officeart/2005/8/layout/process2"/>
+    <dgm:cxn modelId="{4D5C1FAD-F3FF-422B-AE67-CFE7DCC0EED9}" srcId="{F2895ABF-0B55-469A-A334-21F3EFA565F3}" destId="{C5005033-92D4-41DD-8FFB-AAA6F546212A}" srcOrd="2" destOrd="0" parTransId="{712C2AFA-154C-4173-9C00-C886FC9052D3}" sibTransId="{7C015268-2938-46F6-8541-B8CD8E48D1AB}"/>
+    <dgm:cxn modelId="{D11588DB-C897-4ACF-9EB3-FB15D3D158BB}" srcId="{F2895ABF-0B55-469A-A334-21F3EFA565F3}" destId="{80533E6E-AC03-4237-8CFD-ADC5A789884C}" srcOrd="6" destOrd="0" parTransId="{6A947F24-BCD5-4B62-866F-09F05990ECFF}" sibTransId="{9E89B93F-D1B3-4DDE-8682-4BA9658BBD94}"/>
+    <dgm:cxn modelId="{353930F2-2487-4F58-8E80-2E7EAAADA283}" type="presOf" srcId="{7C015268-2938-46F6-8541-B8CD8E48D1AB}" destId="{D62A8EDC-28AD-4146-B835-FE1853F43C09}" srcOrd="0" destOrd="0" presId="urn:microsoft.com/office/officeart/2005/8/layout/process2"/>
+    <dgm:cxn modelId="{56EB4E71-3252-4D04-BC24-25A30843F289}" type="presOf" srcId="{41E2274A-589D-4C9B-ADEF-BB9818A84AF9}" destId="{E5ED9161-CB2C-42AE-87DB-57EA6D1621C3}" srcOrd="1" destOrd="0" presId="urn:microsoft.com/office/officeart/2005/8/layout/process2"/>
+    <dgm:cxn modelId="{A000F3D5-43DC-47AF-8994-B2113923F7F6}" type="presOf" srcId="{80533E6E-AC03-4237-8CFD-ADC5A789884C}" destId="{49CF2DD7-B708-45CB-8B77-DBD30A0630BB}" srcOrd="0" destOrd="0" presId="urn:microsoft.com/office/officeart/2005/8/layout/process2"/>
     <dgm:cxn modelId="{E996F347-7D27-4447-B764-CC500AC4E7D0}" srcId="{F2895ABF-0B55-469A-A334-21F3EFA565F3}" destId="{0B45398B-589C-45CB-9D29-5659223A7291}" srcOrd="0" destOrd="0" parTransId="{5AF75DEA-44BC-4DD9-961A-DBCBA90D5B06}" sibTransId="{1A15A384-456A-4939-A036-5E642C322B61}"/>
-    <dgm:cxn modelId="{548B9068-5651-4276-9BC7-CD784D25A836}" type="presOf" srcId="{F2895ABF-0B55-469A-A334-21F3EFA565F3}" destId="{67DED806-F6CE-43B3-B020-8848CF6F09A6}" srcOrd="0" destOrd="0" presId="urn:microsoft.com/office/officeart/2005/8/layout/process2"/>
-    <dgm:cxn modelId="{44A04C4F-F1AE-4D75-A602-6B2967595E35}" type="presOf" srcId="{67E61026-58FD-4094-8B90-533E50B9849A}" destId="{53E8EB28-2AF3-4962-A1DB-CB4CC2E75A6B}" srcOrd="0" destOrd="0" presId="urn:microsoft.com/office/officeart/2005/8/layout/process2"/>
-    <dgm:cxn modelId="{56EB4E71-3252-4D04-BC24-25A30843F289}" type="presOf" srcId="{41E2274A-589D-4C9B-ADEF-BB9818A84AF9}" destId="{E5ED9161-CB2C-42AE-87DB-57EA6D1621C3}" srcOrd="1" destOrd="0" presId="urn:microsoft.com/office/officeart/2005/8/layout/process2"/>
-    <dgm:cxn modelId="{7E236A77-14A2-424B-81B7-1F688FD0647D}" type="presOf" srcId="{67E61026-58FD-4094-8B90-533E50B9849A}" destId="{9D6F9806-D5FF-4002-98DF-25A7D3D11599}" srcOrd="1" destOrd="0" presId="urn:microsoft.com/office/officeart/2005/8/layout/process2"/>
-    <dgm:cxn modelId="{954A2A90-81D8-4DFD-9FF3-3E1CEF299E0F}" type="presOf" srcId="{1A15A384-456A-4939-A036-5E642C322B61}" destId="{7C16DD59-EC11-49D1-950F-6FFB06567F80}" srcOrd="1" destOrd="0" presId="urn:microsoft.com/office/officeart/2005/8/layout/process2"/>
-    <dgm:cxn modelId="{BD835193-33C1-4F80-B9FB-F3A3667BC68F}" type="presOf" srcId="{49DA27BC-869B-46F5-8956-0CD73CE8773A}" destId="{722C9942-1C8B-4452-8D36-6F0004243210}" srcOrd="0" destOrd="0" presId="urn:microsoft.com/office/officeart/2005/8/layout/process2"/>
-    <dgm:cxn modelId="{B801CF97-69EC-4B25-9690-9A6346FAA781}" type="presOf" srcId="{7C015268-2938-46F6-8541-B8CD8E48D1AB}" destId="{8F6F2BEE-4059-4276-A3EA-650CD854903F}" srcOrd="1" destOrd="0" presId="urn:microsoft.com/office/officeart/2005/8/layout/process2"/>
-    <dgm:cxn modelId="{F72A70A1-3995-472F-A233-0FADEA029489}" type="presOf" srcId="{0B45398B-589C-45CB-9D29-5659223A7291}" destId="{43F6BAEA-4AAE-4161-96A2-31F1B1982731}" srcOrd="0" destOrd="0" presId="urn:microsoft.com/office/officeart/2005/8/layout/process2"/>
-    <dgm:cxn modelId="{4D5C1FAD-F3FF-422B-AE67-CFE7DCC0EED9}" srcId="{F2895ABF-0B55-469A-A334-21F3EFA565F3}" destId="{C5005033-92D4-41DD-8FFB-AAA6F546212A}" srcOrd="2" destOrd="0" parTransId="{712C2AFA-154C-4173-9C00-C886FC9052D3}" sibTransId="{7C015268-2938-46F6-8541-B8CD8E48D1AB}"/>
-    <dgm:cxn modelId="{2A384CB6-223F-42AB-9A47-5DCB105AD576}" srcId="{F2895ABF-0B55-469A-A334-21F3EFA565F3}" destId="{49DA27BC-869B-46F5-8956-0CD73CE8773A}" srcOrd="1" destOrd="0" parTransId="{352265DB-B09D-4E6A-AAE3-EF9ABE86E0D1}" sibTransId="{67E61026-58FD-4094-8B90-533E50B9849A}"/>
-    <dgm:cxn modelId="{BDF954C3-ECA9-44CE-AE85-E19F11DF41DE}" type="presOf" srcId="{6EEE752B-0229-4684-B4C0-CC6DDB66D5CC}" destId="{587304DE-C51D-40C2-8EF5-34D35118B44C}" srcOrd="0" destOrd="0" presId="urn:microsoft.com/office/officeart/2005/8/layout/process2"/>
-    <dgm:cxn modelId="{A000F3D5-43DC-47AF-8994-B2113923F7F6}" type="presOf" srcId="{80533E6E-AC03-4237-8CFD-ADC5A789884C}" destId="{49CF2DD7-B708-45CB-8B77-DBD30A0630BB}" srcOrd="0" destOrd="0" presId="urn:microsoft.com/office/officeart/2005/8/layout/process2"/>
-    <dgm:cxn modelId="{D383B3DA-17B3-4822-A436-788A4F6A63C8}" type="presOf" srcId="{1A15A384-456A-4939-A036-5E642C322B61}" destId="{1BD21772-7C57-47E4-8006-374CC747770F}" srcOrd="0" destOrd="0" presId="urn:microsoft.com/office/officeart/2005/8/layout/process2"/>
-    <dgm:cxn modelId="{D11588DB-C897-4ACF-9EB3-FB15D3D158BB}" srcId="{F2895ABF-0B55-469A-A334-21F3EFA565F3}" destId="{80533E6E-AC03-4237-8CFD-ADC5A789884C}" srcOrd="6" destOrd="0" parTransId="{6A947F24-BCD5-4B62-866F-09F05990ECFF}" sibTransId="{9E89B93F-D1B3-4DDE-8682-4BA9658BBD94}"/>
-    <dgm:cxn modelId="{D527DCE7-8D72-487A-96A7-DA77CB7CA9A4}" type="presOf" srcId="{EEB85A38-6FE5-4261-BCC0-FD33CE79A9EF}" destId="{BBF91EE0-9A70-4C66-8B43-1C7EF81311B4}" srcOrd="0" destOrd="0" presId="urn:microsoft.com/office/officeart/2005/8/layout/process2"/>
-    <dgm:cxn modelId="{CA066FEC-ED1D-4569-8CAF-3BBBCCEC1366}" type="presOf" srcId="{A7E1657B-12D3-4C4D-9317-275DFE635BF9}" destId="{22943B0C-FC79-4F4A-A2D6-4488E902FCDF}" srcOrd="0" destOrd="0" presId="urn:microsoft.com/office/officeart/2005/8/layout/process2"/>
-    <dgm:cxn modelId="{353930F2-2487-4F58-8E80-2E7EAAADA283}" type="presOf" srcId="{7C015268-2938-46F6-8541-B8CD8E48D1AB}" destId="{D62A8EDC-28AD-4146-B835-FE1853F43C09}" srcOrd="0" destOrd="0" presId="urn:microsoft.com/office/officeart/2005/8/layout/process2"/>
     <dgm:cxn modelId="{2BF143F4-E55F-443E-AB4F-248DF1B48E4C}" srcId="{F2895ABF-0B55-469A-A334-21F3EFA565F3}" destId="{680A31B8-1B31-4855-B680-5C2E09B694E5}" srcOrd="5" destOrd="0" parTransId="{FCFC1E1C-EB26-4DD7-80F0-15C150664EBD}" sibTransId="{41E2274A-589D-4C9B-ADEF-BB9818A84AF9}"/>
-    <dgm:cxn modelId="{9EAB20F8-E12F-41EE-A49D-F0FCC218541E}" type="presOf" srcId="{C5005033-92D4-41DD-8FFB-AAA6F546212A}" destId="{7A359767-1373-4F94-854C-C2C9AC24AD9C}" srcOrd="0" destOrd="0" presId="urn:microsoft.com/office/officeart/2005/8/layout/process2"/>
     <dgm:cxn modelId="{1B6B45BA-00D4-4B7C-AEA2-D8BF0B683E96}" type="presParOf" srcId="{67DED806-F6CE-43B3-B020-8848CF6F09A6}" destId="{43F6BAEA-4AAE-4161-96A2-31F1B1982731}" srcOrd="0" destOrd="0" presId="urn:microsoft.com/office/officeart/2005/8/layout/process2"/>
     <dgm:cxn modelId="{FA7F3428-0478-4199-9543-C6C74A9E9ECC}" type="presParOf" srcId="{67DED806-F6CE-43B3-B020-8848CF6F09A6}" destId="{1BD21772-7C57-47E4-8006-374CC747770F}" srcOrd="1" destOrd="0" presId="urn:microsoft.com/office/officeart/2005/8/layout/process2"/>
     <dgm:cxn modelId="{6D03F713-F8FA-4FD9-95CB-29F281DCFCED}" type="presParOf" srcId="{1BD21772-7C57-47E4-8006-374CC747770F}" destId="{7C16DD59-EC11-49D1-950F-6FFB06567F80}" srcOrd="0" destOrd="0" presId="urn:microsoft.com/office/officeart/2005/8/layout/process2"/>
@@ -9800,6 +10220,13 @@
         </dgm:presLayoutVars>
       </dgm:prSet>
       <dgm:spPr/>
+      <dgm:t>
+        <a:bodyPr/>
+        <a:lstStyle/>
+        <a:p>
+          <a:endParaRPr lang="en-US"/>
+        </a:p>
+      </dgm:t>
     </dgm:pt>
     <dgm:pt modelId="{43F6BAEA-4AAE-4161-96A2-31F1B1982731}" type="pres">
       <dgm:prSet presAssocID="{0B45398B-589C-45CB-9D29-5659223A7291}" presName="node" presStyleLbl="node1" presStyleIdx="0" presStyleCnt="7" custScaleX="140744" custScaleY="110000">
@@ -9818,14 +10245,35 @@
           </a:avLst>
         </a:prstGeom>
       </dgm:spPr>
+      <dgm:t>
+        <a:bodyPr/>
+        <a:lstStyle/>
+        <a:p>
+          <a:endParaRPr lang="en-US"/>
+        </a:p>
+      </dgm:t>
     </dgm:pt>
     <dgm:pt modelId="{1BD21772-7C57-47E4-8006-374CC747770F}" type="pres">
       <dgm:prSet presAssocID="{1A15A384-456A-4939-A036-5E642C322B61}" presName="sibTrans" presStyleLbl="sibTrans2D1" presStyleIdx="0" presStyleCnt="6"/>
       <dgm:spPr/>
+      <dgm:t>
+        <a:bodyPr/>
+        <a:lstStyle/>
+        <a:p>
+          <a:endParaRPr lang="en-US"/>
+        </a:p>
+      </dgm:t>
     </dgm:pt>
     <dgm:pt modelId="{7C16DD59-EC11-49D1-950F-6FFB06567F80}" type="pres">
       <dgm:prSet presAssocID="{1A15A384-456A-4939-A036-5E642C322B61}" presName="connectorText" presStyleLbl="sibTrans2D1" presStyleIdx="0" presStyleCnt="6"/>
       <dgm:spPr/>
+      <dgm:t>
+        <a:bodyPr/>
+        <a:lstStyle/>
+        <a:p>
+          <a:endParaRPr lang="en-US"/>
+        </a:p>
+      </dgm:t>
     </dgm:pt>
     <dgm:pt modelId="{722C9942-1C8B-4452-8D36-6F0004243210}" type="pres">
       <dgm:prSet presAssocID="{49DA27BC-869B-46F5-8956-0CD73CE8773A}" presName="node" presStyleLbl="node1" presStyleIdx="1" presStyleCnt="7" custScaleX="140744" custScaleY="110000" custLinFactNeighborX="-399" custLinFactNeighborY="-15662">
@@ -9844,14 +10292,35 @@
           </a:avLst>
         </a:prstGeom>
       </dgm:spPr>
+      <dgm:t>
+        <a:bodyPr/>
+        <a:lstStyle/>
+        <a:p>
+          <a:endParaRPr lang="en-US"/>
+        </a:p>
+      </dgm:t>
     </dgm:pt>
     <dgm:pt modelId="{53E8EB28-2AF3-4962-A1DB-CB4CC2E75A6B}" type="pres">
       <dgm:prSet presAssocID="{67E61026-58FD-4094-8B90-533E50B9849A}" presName="sibTrans" presStyleLbl="sibTrans2D1" presStyleIdx="1" presStyleCnt="6"/>
       <dgm:spPr/>
+      <dgm:t>
+        <a:bodyPr/>
+        <a:lstStyle/>
+        <a:p>
+          <a:endParaRPr lang="en-US"/>
+        </a:p>
+      </dgm:t>
     </dgm:pt>
     <dgm:pt modelId="{9D6F9806-D5FF-4002-98DF-25A7D3D11599}" type="pres">
       <dgm:prSet presAssocID="{67E61026-58FD-4094-8B90-533E50B9849A}" presName="connectorText" presStyleLbl="sibTrans2D1" presStyleIdx="1" presStyleCnt="6"/>
       <dgm:spPr/>
+      <dgm:t>
+        <a:bodyPr/>
+        <a:lstStyle/>
+        <a:p>
+          <a:endParaRPr lang="en-US"/>
+        </a:p>
+      </dgm:t>
     </dgm:pt>
     <dgm:pt modelId="{7A359767-1373-4F94-854C-C2C9AC24AD9C}" type="pres">
       <dgm:prSet presAssocID="{C5005033-92D4-41DD-8FFB-AAA6F546212A}" presName="node" presStyleLbl="node1" presStyleIdx="2" presStyleCnt="7" custScaleX="140744" custScaleY="110000">
@@ -9860,14 +10329,35 @@
         </dgm:presLayoutVars>
       </dgm:prSet>
       <dgm:spPr/>
+      <dgm:t>
+        <a:bodyPr/>
+        <a:lstStyle/>
+        <a:p>
+          <a:endParaRPr lang="en-US"/>
+        </a:p>
+      </dgm:t>
     </dgm:pt>
     <dgm:pt modelId="{D62A8EDC-28AD-4146-B835-FE1853F43C09}" type="pres">
       <dgm:prSet presAssocID="{7C015268-2938-46F6-8541-B8CD8E48D1AB}" presName="sibTrans" presStyleLbl="sibTrans2D1" presStyleIdx="2" presStyleCnt="6"/>
       <dgm:spPr/>
+      <dgm:t>
+        <a:bodyPr/>
+        <a:lstStyle/>
+        <a:p>
+          <a:endParaRPr lang="en-US"/>
+        </a:p>
+      </dgm:t>
     </dgm:pt>
     <dgm:pt modelId="{8F6F2BEE-4059-4276-A3EA-650CD854903F}" type="pres">
       <dgm:prSet presAssocID="{7C015268-2938-46F6-8541-B8CD8E48D1AB}" presName="connectorText" presStyleLbl="sibTrans2D1" presStyleIdx="2" presStyleCnt="6"/>
       <dgm:spPr/>
+      <dgm:t>
+        <a:bodyPr/>
+        <a:lstStyle/>
+        <a:p>
+          <a:endParaRPr lang="en-US"/>
+        </a:p>
+      </dgm:t>
     </dgm:pt>
     <dgm:pt modelId="{587304DE-C51D-40C2-8EF5-34D35118B44C}" type="pres">
       <dgm:prSet presAssocID="{6EEE752B-0229-4684-B4C0-CC6DDB66D5CC}" presName="node" presStyleLbl="node1" presStyleIdx="3" presStyleCnt="7" custScaleX="140744" custScaleY="110000">
@@ -9876,14 +10366,35 @@
         </dgm:presLayoutVars>
       </dgm:prSet>
       <dgm:spPr/>
+      <dgm:t>
+        <a:bodyPr/>
+        <a:lstStyle/>
+        <a:p>
+          <a:endParaRPr lang="en-US"/>
+        </a:p>
+      </dgm:t>
     </dgm:pt>
     <dgm:pt modelId="{BBF91EE0-9A70-4C66-8B43-1C7EF81311B4}" type="pres">
       <dgm:prSet presAssocID="{EEB85A38-6FE5-4261-BCC0-FD33CE79A9EF}" presName="sibTrans" presStyleLbl="sibTrans2D1" presStyleIdx="3" presStyleCnt="6"/>
       <dgm:spPr/>
+      <dgm:t>
+        <a:bodyPr/>
+        <a:lstStyle/>
+        <a:p>
+          <a:endParaRPr lang="en-US"/>
+        </a:p>
+      </dgm:t>
     </dgm:pt>
     <dgm:pt modelId="{352FE5DC-1D50-434C-ADA8-100B31B47D42}" type="pres">
       <dgm:prSet presAssocID="{EEB85A38-6FE5-4261-BCC0-FD33CE79A9EF}" presName="connectorText" presStyleLbl="sibTrans2D1" presStyleIdx="3" presStyleCnt="6"/>
       <dgm:spPr/>
+      <dgm:t>
+        <a:bodyPr/>
+        <a:lstStyle/>
+        <a:p>
+          <a:endParaRPr lang="en-US"/>
+        </a:p>
+      </dgm:t>
     </dgm:pt>
     <dgm:pt modelId="{E0B780D8-79CB-4B6B-A765-330365A5BA56}" type="pres">
       <dgm:prSet presAssocID="{D2A4EEC9-CB58-44EF-9BE4-B999D49D4806}" presName="node" presStyleLbl="node1" presStyleIdx="4" presStyleCnt="7" custScaleX="140744" custScaleY="110000">
@@ -9892,14 +10403,35 @@
         </dgm:presLayoutVars>
       </dgm:prSet>
       <dgm:spPr/>
+      <dgm:t>
+        <a:bodyPr/>
+        <a:lstStyle/>
+        <a:p>
+          <a:endParaRPr lang="en-US"/>
+        </a:p>
+      </dgm:t>
     </dgm:pt>
     <dgm:pt modelId="{22943B0C-FC79-4F4A-A2D6-4488E902FCDF}" type="pres">
       <dgm:prSet presAssocID="{A7E1657B-12D3-4C4D-9317-275DFE635BF9}" presName="sibTrans" presStyleLbl="sibTrans2D1" presStyleIdx="4" presStyleCnt="6"/>
       <dgm:spPr/>
+      <dgm:t>
+        <a:bodyPr/>
+        <a:lstStyle/>
+        <a:p>
+          <a:endParaRPr lang="en-US"/>
+        </a:p>
+      </dgm:t>
     </dgm:pt>
     <dgm:pt modelId="{57B58789-5A8F-4122-B65A-3199D936A251}" type="pres">
       <dgm:prSet presAssocID="{A7E1657B-12D3-4C4D-9317-275DFE635BF9}" presName="connectorText" presStyleLbl="sibTrans2D1" presStyleIdx="4" presStyleCnt="6"/>
       <dgm:spPr/>
+      <dgm:t>
+        <a:bodyPr/>
+        <a:lstStyle/>
+        <a:p>
+          <a:endParaRPr lang="en-US"/>
+        </a:p>
+      </dgm:t>
     </dgm:pt>
     <dgm:pt modelId="{E64BB72B-8FED-4FA3-8049-A3DD57954BBC}" type="pres">
       <dgm:prSet presAssocID="{680A31B8-1B31-4855-B680-5C2E09B694E5}" presName="node" presStyleLbl="node1" presStyleIdx="5" presStyleCnt="7" custScaleX="140744" custScaleY="110000">
@@ -9908,14 +10440,35 @@
         </dgm:presLayoutVars>
       </dgm:prSet>
       <dgm:spPr/>
+      <dgm:t>
+        <a:bodyPr/>
+        <a:lstStyle/>
+        <a:p>
+          <a:endParaRPr lang="en-US"/>
+        </a:p>
+      </dgm:t>
     </dgm:pt>
     <dgm:pt modelId="{14ED9C5A-E794-4EF7-86FA-DE50F867143C}" type="pres">
       <dgm:prSet presAssocID="{41E2274A-589D-4C9B-ADEF-BB9818A84AF9}" presName="sibTrans" presStyleLbl="sibTrans2D1" presStyleIdx="5" presStyleCnt="6"/>
       <dgm:spPr/>
+      <dgm:t>
+        <a:bodyPr/>
+        <a:lstStyle/>
+        <a:p>
+          <a:endParaRPr lang="en-US"/>
+        </a:p>
+      </dgm:t>
     </dgm:pt>
     <dgm:pt modelId="{E5ED9161-CB2C-42AE-87DB-57EA6D1621C3}" type="pres">
       <dgm:prSet presAssocID="{41E2274A-589D-4C9B-ADEF-BB9818A84AF9}" presName="connectorText" presStyleLbl="sibTrans2D1" presStyleIdx="5" presStyleCnt="6"/>
       <dgm:spPr/>
+      <dgm:t>
+        <a:bodyPr/>
+        <a:lstStyle/>
+        <a:p>
+          <a:endParaRPr lang="en-US"/>
+        </a:p>
+      </dgm:t>
     </dgm:pt>
     <dgm:pt modelId="{49CF2DD7-B708-45CB-8B77-DBD30A0630BB}" type="pres">
       <dgm:prSet presAssocID="{80533E6E-AC03-4237-8CFD-ADC5A789884C}" presName="node" presStyleLbl="node1" presStyleIdx="6" presStyleCnt="7" custScaleX="140744" custScaleY="110000">
@@ -9924,36 +10477,43 @@
         </dgm:presLayoutVars>
       </dgm:prSet>
       <dgm:spPr/>
+      <dgm:t>
+        <a:bodyPr/>
+        <a:lstStyle/>
+        <a:p>
+          <a:endParaRPr lang="en-US"/>
+        </a:p>
+      </dgm:t>
     </dgm:pt>
   </dgm:ptLst>
   <dgm:cxnLst>
+    <dgm:cxn modelId="{548B9068-5651-4276-9BC7-CD784D25A836}" type="presOf" srcId="{F2895ABF-0B55-469A-A334-21F3EFA565F3}" destId="{67DED806-F6CE-43B3-B020-8848CF6F09A6}" srcOrd="0" destOrd="0" presId="urn:microsoft.com/office/officeart/2005/8/layout/process2"/>
+    <dgm:cxn modelId="{D1AEE91B-DC4C-43E9-8242-9FC348C789BA}" type="presOf" srcId="{EEB85A38-6FE5-4261-BCC0-FD33CE79A9EF}" destId="{352FE5DC-1D50-434C-ADA8-100B31B47D42}" srcOrd="1" destOrd="0" presId="urn:microsoft.com/office/officeart/2005/8/layout/process2"/>
+    <dgm:cxn modelId="{2A384CB6-223F-42AB-9A47-5DCB105AD576}" srcId="{F2895ABF-0B55-469A-A334-21F3EFA565F3}" destId="{49DA27BC-869B-46F5-8956-0CD73CE8773A}" srcOrd="1" destOrd="0" parTransId="{352265DB-B09D-4E6A-AAE3-EF9ABE86E0D1}" sibTransId="{67E61026-58FD-4094-8B90-533E50B9849A}"/>
+    <dgm:cxn modelId="{54E48040-C5D1-4132-8E7C-2946C31BB391}" type="presOf" srcId="{41E2274A-589D-4C9B-ADEF-BB9818A84AF9}" destId="{14ED9C5A-E794-4EF7-86FA-DE50F867143C}" srcOrd="0" destOrd="0" presId="urn:microsoft.com/office/officeart/2005/8/layout/process2"/>
+    <dgm:cxn modelId="{D527DCE7-8D72-487A-96A7-DA77CB7CA9A4}" type="presOf" srcId="{EEB85A38-6FE5-4261-BCC0-FD33CE79A9EF}" destId="{BBF91EE0-9A70-4C66-8B43-1C7EF81311B4}" srcOrd="0" destOrd="0" presId="urn:microsoft.com/office/officeart/2005/8/layout/process2"/>
+    <dgm:cxn modelId="{AD549B26-401F-452E-81FC-604B0A1546DB}" type="presOf" srcId="{680A31B8-1B31-4855-B680-5C2E09B694E5}" destId="{E64BB72B-8FED-4FA3-8049-A3DD57954BBC}" srcOrd="0" destOrd="0" presId="urn:microsoft.com/office/officeart/2005/8/layout/process2"/>
+    <dgm:cxn modelId="{CA066FEC-ED1D-4569-8CAF-3BBBCCEC1366}" type="presOf" srcId="{A7E1657B-12D3-4C4D-9317-275DFE635BF9}" destId="{22943B0C-FC79-4F4A-A2D6-4488E902FCDF}" srcOrd="0" destOrd="0" presId="urn:microsoft.com/office/officeart/2005/8/layout/process2"/>
     <dgm:cxn modelId="{E9670718-498B-4FE7-BA0D-C57F70741B0A}" type="presOf" srcId="{D2A4EEC9-CB58-44EF-9BE4-B999D49D4806}" destId="{E0B780D8-79CB-4B6B-A765-330365A5BA56}" srcOrd="0" destOrd="0" presId="urn:microsoft.com/office/officeart/2005/8/layout/process2"/>
-    <dgm:cxn modelId="{D1AEE91B-DC4C-43E9-8242-9FC348C789BA}" type="presOf" srcId="{EEB85A38-6FE5-4261-BCC0-FD33CE79A9EF}" destId="{352FE5DC-1D50-434C-ADA8-100B31B47D42}" srcOrd="1" destOrd="0" presId="urn:microsoft.com/office/officeart/2005/8/layout/process2"/>
+    <dgm:cxn modelId="{A002412E-5A13-463B-957B-5851EF9CF3EB}" srcId="{F2895ABF-0B55-469A-A334-21F3EFA565F3}" destId="{6EEE752B-0229-4684-B4C0-CC6DDB66D5CC}" srcOrd="3" destOrd="0" parTransId="{C05FE28B-5263-4ECC-9768-A8887D631C30}" sibTransId="{EEB85A38-6FE5-4261-BCC0-FD33CE79A9EF}"/>
+    <dgm:cxn modelId="{F72A70A1-3995-472F-A233-0FADEA029489}" type="presOf" srcId="{0B45398B-589C-45CB-9D29-5659223A7291}" destId="{43F6BAEA-4AAE-4161-96A2-31F1B1982731}" srcOrd="0" destOrd="0" presId="urn:microsoft.com/office/officeart/2005/8/layout/process2"/>
+    <dgm:cxn modelId="{54594A38-5B4A-44CD-94A5-2A2AEBB70B90}" type="presOf" srcId="{A7E1657B-12D3-4C4D-9317-275DFE635BF9}" destId="{57B58789-5A8F-4122-B65A-3199D936A251}" srcOrd="1" destOrd="0" presId="urn:microsoft.com/office/officeart/2005/8/layout/process2"/>
+    <dgm:cxn modelId="{44A04C4F-F1AE-4D75-A602-6B2967595E35}" type="presOf" srcId="{67E61026-58FD-4094-8B90-533E50B9849A}" destId="{53E8EB28-2AF3-4962-A1DB-CB4CC2E75A6B}" srcOrd="0" destOrd="0" presId="urn:microsoft.com/office/officeart/2005/8/layout/process2"/>
+    <dgm:cxn modelId="{954A2A90-81D8-4DFD-9FF3-3E1CEF299E0F}" type="presOf" srcId="{1A15A384-456A-4939-A036-5E642C322B61}" destId="{7C16DD59-EC11-49D1-950F-6FFB06567F80}" srcOrd="1" destOrd="0" presId="urn:microsoft.com/office/officeart/2005/8/layout/process2"/>
+    <dgm:cxn modelId="{BDF954C3-ECA9-44CE-AE85-E19F11DF41DE}" type="presOf" srcId="{6EEE752B-0229-4684-B4C0-CC6DDB66D5CC}" destId="{587304DE-C51D-40C2-8EF5-34D35118B44C}" srcOrd="0" destOrd="0" presId="urn:microsoft.com/office/officeart/2005/8/layout/process2"/>
+    <dgm:cxn modelId="{7E236A77-14A2-424B-81B7-1F688FD0647D}" type="presOf" srcId="{67E61026-58FD-4094-8B90-533E50B9849A}" destId="{9D6F9806-D5FF-4002-98DF-25A7D3D11599}" srcOrd="1" destOrd="0" presId="urn:microsoft.com/office/officeart/2005/8/layout/process2"/>
+    <dgm:cxn modelId="{BD835193-33C1-4F80-B9FB-F3A3667BC68F}" type="presOf" srcId="{49DA27BC-869B-46F5-8956-0CD73CE8773A}" destId="{722C9942-1C8B-4452-8D36-6F0004243210}" srcOrd="0" destOrd="0" presId="urn:microsoft.com/office/officeart/2005/8/layout/process2"/>
+    <dgm:cxn modelId="{D383B3DA-17B3-4822-A436-788A4F6A63C8}" type="presOf" srcId="{1A15A384-456A-4939-A036-5E642C322B61}" destId="{1BD21772-7C57-47E4-8006-374CC747770F}" srcOrd="0" destOrd="0" presId="urn:microsoft.com/office/officeart/2005/8/layout/process2"/>
     <dgm:cxn modelId="{FC6DF625-A01A-4103-AA04-0A61C9595C18}" srcId="{F2895ABF-0B55-469A-A334-21F3EFA565F3}" destId="{D2A4EEC9-CB58-44EF-9BE4-B999D49D4806}" srcOrd="4" destOrd="0" parTransId="{E6E840C6-7B9D-49EB-B8FB-01456BF9B783}" sibTransId="{A7E1657B-12D3-4C4D-9317-275DFE635BF9}"/>
-    <dgm:cxn modelId="{AD549B26-401F-452E-81FC-604B0A1546DB}" type="presOf" srcId="{680A31B8-1B31-4855-B680-5C2E09B694E5}" destId="{E64BB72B-8FED-4FA3-8049-A3DD57954BBC}" srcOrd="0" destOrd="0" presId="urn:microsoft.com/office/officeart/2005/8/layout/process2"/>
-    <dgm:cxn modelId="{A002412E-5A13-463B-957B-5851EF9CF3EB}" srcId="{F2895ABF-0B55-469A-A334-21F3EFA565F3}" destId="{6EEE752B-0229-4684-B4C0-CC6DDB66D5CC}" srcOrd="3" destOrd="0" parTransId="{C05FE28B-5263-4ECC-9768-A8887D631C30}" sibTransId="{EEB85A38-6FE5-4261-BCC0-FD33CE79A9EF}"/>
-    <dgm:cxn modelId="{54594A38-5B4A-44CD-94A5-2A2AEBB70B90}" type="presOf" srcId="{A7E1657B-12D3-4C4D-9317-275DFE635BF9}" destId="{57B58789-5A8F-4122-B65A-3199D936A251}" srcOrd="1" destOrd="0" presId="urn:microsoft.com/office/officeart/2005/8/layout/process2"/>
-    <dgm:cxn modelId="{54E48040-C5D1-4132-8E7C-2946C31BB391}" type="presOf" srcId="{41E2274A-589D-4C9B-ADEF-BB9818A84AF9}" destId="{14ED9C5A-E794-4EF7-86FA-DE50F867143C}" srcOrd="0" destOrd="0" presId="urn:microsoft.com/office/officeart/2005/8/layout/process2"/>
+    <dgm:cxn modelId="{B801CF97-69EC-4B25-9690-9A6346FAA781}" type="presOf" srcId="{7C015268-2938-46F6-8541-B8CD8E48D1AB}" destId="{8F6F2BEE-4059-4276-A3EA-650CD854903F}" srcOrd="1" destOrd="0" presId="urn:microsoft.com/office/officeart/2005/8/layout/process2"/>
+    <dgm:cxn modelId="{9EAB20F8-E12F-41EE-A49D-F0FCC218541E}" type="presOf" srcId="{C5005033-92D4-41DD-8FFB-AAA6F546212A}" destId="{7A359767-1373-4F94-854C-C2C9AC24AD9C}" srcOrd="0" destOrd="0" presId="urn:microsoft.com/office/officeart/2005/8/layout/process2"/>
+    <dgm:cxn modelId="{4D5C1FAD-F3FF-422B-AE67-CFE7DCC0EED9}" srcId="{F2895ABF-0B55-469A-A334-21F3EFA565F3}" destId="{C5005033-92D4-41DD-8FFB-AAA6F546212A}" srcOrd="2" destOrd="0" parTransId="{712C2AFA-154C-4173-9C00-C886FC9052D3}" sibTransId="{7C015268-2938-46F6-8541-B8CD8E48D1AB}"/>
+    <dgm:cxn modelId="{D11588DB-C897-4ACF-9EB3-FB15D3D158BB}" srcId="{F2895ABF-0B55-469A-A334-21F3EFA565F3}" destId="{80533E6E-AC03-4237-8CFD-ADC5A789884C}" srcOrd="6" destOrd="0" parTransId="{6A947F24-BCD5-4B62-866F-09F05990ECFF}" sibTransId="{9E89B93F-D1B3-4DDE-8682-4BA9658BBD94}"/>
+    <dgm:cxn modelId="{353930F2-2487-4F58-8E80-2E7EAAADA283}" type="presOf" srcId="{7C015268-2938-46F6-8541-B8CD8E48D1AB}" destId="{D62A8EDC-28AD-4146-B835-FE1853F43C09}" srcOrd="0" destOrd="0" presId="urn:microsoft.com/office/officeart/2005/8/layout/process2"/>
+    <dgm:cxn modelId="{56EB4E71-3252-4D04-BC24-25A30843F289}" type="presOf" srcId="{41E2274A-589D-4C9B-ADEF-BB9818A84AF9}" destId="{E5ED9161-CB2C-42AE-87DB-57EA6D1621C3}" srcOrd="1" destOrd="0" presId="urn:microsoft.com/office/officeart/2005/8/layout/process2"/>
+    <dgm:cxn modelId="{A000F3D5-43DC-47AF-8994-B2113923F7F6}" type="presOf" srcId="{80533E6E-AC03-4237-8CFD-ADC5A789884C}" destId="{49CF2DD7-B708-45CB-8B77-DBD30A0630BB}" srcOrd="0" destOrd="0" presId="urn:microsoft.com/office/officeart/2005/8/layout/process2"/>
     <dgm:cxn modelId="{E996F347-7D27-4447-B764-CC500AC4E7D0}" srcId="{F2895ABF-0B55-469A-A334-21F3EFA565F3}" destId="{0B45398B-589C-45CB-9D29-5659223A7291}" srcOrd="0" destOrd="0" parTransId="{5AF75DEA-44BC-4DD9-961A-DBCBA90D5B06}" sibTransId="{1A15A384-456A-4939-A036-5E642C322B61}"/>
-    <dgm:cxn modelId="{548B9068-5651-4276-9BC7-CD784D25A836}" type="presOf" srcId="{F2895ABF-0B55-469A-A334-21F3EFA565F3}" destId="{67DED806-F6CE-43B3-B020-8848CF6F09A6}" srcOrd="0" destOrd="0" presId="urn:microsoft.com/office/officeart/2005/8/layout/process2"/>
-    <dgm:cxn modelId="{44A04C4F-F1AE-4D75-A602-6B2967595E35}" type="presOf" srcId="{67E61026-58FD-4094-8B90-533E50B9849A}" destId="{53E8EB28-2AF3-4962-A1DB-CB4CC2E75A6B}" srcOrd="0" destOrd="0" presId="urn:microsoft.com/office/officeart/2005/8/layout/process2"/>
-    <dgm:cxn modelId="{56EB4E71-3252-4D04-BC24-25A30843F289}" type="presOf" srcId="{41E2274A-589D-4C9B-ADEF-BB9818A84AF9}" destId="{E5ED9161-CB2C-42AE-87DB-57EA6D1621C3}" srcOrd="1" destOrd="0" presId="urn:microsoft.com/office/officeart/2005/8/layout/process2"/>
-    <dgm:cxn modelId="{7E236A77-14A2-424B-81B7-1F688FD0647D}" type="presOf" srcId="{67E61026-58FD-4094-8B90-533E50B9849A}" destId="{9D6F9806-D5FF-4002-98DF-25A7D3D11599}" srcOrd="1" destOrd="0" presId="urn:microsoft.com/office/officeart/2005/8/layout/process2"/>
-    <dgm:cxn modelId="{954A2A90-81D8-4DFD-9FF3-3E1CEF299E0F}" type="presOf" srcId="{1A15A384-456A-4939-A036-5E642C322B61}" destId="{7C16DD59-EC11-49D1-950F-6FFB06567F80}" srcOrd="1" destOrd="0" presId="urn:microsoft.com/office/officeart/2005/8/layout/process2"/>
-    <dgm:cxn modelId="{BD835193-33C1-4F80-B9FB-F3A3667BC68F}" type="presOf" srcId="{49DA27BC-869B-46F5-8956-0CD73CE8773A}" destId="{722C9942-1C8B-4452-8D36-6F0004243210}" srcOrd="0" destOrd="0" presId="urn:microsoft.com/office/officeart/2005/8/layout/process2"/>
-    <dgm:cxn modelId="{B801CF97-69EC-4B25-9690-9A6346FAA781}" type="presOf" srcId="{7C015268-2938-46F6-8541-B8CD8E48D1AB}" destId="{8F6F2BEE-4059-4276-A3EA-650CD854903F}" srcOrd="1" destOrd="0" presId="urn:microsoft.com/office/officeart/2005/8/layout/process2"/>
-    <dgm:cxn modelId="{F72A70A1-3995-472F-A233-0FADEA029489}" type="presOf" srcId="{0B45398B-589C-45CB-9D29-5659223A7291}" destId="{43F6BAEA-4AAE-4161-96A2-31F1B1982731}" srcOrd="0" destOrd="0" presId="urn:microsoft.com/office/officeart/2005/8/layout/process2"/>
-    <dgm:cxn modelId="{4D5C1FAD-F3FF-422B-AE67-CFE7DCC0EED9}" srcId="{F2895ABF-0B55-469A-A334-21F3EFA565F3}" destId="{C5005033-92D4-41DD-8FFB-AAA6F546212A}" srcOrd="2" destOrd="0" parTransId="{712C2AFA-154C-4173-9C00-C886FC9052D3}" sibTransId="{7C015268-2938-46F6-8541-B8CD8E48D1AB}"/>
-    <dgm:cxn modelId="{2A384CB6-223F-42AB-9A47-5DCB105AD576}" srcId="{F2895ABF-0B55-469A-A334-21F3EFA565F3}" destId="{49DA27BC-869B-46F5-8956-0CD73CE8773A}" srcOrd="1" destOrd="0" parTransId="{352265DB-B09D-4E6A-AAE3-EF9ABE86E0D1}" sibTransId="{67E61026-58FD-4094-8B90-533E50B9849A}"/>
-    <dgm:cxn modelId="{BDF954C3-ECA9-44CE-AE85-E19F11DF41DE}" type="presOf" srcId="{6EEE752B-0229-4684-B4C0-CC6DDB66D5CC}" destId="{587304DE-C51D-40C2-8EF5-34D35118B44C}" srcOrd="0" destOrd="0" presId="urn:microsoft.com/office/officeart/2005/8/layout/process2"/>
-    <dgm:cxn modelId="{A000F3D5-43DC-47AF-8994-B2113923F7F6}" type="presOf" srcId="{80533E6E-AC03-4237-8CFD-ADC5A789884C}" destId="{49CF2DD7-B708-45CB-8B77-DBD30A0630BB}" srcOrd="0" destOrd="0" presId="urn:microsoft.com/office/officeart/2005/8/layout/process2"/>
-    <dgm:cxn modelId="{D383B3DA-17B3-4822-A436-788A4F6A63C8}" type="presOf" srcId="{1A15A384-456A-4939-A036-5E642C322B61}" destId="{1BD21772-7C57-47E4-8006-374CC747770F}" srcOrd="0" destOrd="0" presId="urn:microsoft.com/office/officeart/2005/8/layout/process2"/>
-    <dgm:cxn modelId="{D11588DB-C897-4ACF-9EB3-FB15D3D158BB}" srcId="{F2895ABF-0B55-469A-A334-21F3EFA565F3}" destId="{80533E6E-AC03-4237-8CFD-ADC5A789884C}" srcOrd="6" destOrd="0" parTransId="{6A947F24-BCD5-4B62-866F-09F05990ECFF}" sibTransId="{9E89B93F-D1B3-4DDE-8682-4BA9658BBD94}"/>
-    <dgm:cxn modelId="{D527DCE7-8D72-487A-96A7-DA77CB7CA9A4}" type="presOf" srcId="{EEB85A38-6FE5-4261-BCC0-FD33CE79A9EF}" destId="{BBF91EE0-9A70-4C66-8B43-1C7EF81311B4}" srcOrd="0" destOrd="0" presId="urn:microsoft.com/office/officeart/2005/8/layout/process2"/>
-    <dgm:cxn modelId="{CA066FEC-ED1D-4569-8CAF-3BBBCCEC1366}" type="presOf" srcId="{A7E1657B-12D3-4C4D-9317-275DFE635BF9}" destId="{22943B0C-FC79-4F4A-A2D6-4488E902FCDF}" srcOrd="0" destOrd="0" presId="urn:microsoft.com/office/officeart/2005/8/layout/process2"/>
-    <dgm:cxn modelId="{353930F2-2487-4F58-8E80-2E7EAAADA283}" type="presOf" srcId="{7C015268-2938-46F6-8541-B8CD8E48D1AB}" destId="{D62A8EDC-28AD-4146-B835-FE1853F43C09}" srcOrd="0" destOrd="0" presId="urn:microsoft.com/office/officeart/2005/8/layout/process2"/>
     <dgm:cxn modelId="{2BF143F4-E55F-443E-AB4F-248DF1B48E4C}" srcId="{F2895ABF-0B55-469A-A334-21F3EFA565F3}" destId="{680A31B8-1B31-4855-B680-5C2E09B694E5}" srcOrd="5" destOrd="0" parTransId="{FCFC1E1C-EB26-4DD7-80F0-15C150664EBD}" sibTransId="{41E2274A-589D-4C9B-ADEF-BB9818A84AF9}"/>
-    <dgm:cxn modelId="{9EAB20F8-E12F-41EE-A49D-F0FCC218541E}" type="presOf" srcId="{C5005033-92D4-41DD-8FFB-AAA6F546212A}" destId="{7A359767-1373-4F94-854C-C2C9AC24AD9C}" srcOrd="0" destOrd="0" presId="urn:microsoft.com/office/officeart/2005/8/layout/process2"/>
     <dgm:cxn modelId="{1B6B45BA-00D4-4B7C-AEA2-D8BF0B683E96}" type="presParOf" srcId="{67DED806-F6CE-43B3-B020-8848CF6F09A6}" destId="{43F6BAEA-4AAE-4161-96A2-31F1B1982731}" srcOrd="0" destOrd="0" presId="urn:microsoft.com/office/officeart/2005/8/layout/process2"/>
     <dgm:cxn modelId="{FA7F3428-0478-4199-9543-C6C74A9E9ECC}" type="presParOf" srcId="{67DED806-F6CE-43B3-B020-8848CF6F09A6}" destId="{1BD21772-7C57-47E4-8006-374CC747770F}" srcOrd="1" destOrd="0" presId="urn:microsoft.com/office/officeart/2005/8/layout/process2"/>
     <dgm:cxn modelId="{6D03F713-F8FA-4FD9-95CB-29F281DCFCED}" type="presParOf" srcId="{1BD21772-7C57-47E4-8006-374CC747770F}" destId="{7C16DD59-EC11-49D1-950F-6FFB06567F80}" srcOrd="0" destOrd="0" presId="urn:microsoft.com/office/officeart/2005/8/layout/process2"/>
@@ -10618,6 +11178,13 @@
         </dgm:presLayoutVars>
       </dgm:prSet>
       <dgm:spPr/>
+      <dgm:t>
+        <a:bodyPr/>
+        <a:lstStyle/>
+        <a:p>
+          <a:endParaRPr lang="en-US"/>
+        </a:p>
+      </dgm:t>
     </dgm:pt>
     <dgm:pt modelId="{43F6BAEA-4AAE-4161-96A2-31F1B1982731}" type="pres">
       <dgm:prSet presAssocID="{0B45398B-589C-45CB-9D29-5659223A7291}" presName="node" presStyleLbl="node1" presStyleIdx="0" presStyleCnt="7" custScaleX="140744" custScaleY="110000">
@@ -10636,14 +11203,35 @@
           </a:avLst>
         </a:prstGeom>
       </dgm:spPr>
+      <dgm:t>
+        <a:bodyPr/>
+        <a:lstStyle/>
+        <a:p>
+          <a:endParaRPr lang="en-US"/>
+        </a:p>
+      </dgm:t>
     </dgm:pt>
     <dgm:pt modelId="{1BD21772-7C57-47E4-8006-374CC747770F}" type="pres">
       <dgm:prSet presAssocID="{1A15A384-456A-4939-A036-5E642C322B61}" presName="sibTrans" presStyleLbl="sibTrans2D1" presStyleIdx="0" presStyleCnt="6"/>
       <dgm:spPr/>
+      <dgm:t>
+        <a:bodyPr/>
+        <a:lstStyle/>
+        <a:p>
+          <a:endParaRPr lang="en-US"/>
+        </a:p>
+      </dgm:t>
     </dgm:pt>
     <dgm:pt modelId="{7C16DD59-EC11-49D1-950F-6FFB06567F80}" type="pres">
       <dgm:prSet presAssocID="{1A15A384-456A-4939-A036-5E642C322B61}" presName="connectorText" presStyleLbl="sibTrans2D1" presStyleIdx="0" presStyleCnt="6"/>
       <dgm:spPr/>
+      <dgm:t>
+        <a:bodyPr/>
+        <a:lstStyle/>
+        <a:p>
+          <a:endParaRPr lang="en-US"/>
+        </a:p>
+      </dgm:t>
     </dgm:pt>
     <dgm:pt modelId="{722C9942-1C8B-4452-8D36-6F0004243210}" type="pres">
       <dgm:prSet presAssocID="{49DA27BC-869B-46F5-8956-0CD73CE8773A}" presName="node" presStyleLbl="node1" presStyleIdx="1" presStyleCnt="7" custScaleX="140744" custScaleY="110000" custLinFactNeighborX="-399" custLinFactNeighborY="-15662">
@@ -10662,14 +11250,35 @@
           </a:avLst>
         </a:prstGeom>
       </dgm:spPr>
+      <dgm:t>
+        <a:bodyPr/>
+        <a:lstStyle/>
+        <a:p>
+          <a:endParaRPr lang="en-US"/>
+        </a:p>
+      </dgm:t>
     </dgm:pt>
     <dgm:pt modelId="{53E8EB28-2AF3-4962-A1DB-CB4CC2E75A6B}" type="pres">
       <dgm:prSet presAssocID="{67E61026-58FD-4094-8B90-533E50B9849A}" presName="sibTrans" presStyleLbl="sibTrans2D1" presStyleIdx="1" presStyleCnt="6"/>
       <dgm:spPr/>
+      <dgm:t>
+        <a:bodyPr/>
+        <a:lstStyle/>
+        <a:p>
+          <a:endParaRPr lang="en-US"/>
+        </a:p>
+      </dgm:t>
     </dgm:pt>
     <dgm:pt modelId="{9D6F9806-D5FF-4002-98DF-25A7D3D11599}" type="pres">
       <dgm:prSet presAssocID="{67E61026-58FD-4094-8B90-533E50B9849A}" presName="connectorText" presStyleLbl="sibTrans2D1" presStyleIdx="1" presStyleCnt="6"/>
       <dgm:spPr/>
+      <dgm:t>
+        <a:bodyPr/>
+        <a:lstStyle/>
+        <a:p>
+          <a:endParaRPr lang="en-US"/>
+        </a:p>
+      </dgm:t>
     </dgm:pt>
     <dgm:pt modelId="{7A359767-1373-4F94-854C-C2C9AC24AD9C}" type="pres">
       <dgm:prSet presAssocID="{C5005033-92D4-41DD-8FFB-AAA6F546212A}" presName="node" presStyleLbl="node1" presStyleIdx="2" presStyleCnt="7" custScaleX="140744" custScaleY="110000">
@@ -10678,14 +11287,35 @@
         </dgm:presLayoutVars>
       </dgm:prSet>
       <dgm:spPr/>
+      <dgm:t>
+        <a:bodyPr/>
+        <a:lstStyle/>
+        <a:p>
+          <a:endParaRPr lang="en-US"/>
+        </a:p>
+      </dgm:t>
     </dgm:pt>
     <dgm:pt modelId="{D62A8EDC-28AD-4146-B835-FE1853F43C09}" type="pres">
       <dgm:prSet presAssocID="{7C015268-2938-46F6-8541-B8CD8E48D1AB}" presName="sibTrans" presStyleLbl="sibTrans2D1" presStyleIdx="2" presStyleCnt="6"/>
       <dgm:spPr/>
+      <dgm:t>
+        <a:bodyPr/>
+        <a:lstStyle/>
+        <a:p>
+          <a:endParaRPr lang="en-US"/>
+        </a:p>
+      </dgm:t>
     </dgm:pt>
     <dgm:pt modelId="{8F6F2BEE-4059-4276-A3EA-650CD854903F}" type="pres">
       <dgm:prSet presAssocID="{7C015268-2938-46F6-8541-B8CD8E48D1AB}" presName="connectorText" presStyleLbl="sibTrans2D1" presStyleIdx="2" presStyleCnt="6"/>
       <dgm:spPr/>
+      <dgm:t>
+        <a:bodyPr/>
+        <a:lstStyle/>
+        <a:p>
+          <a:endParaRPr lang="en-US"/>
+        </a:p>
+      </dgm:t>
     </dgm:pt>
     <dgm:pt modelId="{587304DE-C51D-40C2-8EF5-34D35118B44C}" type="pres">
       <dgm:prSet presAssocID="{6EEE752B-0229-4684-B4C0-CC6DDB66D5CC}" presName="node" presStyleLbl="node1" presStyleIdx="3" presStyleCnt="7" custScaleX="140744" custScaleY="110000">
@@ -10694,14 +11324,35 @@
         </dgm:presLayoutVars>
       </dgm:prSet>
       <dgm:spPr/>
+      <dgm:t>
+        <a:bodyPr/>
+        <a:lstStyle/>
+        <a:p>
+          <a:endParaRPr lang="en-US"/>
+        </a:p>
+      </dgm:t>
     </dgm:pt>
     <dgm:pt modelId="{BBF91EE0-9A70-4C66-8B43-1C7EF81311B4}" type="pres">
       <dgm:prSet presAssocID="{EEB85A38-6FE5-4261-BCC0-FD33CE79A9EF}" presName="sibTrans" presStyleLbl="sibTrans2D1" presStyleIdx="3" presStyleCnt="6"/>
       <dgm:spPr/>
+      <dgm:t>
+        <a:bodyPr/>
+        <a:lstStyle/>
+        <a:p>
+          <a:endParaRPr lang="en-US"/>
+        </a:p>
+      </dgm:t>
     </dgm:pt>
     <dgm:pt modelId="{352FE5DC-1D50-434C-ADA8-100B31B47D42}" type="pres">
       <dgm:prSet presAssocID="{EEB85A38-6FE5-4261-BCC0-FD33CE79A9EF}" presName="connectorText" presStyleLbl="sibTrans2D1" presStyleIdx="3" presStyleCnt="6"/>
       <dgm:spPr/>
+      <dgm:t>
+        <a:bodyPr/>
+        <a:lstStyle/>
+        <a:p>
+          <a:endParaRPr lang="en-US"/>
+        </a:p>
+      </dgm:t>
     </dgm:pt>
     <dgm:pt modelId="{E0B780D8-79CB-4B6B-A765-330365A5BA56}" type="pres">
       <dgm:prSet presAssocID="{D2A4EEC9-CB58-44EF-9BE4-B999D49D4806}" presName="node" presStyleLbl="node1" presStyleIdx="4" presStyleCnt="7" custScaleX="140744" custScaleY="110000">
@@ -10710,14 +11361,35 @@
         </dgm:presLayoutVars>
       </dgm:prSet>
       <dgm:spPr/>
+      <dgm:t>
+        <a:bodyPr/>
+        <a:lstStyle/>
+        <a:p>
+          <a:endParaRPr lang="en-US"/>
+        </a:p>
+      </dgm:t>
     </dgm:pt>
     <dgm:pt modelId="{22943B0C-FC79-4F4A-A2D6-4488E902FCDF}" type="pres">
       <dgm:prSet presAssocID="{A7E1657B-12D3-4C4D-9317-275DFE635BF9}" presName="sibTrans" presStyleLbl="sibTrans2D1" presStyleIdx="4" presStyleCnt="6"/>
       <dgm:spPr/>
+      <dgm:t>
+        <a:bodyPr/>
+        <a:lstStyle/>
+        <a:p>
+          <a:endParaRPr lang="en-US"/>
+        </a:p>
+      </dgm:t>
     </dgm:pt>
     <dgm:pt modelId="{57B58789-5A8F-4122-B65A-3199D936A251}" type="pres">
       <dgm:prSet presAssocID="{A7E1657B-12D3-4C4D-9317-275DFE635BF9}" presName="connectorText" presStyleLbl="sibTrans2D1" presStyleIdx="4" presStyleCnt="6"/>
       <dgm:spPr/>
+      <dgm:t>
+        <a:bodyPr/>
+        <a:lstStyle/>
+        <a:p>
+          <a:endParaRPr lang="en-US"/>
+        </a:p>
+      </dgm:t>
     </dgm:pt>
     <dgm:pt modelId="{E64BB72B-8FED-4FA3-8049-A3DD57954BBC}" type="pres">
       <dgm:prSet presAssocID="{680A31B8-1B31-4855-B680-5C2E09B694E5}" presName="node" presStyleLbl="node1" presStyleIdx="5" presStyleCnt="7" custScaleX="140744" custScaleY="110000">
@@ -10726,14 +11398,35 @@
         </dgm:presLayoutVars>
       </dgm:prSet>
       <dgm:spPr/>
+      <dgm:t>
+        <a:bodyPr/>
+        <a:lstStyle/>
+        <a:p>
+          <a:endParaRPr lang="en-US"/>
+        </a:p>
+      </dgm:t>
     </dgm:pt>
     <dgm:pt modelId="{14ED9C5A-E794-4EF7-86FA-DE50F867143C}" type="pres">
       <dgm:prSet presAssocID="{41E2274A-589D-4C9B-ADEF-BB9818A84AF9}" presName="sibTrans" presStyleLbl="sibTrans2D1" presStyleIdx="5" presStyleCnt="6"/>
       <dgm:spPr/>
+      <dgm:t>
+        <a:bodyPr/>
+        <a:lstStyle/>
+        <a:p>
+          <a:endParaRPr lang="en-US"/>
+        </a:p>
+      </dgm:t>
     </dgm:pt>
     <dgm:pt modelId="{E5ED9161-CB2C-42AE-87DB-57EA6D1621C3}" type="pres">
       <dgm:prSet presAssocID="{41E2274A-589D-4C9B-ADEF-BB9818A84AF9}" presName="connectorText" presStyleLbl="sibTrans2D1" presStyleIdx="5" presStyleCnt="6"/>
       <dgm:spPr/>
+      <dgm:t>
+        <a:bodyPr/>
+        <a:lstStyle/>
+        <a:p>
+          <a:endParaRPr lang="en-US"/>
+        </a:p>
+      </dgm:t>
     </dgm:pt>
     <dgm:pt modelId="{49CF2DD7-B708-45CB-8B77-DBD30A0630BB}" type="pres">
       <dgm:prSet presAssocID="{80533E6E-AC03-4237-8CFD-ADC5A789884C}" presName="node" presStyleLbl="node1" presStyleIdx="6" presStyleCnt="7" custScaleX="140744" custScaleY="110000">
@@ -10742,36 +11435,43 @@
         </dgm:presLayoutVars>
       </dgm:prSet>
       <dgm:spPr/>
+      <dgm:t>
+        <a:bodyPr/>
+        <a:lstStyle/>
+        <a:p>
+          <a:endParaRPr lang="en-US"/>
+        </a:p>
+      </dgm:t>
     </dgm:pt>
   </dgm:ptLst>
   <dgm:cxnLst>
+    <dgm:cxn modelId="{548B9068-5651-4276-9BC7-CD784D25A836}" type="presOf" srcId="{F2895ABF-0B55-469A-A334-21F3EFA565F3}" destId="{67DED806-F6CE-43B3-B020-8848CF6F09A6}" srcOrd="0" destOrd="0" presId="urn:microsoft.com/office/officeart/2005/8/layout/process2"/>
+    <dgm:cxn modelId="{D1AEE91B-DC4C-43E9-8242-9FC348C789BA}" type="presOf" srcId="{EEB85A38-6FE5-4261-BCC0-FD33CE79A9EF}" destId="{352FE5DC-1D50-434C-ADA8-100B31B47D42}" srcOrd="1" destOrd="0" presId="urn:microsoft.com/office/officeart/2005/8/layout/process2"/>
+    <dgm:cxn modelId="{2A384CB6-223F-42AB-9A47-5DCB105AD576}" srcId="{F2895ABF-0B55-469A-A334-21F3EFA565F3}" destId="{49DA27BC-869B-46F5-8956-0CD73CE8773A}" srcOrd="1" destOrd="0" parTransId="{352265DB-B09D-4E6A-AAE3-EF9ABE86E0D1}" sibTransId="{67E61026-58FD-4094-8B90-533E50B9849A}"/>
+    <dgm:cxn modelId="{54E48040-C5D1-4132-8E7C-2946C31BB391}" type="presOf" srcId="{41E2274A-589D-4C9B-ADEF-BB9818A84AF9}" destId="{14ED9C5A-E794-4EF7-86FA-DE50F867143C}" srcOrd="0" destOrd="0" presId="urn:microsoft.com/office/officeart/2005/8/layout/process2"/>
+    <dgm:cxn modelId="{D527DCE7-8D72-487A-96A7-DA77CB7CA9A4}" type="presOf" srcId="{EEB85A38-6FE5-4261-BCC0-FD33CE79A9EF}" destId="{BBF91EE0-9A70-4C66-8B43-1C7EF81311B4}" srcOrd="0" destOrd="0" presId="urn:microsoft.com/office/officeart/2005/8/layout/process2"/>
+    <dgm:cxn modelId="{AD549B26-401F-452E-81FC-604B0A1546DB}" type="presOf" srcId="{680A31B8-1B31-4855-B680-5C2E09B694E5}" destId="{E64BB72B-8FED-4FA3-8049-A3DD57954BBC}" srcOrd="0" destOrd="0" presId="urn:microsoft.com/office/officeart/2005/8/layout/process2"/>
+    <dgm:cxn modelId="{CA066FEC-ED1D-4569-8CAF-3BBBCCEC1366}" type="presOf" srcId="{A7E1657B-12D3-4C4D-9317-275DFE635BF9}" destId="{22943B0C-FC79-4F4A-A2D6-4488E902FCDF}" srcOrd="0" destOrd="0" presId="urn:microsoft.com/office/officeart/2005/8/layout/process2"/>
     <dgm:cxn modelId="{E9670718-498B-4FE7-BA0D-C57F70741B0A}" type="presOf" srcId="{D2A4EEC9-CB58-44EF-9BE4-B999D49D4806}" destId="{E0B780D8-79CB-4B6B-A765-330365A5BA56}" srcOrd="0" destOrd="0" presId="urn:microsoft.com/office/officeart/2005/8/layout/process2"/>
-    <dgm:cxn modelId="{D1AEE91B-DC4C-43E9-8242-9FC348C789BA}" type="presOf" srcId="{EEB85A38-6FE5-4261-BCC0-FD33CE79A9EF}" destId="{352FE5DC-1D50-434C-ADA8-100B31B47D42}" srcOrd="1" destOrd="0" presId="urn:microsoft.com/office/officeart/2005/8/layout/process2"/>
+    <dgm:cxn modelId="{A002412E-5A13-463B-957B-5851EF9CF3EB}" srcId="{F2895ABF-0B55-469A-A334-21F3EFA565F3}" destId="{6EEE752B-0229-4684-B4C0-CC6DDB66D5CC}" srcOrd="3" destOrd="0" parTransId="{C05FE28B-5263-4ECC-9768-A8887D631C30}" sibTransId="{EEB85A38-6FE5-4261-BCC0-FD33CE79A9EF}"/>
+    <dgm:cxn modelId="{F72A70A1-3995-472F-A233-0FADEA029489}" type="presOf" srcId="{0B45398B-589C-45CB-9D29-5659223A7291}" destId="{43F6BAEA-4AAE-4161-96A2-31F1B1982731}" srcOrd="0" destOrd="0" presId="urn:microsoft.com/office/officeart/2005/8/layout/process2"/>
+    <dgm:cxn modelId="{54594A38-5B4A-44CD-94A5-2A2AEBB70B90}" type="presOf" srcId="{A7E1657B-12D3-4C4D-9317-275DFE635BF9}" destId="{57B58789-5A8F-4122-B65A-3199D936A251}" srcOrd="1" destOrd="0" presId="urn:microsoft.com/office/officeart/2005/8/layout/process2"/>
+    <dgm:cxn modelId="{44A04C4F-F1AE-4D75-A602-6B2967595E35}" type="presOf" srcId="{67E61026-58FD-4094-8B90-533E50B9849A}" destId="{53E8EB28-2AF3-4962-A1DB-CB4CC2E75A6B}" srcOrd="0" destOrd="0" presId="urn:microsoft.com/office/officeart/2005/8/layout/process2"/>
+    <dgm:cxn modelId="{954A2A90-81D8-4DFD-9FF3-3E1CEF299E0F}" type="presOf" srcId="{1A15A384-456A-4939-A036-5E642C322B61}" destId="{7C16DD59-EC11-49D1-950F-6FFB06567F80}" srcOrd="1" destOrd="0" presId="urn:microsoft.com/office/officeart/2005/8/layout/process2"/>
+    <dgm:cxn modelId="{BDF954C3-ECA9-44CE-AE85-E19F11DF41DE}" type="presOf" srcId="{6EEE752B-0229-4684-B4C0-CC6DDB66D5CC}" destId="{587304DE-C51D-40C2-8EF5-34D35118B44C}" srcOrd="0" destOrd="0" presId="urn:microsoft.com/office/officeart/2005/8/layout/process2"/>
+    <dgm:cxn modelId="{7E236A77-14A2-424B-81B7-1F688FD0647D}" type="presOf" srcId="{67E61026-58FD-4094-8B90-533E50B9849A}" destId="{9D6F9806-D5FF-4002-98DF-25A7D3D11599}" srcOrd="1" destOrd="0" presId="urn:microsoft.com/office/officeart/2005/8/layout/process2"/>
+    <dgm:cxn modelId="{BD835193-33C1-4F80-B9FB-F3A3667BC68F}" type="presOf" srcId="{49DA27BC-869B-46F5-8956-0CD73CE8773A}" destId="{722C9942-1C8B-4452-8D36-6F0004243210}" srcOrd="0" destOrd="0" presId="urn:microsoft.com/office/officeart/2005/8/layout/process2"/>
+    <dgm:cxn modelId="{D383B3DA-17B3-4822-A436-788A4F6A63C8}" type="presOf" srcId="{1A15A384-456A-4939-A036-5E642C322B61}" destId="{1BD21772-7C57-47E4-8006-374CC747770F}" srcOrd="0" destOrd="0" presId="urn:microsoft.com/office/officeart/2005/8/layout/process2"/>
     <dgm:cxn modelId="{FC6DF625-A01A-4103-AA04-0A61C9595C18}" srcId="{F2895ABF-0B55-469A-A334-21F3EFA565F3}" destId="{D2A4EEC9-CB58-44EF-9BE4-B999D49D4806}" srcOrd="4" destOrd="0" parTransId="{E6E840C6-7B9D-49EB-B8FB-01456BF9B783}" sibTransId="{A7E1657B-12D3-4C4D-9317-275DFE635BF9}"/>
-    <dgm:cxn modelId="{AD549B26-401F-452E-81FC-604B0A1546DB}" type="presOf" srcId="{680A31B8-1B31-4855-B680-5C2E09B694E5}" destId="{E64BB72B-8FED-4FA3-8049-A3DD57954BBC}" srcOrd="0" destOrd="0" presId="urn:microsoft.com/office/officeart/2005/8/layout/process2"/>
-    <dgm:cxn modelId="{A002412E-5A13-463B-957B-5851EF9CF3EB}" srcId="{F2895ABF-0B55-469A-A334-21F3EFA565F3}" destId="{6EEE752B-0229-4684-B4C0-CC6DDB66D5CC}" srcOrd="3" destOrd="0" parTransId="{C05FE28B-5263-4ECC-9768-A8887D631C30}" sibTransId="{EEB85A38-6FE5-4261-BCC0-FD33CE79A9EF}"/>
-    <dgm:cxn modelId="{54594A38-5B4A-44CD-94A5-2A2AEBB70B90}" type="presOf" srcId="{A7E1657B-12D3-4C4D-9317-275DFE635BF9}" destId="{57B58789-5A8F-4122-B65A-3199D936A251}" srcOrd="1" destOrd="0" presId="urn:microsoft.com/office/officeart/2005/8/layout/process2"/>
-    <dgm:cxn modelId="{54E48040-C5D1-4132-8E7C-2946C31BB391}" type="presOf" srcId="{41E2274A-589D-4C9B-ADEF-BB9818A84AF9}" destId="{14ED9C5A-E794-4EF7-86FA-DE50F867143C}" srcOrd="0" destOrd="0" presId="urn:microsoft.com/office/officeart/2005/8/layout/process2"/>
+    <dgm:cxn modelId="{B801CF97-69EC-4B25-9690-9A6346FAA781}" type="presOf" srcId="{7C015268-2938-46F6-8541-B8CD8E48D1AB}" destId="{8F6F2BEE-4059-4276-A3EA-650CD854903F}" srcOrd="1" destOrd="0" presId="urn:microsoft.com/office/officeart/2005/8/layout/process2"/>
+    <dgm:cxn modelId="{9EAB20F8-E12F-41EE-A49D-F0FCC218541E}" type="presOf" srcId="{C5005033-92D4-41DD-8FFB-AAA6F546212A}" destId="{7A359767-1373-4F94-854C-C2C9AC24AD9C}" srcOrd="0" destOrd="0" presId="urn:microsoft.com/office/officeart/2005/8/layout/process2"/>
+    <dgm:cxn modelId="{4D5C1FAD-F3FF-422B-AE67-CFE7DCC0EED9}" srcId="{F2895ABF-0B55-469A-A334-21F3EFA565F3}" destId="{C5005033-92D4-41DD-8FFB-AAA6F546212A}" srcOrd="2" destOrd="0" parTransId="{712C2AFA-154C-4173-9C00-C886FC9052D3}" sibTransId="{7C015268-2938-46F6-8541-B8CD8E48D1AB}"/>
+    <dgm:cxn modelId="{D11588DB-C897-4ACF-9EB3-FB15D3D158BB}" srcId="{F2895ABF-0B55-469A-A334-21F3EFA565F3}" destId="{80533E6E-AC03-4237-8CFD-ADC5A789884C}" srcOrd="6" destOrd="0" parTransId="{6A947F24-BCD5-4B62-866F-09F05990ECFF}" sibTransId="{9E89B93F-D1B3-4DDE-8682-4BA9658BBD94}"/>
+    <dgm:cxn modelId="{353930F2-2487-4F58-8E80-2E7EAAADA283}" type="presOf" srcId="{7C015268-2938-46F6-8541-B8CD8E48D1AB}" destId="{D62A8EDC-28AD-4146-B835-FE1853F43C09}" srcOrd="0" destOrd="0" presId="urn:microsoft.com/office/officeart/2005/8/layout/process2"/>
+    <dgm:cxn modelId="{56EB4E71-3252-4D04-BC24-25A30843F289}" type="presOf" srcId="{41E2274A-589D-4C9B-ADEF-BB9818A84AF9}" destId="{E5ED9161-CB2C-42AE-87DB-57EA6D1621C3}" srcOrd="1" destOrd="0" presId="urn:microsoft.com/office/officeart/2005/8/layout/process2"/>
+    <dgm:cxn modelId="{A000F3D5-43DC-47AF-8994-B2113923F7F6}" type="presOf" srcId="{80533E6E-AC03-4237-8CFD-ADC5A789884C}" destId="{49CF2DD7-B708-45CB-8B77-DBD30A0630BB}" srcOrd="0" destOrd="0" presId="urn:microsoft.com/office/officeart/2005/8/layout/process2"/>
     <dgm:cxn modelId="{E996F347-7D27-4447-B764-CC500AC4E7D0}" srcId="{F2895ABF-0B55-469A-A334-21F3EFA565F3}" destId="{0B45398B-589C-45CB-9D29-5659223A7291}" srcOrd="0" destOrd="0" parTransId="{5AF75DEA-44BC-4DD9-961A-DBCBA90D5B06}" sibTransId="{1A15A384-456A-4939-A036-5E642C322B61}"/>
-    <dgm:cxn modelId="{548B9068-5651-4276-9BC7-CD784D25A836}" type="presOf" srcId="{F2895ABF-0B55-469A-A334-21F3EFA565F3}" destId="{67DED806-F6CE-43B3-B020-8848CF6F09A6}" srcOrd="0" destOrd="0" presId="urn:microsoft.com/office/officeart/2005/8/layout/process2"/>
-    <dgm:cxn modelId="{44A04C4F-F1AE-4D75-A602-6B2967595E35}" type="presOf" srcId="{67E61026-58FD-4094-8B90-533E50B9849A}" destId="{53E8EB28-2AF3-4962-A1DB-CB4CC2E75A6B}" srcOrd="0" destOrd="0" presId="urn:microsoft.com/office/officeart/2005/8/layout/process2"/>
-    <dgm:cxn modelId="{56EB4E71-3252-4D04-BC24-25A30843F289}" type="presOf" srcId="{41E2274A-589D-4C9B-ADEF-BB9818A84AF9}" destId="{E5ED9161-CB2C-42AE-87DB-57EA6D1621C3}" srcOrd="1" destOrd="0" presId="urn:microsoft.com/office/officeart/2005/8/layout/process2"/>
-    <dgm:cxn modelId="{7E236A77-14A2-424B-81B7-1F688FD0647D}" type="presOf" srcId="{67E61026-58FD-4094-8B90-533E50B9849A}" destId="{9D6F9806-D5FF-4002-98DF-25A7D3D11599}" srcOrd="1" destOrd="0" presId="urn:microsoft.com/office/officeart/2005/8/layout/process2"/>
-    <dgm:cxn modelId="{954A2A90-81D8-4DFD-9FF3-3E1CEF299E0F}" type="presOf" srcId="{1A15A384-456A-4939-A036-5E642C322B61}" destId="{7C16DD59-EC11-49D1-950F-6FFB06567F80}" srcOrd="1" destOrd="0" presId="urn:microsoft.com/office/officeart/2005/8/layout/process2"/>
-    <dgm:cxn modelId="{BD835193-33C1-4F80-B9FB-F3A3667BC68F}" type="presOf" srcId="{49DA27BC-869B-46F5-8956-0CD73CE8773A}" destId="{722C9942-1C8B-4452-8D36-6F0004243210}" srcOrd="0" destOrd="0" presId="urn:microsoft.com/office/officeart/2005/8/layout/process2"/>
-    <dgm:cxn modelId="{B801CF97-69EC-4B25-9690-9A6346FAA781}" type="presOf" srcId="{7C015268-2938-46F6-8541-B8CD8E48D1AB}" destId="{8F6F2BEE-4059-4276-A3EA-650CD854903F}" srcOrd="1" destOrd="0" presId="urn:microsoft.com/office/officeart/2005/8/layout/process2"/>
-    <dgm:cxn modelId="{F72A70A1-3995-472F-A233-0FADEA029489}" type="presOf" srcId="{0B45398B-589C-45CB-9D29-5659223A7291}" destId="{43F6BAEA-4AAE-4161-96A2-31F1B1982731}" srcOrd="0" destOrd="0" presId="urn:microsoft.com/office/officeart/2005/8/layout/process2"/>
-    <dgm:cxn modelId="{4D5C1FAD-F3FF-422B-AE67-CFE7DCC0EED9}" srcId="{F2895ABF-0B55-469A-A334-21F3EFA565F3}" destId="{C5005033-92D4-41DD-8FFB-AAA6F546212A}" srcOrd="2" destOrd="0" parTransId="{712C2AFA-154C-4173-9C00-C886FC9052D3}" sibTransId="{7C015268-2938-46F6-8541-B8CD8E48D1AB}"/>
-    <dgm:cxn modelId="{2A384CB6-223F-42AB-9A47-5DCB105AD576}" srcId="{F2895ABF-0B55-469A-A334-21F3EFA565F3}" destId="{49DA27BC-869B-46F5-8956-0CD73CE8773A}" srcOrd="1" destOrd="0" parTransId="{352265DB-B09D-4E6A-AAE3-EF9ABE86E0D1}" sibTransId="{67E61026-58FD-4094-8B90-533E50B9849A}"/>
-    <dgm:cxn modelId="{BDF954C3-ECA9-44CE-AE85-E19F11DF41DE}" type="presOf" srcId="{6EEE752B-0229-4684-B4C0-CC6DDB66D5CC}" destId="{587304DE-C51D-40C2-8EF5-34D35118B44C}" srcOrd="0" destOrd="0" presId="urn:microsoft.com/office/officeart/2005/8/layout/process2"/>
-    <dgm:cxn modelId="{A000F3D5-43DC-47AF-8994-B2113923F7F6}" type="presOf" srcId="{80533E6E-AC03-4237-8CFD-ADC5A789884C}" destId="{49CF2DD7-B708-45CB-8B77-DBD30A0630BB}" srcOrd="0" destOrd="0" presId="urn:microsoft.com/office/officeart/2005/8/layout/process2"/>
-    <dgm:cxn modelId="{D383B3DA-17B3-4822-A436-788A4F6A63C8}" type="presOf" srcId="{1A15A384-456A-4939-A036-5E642C322B61}" destId="{1BD21772-7C57-47E4-8006-374CC747770F}" srcOrd="0" destOrd="0" presId="urn:microsoft.com/office/officeart/2005/8/layout/process2"/>
-    <dgm:cxn modelId="{D11588DB-C897-4ACF-9EB3-FB15D3D158BB}" srcId="{F2895ABF-0B55-469A-A334-21F3EFA565F3}" destId="{80533E6E-AC03-4237-8CFD-ADC5A789884C}" srcOrd="6" destOrd="0" parTransId="{6A947F24-BCD5-4B62-866F-09F05990ECFF}" sibTransId="{9E89B93F-D1B3-4DDE-8682-4BA9658BBD94}"/>
-    <dgm:cxn modelId="{D527DCE7-8D72-487A-96A7-DA77CB7CA9A4}" type="presOf" srcId="{EEB85A38-6FE5-4261-BCC0-FD33CE79A9EF}" destId="{BBF91EE0-9A70-4C66-8B43-1C7EF81311B4}" srcOrd="0" destOrd="0" presId="urn:microsoft.com/office/officeart/2005/8/layout/process2"/>
-    <dgm:cxn modelId="{CA066FEC-ED1D-4569-8CAF-3BBBCCEC1366}" type="presOf" srcId="{A7E1657B-12D3-4C4D-9317-275DFE635BF9}" destId="{22943B0C-FC79-4F4A-A2D6-4488E902FCDF}" srcOrd="0" destOrd="0" presId="urn:microsoft.com/office/officeart/2005/8/layout/process2"/>
-    <dgm:cxn modelId="{353930F2-2487-4F58-8E80-2E7EAAADA283}" type="presOf" srcId="{7C015268-2938-46F6-8541-B8CD8E48D1AB}" destId="{D62A8EDC-28AD-4146-B835-FE1853F43C09}" srcOrd="0" destOrd="0" presId="urn:microsoft.com/office/officeart/2005/8/layout/process2"/>
     <dgm:cxn modelId="{2BF143F4-E55F-443E-AB4F-248DF1B48E4C}" srcId="{F2895ABF-0B55-469A-A334-21F3EFA565F3}" destId="{680A31B8-1B31-4855-B680-5C2E09B694E5}" srcOrd="5" destOrd="0" parTransId="{FCFC1E1C-EB26-4DD7-80F0-15C150664EBD}" sibTransId="{41E2274A-589D-4C9B-ADEF-BB9818A84AF9}"/>
-    <dgm:cxn modelId="{9EAB20F8-E12F-41EE-A49D-F0FCC218541E}" type="presOf" srcId="{C5005033-92D4-41DD-8FFB-AAA6F546212A}" destId="{7A359767-1373-4F94-854C-C2C9AC24AD9C}" srcOrd="0" destOrd="0" presId="urn:microsoft.com/office/officeart/2005/8/layout/process2"/>
     <dgm:cxn modelId="{1B6B45BA-00D4-4B7C-AEA2-D8BF0B683E96}" type="presParOf" srcId="{67DED806-F6CE-43B3-B020-8848CF6F09A6}" destId="{43F6BAEA-4AAE-4161-96A2-31F1B1982731}" srcOrd="0" destOrd="0" presId="urn:microsoft.com/office/officeart/2005/8/layout/process2"/>
     <dgm:cxn modelId="{FA7F3428-0478-4199-9543-C6C74A9E9ECC}" type="presParOf" srcId="{67DED806-F6CE-43B3-B020-8848CF6F09A6}" destId="{1BD21772-7C57-47E4-8006-374CC747770F}" srcOrd="1" destOrd="0" presId="urn:microsoft.com/office/officeart/2005/8/layout/process2"/>
     <dgm:cxn modelId="{6D03F713-F8FA-4FD9-95CB-29F281DCFCED}" type="presParOf" srcId="{1BD21772-7C57-47E4-8006-374CC747770F}" destId="{7C16DD59-EC11-49D1-950F-6FFB06567F80}" srcOrd="0" destOrd="0" presId="urn:microsoft.com/office/officeart/2005/8/layout/process2"/>
@@ -11080,6 +11780,13 @@
         </dgm:presLayoutVars>
       </dgm:prSet>
       <dgm:spPr/>
+      <dgm:t>
+        <a:bodyPr/>
+        <a:lstStyle/>
+        <a:p>
+          <a:endParaRPr lang="en-US"/>
+        </a:p>
+      </dgm:t>
     </dgm:pt>
     <dgm:pt modelId="{B4F23D53-A40F-44CD-B37F-D950E2994326}" type="pres">
       <dgm:prSet presAssocID="{6519C974-DCA6-4EA6-B285-90B5F55C9C9B}" presName="dummyMaxCanvas" presStyleCnt="0">
@@ -11094,6 +11801,13 @@
         </dgm:presLayoutVars>
       </dgm:prSet>
       <dgm:spPr/>
+      <dgm:t>
+        <a:bodyPr/>
+        <a:lstStyle/>
+        <a:p>
+          <a:endParaRPr lang="en-US"/>
+        </a:p>
+      </dgm:t>
     </dgm:pt>
     <dgm:pt modelId="{6E1B5FBE-6C0B-4EE1-9CB5-9E0A119209CF}" type="pres">
       <dgm:prSet presAssocID="{6519C974-DCA6-4EA6-B285-90B5F55C9C9B}" presName="FourNodes_2" presStyleLbl="node1" presStyleIdx="1" presStyleCnt="4">
@@ -11102,6 +11816,13 @@
         </dgm:presLayoutVars>
       </dgm:prSet>
       <dgm:spPr/>
+      <dgm:t>
+        <a:bodyPr/>
+        <a:lstStyle/>
+        <a:p>
+          <a:endParaRPr lang="en-US"/>
+        </a:p>
+      </dgm:t>
     </dgm:pt>
     <dgm:pt modelId="{DB363923-57CF-4C0B-86F2-7EEAFD06180B}" type="pres">
       <dgm:prSet presAssocID="{6519C974-DCA6-4EA6-B285-90B5F55C9C9B}" presName="FourNodes_3" presStyleLbl="node1" presStyleIdx="2" presStyleCnt="4">
@@ -11110,6 +11831,13 @@
         </dgm:presLayoutVars>
       </dgm:prSet>
       <dgm:spPr/>
+      <dgm:t>
+        <a:bodyPr/>
+        <a:lstStyle/>
+        <a:p>
+          <a:endParaRPr lang="en-US"/>
+        </a:p>
+      </dgm:t>
     </dgm:pt>
     <dgm:pt modelId="{699A6F8B-E0ED-45C0-8C02-A245887E880B}" type="pres">
       <dgm:prSet presAssocID="{6519C974-DCA6-4EA6-B285-90B5F55C9C9B}" presName="FourNodes_4" presStyleLbl="node1" presStyleIdx="3" presStyleCnt="4">
@@ -11118,6 +11846,13 @@
         </dgm:presLayoutVars>
       </dgm:prSet>
       <dgm:spPr/>
+      <dgm:t>
+        <a:bodyPr/>
+        <a:lstStyle/>
+        <a:p>
+          <a:endParaRPr lang="en-US"/>
+        </a:p>
+      </dgm:t>
     </dgm:pt>
     <dgm:pt modelId="{4F282026-0796-4A27-BDA1-727145E9B7C2}" type="pres">
       <dgm:prSet presAssocID="{6519C974-DCA6-4EA6-B285-90B5F55C9C9B}" presName="FourConn_1-2" presStyleLbl="fgAccFollowNode1" presStyleIdx="0" presStyleCnt="3">
@@ -11126,6 +11861,13 @@
         </dgm:presLayoutVars>
       </dgm:prSet>
       <dgm:spPr/>
+      <dgm:t>
+        <a:bodyPr/>
+        <a:lstStyle/>
+        <a:p>
+          <a:endParaRPr lang="en-US"/>
+        </a:p>
+      </dgm:t>
     </dgm:pt>
     <dgm:pt modelId="{6DCA5C1F-0E1D-44B7-8770-9674A1DC870C}" type="pres">
       <dgm:prSet presAssocID="{6519C974-DCA6-4EA6-B285-90B5F55C9C9B}" presName="FourConn_2-3" presStyleLbl="fgAccFollowNode1" presStyleIdx="1" presStyleCnt="3">
@@ -11134,6 +11876,13 @@
         </dgm:presLayoutVars>
       </dgm:prSet>
       <dgm:spPr/>
+      <dgm:t>
+        <a:bodyPr/>
+        <a:lstStyle/>
+        <a:p>
+          <a:endParaRPr lang="en-US"/>
+        </a:p>
+      </dgm:t>
     </dgm:pt>
     <dgm:pt modelId="{BD5C9DF3-BEA3-4FF0-8F48-31D82C8C5E50}" type="pres">
       <dgm:prSet presAssocID="{6519C974-DCA6-4EA6-B285-90B5F55C9C9B}" presName="FourConn_3-4" presStyleLbl="fgAccFollowNode1" presStyleIdx="2" presStyleCnt="3">
@@ -11142,6 +11891,13 @@
         </dgm:presLayoutVars>
       </dgm:prSet>
       <dgm:spPr/>
+      <dgm:t>
+        <a:bodyPr/>
+        <a:lstStyle/>
+        <a:p>
+          <a:endParaRPr lang="en-US"/>
+        </a:p>
+      </dgm:t>
     </dgm:pt>
     <dgm:pt modelId="{2B8FC1B9-6963-437A-A6E2-F3A1DB12225A}" type="pres">
       <dgm:prSet presAssocID="{6519C974-DCA6-4EA6-B285-90B5F55C9C9B}" presName="FourNodes_1_text" presStyleLbl="node1" presStyleIdx="3" presStyleCnt="4">
@@ -11150,6 +11906,13 @@
         </dgm:presLayoutVars>
       </dgm:prSet>
       <dgm:spPr/>
+      <dgm:t>
+        <a:bodyPr/>
+        <a:lstStyle/>
+        <a:p>
+          <a:endParaRPr lang="en-US"/>
+        </a:p>
+      </dgm:t>
     </dgm:pt>
     <dgm:pt modelId="{5E7B79AB-50EF-4AB3-A317-E58C1550737C}" type="pres">
       <dgm:prSet presAssocID="{6519C974-DCA6-4EA6-B285-90B5F55C9C9B}" presName="FourNodes_2_text" presStyleLbl="node1" presStyleIdx="3" presStyleCnt="4">
@@ -11158,6 +11921,13 @@
         </dgm:presLayoutVars>
       </dgm:prSet>
       <dgm:spPr/>
+      <dgm:t>
+        <a:bodyPr/>
+        <a:lstStyle/>
+        <a:p>
+          <a:endParaRPr lang="en-US"/>
+        </a:p>
+      </dgm:t>
     </dgm:pt>
     <dgm:pt modelId="{0F5C4492-7C86-4019-8560-82D7A95DBB0B}" type="pres">
       <dgm:prSet presAssocID="{6519C974-DCA6-4EA6-B285-90B5F55C9C9B}" presName="FourNodes_3_text" presStyleLbl="node1" presStyleIdx="3" presStyleCnt="4">
@@ -11166,6 +11936,13 @@
         </dgm:presLayoutVars>
       </dgm:prSet>
       <dgm:spPr/>
+      <dgm:t>
+        <a:bodyPr/>
+        <a:lstStyle/>
+        <a:p>
+          <a:endParaRPr lang="en-US"/>
+        </a:p>
+      </dgm:t>
     </dgm:pt>
     <dgm:pt modelId="{BE45CC7A-DAF1-4CA5-8B15-9F5F8CF03AC1}" type="pres">
       <dgm:prSet presAssocID="{6519C974-DCA6-4EA6-B285-90B5F55C9C9B}" presName="FourNodes_4_text" presStyleLbl="node1" presStyleIdx="3" presStyleCnt="4">
@@ -11174,25 +11951,32 @@
         </dgm:presLayoutVars>
       </dgm:prSet>
       <dgm:spPr/>
+      <dgm:t>
+        <a:bodyPr/>
+        <a:lstStyle/>
+        <a:p>
+          <a:endParaRPr lang="en-US"/>
+        </a:p>
+      </dgm:t>
     </dgm:pt>
   </dgm:ptLst>
   <dgm:cxnLst>
     <dgm:cxn modelId="{1C81C20C-E2AA-47FD-A1C6-ECDE7D80B92E}" srcId="{6519C974-DCA6-4EA6-B285-90B5F55C9C9B}" destId="{DE4E0948-EEA2-4AC8-9693-4C35CF838B03}" srcOrd="0" destOrd="0" parTransId="{9F13B9D6-DA54-4A8B-8FE3-4430CD5C1537}" sibTransId="{D0F6A5BE-41D7-4710-95DA-331876328843}"/>
+    <dgm:cxn modelId="{AE4CE730-696E-42A3-BFB3-01F07459C031}" srcId="{6519C974-DCA6-4EA6-B285-90B5F55C9C9B}" destId="{DED8A562-D478-4B70-8AA7-BBB930394E85}" srcOrd="2" destOrd="0" parTransId="{BAAC489B-0FF6-4DB1-8662-8EA385294312}" sibTransId="{EA99EF74-AC31-4732-8D6B-283CC8B80225}"/>
+    <dgm:cxn modelId="{11AF0386-6DF7-456C-B048-FCED5BC0087B}" type="presOf" srcId="{DED8A562-D478-4B70-8AA7-BBB930394E85}" destId="{0F5C4492-7C86-4019-8560-82D7A95DBB0B}" srcOrd="1" destOrd="0" presId="urn:microsoft.com/office/officeart/2005/8/layout/vProcess5"/>
+    <dgm:cxn modelId="{DF38515F-AE78-444A-86D4-43E1D4DE7B48}" type="presOf" srcId="{6519C974-DCA6-4EA6-B285-90B5F55C9C9B}" destId="{3648A250-5D06-4670-ABB1-0EFA67EAB320}" srcOrd="0" destOrd="0" presId="urn:microsoft.com/office/officeart/2005/8/layout/vProcess5"/>
+    <dgm:cxn modelId="{E1E4131E-9079-4640-A7EA-613037A76D8E}" type="presOf" srcId="{DE4E0948-EEA2-4AC8-9693-4C35CF838B03}" destId="{E0531C76-3FD2-49B5-90EE-AE5C197C4117}" srcOrd="0" destOrd="0" presId="urn:microsoft.com/office/officeart/2005/8/layout/vProcess5"/>
+    <dgm:cxn modelId="{EAB34087-BB37-49FB-A6A6-7F8439D1D856}" srcId="{6519C974-DCA6-4EA6-B285-90B5F55C9C9B}" destId="{4EA86F06-86B8-4A85-8285-4D582A89530C}" srcOrd="1" destOrd="0" parTransId="{6ACF037B-DA53-4FBF-BAA9-33DB9830A5FF}" sibTransId="{89A4C66D-0FFC-454A-9EE9-E884B90FA825}"/>
+    <dgm:cxn modelId="{EBA7BE39-3AA5-46B0-8E87-E1360DE445E9}" type="presOf" srcId="{19A25A25-EB13-4380-A912-785D3D2594DD}" destId="{699A6F8B-E0ED-45C0-8C02-A245887E880B}" srcOrd="0" destOrd="0" presId="urn:microsoft.com/office/officeart/2005/8/layout/vProcess5"/>
+    <dgm:cxn modelId="{F8C81D89-4DC6-4662-ACEB-0B3391EC43FE}" type="presOf" srcId="{19A25A25-EB13-4380-A912-785D3D2594DD}" destId="{BE45CC7A-DAF1-4CA5-8B15-9F5F8CF03AC1}" srcOrd="1" destOrd="0" presId="urn:microsoft.com/office/officeart/2005/8/layout/vProcess5"/>
+    <dgm:cxn modelId="{607E8DB0-00F0-4251-9017-88DCBD72C9DC}" type="presOf" srcId="{4EA86F06-86B8-4A85-8285-4D582A89530C}" destId="{5E7B79AB-50EF-4AB3-A317-E58C1550737C}" srcOrd="1" destOrd="0" presId="urn:microsoft.com/office/officeart/2005/8/layout/vProcess5"/>
+    <dgm:cxn modelId="{1E3A238B-92F7-4AE1-9C41-192148B635B0}" type="presOf" srcId="{DED8A562-D478-4B70-8AA7-BBB930394E85}" destId="{DB363923-57CF-4C0B-86F2-7EEAFD06180B}" srcOrd="0" destOrd="0" presId="urn:microsoft.com/office/officeart/2005/8/layout/vProcess5"/>
+    <dgm:cxn modelId="{57A6E01D-8EDE-4DCA-A4AE-164AE4865A4C}" type="presOf" srcId="{89A4C66D-0FFC-454A-9EE9-E884B90FA825}" destId="{6DCA5C1F-0E1D-44B7-8770-9674A1DC870C}" srcOrd="0" destOrd="0" presId="urn:microsoft.com/office/officeart/2005/8/layout/vProcess5"/>
+    <dgm:cxn modelId="{73F4D285-68EB-4045-A249-1025FB28C07D}" type="presOf" srcId="{DE4E0948-EEA2-4AC8-9693-4C35CF838B03}" destId="{2B8FC1B9-6963-437A-A6E2-F3A1DB12225A}" srcOrd="1" destOrd="0" presId="urn:microsoft.com/office/officeart/2005/8/layout/vProcess5"/>
+    <dgm:cxn modelId="{20E2DC24-CA41-4337-BBEB-F40440AAD41F}" type="presOf" srcId="{EA99EF74-AC31-4732-8D6B-283CC8B80225}" destId="{BD5C9DF3-BEA3-4FF0-8F48-31D82C8C5E50}" srcOrd="0" destOrd="0" presId="urn:microsoft.com/office/officeart/2005/8/layout/vProcess5"/>
     <dgm:cxn modelId="{0EA1EB11-94AD-46B1-B0F7-4A165CA97B56}" srcId="{6519C974-DCA6-4EA6-B285-90B5F55C9C9B}" destId="{19A25A25-EB13-4380-A912-785D3D2594DD}" srcOrd="3" destOrd="0" parTransId="{6843A217-ED01-4643-9B9C-E3F67413AC3D}" sibTransId="{BF807BC5-923D-4F4F-A285-042D877391EA}"/>
-    <dgm:cxn modelId="{57A6E01D-8EDE-4DCA-A4AE-164AE4865A4C}" type="presOf" srcId="{89A4C66D-0FFC-454A-9EE9-E884B90FA825}" destId="{6DCA5C1F-0E1D-44B7-8770-9674A1DC870C}" srcOrd="0" destOrd="0" presId="urn:microsoft.com/office/officeart/2005/8/layout/vProcess5"/>
-    <dgm:cxn modelId="{E1E4131E-9079-4640-A7EA-613037A76D8E}" type="presOf" srcId="{DE4E0948-EEA2-4AC8-9693-4C35CF838B03}" destId="{E0531C76-3FD2-49B5-90EE-AE5C197C4117}" srcOrd="0" destOrd="0" presId="urn:microsoft.com/office/officeart/2005/8/layout/vProcess5"/>
-    <dgm:cxn modelId="{20E2DC24-CA41-4337-BBEB-F40440AAD41F}" type="presOf" srcId="{EA99EF74-AC31-4732-8D6B-283CC8B80225}" destId="{BD5C9DF3-BEA3-4FF0-8F48-31D82C8C5E50}" srcOrd="0" destOrd="0" presId="urn:microsoft.com/office/officeart/2005/8/layout/vProcess5"/>
-    <dgm:cxn modelId="{AE4CE730-696E-42A3-BFB3-01F07459C031}" srcId="{6519C974-DCA6-4EA6-B285-90B5F55C9C9B}" destId="{DED8A562-D478-4B70-8AA7-BBB930394E85}" srcOrd="2" destOrd="0" parTransId="{BAAC489B-0FF6-4DB1-8662-8EA385294312}" sibTransId="{EA99EF74-AC31-4732-8D6B-283CC8B80225}"/>
     <dgm:cxn modelId="{0E4BCF31-92D1-4651-8974-BFD6E106A942}" type="presOf" srcId="{D0F6A5BE-41D7-4710-95DA-331876328843}" destId="{4F282026-0796-4A27-BDA1-727145E9B7C2}" srcOrd="0" destOrd="0" presId="urn:microsoft.com/office/officeart/2005/8/layout/vProcess5"/>
-    <dgm:cxn modelId="{EBA7BE39-3AA5-46B0-8E87-E1360DE445E9}" type="presOf" srcId="{19A25A25-EB13-4380-A912-785D3D2594DD}" destId="{699A6F8B-E0ED-45C0-8C02-A245887E880B}" srcOrd="0" destOrd="0" presId="urn:microsoft.com/office/officeart/2005/8/layout/vProcess5"/>
-    <dgm:cxn modelId="{DF38515F-AE78-444A-86D4-43E1D4DE7B48}" type="presOf" srcId="{6519C974-DCA6-4EA6-B285-90B5F55C9C9B}" destId="{3648A250-5D06-4670-ABB1-0EFA67EAB320}" srcOrd="0" destOrd="0" presId="urn:microsoft.com/office/officeart/2005/8/layout/vProcess5"/>
     <dgm:cxn modelId="{24B98570-3903-4B88-AF35-E52A9A9A8E1A}" type="presOf" srcId="{4EA86F06-86B8-4A85-8285-4D582A89530C}" destId="{6E1B5FBE-6C0B-4EE1-9CB5-9E0A119209CF}" srcOrd="0" destOrd="0" presId="urn:microsoft.com/office/officeart/2005/8/layout/vProcess5"/>
-    <dgm:cxn modelId="{73F4D285-68EB-4045-A249-1025FB28C07D}" type="presOf" srcId="{DE4E0948-EEA2-4AC8-9693-4C35CF838B03}" destId="{2B8FC1B9-6963-437A-A6E2-F3A1DB12225A}" srcOrd="1" destOrd="0" presId="urn:microsoft.com/office/officeart/2005/8/layout/vProcess5"/>
-    <dgm:cxn modelId="{11AF0386-6DF7-456C-B048-FCED5BC0087B}" type="presOf" srcId="{DED8A562-D478-4B70-8AA7-BBB930394E85}" destId="{0F5C4492-7C86-4019-8560-82D7A95DBB0B}" srcOrd="1" destOrd="0" presId="urn:microsoft.com/office/officeart/2005/8/layout/vProcess5"/>
-    <dgm:cxn modelId="{EAB34087-BB37-49FB-A6A6-7F8439D1D856}" srcId="{6519C974-DCA6-4EA6-B285-90B5F55C9C9B}" destId="{4EA86F06-86B8-4A85-8285-4D582A89530C}" srcOrd="1" destOrd="0" parTransId="{6ACF037B-DA53-4FBF-BAA9-33DB9830A5FF}" sibTransId="{89A4C66D-0FFC-454A-9EE9-E884B90FA825}"/>
-    <dgm:cxn modelId="{F8C81D89-4DC6-4662-ACEB-0B3391EC43FE}" type="presOf" srcId="{19A25A25-EB13-4380-A912-785D3D2594DD}" destId="{BE45CC7A-DAF1-4CA5-8B15-9F5F8CF03AC1}" srcOrd="1" destOrd="0" presId="urn:microsoft.com/office/officeart/2005/8/layout/vProcess5"/>
-    <dgm:cxn modelId="{1E3A238B-92F7-4AE1-9C41-192148B635B0}" type="presOf" srcId="{DED8A562-D478-4B70-8AA7-BBB930394E85}" destId="{DB363923-57CF-4C0B-86F2-7EEAFD06180B}" srcOrd="0" destOrd="0" presId="urn:microsoft.com/office/officeart/2005/8/layout/vProcess5"/>
-    <dgm:cxn modelId="{607E8DB0-00F0-4251-9017-88DCBD72C9DC}" type="presOf" srcId="{4EA86F06-86B8-4A85-8285-4D582A89530C}" destId="{5E7B79AB-50EF-4AB3-A317-E58C1550737C}" srcOrd="1" destOrd="0" presId="urn:microsoft.com/office/officeart/2005/8/layout/vProcess5"/>
     <dgm:cxn modelId="{3EBABD01-086F-4D81-B9B3-F470C49585C4}" type="presParOf" srcId="{3648A250-5D06-4670-ABB1-0EFA67EAB320}" destId="{B4F23D53-A40F-44CD-B37F-D950E2994326}" srcOrd="0" destOrd="0" presId="urn:microsoft.com/office/officeart/2005/8/layout/vProcess5"/>
     <dgm:cxn modelId="{6D134C6C-4F18-4781-9F39-7E714D6CF1B7}" type="presParOf" srcId="{3648A250-5D06-4670-ABB1-0EFA67EAB320}" destId="{E0531C76-3FD2-49B5-90EE-AE5C197C4117}" srcOrd="1" destOrd="0" presId="urn:microsoft.com/office/officeart/2005/8/layout/vProcess5"/>
     <dgm:cxn modelId="{75A82A30-52AB-477A-A3F5-A95DBFED3898}" type="presParOf" srcId="{3648A250-5D06-4670-ABB1-0EFA67EAB320}" destId="{6E1B5FBE-6C0B-4EE1-9CB5-9E0A119209CF}" srcOrd="2" destOrd="0" presId="urn:microsoft.com/office/officeart/2005/8/layout/vProcess5"/>
@@ -11891,6 +12675,13 @@
         </dgm:presLayoutVars>
       </dgm:prSet>
       <dgm:spPr/>
+      <dgm:t>
+        <a:bodyPr/>
+        <a:lstStyle/>
+        <a:p>
+          <a:endParaRPr lang="en-US"/>
+        </a:p>
+      </dgm:t>
     </dgm:pt>
     <dgm:pt modelId="{43F6BAEA-4AAE-4161-96A2-31F1B1982731}" type="pres">
       <dgm:prSet presAssocID="{0B45398B-589C-45CB-9D29-5659223A7291}" presName="node" presStyleLbl="node1" presStyleIdx="0" presStyleCnt="7" custScaleX="140744" custScaleY="110000">
@@ -11909,14 +12700,35 @@
           </a:avLst>
         </a:prstGeom>
       </dgm:spPr>
+      <dgm:t>
+        <a:bodyPr/>
+        <a:lstStyle/>
+        <a:p>
+          <a:endParaRPr lang="en-US"/>
+        </a:p>
+      </dgm:t>
     </dgm:pt>
     <dgm:pt modelId="{1BD21772-7C57-47E4-8006-374CC747770F}" type="pres">
       <dgm:prSet presAssocID="{1A15A384-456A-4939-A036-5E642C322B61}" presName="sibTrans" presStyleLbl="sibTrans2D1" presStyleIdx="0" presStyleCnt="6"/>
       <dgm:spPr/>
+      <dgm:t>
+        <a:bodyPr/>
+        <a:lstStyle/>
+        <a:p>
+          <a:endParaRPr lang="en-US"/>
+        </a:p>
+      </dgm:t>
     </dgm:pt>
     <dgm:pt modelId="{7C16DD59-EC11-49D1-950F-6FFB06567F80}" type="pres">
       <dgm:prSet presAssocID="{1A15A384-456A-4939-A036-5E642C322B61}" presName="connectorText" presStyleLbl="sibTrans2D1" presStyleIdx="0" presStyleCnt="6"/>
       <dgm:spPr/>
+      <dgm:t>
+        <a:bodyPr/>
+        <a:lstStyle/>
+        <a:p>
+          <a:endParaRPr lang="en-US"/>
+        </a:p>
+      </dgm:t>
     </dgm:pt>
     <dgm:pt modelId="{722C9942-1C8B-4452-8D36-6F0004243210}" type="pres">
       <dgm:prSet presAssocID="{49DA27BC-869B-46F5-8956-0CD73CE8773A}" presName="node" presStyleLbl="node1" presStyleIdx="1" presStyleCnt="7" custScaleX="140744" custScaleY="110000" custLinFactNeighborX="-399" custLinFactNeighborY="-15662">
@@ -11935,14 +12747,35 @@
           </a:avLst>
         </a:prstGeom>
       </dgm:spPr>
+      <dgm:t>
+        <a:bodyPr/>
+        <a:lstStyle/>
+        <a:p>
+          <a:endParaRPr lang="en-US"/>
+        </a:p>
+      </dgm:t>
     </dgm:pt>
     <dgm:pt modelId="{53E8EB28-2AF3-4962-A1DB-CB4CC2E75A6B}" type="pres">
       <dgm:prSet presAssocID="{67E61026-58FD-4094-8B90-533E50B9849A}" presName="sibTrans" presStyleLbl="sibTrans2D1" presStyleIdx="1" presStyleCnt="6"/>
       <dgm:spPr/>
+      <dgm:t>
+        <a:bodyPr/>
+        <a:lstStyle/>
+        <a:p>
+          <a:endParaRPr lang="en-US"/>
+        </a:p>
+      </dgm:t>
     </dgm:pt>
     <dgm:pt modelId="{9D6F9806-D5FF-4002-98DF-25A7D3D11599}" type="pres">
       <dgm:prSet presAssocID="{67E61026-58FD-4094-8B90-533E50B9849A}" presName="connectorText" presStyleLbl="sibTrans2D1" presStyleIdx="1" presStyleCnt="6"/>
       <dgm:spPr/>
+      <dgm:t>
+        <a:bodyPr/>
+        <a:lstStyle/>
+        <a:p>
+          <a:endParaRPr lang="en-US"/>
+        </a:p>
+      </dgm:t>
     </dgm:pt>
     <dgm:pt modelId="{7A359767-1373-4F94-854C-C2C9AC24AD9C}" type="pres">
       <dgm:prSet presAssocID="{C5005033-92D4-41DD-8FFB-AAA6F546212A}" presName="node" presStyleLbl="node1" presStyleIdx="2" presStyleCnt="7" custScaleX="140744" custScaleY="110000">
@@ -11951,14 +12784,35 @@
         </dgm:presLayoutVars>
       </dgm:prSet>
       <dgm:spPr/>
+      <dgm:t>
+        <a:bodyPr/>
+        <a:lstStyle/>
+        <a:p>
+          <a:endParaRPr lang="en-US"/>
+        </a:p>
+      </dgm:t>
     </dgm:pt>
     <dgm:pt modelId="{D62A8EDC-28AD-4146-B835-FE1853F43C09}" type="pres">
       <dgm:prSet presAssocID="{7C015268-2938-46F6-8541-B8CD8E48D1AB}" presName="sibTrans" presStyleLbl="sibTrans2D1" presStyleIdx="2" presStyleCnt="6"/>
       <dgm:spPr/>
+      <dgm:t>
+        <a:bodyPr/>
+        <a:lstStyle/>
+        <a:p>
+          <a:endParaRPr lang="en-US"/>
+        </a:p>
+      </dgm:t>
     </dgm:pt>
     <dgm:pt modelId="{8F6F2BEE-4059-4276-A3EA-650CD854903F}" type="pres">
       <dgm:prSet presAssocID="{7C015268-2938-46F6-8541-B8CD8E48D1AB}" presName="connectorText" presStyleLbl="sibTrans2D1" presStyleIdx="2" presStyleCnt="6"/>
       <dgm:spPr/>
+      <dgm:t>
+        <a:bodyPr/>
+        <a:lstStyle/>
+        <a:p>
+          <a:endParaRPr lang="en-US"/>
+        </a:p>
+      </dgm:t>
     </dgm:pt>
     <dgm:pt modelId="{587304DE-C51D-40C2-8EF5-34D35118B44C}" type="pres">
       <dgm:prSet presAssocID="{6EEE752B-0229-4684-B4C0-CC6DDB66D5CC}" presName="node" presStyleLbl="node1" presStyleIdx="3" presStyleCnt="7" custScaleX="140744" custScaleY="110000">
@@ -11967,14 +12821,35 @@
         </dgm:presLayoutVars>
       </dgm:prSet>
       <dgm:spPr/>
+      <dgm:t>
+        <a:bodyPr/>
+        <a:lstStyle/>
+        <a:p>
+          <a:endParaRPr lang="en-US"/>
+        </a:p>
+      </dgm:t>
     </dgm:pt>
     <dgm:pt modelId="{BBF91EE0-9A70-4C66-8B43-1C7EF81311B4}" type="pres">
       <dgm:prSet presAssocID="{EEB85A38-6FE5-4261-BCC0-FD33CE79A9EF}" presName="sibTrans" presStyleLbl="sibTrans2D1" presStyleIdx="3" presStyleCnt="6"/>
       <dgm:spPr/>
+      <dgm:t>
+        <a:bodyPr/>
+        <a:lstStyle/>
+        <a:p>
+          <a:endParaRPr lang="en-US"/>
+        </a:p>
+      </dgm:t>
     </dgm:pt>
     <dgm:pt modelId="{352FE5DC-1D50-434C-ADA8-100B31B47D42}" type="pres">
       <dgm:prSet presAssocID="{EEB85A38-6FE5-4261-BCC0-FD33CE79A9EF}" presName="connectorText" presStyleLbl="sibTrans2D1" presStyleIdx="3" presStyleCnt="6"/>
       <dgm:spPr/>
+      <dgm:t>
+        <a:bodyPr/>
+        <a:lstStyle/>
+        <a:p>
+          <a:endParaRPr lang="en-US"/>
+        </a:p>
+      </dgm:t>
     </dgm:pt>
     <dgm:pt modelId="{E0B780D8-79CB-4B6B-A765-330365A5BA56}" type="pres">
       <dgm:prSet presAssocID="{D2A4EEC9-CB58-44EF-9BE4-B999D49D4806}" presName="node" presStyleLbl="node1" presStyleIdx="4" presStyleCnt="7" custScaleX="140744" custScaleY="110000">
@@ -11983,14 +12858,35 @@
         </dgm:presLayoutVars>
       </dgm:prSet>
       <dgm:spPr/>
+      <dgm:t>
+        <a:bodyPr/>
+        <a:lstStyle/>
+        <a:p>
+          <a:endParaRPr lang="en-US"/>
+        </a:p>
+      </dgm:t>
     </dgm:pt>
     <dgm:pt modelId="{22943B0C-FC79-4F4A-A2D6-4488E902FCDF}" type="pres">
       <dgm:prSet presAssocID="{A7E1657B-12D3-4C4D-9317-275DFE635BF9}" presName="sibTrans" presStyleLbl="sibTrans2D1" presStyleIdx="4" presStyleCnt="6"/>
       <dgm:spPr/>
+      <dgm:t>
+        <a:bodyPr/>
+        <a:lstStyle/>
+        <a:p>
+          <a:endParaRPr lang="en-US"/>
+        </a:p>
+      </dgm:t>
     </dgm:pt>
     <dgm:pt modelId="{57B58789-5A8F-4122-B65A-3199D936A251}" type="pres">
       <dgm:prSet presAssocID="{A7E1657B-12D3-4C4D-9317-275DFE635BF9}" presName="connectorText" presStyleLbl="sibTrans2D1" presStyleIdx="4" presStyleCnt="6"/>
       <dgm:spPr/>
+      <dgm:t>
+        <a:bodyPr/>
+        <a:lstStyle/>
+        <a:p>
+          <a:endParaRPr lang="en-US"/>
+        </a:p>
+      </dgm:t>
     </dgm:pt>
     <dgm:pt modelId="{E64BB72B-8FED-4FA3-8049-A3DD57954BBC}" type="pres">
       <dgm:prSet presAssocID="{680A31B8-1B31-4855-B680-5C2E09B694E5}" presName="node" presStyleLbl="node1" presStyleIdx="5" presStyleCnt="7" custScaleX="140744" custScaleY="110000">
@@ -11999,14 +12895,35 @@
         </dgm:presLayoutVars>
       </dgm:prSet>
       <dgm:spPr/>
+      <dgm:t>
+        <a:bodyPr/>
+        <a:lstStyle/>
+        <a:p>
+          <a:endParaRPr lang="en-US"/>
+        </a:p>
+      </dgm:t>
     </dgm:pt>
     <dgm:pt modelId="{14ED9C5A-E794-4EF7-86FA-DE50F867143C}" type="pres">
       <dgm:prSet presAssocID="{41E2274A-589D-4C9B-ADEF-BB9818A84AF9}" presName="sibTrans" presStyleLbl="sibTrans2D1" presStyleIdx="5" presStyleCnt="6"/>
       <dgm:spPr/>
+      <dgm:t>
+        <a:bodyPr/>
+        <a:lstStyle/>
+        <a:p>
+          <a:endParaRPr lang="en-US"/>
+        </a:p>
+      </dgm:t>
     </dgm:pt>
     <dgm:pt modelId="{E5ED9161-CB2C-42AE-87DB-57EA6D1621C3}" type="pres">
       <dgm:prSet presAssocID="{41E2274A-589D-4C9B-ADEF-BB9818A84AF9}" presName="connectorText" presStyleLbl="sibTrans2D1" presStyleIdx="5" presStyleCnt="6"/>
       <dgm:spPr/>
+      <dgm:t>
+        <a:bodyPr/>
+        <a:lstStyle/>
+        <a:p>
+          <a:endParaRPr lang="en-US"/>
+        </a:p>
+      </dgm:t>
     </dgm:pt>
     <dgm:pt modelId="{49CF2DD7-B708-45CB-8B77-DBD30A0630BB}" type="pres">
       <dgm:prSet presAssocID="{80533E6E-AC03-4237-8CFD-ADC5A789884C}" presName="node" presStyleLbl="node1" presStyleIdx="6" presStyleCnt="7" custScaleX="140744" custScaleY="110000">
@@ -12015,36 +12932,43 @@
         </dgm:presLayoutVars>
       </dgm:prSet>
       <dgm:spPr/>
+      <dgm:t>
+        <a:bodyPr/>
+        <a:lstStyle/>
+        <a:p>
+          <a:endParaRPr lang="en-US"/>
+        </a:p>
+      </dgm:t>
     </dgm:pt>
   </dgm:ptLst>
   <dgm:cxnLst>
+    <dgm:cxn modelId="{548B9068-5651-4276-9BC7-CD784D25A836}" type="presOf" srcId="{F2895ABF-0B55-469A-A334-21F3EFA565F3}" destId="{67DED806-F6CE-43B3-B020-8848CF6F09A6}" srcOrd="0" destOrd="0" presId="urn:microsoft.com/office/officeart/2005/8/layout/process2"/>
+    <dgm:cxn modelId="{D1AEE91B-DC4C-43E9-8242-9FC348C789BA}" type="presOf" srcId="{EEB85A38-6FE5-4261-BCC0-FD33CE79A9EF}" destId="{352FE5DC-1D50-434C-ADA8-100B31B47D42}" srcOrd="1" destOrd="0" presId="urn:microsoft.com/office/officeart/2005/8/layout/process2"/>
+    <dgm:cxn modelId="{2A384CB6-223F-42AB-9A47-5DCB105AD576}" srcId="{F2895ABF-0B55-469A-A334-21F3EFA565F3}" destId="{49DA27BC-869B-46F5-8956-0CD73CE8773A}" srcOrd="1" destOrd="0" parTransId="{352265DB-B09D-4E6A-AAE3-EF9ABE86E0D1}" sibTransId="{67E61026-58FD-4094-8B90-533E50B9849A}"/>
+    <dgm:cxn modelId="{54E48040-C5D1-4132-8E7C-2946C31BB391}" type="presOf" srcId="{41E2274A-589D-4C9B-ADEF-BB9818A84AF9}" destId="{14ED9C5A-E794-4EF7-86FA-DE50F867143C}" srcOrd="0" destOrd="0" presId="urn:microsoft.com/office/officeart/2005/8/layout/process2"/>
+    <dgm:cxn modelId="{D527DCE7-8D72-487A-96A7-DA77CB7CA9A4}" type="presOf" srcId="{EEB85A38-6FE5-4261-BCC0-FD33CE79A9EF}" destId="{BBF91EE0-9A70-4C66-8B43-1C7EF81311B4}" srcOrd="0" destOrd="0" presId="urn:microsoft.com/office/officeart/2005/8/layout/process2"/>
+    <dgm:cxn modelId="{AD549B26-401F-452E-81FC-604B0A1546DB}" type="presOf" srcId="{680A31B8-1B31-4855-B680-5C2E09B694E5}" destId="{E64BB72B-8FED-4FA3-8049-A3DD57954BBC}" srcOrd="0" destOrd="0" presId="urn:microsoft.com/office/officeart/2005/8/layout/process2"/>
+    <dgm:cxn modelId="{CA066FEC-ED1D-4569-8CAF-3BBBCCEC1366}" type="presOf" srcId="{A7E1657B-12D3-4C4D-9317-275DFE635BF9}" destId="{22943B0C-FC79-4F4A-A2D6-4488E902FCDF}" srcOrd="0" destOrd="0" presId="urn:microsoft.com/office/officeart/2005/8/layout/process2"/>
     <dgm:cxn modelId="{E9670718-498B-4FE7-BA0D-C57F70741B0A}" type="presOf" srcId="{D2A4EEC9-CB58-44EF-9BE4-B999D49D4806}" destId="{E0B780D8-79CB-4B6B-A765-330365A5BA56}" srcOrd="0" destOrd="0" presId="urn:microsoft.com/office/officeart/2005/8/layout/process2"/>
-    <dgm:cxn modelId="{D1AEE91B-DC4C-43E9-8242-9FC348C789BA}" type="presOf" srcId="{EEB85A38-6FE5-4261-BCC0-FD33CE79A9EF}" destId="{352FE5DC-1D50-434C-ADA8-100B31B47D42}" srcOrd="1" destOrd="0" presId="urn:microsoft.com/office/officeart/2005/8/layout/process2"/>
+    <dgm:cxn modelId="{A002412E-5A13-463B-957B-5851EF9CF3EB}" srcId="{F2895ABF-0B55-469A-A334-21F3EFA565F3}" destId="{6EEE752B-0229-4684-B4C0-CC6DDB66D5CC}" srcOrd="3" destOrd="0" parTransId="{C05FE28B-5263-4ECC-9768-A8887D631C30}" sibTransId="{EEB85A38-6FE5-4261-BCC0-FD33CE79A9EF}"/>
+    <dgm:cxn modelId="{F72A70A1-3995-472F-A233-0FADEA029489}" type="presOf" srcId="{0B45398B-589C-45CB-9D29-5659223A7291}" destId="{43F6BAEA-4AAE-4161-96A2-31F1B1982731}" srcOrd="0" destOrd="0" presId="urn:microsoft.com/office/officeart/2005/8/layout/process2"/>
+    <dgm:cxn modelId="{54594A38-5B4A-44CD-94A5-2A2AEBB70B90}" type="presOf" srcId="{A7E1657B-12D3-4C4D-9317-275DFE635BF9}" destId="{57B58789-5A8F-4122-B65A-3199D936A251}" srcOrd="1" destOrd="0" presId="urn:microsoft.com/office/officeart/2005/8/layout/process2"/>
+    <dgm:cxn modelId="{44A04C4F-F1AE-4D75-A602-6B2967595E35}" type="presOf" srcId="{67E61026-58FD-4094-8B90-533E50B9849A}" destId="{53E8EB28-2AF3-4962-A1DB-CB4CC2E75A6B}" srcOrd="0" destOrd="0" presId="urn:microsoft.com/office/officeart/2005/8/layout/process2"/>
+    <dgm:cxn modelId="{954A2A90-81D8-4DFD-9FF3-3E1CEF299E0F}" type="presOf" srcId="{1A15A384-456A-4939-A036-5E642C322B61}" destId="{7C16DD59-EC11-49D1-950F-6FFB06567F80}" srcOrd="1" destOrd="0" presId="urn:microsoft.com/office/officeart/2005/8/layout/process2"/>
+    <dgm:cxn modelId="{BDF954C3-ECA9-44CE-AE85-E19F11DF41DE}" type="presOf" srcId="{6EEE752B-0229-4684-B4C0-CC6DDB66D5CC}" destId="{587304DE-C51D-40C2-8EF5-34D35118B44C}" srcOrd="0" destOrd="0" presId="urn:microsoft.com/office/officeart/2005/8/layout/process2"/>
+    <dgm:cxn modelId="{7E236A77-14A2-424B-81B7-1F688FD0647D}" type="presOf" srcId="{67E61026-58FD-4094-8B90-533E50B9849A}" destId="{9D6F9806-D5FF-4002-98DF-25A7D3D11599}" srcOrd="1" destOrd="0" presId="urn:microsoft.com/office/officeart/2005/8/layout/process2"/>
+    <dgm:cxn modelId="{BD835193-33C1-4F80-B9FB-F3A3667BC68F}" type="presOf" srcId="{49DA27BC-869B-46F5-8956-0CD73CE8773A}" destId="{722C9942-1C8B-4452-8D36-6F0004243210}" srcOrd="0" destOrd="0" presId="urn:microsoft.com/office/officeart/2005/8/layout/process2"/>
+    <dgm:cxn modelId="{D383B3DA-17B3-4822-A436-788A4F6A63C8}" type="presOf" srcId="{1A15A384-456A-4939-A036-5E642C322B61}" destId="{1BD21772-7C57-47E4-8006-374CC747770F}" srcOrd="0" destOrd="0" presId="urn:microsoft.com/office/officeart/2005/8/layout/process2"/>
     <dgm:cxn modelId="{FC6DF625-A01A-4103-AA04-0A61C9595C18}" srcId="{F2895ABF-0B55-469A-A334-21F3EFA565F3}" destId="{D2A4EEC9-CB58-44EF-9BE4-B999D49D4806}" srcOrd="4" destOrd="0" parTransId="{E6E840C6-7B9D-49EB-B8FB-01456BF9B783}" sibTransId="{A7E1657B-12D3-4C4D-9317-275DFE635BF9}"/>
-    <dgm:cxn modelId="{AD549B26-401F-452E-81FC-604B0A1546DB}" type="presOf" srcId="{680A31B8-1B31-4855-B680-5C2E09B694E5}" destId="{E64BB72B-8FED-4FA3-8049-A3DD57954BBC}" srcOrd="0" destOrd="0" presId="urn:microsoft.com/office/officeart/2005/8/layout/process2"/>
-    <dgm:cxn modelId="{A002412E-5A13-463B-957B-5851EF9CF3EB}" srcId="{F2895ABF-0B55-469A-A334-21F3EFA565F3}" destId="{6EEE752B-0229-4684-B4C0-CC6DDB66D5CC}" srcOrd="3" destOrd="0" parTransId="{C05FE28B-5263-4ECC-9768-A8887D631C30}" sibTransId="{EEB85A38-6FE5-4261-BCC0-FD33CE79A9EF}"/>
-    <dgm:cxn modelId="{54594A38-5B4A-44CD-94A5-2A2AEBB70B90}" type="presOf" srcId="{A7E1657B-12D3-4C4D-9317-275DFE635BF9}" destId="{57B58789-5A8F-4122-B65A-3199D936A251}" srcOrd="1" destOrd="0" presId="urn:microsoft.com/office/officeart/2005/8/layout/process2"/>
-    <dgm:cxn modelId="{54E48040-C5D1-4132-8E7C-2946C31BB391}" type="presOf" srcId="{41E2274A-589D-4C9B-ADEF-BB9818A84AF9}" destId="{14ED9C5A-E794-4EF7-86FA-DE50F867143C}" srcOrd="0" destOrd="0" presId="urn:microsoft.com/office/officeart/2005/8/layout/process2"/>
+    <dgm:cxn modelId="{B801CF97-69EC-4B25-9690-9A6346FAA781}" type="presOf" srcId="{7C015268-2938-46F6-8541-B8CD8E48D1AB}" destId="{8F6F2BEE-4059-4276-A3EA-650CD854903F}" srcOrd="1" destOrd="0" presId="urn:microsoft.com/office/officeart/2005/8/layout/process2"/>
+    <dgm:cxn modelId="{9EAB20F8-E12F-41EE-A49D-F0FCC218541E}" type="presOf" srcId="{C5005033-92D4-41DD-8FFB-AAA6F546212A}" destId="{7A359767-1373-4F94-854C-C2C9AC24AD9C}" srcOrd="0" destOrd="0" presId="urn:microsoft.com/office/officeart/2005/8/layout/process2"/>
+    <dgm:cxn modelId="{4D5C1FAD-F3FF-422B-AE67-CFE7DCC0EED9}" srcId="{F2895ABF-0B55-469A-A334-21F3EFA565F3}" destId="{C5005033-92D4-41DD-8FFB-AAA6F546212A}" srcOrd="2" destOrd="0" parTransId="{712C2AFA-154C-4173-9C00-C886FC9052D3}" sibTransId="{7C015268-2938-46F6-8541-B8CD8E48D1AB}"/>
+    <dgm:cxn modelId="{D11588DB-C897-4ACF-9EB3-FB15D3D158BB}" srcId="{F2895ABF-0B55-469A-A334-21F3EFA565F3}" destId="{80533E6E-AC03-4237-8CFD-ADC5A789884C}" srcOrd="6" destOrd="0" parTransId="{6A947F24-BCD5-4B62-866F-09F05990ECFF}" sibTransId="{9E89B93F-D1B3-4DDE-8682-4BA9658BBD94}"/>
+    <dgm:cxn modelId="{353930F2-2487-4F58-8E80-2E7EAAADA283}" type="presOf" srcId="{7C015268-2938-46F6-8541-B8CD8E48D1AB}" destId="{D62A8EDC-28AD-4146-B835-FE1853F43C09}" srcOrd="0" destOrd="0" presId="urn:microsoft.com/office/officeart/2005/8/layout/process2"/>
+    <dgm:cxn modelId="{56EB4E71-3252-4D04-BC24-25A30843F289}" type="presOf" srcId="{41E2274A-589D-4C9B-ADEF-BB9818A84AF9}" destId="{E5ED9161-CB2C-42AE-87DB-57EA6D1621C3}" srcOrd="1" destOrd="0" presId="urn:microsoft.com/office/officeart/2005/8/layout/process2"/>
+    <dgm:cxn modelId="{A000F3D5-43DC-47AF-8994-B2113923F7F6}" type="presOf" srcId="{80533E6E-AC03-4237-8CFD-ADC5A789884C}" destId="{49CF2DD7-B708-45CB-8B77-DBD30A0630BB}" srcOrd="0" destOrd="0" presId="urn:microsoft.com/office/officeart/2005/8/layout/process2"/>
     <dgm:cxn modelId="{E996F347-7D27-4447-B764-CC500AC4E7D0}" srcId="{F2895ABF-0B55-469A-A334-21F3EFA565F3}" destId="{0B45398B-589C-45CB-9D29-5659223A7291}" srcOrd="0" destOrd="0" parTransId="{5AF75DEA-44BC-4DD9-961A-DBCBA90D5B06}" sibTransId="{1A15A384-456A-4939-A036-5E642C322B61}"/>
-    <dgm:cxn modelId="{548B9068-5651-4276-9BC7-CD784D25A836}" type="presOf" srcId="{F2895ABF-0B55-469A-A334-21F3EFA565F3}" destId="{67DED806-F6CE-43B3-B020-8848CF6F09A6}" srcOrd="0" destOrd="0" presId="urn:microsoft.com/office/officeart/2005/8/layout/process2"/>
-    <dgm:cxn modelId="{44A04C4F-F1AE-4D75-A602-6B2967595E35}" type="presOf" srcId="{67E61026-58FD-4094-8B90-533E50B9849A}" destId="{53E8EB28-2AF3-4962-A1DB-CB4CC2E75A6B}" srcOrd="0" destOrd="0" presId="urn:microsoft.com/office/officeart/2005/8/layout/process2"/>
-    <dgm:cxn modelId="{56EB4E71-3252-4D04-BC24-25A30843F289}" type="presOf" srcId="{41E2274A-589D-4C9B-ADEF-BB9818A84AF9}" destId="{E5ED9161-CB2C-42AE-87DB-57EA6D1621C3}" srcOrd="1" destOrd="0" presId="urn:microsoft.com/office/officeart/2005/8/layout/process2"/>
-    <dgm:cxn modelId="{7E236A77-14A2-424B-81B7-1F688FD0647D}" type="presOf" srcId="{67E61026-58FD-4094-8B90-533E50B9849A}" destId="{9D6F9806-D5FF-4002-98DF-25A7D3D11599}" srcOrd="1" destOrd="0" presId="urn:microsoft.com/office/officeart/2005/8/layout/process2"/>
-    <dgm:cxn modelId="{954A2A90-81D8-4DFD-9FF3-3E1CEF299E0F}" type="presOf" srcId="{1A15A384-456A-4939-A036-5E642C322B61}" destId="{7C16DD59-EC11-49D1-950F-6FFB06567F80}" srcOrd="1" destOrd="0" presId="urn:microsoft.com/office/officeart/2005/8/layout/process2"/>
-    <dgm:cxn modelId="{BD835193-33C1-4F80-B9FB-F3A3667BC68F}" type="presOf" srcId="{49DA27BC-869B-46F5-8956-0CD73CE8773A}" destId="{722C9942-1C8B-4452-8D36-6F0004243210}" srcOrd="0" destOrd="0" presId="urn:microsoft.com/office/officeart/2005/8/layout/process2"/>
-    <dgm:cxn modelId="{B801CF97-69EC-4B25-9690-9A6346FAA781}" type="presOf" srcId="{7C015268-2938-46F6-8541-B8CD8E48D1AB}" destId="{8F6F2BEE-4059-4276-A3EA-650CD854903F}" srcOrd="1" destOrd="0" presId="urn:microsoft.com/office/officeart/2005/8/layout/process2"/>
-    <dgm:cxn modelId="{F72A70A1-3995-472F-A233-0FADEA029489}" type="presOf" srcId="{0B45398B-589C-45CB-9D29-5659223A7291}" destId="{43F6BAEA-4AAE-4161-96A2-31F1B1982731}" srcOrd="0" destOrd="0" presId="urn:microsoft.com/office/officeart/2005/8/layout/process2"/>
-    <dgm:cxn modelId="{4D5C1FAD-F3FF-422B-AE67-CFE7DCC0EED9}" srcId="{F2895ABF-0B55-469A-A334-21F3EFA565F3}" destId="{C5005033-92D4-41DD-8FFB-AAA6F546212A}" srcOrd="2" destOrd="0" parTransId="{712C2AFA-154C-4173-9C00-C886FC9052D3}" sibTransId="{7C015268-2938-46F6-8541-B8CD8E48D1AB}"/>
-    <dgm:cxn modelId="{2A384CB6-223F-42AB-9A47-5DCB105AD576}" srcId="{F2895ABF-0B55-469A-A334-21F3EFA565F3}" destId="{49DA27BC-869B-46F5-8956-0CD73CE8773A}" srcOrd="1" destOrd="0" parTransId="{352265DB-B09D-4E6A-AAE3-EF9ABE86E0D1}" sibTransId="{67E61026-58FD-4094-8B90-533E50B9849A}"/>
-    <dgm:cxn modelId="{BDF954C3-ECA9-44CE-AE85-E19F11DF41DE}" type="presOf" srcId="{6EEE752B-0229-4684-B4C0-CC6DDB66D5CC}" destId="{587304DE-C51D-40C2-8EF5-34D35118B44C}" srcOrd="0" destOrd="0" presId="urn:microsoft.com/office/officeart/2005/8/layout/process2"/>
-    <dgm:cxn modelId="{A000F3D5-43DC-47AF-8994-B2113923F7F6}" type="presOf" srcId="{80533E6E-AC03-4237-8CFD-ADC5A789884C}" destId="{49CF2DD7-B708-45CB-8B77-DBD30A0630BB}" srcOrd="0" destOrd="0" presId="urn:microsoft.com/office/officeart/2005/8/layout/process2"/>
-    <dgm:cxn modelId="{D383B3DA-17B3-4822-A436-788A4F6A63C8}" type="presOf" srcId="{1A15A384-456A-4939-A036-5E642C322B61}" destId="{1BD21772-7C57-47E4-8006-374CC747770F}" srcOrd="0" destOrd="0" presId="urn:microsoft.com/office/officeart/2005/8/layout/process2"/>
-    <dgm:cxn modelId="{D11588DB-C897-4ACF-9EB3-FB15D3D158BB}" srcId="{F2895ABF-0B55-469A-A334-21F3EFA565F3}" destId="{80533E6E-AC03-4237-8CFD-ADC5A789884C}" srcOrd="6" destOrd="0" parTransId="{6A947F24-BCD5-4B62-866F-09F05990ECFF}" sibTransId="{9E89B93F-D1B3-4DDE-8682-4BA9658BBD94}"/>
-    <dgm:cxn modelId="{D527DCE7-8D72-487A-96A7-DA77CB7CA9A4}" type="presOf" srcId="{EEB85A38-6FE5-4261-BCC0-FD33CE79A9EF}" destId="{BBF91EE0-9A70-4C66-8B43-1C7EF81311B4}" srcOrd="0" destOrd="0" presId="urn:microsoft.com/office/officeart/2005/8/layout/process2"/>
-    <dgm:cxn modelId="{CA066FEC-ED1D-4569-8CAF-3BBBCCEC1366}" type="presOf" srcId="{A7E1657B-12D3-4C4D-9317-275DFE635BF9}" destId="{22943B0C-FC79-4F4A-A2D6-4488E902FCDF}" srcOrd="0" destOrd="0" presId="urn:microsoft.com/office/officeart/2005/8/layout/process2"/>
-    <dgm:cxn modelId="{353930F2-2487-4F58-8E80-2E7EAAADA283}" type="presOf" srcId="{7C015268-2938-46F6-8541-B8CD8E48D1AB}" destId="{D62A8EDC-28AD-4146-B835-FE1853F43C09}" srcOrd="0" destOrd="0" presId="urn:microsoft.com/office/officeart/2005/8/layout/process2"/>
     <dgm:cxn modelId="{2BF143F4-E55F-443E-AB4F-248DF1B48E4C}" srcId="{F2895ABF-0B55-469A-A334-21F3EFA565F3}" destId="{680A31B8-1B31-4855-B680-5C2E09B694E5}" srcOrd="5" destOrd="0" parTransId="{FCFC1E1C-EB26-4DD7-80F0-15C150664EBD}" sibTransId="{41E2274A-589D-4C9B-ADEF-BB9818A84AF9}"/>
-    <dgm:cxn modelId="{9EAB20F8-E12F-41EE-A49D-F0FCC218541E}" type="presOf" srcId="{C5005033-92D4-41DD-8FFB-AAA6F546212A}" destId="{7A359767-1373-4F94-854C-C2C9AC24AD9C}" srcOrd="0" destOrd="0" presId="urn:microsoft.com/office/officeart/2005/8/layout/process2"/>
     <dgm:cxn modelId="{1B6B45BA-00D4-4B7C-AEA2-D8BF0B683E96}" type="presParOf" srcId="{67DED806-F6CE-43B3-B020-8848CF6F09A6}" destId="{43F6BAEA-4AAE-4161-96A2-31F1B1982731}" srcOrd="0" destOrd="0" presId="urn:microsoft.com/office/officeart/2005/8/layout/process2"/>
     <dgm:cxn modelId="{FA7F3428-0478-4199-9543-C6C74A9E9ECC}" type="presParOf" srcId="{67DED806-F6CE-43B3-B020-8848CF6F09A6}" destId="{1BD21772-7C57-47E4-8006-374CC747770F}" srcOrd="1" destOrd="0" presId="urn:microsoft.com/office/officeart/2005/8/layout/process2"/>
     <dgm:cxn modelId="{6D03F713-F8FA-4FD9-95CB-29F281DCFCED}" type="presParOf" srcId="{1BD21772-7C57-47E4-8006-374CC747770F}" destId="{7C16DD59-EC11-49D1-950F-6FFB06567F80}" srcOrd="0" destOrd="0" presId="urn:microsoft.com/office/officeart/2005/8/layout/process2"/>
@@ -12759,6 +13683,13 @@
         </dgm:presLayoutVars>
       </dgm:prSet>
       <dgm:spPr/>
+      <dgm:t>
+        <a:bodyPr/>
+        <a:lstStyle/>
+        <a:p>
+          <a:endParaRPr lang="en-US"/>
+        </a:p>
+      </dgm:t>
     </dgm:pt>
     <dgm:pt modelId="{43F6BAEA-4AAE-4161-96A2-31F1B1982731}" type="pres">
       <dgm:prSet presAssocID="{0B45398B-589C-45CB-9D29-5659223A7291}" presName="node" presStyleLbl="node1" presStyleIdx="0" presStyleCnt="7" custScaleX="140744" custScaleY="110000">
@@ -12777,14 +13708,35 @@
           </a:avLst>
         </a:prstGeom>
       </dgm:spPr>
+      <dgm:t>
+        <a:bodyPr/>
+        <a:lstStyle/>
+        <a:p>
+          <a:endParaRPr lang="en-US"/>
+        </a:p>
+      </dgm:t>
     </dgm:pt>
     <dgm:pt modelId="{1BD21772-7C57-47E4-8006-374CC747770F}" type="pres">
       <dgm:prSet presAssocID="{1A15A384-456A-4939-A036-5E642C322B61}" presName="sibTrans" presStyleLbl="sibTrans2D1" presStyleIdx="0" presStyleCnt="6"/>
       <dgm:spPr/>
+      <dgm:t>
+        <a:bodyPr/>
+        <a:lstStyle/>
+        <a:p>
+          <a:endParaRPr lang="en-US"/>
+        </a:p>
+      </dgm:t>
     </dgm:pt>
     <dgm:pt modelId="{7C16DD59-EC11-49D1-950F-6FFB06567F80}" type="pres">
       <dgm:prSet presAssocID="{1A15A384-456A-4939-A036-5E642C322B61}" presName="connectorText" presStyleLbl="sibTrans2D1" presStyleIdx="0" presStyleCnt="6"/>
       <dgm:spPr/>
+      <dgm:t>
+        <a:bodyPr/>
+        <a:lstStyle/>
+        <a:p>
+          <a:endParaRPr lang="en-US"/>
+        </a:p>
+      </dgm:t>
     </dgm:pt>
     <dgm:pt modelId="{722C9942-1C8B-4452-8D36-6F0004243210}" type="pres">
       <dgm:prSet presAssocID="{49DA27BC-869B-46F5-8956-0CD73CE8773A}" presName="node" presStyleLbl="node1" presStyleIdx="1" presStyleCnt="7" custScaleX="140744" custScaleY="110000" custLinFactNeighborX="-399" custLinFactNeighborY="-15662">
@@ -12803,14 +13755,35 @@
           </a:avLst>
         </a:prstGeom>
       </dgm:spPr>
+      <dgm:t>
+        <a:bodyPr/>
+        <a:lstStyle/>
+        <a:p>
+          <a:endParaRPr lang="en-US"/>
+        </a:p>
+      </dgm:t>
     </dgm:pt>
     <dgm:pt modelId="{53E8EB28-2AF3-4962-A1DB-CB4CC2E75A6B}" type="pres">
       <dgm:prSet presAssocID="{67E61026-58FD-4094-8B90-533E50B9849A}" presName="sibTrans" presStyleLbl="sibTrans2D1" presStyleIdx="1" presStyleCnt="6"/>
       <dgm:spPr/>
+      <dgm:t>
+        <a:bodyPr/>
+        <a:lstStyle/>
+        <a:p>
+          <a:endParaRPr lang="en-US"/>
+        </a:p>
+      </dgm:t>
     </dgm:pt>
     <dgm:pt modelId="{9D6F9806-D5FF-4002-98DF-25A7D3D11599}" type="pres">
       <dgm:prSet presAssocID="{67E61026-58FD-4094-8B90-533E50B9849A}" presName="connectorText" presStyleLbl="sibTrans2D1" presStyleIdx="1" presStyleCnt="6"/>
       <dgm:spPr/>
+      <dgm:t>
+        <a:bodyPr/>
+        <a:lstStyle/>
+        <a:p>
+          <a:endParaRPr lang="en-US"/>
+        </a:p>
+      </dgm:t>
     </dgm:pt>
     <dgm:pt modelId="{7A359767-1373-4F94-854C-C2C9AC24AD9C}" type="pres">
       <dgm:prSet presAssocID="{C5005033-92D4-41DD-8FFB-AAA6F546212A}" presName="node" presStyleLbl="node1" presStyleIdx="2" presStyleCnt="7" custScaleX="140744" custScaleY="110000">
@@ -12819,14 +13792,35 @@
         </dgm:presLayoutVars>
       </dgm:prSet>
       <dgm:spPr/>
+      <dgm:t>
+        <a:bodyPr/>
+        <a:lstStyle/>
+        <a:p>
+          <a:endParaRPr lang="en-US"/>
+        </a:p>
+      </dgm:t>
     </dgm:pt>
     <dgm:pt modelId="{D62A8EDC-28AD-4146-B835-FE1853F43C09}" type="pres">
       <dgm:prSet presAssocID="{7C015268-2938-46F6-8541-B8CD8E48D1AB}" presName="sibTrans" presStyleLbl="sibTrans2D1" presStyleIdx="2" presStyleCnt="6"/>
       <dgm:spPr/>
+      <dgm:t>
+        <a:bodyPr/>
+        <a:lstStyle/>
+        <a:p>
+          <a:endParaRPr lang="en-US"/>
+        </a:p>
+      </dgm:t>
     </dgm:pt>
     <dgm:pt modelId="{8F6F2BEE-4059-4276-A3EA-650CD854903F}" type="pres">
       <dgm:prSet presAssocID="{7C015268-2938-46F6-8541-B8CD8E48D1AB}" presName="connectorText" presStyleLbl="sibTrans2D1" presStyleIdx="2" presStyleCnt="6"/>
       <dgm:spPr/>
+      <dgm:t>
+        <a:bodyPr/>
+        <a:lstStyle/>
+        <a:p>
+          <a:endParaRPr lang="en-US"/>
+        </a:p>
+      </dgm:t>
     </dgm:pt>
     <dgm:pt modelId="{587304DE-C51D-40C2-8EF5-34D35118B44C}" type="pres">
       <dgm:prSet presAssocID="{6EEE752B-0229-4684-B4C0-CC6DDB66D5CC}" presName="node" presStyleLbl="node1" presStyleIdx="3" presStyleCnt="7" custScaleX="140744" custScaleY="110000">
@@ -12835,14 +13829,35 @@
         </dgm:presLayoutVars>
       </dgm:prSet>
       <dgm:spPr/>
+      <dgm:t>
+        <a:bodyPr/>
+        <a:lstStyle/>
+        <a:p>
+          <a:endParaRPr lang="en-US"/>
+        </a:p>
+      </dgm:t>
     </dgm:pt>
     <dgm:pt modelId="{BBF91EE0-9A70-4C66-8B43-1C7EF81311B4}" type="pres">
       <dgm:prSet presAssocID="{EEB85A38-6FE5-4261-BCC0-FD33CE79A9EF}" presName="sibTrans" presStyleLbl="sibTrans2D1" presStyleIdx="3" presStyleCnt="6"/>
       <dgm:spPr/>
+      <dgm:t>
+        <a:bodyPr/>
+        <a:lstStyle/>
+        <a:p>
+          <a:endParaRPr lang="en-US"/>
+        </a:p>
+      </dgm:t>
     </dgm:pt>
     <dgm:pt modelId="{352FE5DC-1D50-434C-ADA8-100B31B47D42}" type="pres">
       <dgm:prSet presAssocID="{EEB85A38-6FE5-4261-BCC0-FD33CE79A9EF}" presName="connectorText" presStyleLbl="sibTrans2D1" presStyleIdx="3" presStyleCnt="6"/>
       <dgm:spPr/>
+      <dgm:t>
+        <a:bodyPr/>
+        <a:lstStyle/>
+        <a:p>
+          <a:endParaRPr lang="en-US"/>
+        </a:p>
+      </dgm:t>
     </dgm:pt>
     <dgm:pt modelId="{E0B780D8-79CB-4B6B-A765-330365A5BA56}" type="pres">
       <dgm:prSet presAssocID="{D2A4EEC9-CB58-44EF-9BE4-B999D49D4806}" presName="node" presStyleLbl="node1" presStyleIdx="4" presStyleCnt="7" custScaleX="140744" custScaleY="110000">
@@ -12851,14 +13866,35 @@
         </dgm:presLayoutVars>
       </dgm:prSet>
       <dgm:spPr/>
+      <dgm:t>
+        <a:bodyPr/>
+        <a:lstStyle/>
+        <a:p>
+          <a:endParaRPr lang="en-US"/>
+        </a:p>
+      </dgm:t>
     </dgm:pt>
     <dgm:pt modelId="{22943B0C-FC79-4F4A-A2D6-4488E902FCDF}" type="pres">
       <dgm:prSet presAssocID="{A7E1657B-12D3-4C4D-9317-275DFE635BF9}" presName="sibTrans" presStyleLbl="sibTrans2D1" presStyleIdx="4" presStyleCnt="6"/>
       <dgm:spPr/>
+      <dgm:t>
+        <a:bodyPr/>
+        <a:lstStyle/>
+        <a:p>
+          <a:endParaRPr lang="en-US"/>
+        </a:p>
+      </dgm:t>
     </dgm:pt>
     <dgm:pt modelId="{57B58789-5A8F-4122-B65A-3199D936A251}" type="pres">
       <dgm:prSet presAssocID="{A7E1657B-12D3-4C4D-9317-275DFE635BF9}" presName="connectorText" presStyleLbl="sibTrans2D1" presStyleIdx="4" presStyleCnt="6"/>
       <dgm:spPr/>
+      <dgm:t>
+        <a:bodyPr/>
+        <a:lstStyle/>
+        <a:p>
+          <a:endParaRPr lang="en-US"/>
+        </a:p>
+      </dgm:t>
     </dgm:pt>
     <dgm:pt modelId="{E64BB72B-8FED-4FA3-8049-A3DD57954BBC}" type="pres">
       <dgm:prSet presAssocID="{680A31B8-1B31-4855-B680-5C2E09B694E5}" presName="node" presStyleLbl="node1" presStyleIdx="5" presStyleCnt="7" custScaleX="140744" custScaleY="110000">
@@ -12867,14 +13903,35 @@
         </dgm:presLayoutVars>
       </dgm:prSet>
       <dgm:spPr/>
+      <dgm:t>
+        <a:bodyPr/>
+        <a:lstStyle/>
+        <a:p>
+          <a:endParaRPr lang="en-US"/>
+        </a:p>
+      </dgm:t>
     </dgm:pt>
     <dgm:pt modelId="{14ED9C5A-E794-4EF7-86FA-DE50F867143C}" type="pres">
       <dgm:prSet presAssocID="{41E2274A-589D-4C9B-ADEF-BB9818A84AF9}" presName="sibTrans" presStyleLbl="sibTrans2D1" presStyleIdx="5" presStyleCnt="6"/>
       <dgm:spPr/>
+      <dgm:t>
+        <a:bodyPr/>
+        <a:lstStyle/>
+        <a:p>
+          <a:endParaRPr lang="en-US"/>
+        </a:p>
+      </dgm:t>
     </dgm:pt>
     <dgm:pt modelId="{E5ED9161-CB2C-42AE-87DB-57EA6D1621C3}" type="pres">
       <dgm:prSet presAssocID="{41E2274A-589D-4C9B-ADEF-BB9818A84AF9}" presName="connectorText" presStyleLbl="sibTrans2D1" presStyleIdx="5" presStyleCnt="6"/>
       <dgm:spPr/>
+      <dgm:t>
+        <a:bodyPr/>
+        <a:lstStyle/>
+        <a:p>
+          <a:endParaRPr lang="en-US"/>
+        </a:p>
+      </dgm:t>
     </dgm:pt>
     <dgm:pt modelId="{49CF2DD7-B708-45CB-8B77-DBD30A0630BB}" type="pres">
       <dgm:prSet presAssocID="{80533E6E-AC03-4237-8CFD-ADC5A789884C}" presName="node" presStyleLbl="node1" presStyleIdx="6" presStyleCnt="7" custScaleX="140744" custScaleY="110000">
@@ -12883,36 +13940,43 @@
         </dgm:presLayoutVars>
       </dgm:prSet>
       <dgm:spPr/>
+      <dgm:t>
+        <a:bodyPr/>
+        <a:lstStyle/>
+        <a:p>
+          <a:endParaRPr lang="en-US"/>
+        </a:p>
+      </dgm:t>
     </dgm:pt>
   </dgm:ptLst>
   <dgm:cxnLst>
+    <dgm:cxn modelId="{548B9068-5651-4276-9BC7-CD784D25A836}" type="presOf" srcId="{F2895ABF-0B55-469A-A334-21F3EFA565F3}" destId="{67DED806-F6CE-43B3-B020-8848CF6F09A6}" srcOrd="0" destOrd="0" presId="urn:microsoft.com/office/officeart/2005/8/layout/process2"/>
+    <dgm:cxn modelId="{D1AEE91B-DC4C-43E9-8242-9FC348C789BA}" type="presOf" srcId="{EEB85A38-6FE5-4261-BCC0-FD33CE79A9EF}" destId="{352FE5DC-1D50-434C-ADA8-100B31B47D42}" srcOrd="1" destOrd="0" presId="urn:microsoft.com/office/officeart/2005/8/layout/process2"/>
+    <dgm:cxn modelId="{2A384CB6-223F-42AB-9A47-5DCB105AD576}" srcId="{F2895ABF-0B55-469A-A334-21F3EFA565F3}" destId="{49DA27BC-869B-46F5-8956-0CD73CE8773A}" srcOrd="1" destOrd="0" parTransId="{352265DB-B09D-4E6A-AAE3-EF9ABE86E0D1}" sibTransId="{67E61026-58FD-4094-8B90-533E50B9849A}"/>
+    <dgm:cxn modelId="{54E48040-C5D1-4132-8E7C-2946C31BB391}" type="presOf" srcId="{41E2274A-589D-4C9B-ADEF-BB9818A84AF9}" destId="{14ED9C5A-E794-4EF7-86FA-DE50F867143C}" srcOrd="0" destOrd="0" presId="urn:microsoft.com/office/officeart/2005/8/layout/process2"/>
+    <dgm:cxn modelId="{D527DCE7-8D72-487A-96A7-DA77CB7CA9A4}" type="presOf" srcId="{EEB85A38-6FE5-4261-BCC0-FD33CE79A9EF}" destId="{BBF91EE0-9A70-4C66-8B43-1C7EF81311B4}" srcOrd="0" destOrd="0" presId="urn:microsoft.com/office/officeart/2005/8/layout/process2"/>
+    <dgm:cxn modelId="{AD549B26-401F-452E-81FC-604B0A1546DB}" type="presOf" srcId="{680A31B8-1B31-4855-B680-5C2E09B694E5}" destId="{E64BB72B-8FED-4FA3-8049-A3DD57954BBC}" srcOrd="0" destOrd="0" presId="urn:microsoft.com/office/officeart/2005/8/layout/process2"/>
+    <dgm:cxn modelId="{CA066FEC-ED1D-4569-8CAF-3BBBCCEC1366}" type="presOf" srcId="{A7E1657B-12D3-4C4D-9317-275DFE635BF9}" destId="{22943B0C-FC79-4F4A-A2D6-4488E902FCDF}" srcOrd="0" destOrd="0" presId="urn:microsoft.com/office/officeart/2005/8/layout/process2"/>
     <dgm:cxn modelId="{E9670718-498B-4FE7-BA0D-C57F70741B0A}" type="presOf" srcId="{D2A4EEC9-CB58-44EF-9BE4-B999D49D4806}" destId="{E0B780D8-79CB-4B6B-A765-330365A5BA56}" srcOrd="0" destOrd="0" presId="urn:microsoft.com/office/officeart/2005/8/layout/process2"/>
-    <dgm:cxn modelId="{D1AEE91B-DC4C-43E9-8242-9FC348C789BA}" type="presOf" srcId="{EEB85A38-6FE5-4261-BCC0-FD33CE79A9EF}" destId="{352FE5DC-1D50-434C-ADA8-100B31B47D42}" srcOrd="1" destOrd="0" presId="urn:microsoft.com/office/officeart/2005/8/layout/process2"/>
+    <dgm:cxn modelId="{A002412E-5A13-463B-957B-5851EF9CF3EB}" srcId="{F2895ABF-0B55-469A-A334-21F3EFA565F3}" destId="{6EEE752B-0229-4684-B4C0-CC6DDB66D5CC}" srcOrd="3" destOrd="0" parTransId="{C05FE28B-5263-4ECC-9768-A8887D631C30}" sibTransId="{EEB85A38-6FE5-4261-BCC0-FD33CE79A9EF}"/>
+    <dgm:cxn modelId="{F72A70A1-3995-472F-A233-0FADEA029489}" type="presOf" srcId="{0B45398B-589C-45CB-9D29-5659223A7291}" destId="{43F6BAEA-4AAE-4161-96A2-31F1B1982731}" srcOrd="0" destOrd="0" presId="urn:microsoft.com/office/officeart/2005/8/layout/process2"/>
+    <dgm:cxn modelId="{54594A38-5B4A-44CD-94A5-2A2AEBB70B90}" type="presOf" srcId="{A7E1657B-12D3-4C4D-9317-275DFE635BF9}" destId="{57B58789-5A8F-4122-B65A-3199D936A251}" srcOrd="1" destOrd="0" presId="urn:microsoft.com/office/officeart/2005/8/layout/process2"/>
+    <dgm:cxn modelId="{44A04C4F-F1AE-4D75-A602-6B2967595E35}" type="presOf" srcId="{67E61026-58FD-4094-8B90-533E50B9849A}" destId="{53E8EB28-2AF3-4962-A1DB-CB4CC2E75A6B}" srcOrd="0" destOrd="0" presId="urn:microsoft.com/office/officeart/2005/8/layout/process2"/>
+    <dgm:cxn modelId="{954A2A90-81D8-4DFD-9FF3-3E1CEF299E0F}" type="presOf" srcId="{1A15A384-456A-4939-A036-5E642C322B61}" destId="{7C16DD59-EC11-49D1-950F-6FFB06567F80}" srcOrd="1" destOrd="0" presId="urn:microsoft.com/office/officeart/2005/8/layout/process2"/>
+    <dgm:cxn modelId="{BDF954C3-ECA9-44CE-AE85-E19F11DF41DE}" type="presOf" srcId="{6EEE752B-0229-4684-B4C0-CC6DDB66D5CC}" destId="{587304DE-C51D-40C2-8EF5-34D35118B44C}" srcOrd="0" destOrd="0" presId="urn:microsoft.com/office/officeart/2005/8/layout/process2"/>
+    <dgm:cxn modelId="{7E236A77-14A2-424B-81B7-1F688FD0647D}" type="presOf" srcId="{67E61026-58FD-4094-8B90-533E50B9849A}" destId="{9D6F9806-D5FF-4002-98DF-25A7D3D11599}" srcOrd="1" destOrd="0" presId="urn:microsoft.com/office/officeart/2005/8/layout/process2"/>
+    <dgm:cxn modelId="{BD835193-33C1-4F80-B9FB-F3A3667BC68F}" type="presOf" srcId="{49DA27BC-869B-46F5-8956-0CD73CE8773A}" destId="{722C9942-1C8B-4452-8D36-6F0004243210}" srcOrd="0" destOrd="0" presId="urn:microsoft.com/office/officeart/2005/8/layout/process2"/>
+    <dgm:cxn modelId="{D383B3DA-17B3-4822-A436-788A4F6A63C8}" type="presOf" srcId="{1A15A384-456A-4939-A036-5E642C322B61}" destId="{1BD21772-7C57-47E4-8006-374CC747770F}" srcOrd="0" destOrd="0" presId="urn:microsoft.com/office/officeart/2005/8/layout/process2"/>
     <dgm:cxn modelId="{FC6DF625-A01A-4103-AA04-0A61C9595C18}" srcId="{F2895ABF-0B55-469A-A334-21F3EFA565F3}" destId="{D2A4EEC9-CB58-44EF-9BE4-B999D49D4806}" srcOrd="4" destOrd="0" parTransId="{E6E840C6-7B9D-49EB-B8FB-01456BF9B783}" sibTransId="{A7E1657B-12D3-4C4D-9317-275DFE635BF9}"/>
-    <dgm:cxn modelId="{AD549B26-401F-452E-81FC-604B0A1546DB}" type="presOf" srcId="{680A31B8-1B31-4855-B680-5C2E09B694E5}" destId="{E64BB72B-8FED-4FA3-8049-A3DD57954BBC}" srcOrd="0" destOrd="0" presId="urn:microsoft.com/office/officeart/2005/8/layout/process2"/>
-    <dgm:cxn modelId="{A002412E-5A13-463B-957B-5851EF9CF3EB}" srcId="{F2895ABF-0B55-469A-A334-21F3EFA565F3}" destId="{6EEE752B-0229-4684-B4C0-CC6DDB66D5CC}" srcOrd="3" destOrd="0" parTransId="{C05FE28B-5263-4ECC-9768-A8887D631C30}" sibTransId="{EEB85A38-6FE5-4261-BCC0-FD33CE79A9EF}"/>
-    <dgm:cxn modelId="{54594A38-5B4A-44CD-94A5-2A2AEBB70B90}" type="presOf" srcId="{A7E1657B-12D3-4C4D-9317-275DFE635BF9}" destId="{57B58789-5A8F-4122-B65A-3199D936A251}" srcOrd="1" destOrd="0" presId="urn:microsoft.com/office/officeart/2005/8/layout/process2"/>
-    <dgm:cxn modelId="{54E48040-C5D1-4132-8E7C-2946C31BB391}" type="presOf" srcId="{41E2274A-589D-4C9B-ADEF-BB9818A84AF9}" destId="{14ED9C5A-E794-4EF7-86FA-DE50F867143C}" srcOrd="0" destOrd="0" presId="urn:microsoft.com/office/officeart/2005/8/layout/process2"/>
+    <dgm:cxn modelId="{B801CF97-69EC-4B25-9690-9A6346FAA781}" type="presOf" srcId="{7C015268-2938-46F6-8541-B8CD8E48D1AB}" destId="{8F6F2BEE-4059-4276-A3EA-650CD854903F}" srcOrd="1" destOrd="0" presId="urn:microsoft.com/office/officeart/2005/8/layout/process2"/>
+    <dgm:cxn modelId="{9EAB20F8-E12F-41EE-A49D-F0FCC218541E}" type="presOf" srcId="{C5005033-92D4-41DD-8FFB-AAA6F546212A}" destId="{7A359767-1373-4F94-854C-C2C9AC24AD9C}" srcOrd="0" destOrd="0" presId="urn:microsoft.com/office/officeart/2005/8/layout/process2"/>
+    <dgm:cxn modelId="{4D5C1FAD-F3FF-422B-AE67-CFE7DCC0EED9}" srcId="{F2895ABF-0B55-469A-A334-21F3EFA565F3}" destId="{C5005033-92D4-41DD-8FFB-AAA6F546212A}" srcOrd="2" destOrd="0" parTransId="{712C2AFA-154C-4173-9C00-C886FC9052D3}" sibTransId="{7C015268-2938-46F6-8541-B8CD8E48D1AB}"/>
+    <dgm:cxn modelId="{D11588DB-C897-4ACF-9EB3-FB15D3D158BB}" srcId="{F2895ABF-0B55-469A-A334-21F3EFA565F3}" destId="{80533E6E-AC03-4237-8CFD-ADC5A789884C}" srcOrd="6" destOrd="0" parTransId="{6A947F24-BCD5-4B62-866F-09F05990ECFF}" sibTransId="{9E89B93F-D1B3-4DDE-8682-4BA9658BBD94}"/>
+    <dgm:cxn modelId="{353930F2-2487-4F58-8E80-2E7EAAADA283}" type="presOf" srcId="{7C015268-2938-46F6-8541-B8CD8E48D1AB}" destId="{D62A8EDC-28AD-4146-B835-FE1853F43C09}" srcOrd="0" destOrd="0" presId="urn:microsoft.com/office/officeart/2005/8/layout/process2"/>
+    <dgm:cxn modelId="{56EB4E71-3252-4D04-BC24-25A30843F289}" type="presOf" srcId="{41E2274A-589D-4C9B-ADEF-BB9818A84AF9}" destId="{E5ED9161-CB2C-42AE-87DB-57EA6D1621C3}" srcOrd="1" destOrd="0" presId="urn:microsoft.com/office/officeart/2005/8/layout/process2"/>
+    <dgm:cxn modelId="{A000F3D5-43DC-47AF-8994-B2113923F7F6}" type="presOf" srcId="{80533E6E-AC03-4237-8CFD-ADC5A789884C}" destId="{49CF2DD7-B708-45CB-8B77-DBD30A0630BB}" srcOrd="0" destOrd="0" presId="urn:microsoft.com/office/officeart/2005/8/layout/process2"/>
     <dgm:cxn modelId="{E996F347-7D27-4447-B764-CC500AC4E7D0}" srcId="{F2895ABF-0B55-469A-A334-21F3EFA565F3}" destId="{0B45398B-589C-45CB-9D29-5659223A7291}" srcOrd="0" destOrd="0" parTransId="{5AF75DEA-44BC-4DD9-961A-DBCBA90D5B06}" sibTransId="{1A15A384-456A-4939-A036-5E642C322B61}"/>
-    <dgm:cxn modelId="{548B9068-5651-4276-9BC7-CD784D25A836}" type="presOf" srcId="{F2895ABF-0B55-469A-A334-21F3EFA565F3}" destId="{67DED806-F6CE-43B3-B020-8848CF6F09A6}" srcOrd="0" destOrd="0" presId="urn:microsoft.com/office/officeart/2005/8/layout/process2"/>
-    <dgm:cxn modelId="{44A04C4F-F1AE-4D75-A602-6B2967595E35}" type="presOf" srcId="{67E61026-58FD-4094-8B90-533E50B9849A}" destId="{53E8EB28-2AF3-4962-A1DB-CB4CC2E75A6B}" srcOrd="0" destOrd="0" presId="urn:microsoft.com/office/officeart/2005/8/layout/process2"/>
-    <dgm:cxn modelId="{56EB4E71-3252-4D04-BC24-25A30843F289}" type="presOf" srcId="{41E2274A-589D-4C9B-ADEF-BB9818A84AF9}" destId="{E5ED9161-CB2C-42AE-87DB-57EA6D1621C3}" srcOrd="1" destOrd="0" presId="urn:microsoft.com/office/officeart/2005/8/layout/process2"/>
-    <dgm:cxn modelId="{7E236A77-14A2-424B-81B7-1F688FD0647D}" type="presOf" srcId="{67E61026-58FD-4094-8B90-533E50B9849A}" destId="{9D6F9806-D5FF-4002-98DF-25A7D3D11599}" srcOrd="1" destOrd="0" presId="urn:microsoft.com/office/officeart/2005/8/layout/process2"/>
-    <dgm:cxn modelId="{954A2A90-81D8-4DFD-9FF3-3E1CEF299E0F}" type="presOf" srcId="{1A15A384-456A-4939-A036-5E642C322B61}" destId="{7C16DD59-EC11-49D1-950F-6FFB06567F80}" srcOrd="1" destOrd="0" presId="urn:microsoft.com/office/officeart/2005/8/layout/process2"/>
-    <dgm:cxn modelId="{BD835193-33C1-4F80-B9FB-F3A3667BC68F}" type="presOf" srcId="{49DA27BC-869B-46F5-8956-0CD73CE8773A}" destId="{722C9942-1C8B-4452-8D36-6F0004243210}" srcOrd="0" destOrd="0" presId="urn:microsoft.com/office/officeart/2005/8/layout/process2"/>
-    <dgm:cxn modelId="{B801CF97-69EC-4B25-9690-9A6346FAA781}" type="presOf" srcId="{7C015268-2938-46F6-8541-B8CD8E48D1AB}" destId="{8F6F2BEE-4059-4276-A3EA-650CD854903F}" srcOrd="1" destOrd="0" presId="urn:microsoft.com/office/officeart/2005/8/layout/process2"/>
-    <dgm:cxn modelId="{F72A70A1-3995-472F-A233-0FADEA029489}" type="presOf" srcId="{0B45398B-589C-45CB-9D29-5659223A7291}" destId="{43F6BAEA-4AAE-4161-96A2-31F1B1982731}" srcOrd="0" destOrd="0" presId="urn:microsoft.com/office/officeart/2005/8/layout/process2"/>
-    <dgm:cxn modelId="{4D5C1FAD-F3FF-422B-AE67-CFE7DCC0EED9}" srcId="{F2895ABF-0B55-469A-A334-21F3EFA565F3}" destId="{C5005033-92D4-41DD-8FFB-AAA6F546212A}" srcOrd="2" destOrd="0" parTransId="{712C2AFA-154C-4173-9C00-C886FC9052D3}" sibTransId="{7C015268-2938-46F6-8541-B8CD8E48D1AB}"/>
-    <dgm:cxn modelId="{2A384CB6-223F-42AB-9A47-5DCB105AD576}" srcId="{F2895ABF-0B55-469A-A334-21F3EFA565F3}" destId="{49DA27BC-869B-46F5-8956-0CD73CE8773A}" srcOrd="1" destOrd="0" parTransId="{352265DB-B09D-4E6A-AAE3-EF9ABE86E0D1}" sibTransId="{67E61026-58FD-4094-8B90-533E50B9849A}"/>
-    <dgm:cxn modelId="{BDF954C3-ECA9-44CE-AE85-E19F11DF41DE}" type="presOf" srcId="{6EEE752B-0229-4684-B4C0-CC6DDB66D5CC}" destId="{587304DE-C51D-40C2-8EF5-34D35118B44C}" srcOrd="0" destOrd="0" presId="urn:microsoft.com/office/officeart/2005/8/layout/process2"/>
-    <dgm:cxn modelId="{A000F3D5-43DC-47AF-8994-B2113923F7F6}" type="presOf" srcId="{80533E6E-AC03-4237-8CFD-ADC5A789884C}" destId="{49CF2DD7-B708-45CB-8B77-DBD30A0630BB}" srcOrd="0" destOrd="0" presId="urn:microsoft.com/office/officeart/2005/8/layout/process2"/>
-    <dgm:cxn modelId="{D383B3DA-17B3-4822-A436-788A4F6A63C8}" type="presOf" srcId="{1A15A384-456A-4939-A036-5E642C322B61}" destId="{1BD21772-7C57-47E4-8006-374CC747770F}" srcOrd="0" destOrd="0" presId="urn:microsoft.com/office/officeart/2005/8/layout/process2"/>
-    <dgm:cxn modelId="{D11588DB-C897-4ACF-9EB3-FB15D3D158BB}" srcId="{F2895ABF-0B55-469A-A334-21F3EFA565F3}" destId="{80533E6E-AC03-4237-8CFD-ADC5A789884C}" srcOrd="6" destOrd="0" parTransId="{6A947F24-BCD5-4B62-866F-09F05990ECFF}" sibTransId="{9E89B93F-D1B3-4DDE-8682-4BA9658BBD94}"/>
-    <dgm:cxn modelId="{D527DCE7-8D72-487A-96A7-DA77CB7CA9A4}" type="presOf" srcId="{EEB85A38-6FE5-4261-BCC0-FD33CE79A9EF}" destId="{BBF91EE0-9A70-4C66-8B43-1C7EF81311B4}" srcOrd="0" destOrd="0" presId="urn:microsoft.com/office/officeart/2005/8/layout/process2"/>
-    <dgm:cxn modelId="{CA066FEC-ED1D-4569-8CAF-3BBBCCEC1366}" type="presOf" srcId="{A7E1657B-12D3-4C4D-9317-275DFE635BF9}" destId="{22943B0C-FC79-4F4A-A2D6-4488E902FCDF}" srcOrd="0" destOrd="0" presId="urn:microsoft.com/office/officeart/2005/8/layout/process2"/>
-    <dgm:cxn modelId="{353930F2-2487-4F58-8E80-2E7EAAADA283}" type="presOf" srcId="{7C015268-2938-46F6-8541-B8CD8E48D1AB}" destId="{D62A8EDC-28AD-4146-B835-FE1853F43C09}" srcOrd="0" destOrd="0" presId="urn:microsoft.com/office/officeart/2005/8/layout/process2"/>
     <dgm:cxn modelId="{2BF143F4-E55F-443E-AB4F-248DF1B48E4C}" srcId="{F2895ABF-0B55-469A-A334-21F3EFA565F3}" destId="{680A31B8-1B31-4855-B680-5C2E09B694E5}" srcOrd="5" destOrd="0" parTransId="{FCFC1E1C-EB26-4DD7-80F0-15C150664EBD}" sibTransId="{41E2274A-589D-4C9B-ADEF-BB9818A84AF9}"/>
-    <dgm:cxn modelId="{9EAB20F8-E12F-41EE-A49D-F0FCC218541E}" type="presOf" srcId="{C5005033-92D4-41DD-8FFB-AAA6F546212A}" destId="{7A359767-1373-4F94-854C-C2C9AC24AD9C}" srcOrd="0" destOrd="0" presId="urn:microsoft.com/office/officeart/2005/8/layout/process2"/>
     <dgm:cxn modelId="{1B6B45BA-00D4-4B7C-AEA2-D8BF0B683E96}" type="presParOf" srcId="{67DED806-F6CE-43B3-B020-8848CF6F09A6}" destId="{43F6BAEA-4AAE-4161-96A2-31F1B1982731}" srcOrd="0" destOrd="0" presId="urn:microsoft.com/office/officeart/2005/8/layout/process2"/>
     <dgm:cxn modelId="{FA7F3428-0478-4199-9543-C6C74A9E9ECC}" type="presParOf" srcId="{67DED806-F6CE-43B3-B020-8848CF6F09A6}" destId="{1BD21772-7C57-47E4-8006-374CC747770F}" srcOrd="1" destOrd="0" presId="urn:microsoft.com/office/officeart/2005/8/layout/process2"/>
     <dgm:cxn modelId="{6D03F713-F8FA-4FD9-95CB-29F281DCFCED}" type="presParOf" srcId="{1BD21772-7C57-47E4-8006-374CC747770F}" destId="{7C16DD59-EC11-49D1-950F-6FFB06567F80}" srcOrd="0" destOrd="0" presId="urn:microsoft.com/office/officeart/2005/8/layout/process2"/>
@@ -13001,7 +14065,7 @@
         </a:bodyPr>
         <a:lstStyle/>
         <a:p>
-          <a:pPr marL="0" lvl="0" indent="0" algn="ctr" defTabSz="622300">
+          <a:pPr lvl="0" algn="ctr" defTabSz="622300">
             <a:lnSpc>
               <a:spcPct val="90000"/>
             </a:lnSpc>
@@ -13011,7 +14075,6 @@
             <a:spcAft>
               <a:spcPct val="35000"/>
             </a:spcAft>
-            <a:buNone/>
           </a:pPr>
           <a:r>
             <a:rPr lang="en-US" sz="1400" kern="1200" err="1"/>
@@ -13100,7 +14163,7 @@
         </a:bodyPr>
         <a:lstStyle/>
         <a:p>
-          <a:pPr marL="0" lvl="0" indent="0" algn="ctr" defTabSz="400050">
+          <a:pPr lvl="0" algn="ctr" defTabSz="400050">
             <a:lnSpc>
               <a:spcPct val="90000"/>
             </a:lnSpc>
@@ -13110,7 +14173,6 @@
             <a:spcAft>
               <a:spcPct val="35000"/>
             </a:spcAft>
-            <a:buNone/>
           </a:pPr>
           <a:endParaRPr lang="en-US" sz="900" kern="1200"/>
         </a:p>
@@ -13269,7 +14331,7 @@
         </a:bodyPr>
         <a:lstStyle/>
         <a:p>
-          <a:pPr marL="0" lvl="0" indent="0" algn="ctr" defTabSz="400050">
+          <a:pPr lvl="0" algn="ctr" defTabSz="400050">
             <a:lnSpc>
               <a:spcPct val="90000"/>
             </a:lnSpc>
@@ -13279,7 +14341,6 @@
             <a:spcAft>
               <a:spcPct val="35000"/>
             </a:spcAft>
-            <a:buNone/>
           </a:pPr>
           <a:endParaRPr lang="en-US" sz="900" kern="1200"/>
         </a:p>
@@ -13339,7 +14400,7 @@
         </a:bodyPr>
         <a:lstStyle/>
         <a:p>
-          <a:pPr marL="0" lvl="0" indent="0" algn="ctr" defTabSz="622300">
+          <a:pPr lvl="0" algn="ctr" defTabSz="622300">
             <a:lnSpc>
               <a:spcPct val="90000"/>
             </a:lnSpc>
@@ -13349,7 +14410,6 @@
             <a:spcAft>
               <a:spcPct val="35000"/>
             </a:spcAft>
-            <a:buNone/>
           </a:pPr>
           <a:r>
             <a:rPr lang="en-US" sz="1400" kern="1200" err="1"/>
@@ -13456,7 +14516,7 @@
         </a:bodyPr>
         <a:lstStyle/>
         <a:p>
-          <a:pPr marL="0" lvl="0" indent="0" algn="ctr" defTabSz="400050">
+          <a:pPr lvl="0" algn="ctr" defTabSz="400050">
             <a:lnSpc>
               <a:spcPct val="90000"/>
             </a:lnSpc>
@@ -13466,7 +14526,6 @@
             <a:spcAft>
               <a:spcPct val="35000"/>
             </a:spcAft>
-            <a:buNone/>
           </a:pPr>
           <a:endParaRPr lang="en-US" sz="900" kern="1200"/>
         </a:p>
@@ -13526,7 +14585,7 @@
         </a:bodyPr>
         <a:lstStyle/>
         <a:p>
-          <a:pPr marL="0" lvl="0" indent="0" algn="ctr" defTabSz="622300">
+          <a:pPr lvl="0" algn="ctr" defTabSz="622300">
             <a:lnSpc>
               <a:spcPct val="90000"/>
             </a:lnSpc>
@@ -13536,7 +14595,6 @@
             <a:spcAft>
               <a:spcPct val="35000"/>
             </a:spcAft>
-            <a:buNone/>
           </a:pPr>
           <a:r>
             <a:rPr lang="en-US" sz="1400" kern="1200" err="1"/>
@@ -13624,7 +14682,7 @@
         </a:bodyPr>
         <a:lstStyle/>
         <a:p>
-          <a:pPr marL="0" lvl="0" indent="0" algn="ctr" defTabSz="400050">
+          <a:pPr lvl="0" algn="ctr" defTabSz="400050">
             <a:lnSpc>
               <a:spcPct val="90000"/>
             </a:lnSpc>
@@ -13634,7 +14692,6 @@
             <a:spcAft>
               <a:spcPct val="35000"/>
             </a:spcAft>
-            <a:buNone/>
           </a:pPr>
           <a:endParaRPr lang="en-US" sz="900" kern="1200"/>
         </a:p>
@@ -13694,7 +14751,7 @@
         </a:bodyPr>
         <a:lstStyle/>
         <a:p>
-          <a:pPr marL="0" lvl="0" indent="0" algn="ctr" defTabSz="622300">
+          <a:pPr lvl="0" algn="ctr" defTabSz="622300">
             <a:lnSpc>
               <a:spcPct val="90000"/>
             </a:lnSpc>
@@ -13704,7 +14761,6 @@
             <a:spcAft>
               <a:spcPct val="35000"/>
             </a:spcAft>
-            <a:buNone/>
           </a:pPr>
           <a:r>
             <a:rPr lang="en-US" sz="1400" kern="1200" err="1"/>
@@ -13795,7 +14851,7 @@
         </a:bodyPr>
         <a:lstStyle/>
         <a:p>
-          <a:pPr marL="0" lvl="0" indent="0" algn="ctr" defTabSz="400050">
+          <a:pPr lvl="0" algn="ctr" defTabSz="400050">
             <a:lnSpc>
               <a:spcPct val="90000"/>
             </a:lnSpc>
@@ -13805,7 +14861,6 @@
             <a:spcAft>
               <a:spcPct val="35000"/>
             </a:spcAft>
-            <a:buNone/>
           </a:pPr>
           <a:endParaRPr lang="en-US" sz="900" kern="1200"/>
         </a:p>
@@ -13865,7 +14920,7 @@
         </a:bodyPr>
         <a:lstStyle/>
         <a:p>
-          <a:pPr marL="0" lvl="0" indent="0" algn="ctr" defTabSz="622300">
+          <a:pPr lvl="0" algn="ctr" defTabSz="622300">
             <a:lnSpc>
               <a:spcPct val="90000"/>
             </a:lnSpc>
@@ -13875,7 +14930,6 @@
             <a:spcAft>
               <a:spcPct val="35000"/>
             </a:spcAft>
-            <a:buNone/>
           </a:pPr>
           <a:r>
             <a:rPr lang="en-US" sz="1400" kern="1200" err="1"/>
@@ -13966,7 +15020,7 @@
         </a:bodyPr>
         <a:lstStyle/>
         <a:p>
-          <a:pPr marL="0" lvl="0" indent="0" algn="ctr" defTabSz="400050">
+          <a:pPr lvl="0" algn="ctr" defTabSz="400050">
             <a:lnSpc>
               <a:spcPct val="90000"/>
             </a:lnSpc>
@@ -13976,7 +15030,6 @@
             <a:spcAft>
               <a:spcPct val="35000"/>
             </a:spcAft>
-            <a:buNone/>
           </a:pPr>
           <a:endParaRPr lang="en-US" sz="900" kern="1200"/>
         </a:p>
@@ -14036,7 +15089,7 @@
         </a:bodyPr>
         <a:lstStyle/>
         <a:p>
-          <a:pPr marL="0" lvl="0" indent="0" algn="ctr" defTabSz="622300">
+          <a:pPr lvl="0" algn="ctr" defTabSz="622300">
             <a:lnSpc>
               <a:spcPct val="90000"/>
             </a:lnSpc>
@@ -14046,7 +15099,6 @@
             <a:spcAft>
               <a:spcPct val="35000"/>
             </a:spcAft>
-            <a:buNone/>
           </a:pPr>
           <a:r>
             <a:rPr lang="en-US" sz="1400" kern="1200" err="1"/>
@@ -14152,7 +15204,7 @@
         </a:bodyPr>
         <a:lstStyle/>
         <a:p>
-          <a:pPr marL="0" lvl="0" indent="0" algn="ctr" defTabSz="622300">
+          <a:pPr lvl="0" algn="ctr" defTabSz="622300">
             <a:lnSpc>
               <a:spcPct val="90000"/>
             </a:lnSpc>
@@ -14162,7 +15214,6 @@
             <a:spcAft>
               <a:spcPct val="35000"/>
             </a:spcAft>
-            <a:buNone/>
           </a:pPr>
           <a:r>
             <a:rPr lang="en-US" sz="1400" kern="1200" dirty="0" err="1"/>
@@ -14251,7 +15302,7 @@
         </a:bodyPr>
         <a:lstStyle/>
         <a:p>
-          <a:pPr marL="0" lvl="0" indent="0" algn="ctr" defTabSz="400050">
+          <a:pPr lvl="0" algn="ctr" defTabSz="400050">
             <a:lnSpc>
               <a:spcPct val="90000"/>
             </a:lnSpc>
@@ -14261,7 +15312,6 @@
             <a:spcAft>
               <a:spcPct val="35000"/>
             </a:spcAft>
-            <a:buNone/>
           </a:pPr>
           <a:endParaRPr lang="en-US" sz="900" kern="1200"/>
         </a:p>
@@ -14418,7 +15468,7 @@
         </a:bodyPr>
         <a:lstStyle/>
         <a:p>
-          <a:pPr marL="0" lvl="0" indent="0" algn="ctr" defTabSz="400050">
+          <a:pPr lvl="0" algn="ctr" defTabSz="400050">
             <a:lnSpc>
               <a:spcPct val="90000"/>
             </a:lnSpc>
@@ -14428,7 +15478,6 @@
             <a:spcAft>
               <a:spcPct val="35000"/>
             </a:spcAft>
-            <a:buNone/>
           </a:pPr>
           <a:endParaRPr lang="en-US" sz="900" kern="1200"/>
         </a:p>
@@ -14488,7 +15537,7 @@
         </a:bodyPr>
         <a:lstStyle/>
         <a:p>
-          <a:pPr marL="0" lvl="0" indent="0" algn="ctr" defTabSz="622300">
+          <a:pPr lvl="0" algn="ctr" defTabSz="622300">
             <a:lnSpc>
               <a:spcPct val="90000"/>
             </a:lnSpc>
@@ -14498,7 +15547,6 @@
             <a:spcAft>
               <a:spcPct val="35000"/>
             </a:spcAft>
-            <a:buNone/>
           </a:pPr>
           <a:r>
             <a:rPr lang="en-US" sz="1400" kern="1200" err="1"/>
@@ -14605,7 +15653,7 @@
         </a:bodyPr>
         <a:lstStyle/>
         <a:p>
-          <a:pPr marL="0" lvl="0" indent="0" algn="ctr" defTabSz="400050">
+          <a:pPr lvl="0" algn="ctr" defTabSz="400050">
             <a:lnSpc>
               <a:spcPct val="90000"/>
             </a:lnSpc>
@@ -14615,7 +15663,6 @@
             <a:spcAft>
               <a:spcPct val="35000"/>
             </a:spcAft>
-            <a:buNone/>
           </a:pPr>
           <a:endParaRPr lang="en-US" sz="900" kern="1200"/>
         </a:p>
@@ -14675,7 +15722,7 @@
         </a:bodyPr>
         <a:lstStyle/>
         <a:p>
-          <a:pPr marL="0" lvl="0" indent="0" algn="ctr" defTabSz="622300">
+          <a:pPr lvl="0" algn="ctr" defTabSz="622300">
             <a:lnSpc>
               <a:spcPct val="90000"/>
             </a:lnSpc>
@@ -14685,7 +15732,6 @@
             <a:spcAft>
               <a:spcPct val="35000"/>
             </a:spcAft>
-            <a:buNone/>
           </a:pPr>
           <a:r>
             <a:rPr lang="en-US" sz="1400" kern="1200" err="1"/>
@@ -14773,7 +15819,7 @@
         </a:bodyPr>
         <a:lstStyle/>
         <a:p>
-          <a:pPr marL="0" lvl="0" indent="0" algn="ctr" defTabSz="400050">
+          <a:pPr lvl="0" algn="ctr" defTabSz="400050">
             <a:lnSpc>
               <a:spcPct val="90000"/>
             </a:lnSpc>
@@ -14783,7 +15829,6 @@
             <a:spcAft>
               <a:spcPct val="35000"/>
             </a:spcAft>
-            <a:buNone/>
           </a:pPr>
           <a:endParaRPr lang="en-US" sz="900" kern="1200"/>
         </a:p>
@@ -14843,7 +15888,7 @@
         </a:bodyPr>
         <a:lstStyle/>
         <a:p>
-          <a:pPr marL="0" lvl="0" indent="0" algn="ctr" defTabSz="622300">
+          <a:pPr lvl="0" algn="ctr" defTabSz="622300">
             <a:lnSpc>
               <a:spcPct val="90000"/>
             </a:lnSpc>
@@ -14853,7 +15898,6 @@
             <a:spcAft>
               <a:spcPct val="35000"/>
             </a:spcAft>
-            <a:buNone/>
           </a:pPr>
           <a:r>
             <a:rPr lang="en-US" sz="1400" kern="1200" err="1"/>
@@ -14944,7 +15988,7 @@
         </a:bodyPr>
         <a:lstStyle/>
         <a:p>
-          <a:pPr marL="0" lvl="0" indent="0" algn="ctr" defTabSz="400050">
+          <a:pPr lvl="0" algn="ctr" defTabSz="400050">
             <a:lnSpc>
               <a:spcPct val="90000"/>
             </a:lnSpc>
@@ -14954,7 +15998,6 @@
             <a:spcAft>
               <a:spcPct val="35000"/>
             </a:spcAft>
-            <a:buNone/>
           </a:pPr>
           <a:endParaRPr lang="en-US" sz="900" kern="1200"/>
         </a:p>
@@ -15014,7 +16057,7 @@
         </a:bodyPr>
         <a:lstStyle/>
         <a:p>
-          <a:pPr marL="0" lvl="0" indent="0" algn="ctr" defTabSz="622300">
+          <a:pPr lvl="0" algn="ctr" defTabSz="622300">
             <a:lnSpc>
               <a:spcPct val="90000"/>
             </a:lnSpc>
@@ -15024,7 +16067,6 @@
             <a:spcAft>
               <a:spcPct val="35000"/>
             </a:spcAft>
-            <a:buNone/>
           </a:pPr>
           <a:r>
             <a:rPr lang="en-US" sz="1400" kern="1200" err="1"/>
@@ -15115,7 +16157,7 @@
         </a:bodyPr>
         <a:lstStyle/>
         <a:p>
-          <a:pPr marL="0" lvl="0" indent="0" algn="ctr" defTabSz="400050">
+          <a:pPr lvl="0" algn="ctr" defTabSz="400050">
             <a:lnSpc>
               <a:spcPct val="90000"/>
             </a:lnSpc>
@@ -15125,7 +16167,6 @@
             <a:spcAft>
               <a:spcPct val="35000"/>
             </a:spcAft>
-            <a:buNone/>
           </a:pPr>
           <a:endParaRPr lang="en-US" sz="900" kern="1200"/>
         </a:p>
@@ -15185,7 +16226,7 @@
         </a:bodyPr>
         <a:lstStyle/>
         <a:p>
-          <a:pPr marL="0" lvl="0" indent="0" algn="ctr" defTabSz="622300">
+          <a:pPr lvl="0" algn="ctr" defTabSz="622300">
             <a:lnSpc>
               <a:spcPct val="90000"/>
             </a:lnSpc>
@@ -15195,7 +16236,6 @@
             <a:spcAft>
               <a:spcPct val="35000"/>
             </a:spcAft>
-            <a:buNone/>
           </a:pPr>
           <a:r>
             <a:rPr lang="en-US" sz="1400" kern="1200" err="1"/>
@@ -15438,7 +16478,7 @@
         </a:bodyPr>
         <a:lstStyle/>
         <a:p>
-          <a:pPr marL="0" lvl="0" indent="0" algn="ctr" defTabSz="400050">
+          <a:pPr lvl="0" algn="ctr" defTabSz="400050">
             <a:lnSpc>
               <a:spcPct val="90000"/>
             </a:lnSpc>
@@ -15448,7 +16488,6 @@
             <a:spcAft>
               <a:spcPct val="35000"/>
             </a:spcAft>
-            <a:buNone/>
           </a:pPr>
           <a:endParaRPr lang="en-US" sz="900" kern="1200"/>
         </a:p>
@@ -15607,7 +16646,7 @@
         </a:bodyPr>
         <a:lstStyle/>
         <a:p>
-          <a:pPr marL="0" lvl="0" indent="0" algn="ctr" defTabSz="400050">
+          <a:pPr lvl="0" algn="ctr" defTabSz="400050">
             <a:lnSpc>
               <a:spcPct val="90000"/>
             </a:lnSpc>
@@ -15617,7 +16656,6 @@
             <a:spcAft>
               <a:spcPct val="35000"/>
             </a:spcAft>
-            <a:buNone/>
           </a:pPr>
           <a:endParaRPr lang="en-US" sz="900" kern="1200"/>
         </a:p>
@@ -15675,7 +16713,7 @@
         </a:bodyPr>
         <a:lstStyle/>
         <a:p>
-          <a:pPr marL="0" lvl="0" indent="0" algn="ctr" defTabSz="622300">
+          <a:pPr lvl="0" algn="ctr" defTabSz="622300">
             <a:lnSpc>
               <a:spcPct val="90000"/>
             </a:lnSpc>
@@ -15685,7 +16723,6 @@
             <a:spcAft>
               <a:spcPct val="35000"/>
             </a:spcAft>
-            <a:buNone/>
           </a:pPr>
           <a:r>
             <a:rPr lang="en-US" sz="1400" kern="1200" dirty="0" err="1"/>
@@ -15848,7 +16885,7 @@
         </a:bodyPr>
         <a:lstStyle/>
         <a:p>
-          <a:pPr marL="0" lvl="0" indent="0" algn="ctr" defTabSz="400050">
+          <a:pPr lvl="0" algn="ctr" defTabSz="400050">
             <a:lnSpc>
               <a:spcPct val="90000"/>
             </a:lnSpc>
@@ -15858,7 +16895,6 @@
             <a:spcAft>
               <a:spcPct val="35000"/>
             </a:spcAft>
-            <a:buNone/>
           </a:pPr>
           <a:endParaRPr lang="en-US" sz="900" kern="1200"/>
         </a:p>
@@ -15918,7 +16954,7 @@
         </a:bodyPr>
         <a:lstStyle/>
         <a:p>
-          <a:pPr marL="0" lvl="0" indent="0" algn="ctr" defTabSz="622300">
+          <a:pPr lvl="0" algn="ctr" defTabSz="622300">
             <a:lnSpc>
               <a:spcPct val="90000"/>
             </a:lnSpc>
@@ -15928,7 +16964,6 @@
             <a:spcAft>
               <a:spcPct val="35000"/>
             </a:spcAft>
-            <a:buNone/>
           </a:pPr>
           <a:r>
             <a:rPr lang="en-US" sz="1400" kern="1200" err="1"/>
@@ -16016,7 +17051,7 @@
         </a:bodyPr>
         <a:lstStyle/>
         <a:p>
-          <a:pPr marL="0" lvl="0" indent="0" algn="ctr" defTabSz="400050">
+          <a:pPr lvl="0" algn="ctr" defTabSz="400050">
             <a:lnSpc>
               <a:spcPct val="90000"/>
             </a:lnSpc>
@@ -16026,7 +17061,6 @@
             <a:spcAft>
               <a:spcPct val="35000"/>
             </a:spcAft>
-            <a:buNone/>
           </a:pPr>
           <a:endParaRPr lang="en-US" sz="900" kern="1200"/>
         </a:p>
@@ -16086,7 +17120,7 @@
         </a:bodyPr>
         <a:lstStyle/>
         <a:p>
-          <a:pPr marL="0" lvl="0" indent="0" algn="ctr" defTabSz="622300">
+          <a:pPr lvl="0" algn="ctr" defTabSz="622300">
             <a:lnSpc>
               <a:spcPct val="90000"/>
             </a:lnSpc>
@@ -16096,7 +17130,6 @@
             <a:spcAft>
               <a:spcPct val="35000"/>
             </a:spcAft>
-            <a:buNone/>
           </a:pPr>
           <a:r>
             <a:rPr lang="en-US" sz="1400" kern="1200" err="1"/>
@@ -16187,7 +17220,7 @@
         </a:bodyPr>
         <a:lstStyle/>
         <a:p>
-          <a:pPr marL="0" lvl="0" indent="0" algn="ctr" defTabSz="400050">
+          <a:pPr lvl="0" algn="ctr" defTabSz="400050">
             <a:lnSpc>
               <a:spcPct val="90000"/>
             </a:lnSpc>
@@ -16197,7 +17230,6 @@
             <a:spcAft>
               <a:spcPct val="35000"/>
             </a:spcAft>
-            <a:buNone/>
           </a:pPr>
           <a:endParaRPr lang="en-US" sz="900" kern="1200"/>
         </a:p>
@@ -16257,7 +17289,7 @@
         </a:bodyPr>
         <a:lstStyle/>
         <a:p>
-          <a:pPr marL="0" lvl="0" indent="0" algn="ctr" defTabSz="622300">
+          <a:pPr lvl="0" algn="ctr" defTabSz="622300">
             <a:lnSpc>
               <a:spcPct val="90000"/>
             </a:lnSpc>
@@ -16267,7 +17299,6 @@
             <a:spcAft>
               <a:spcPct val="35000"/>
             </a:spcAft>
-            <a:buNone/>
           </a:pPr>
           <a:r>
             <a:rPr lang="en-US" sz="1400" kern="1200" err="1"/>
@@ -16358,7 +17389,7 @@
         </a:bodyPr>
         <a:lstStyle/>
         <a:p>
-          <a:pPr marL="0" lvl="0" indent="0" algn="ctr" defTabSz="400050">
+          <a:pPr lvl="0" algn="ctr" defTabSz="400050">
             <a:lnSpc>
               <a:spcPct val="90000"/>
             </a:lnSpc>
@@ -16368,7 +17399,6 @@
             <a:spcAft>
               <a:spcPct val="35000"/>
             </a:spcAft>
-            <a:buNone/>
           </a:pPr>
           <a:endParaRPr lang="en-US" sz="900" kern="1200"/>
         </a:p>
@@ -16428,7 +17458,7 @@
         </a:bodyPr>
         <a:lstStyle/>
         <a:p>
-          <a:pPr marL="0" lvl="0" indent="0" algn="ctr" defTabSz="622300">
+          <a:pPr lvl="0" algn="ctr" defTabSz="622300">
             <a:lnSpc>
               <a:spcPct val="90000"/>
             </a:lnSpc>
@@ -16438,7 +17468,6 @@
             <a:spcAft>
               <a:spcPct val="35000"/>
             </a:spcAft>
-            <a:buNone/>
           </a:pPr>
           <a:r>
             <a:rPr lang="en-US" sz="1400" kern="1200" err="1"/>
@@ -16546,7 +17575,7 @@
         </a:bodyPr>
         <a:lstStyle/>
         <a:p>
-          <a:pPr marL="0" lvl="0" indent="0" algn="ctr" defTabSz="622300">
+          <a:pPr lvl="0" algn="ctr" defTabSz="622300">
             <a:lnSpc>
               <a:spcPct val="90000"/>
             </a:lnSpc>
@@ -16556,7 +17585,6 @@
             <a:spcAft>
               <a:spcPct val="35000"/>
             </a:spcAft>
-            <a:buNone/>
           </a:pPr>
           <a:r>
             <a:rPr lang="en-US" sz="1400" kern="1200" dirty="0" err="1">
@@ -16652,7 +17680,7 @@
         </a:bodyPr>
         <a:lstStyle/>
         <a:p>
-          <a:pPr marL="0" lvl="0" indent="0" algn="ctr" defTabSz="400050">
+          <a:pPr lvl="0" algn="ctr" defTabSz="400050">
             <a:lnSpc>
               <a:spcPct val="90000"/>
             </a:lnSpc>
@@ -16662,7 +17690,6 @@
             <a:spcAft>
               <a:spcPct val="35000"/>
             </a:spcAft>
-            <a:buNone/>
           </a:pPr>
           <a:endParaRPr lang="en-US" sz="900" kern="1200"/>
         </a:p>
@@ -16821,7 +17848,7 @@
         </a:bodyPr>
         <a:lstStyle/>
         <a:p>
-          <a:pPr marL="0" lvl="0" indent="0" algn="ctr" defTabSz="400050">
+          <a:pPr lvl="0" algn="ctr" defTabSz="400050">
             <a:lnSpc>
               <a:spcPct val="90000"/>
             </a:lnSpc>
@@ -16831,7 +17858,6 @@
             <a:spcAft>
               <a:spcPct val="35000"/>
             </a:spcAft>
-            <a:buNone/>
           </a:pPr>
           <a:endParaRPr lang="en-US" sz="900" kern="1200"/>
         </a:p>
@@ -16891,7 +17917,7 @@
         </a:bodyPr>
         <a:lstStyle/>
         <a:p>
-          <a:pPr marL="0" lvl="0" indent="0" algn="ctr" defTabSz="622300">
+          <a:pPr lvl="0" algn="ctr" defTabSz="622300">
             <a:lnSpc>
               <a:spcPct val="90000"/>
             </a:lnSpc>
@@ -16901,7 +17927,6 @@
             <a:spcAft>
               <a:spcPct val="35000"/>
             </a:spcAft>
-            <a:buNone/>
           </a:pPr>
           <a:r>
             <a:rPr lang="en-US" sz="1400" kern="1200" dirty="0" err="1"/>
@@ -17008,7 +18033,7 @@
         </a:bodyPr>
         <a:lstStyle/>
         <a:p>
-          <a:pPr marL="0" lvl="0" indent="0" algn="ctr" defTabSz="400050">
+          <a:pPr lvl="0" algn="ctr" defTabSz="400050">
             <a:lnSpc>
               <a:spcPct val="90000"/>
             </a:lnSpc>
@@ -17018,7 +18043,6 @@
             <a:spcAft>
               <a:spcPct val="35000"/>
             </a:spcAft>
-            <a:buNone/>
           </a:pPr>
           <a:endParaRPr lang="en-US" sz="900" kern="1200"/>
         </a:p>
@@ -17076,7 +18100,7 @@
         </a:bodyPr>
         <a:lstStyle/>
         <a:p>
-          <a:pPr marL="0" lvl="0" indent="0" algn="ctr" defTabSz="622300">
+          <a:pPr lvl="0" algn="ctr" defTabSz="622300">
             <a:lnSpc>
               <a:spcPct val="90000"/>
             </a:lnSpc>
@@ -17086,7 +18110,6 @@
             <a:spcAft>
               <a:spcPct val="35000"/>
             </a:spcAft>
-            <a:buNone/>
           </a:pPr>
           <a:r>
             <a:rPr lang="en-US" sz="1400" kern="1200" err="1"/>
@@ -17174,7 +18197,7 @@
         </a:bodyPr>
         <a:lstStyle/>
         <a:p>
-          <a:pPr marL="0" lvl="0" indent="0" algn="ctr" defTabSz="400050">
+          <a:pPr lvl="0" algn="ctr" defTabSz="400050">
             <a:lnSpc>
               <a:spcPct val="90000"/>
             </a:lnSpc>
@@ -17184,7 +18207,6 @@
             <a:spcAft>
               <a:spcPct val="35000"/>
             </a:spcAft>
-            <a:buNone/>
           </a:pPr>
           <a:endParaRPr lang="en-US" sz="900" kern="1200"/>
         </a:p>
@@ -17244,7 +18266,7 @@
         </a:bodyPr>
         <a:lstStyle/>
         <a:p>
-          <a:pPr marL="0" lvl="0" indent="0" algn="ctr" defTabSz="622300">
+          <a:pPr lvl="0" algn="ctr" defTabSz="622300">
             <a:lnSpc>
               <a:spcPct val="90000"/>
             </a:lnSpc>
@@ -17254,7 +18276,6 @@
             <a:spcAft>
               <a:spcPct val="35000"/>
             </a:spcAft>
-            <a:buNone/>
           </a:pPr>
           <a:r>
             <a:rPr lang="en-US" sz="1400" kern="1200" err="1"/>
@@ -17345,7 +18366,7 @@
         </a:bodyPr>
         <a:lstStyle/>
         <a:p>
-          <a:pPr marL="0" lvl="0" indent="0" algn="ctr" defTabSz="400050">
+          <a:pPr lvl="0" algn="ctr" defTabSz="400050">
             <a:lnSpc>
               <a:spcPct val="90000"/>
             </a:lnSpc>
@@ -17355,7 +18376,6 @@
             <a:spcAft>
               <a:spcPct val="35000"/>
             </a:spcAft>
-            <a:buNone/>
           </a:pPr>
           <a:endParaRPr lang="en-US" sz="900" kern="1200"/>
         </a:p>
@@ -17415,7 +18435,7 @@
         </a:bodyPr>
         <a:lstStyle/>
         <a:p>
-          <a:pPr marL="0" lvl="0" indent="0" algn="ctr" defTabSz="622300">
+          <a:pPr lvl="0" algn="ctr" defTabSz="622300">
             <a:lnSpc>
               <a:spcPct val="90000"/>
             </a:lnSpc>
@@ -17425,7 +18445,6 @@
             <a:spcAft>
               <a:spcPct val="35000"/>
             </a:spcAft>
-            <a:buNone/>
           </a:pPr>
           <a:r>
             <a:rPr lang="en-US" sz="1400" kern="1200" err="1"/>
@@ -17516,7 +18535,7 @@
         </a:bodyPr>
         <a:lstStyle/>
         <a:p>
-          <a:pPr marL="0" lvl="0" indent="0" algn="ctr" defTabSz="400050">
+          <a:pPr lvl="0" algn="ctr" defTabSz="400050">
             <a:lnSpc>
               <a:spcPct val="90000"/>
             </a:lnSpc>
@@ -17526,7 +18545,6 @@
             <a:spcAft>
               <a:spcPct val="35000"/>
             </a:spcAft>
-            <a:buNone/>
           </a:pPr>
           <a:endParaRPr lang="en-US" sz="900" kern="1200"/>
         </a:p>
@@ -17586,7 +18604,7 @@
         </a:bodyPr>
         <a:lstStyle/>
         <a:p>
-          <a:pPr marL="0" lvl="0" indent="0" algn="ctr" defTabSz="622300">
+          <a:pPr lvl="0" algn="ctr" defTabSz="622300">
             <a:lnSpc>
               <a:spcPct val="90000"/>
             </a:lnSpc>
@@ -17596,7 +18614,6 @@
             <a:spcAft>
               <a:spcPct val="35000"/>
             </a:spcAft>
-            <a:buNone/>
           </a:pPr>
           <a:r>
             <a:rPr lang="en-US" sz="1400" kern="1200" err="1"/>
@@ -17704,7 +18721,7 @@
         </a:bodyPr>
         <a:lstStyle/>
         <a:p>
-          <a:pPr marL="0" lvl="0" indent="0" algn="ctr" defTabSz="622300">
+          <a:pPr lvl="0" algn="ctr" defTabSz="622300">
             <a:lnSpc>
               <a:spcPct val="90000"/>
             </a:lnSpc>
@@ -17714,7 +18731,6 @@
             <a:spcAft>
               <a:spcPct val="35000"/>
             </a:spcAft>
-            <a:buNone/>
           </a:pPr>
           <a:r>
             <a:rPr lang="en-US" sz="1400" kern="1200" dirty="0" err="1">
@@ -17810,7 +18826,7 @@
         </a:bodyPr>
         <a:lstStyle/>
         <a:p>
-          <a:pPr marL="0" lvl="0" indent="0" algn="ctr" defTabSz="400050">
+          <a:pPr lvl="0" algn="ctr" defTabSz="400050">
             <a:lnSpc>
               <a:spcPct val="90000"/>
             </a:lnSpc>
@@ -17820,7 +18836,6 @@
             <a:spcAft>
               <a:spcPct val="35000"/>
             </a:spcAft>
-            <a:buNone/>
           </a:pPr>
           <a:endParaRPr lang="en-US" sz="900" kern="1200"/>
         </a:p>
@@ -17979,7 +18994,7 @@
         </a:bodyPr>
         <a:lstStyle/>
         <a:p>
-          <a:pPr marL="0" lvl="0" indent="0" algn="ctr" defTabSz="400050">
+          <a:pPr lvl="0" algn="ctr" defTabSz="400050">
             <a:lnSpc>
               <a:spcPct val="90000"/>
             </a:lnSpc>
@@ -17989,7 +19004,6 @@
             <a:spcAft>
               <a:spcPct val="35000"/>
             </a:spcAft>
-            <a:buNone/>
           </a:pPr>
           <a:endParaRPr lang="en-US" sz="900" kern="1200"/>
         </a:p>
@@ -18049,7 +19063,7 @@
         </a:bodyPr>
         <a:lstStyle/>
         <a:p>
-          <a:pPr marL="0" lvl="0" indent="0" algn="ctr" defTabSz="622300">
+          <a:pPr lvl="0" algn="ctr" defTabSz="622300">
             <a:lnSpc>
               <a:spcPct val="90000"/>
             </a:lnSpc>
@@ -18059,7 +19073,6 @@
             <a:spcAft>
               <a:spcPct val="35000"/>
             </a:spcAft>
-            <a:buNone/>
           </a:pPr>
           <a:r>
             <a:rPr lang="en-US" sz="1400" kern="1200" dirty="0" err="1"/>
@@ -18166,7 +19179,7 @@
         </a:bodyPr>
         <a:lstStyle/>
         <a:p>
-          <a:pPr marL="0" lvl="0" indent="0" algn="ctr" defTabSz="400050">
+          <a:pPr lvl="0" algn="ctr" defTabSz="400050">
             <a:lnSpc>
               <a:spcPct val="90000"/>
             </a:lnSpc>
@@ -18176,7 +19189,6 @@
             <a:spcAft>
               <a:spcPct val="35000"/>
             </a:spcAft>
-            <a:buNone/>
           </a:pPr>
           <a:endParaRPr lang="en-US" sz="900" kern="1200"/>
         </a:p>
@@ -18234,7 +19246,7 @@
         </a:bodyPr>
         <a:lstStyle/>
         <a:p>
-          <a:pPr marL="0" lvl="0" indent="0" algn="ctr" defTabSz="622300">
+          <a:pPr lvl="0" algn="ctr" defTabSz="622300">
             <a:lnSpc>
               <a:spcPct val="90000"/>
             </a:lnSpc>
@@ -18244,7 +19256,6 @@
             <a:spcAft>
               <a:spcPct val="35000"/>
             </a:spcAft>
-            <a:buNone/>
           </a:pPr>
           <a:r>
             <a:rPr lang="en-US" sz="1400" kern="1200" err="1"/>
@@ -18332,7 +19343,7 @@
         </a:bodyPr>
         <a:lstStyle/>
         <a:p>
-          <a:pPr marL="0" lvl="0" indent="0" algn="ctr" defTabSz="400050">
+          <a:pPr lvl="0" algn="ctr" defTabSz="400050">
             <a:lnSpc>
               <a:spcPct val="90000"/>
             </a:lnSpc>
@@ -18342,7 +19353,6 @@
             <a:spcAft>
               <a:spcPct val="35000"/>
             </a:spcAft>
-            <a:buNone/>
           </a:pPr>
           <a:endParaRPr lang="en-US" sz="900" kern="1200"/>
         </a:p>
@@ -18402,7 +19412,7 @@
         </a:bodyPr>
         <a:lstStyle/>
         <a:p>
-          <a:pPr marL="0" lvl="0" indent="0" algn="ctr" defTabSz="622300">
+          <a:pPr lvl="0" algn="ctr" defTabSz="622300">
             <a:lnSpc>
               <a:spcPct val="90000"/>
             </a:lnSpc>
@@ -18412,7 +19422,6 @@
             <a:spcAft>
               <a:spcPct val="35000"/>
             </a:spcAft>
-            <a:buNone/>
           </a:pPr>
           <a:r>
             <a:rPr lang="en-US" sz="1400" kern="1200" err="1"/>
@@ -18503,7 +19512,7 @@
         </a:bodyPr>
         <a:lstStyle/>
         <a:p>
-          <a:pPr marL="0" lvl="0" indent="0" algn="ctr" defTabSz="400050">
+          <a:pPr lvl="0" algn="ctr" defTabSz="400050">
             <a:lnSpc>
               <a:spcPct val="90000"/>
             </a:lnSpc>
@@ -18513,7 +19522,6 @@
             <a:spcAft>
               <a:spcPct val="35000"/>
             </a:spcAft>
-            <a:buNone/>
           </a:pPr>
           <a:endParaRPr lang="en-US" sz="900" kern="1200"/>
         </a:p>
@@ -18573,7 +19581,7 @@
         </a:bodyPr>
         <a:lstStyle/>
         <a:p>
-          <a:pPr marL="0" lvl="0" indent="0" algn="ctr" defTabSz="622300">
+          <a:pPr lvl="0" algn="ctr" defTabSz="622300">
             <a:lnSpc>
               <a:spcPct val="90000"/>
             </a:lnSpc>
@@ -18583,7 +19591,6 @@
             <a:spcAft>
               <a:spcPct val="35000"/>
             </a:spcAft>
-            <a:buNone/>
           </a:pPr>
           <a:r>
             <a:rPr lang="en-US" sz="1400" kern="1200" err="1"/>
@@ -18674,7 +19681,7 @@
         </a:bodyPr>
         <a:lstStyle/>
         <a:p>
-          <a:pPr marL="0" lvl="0" indent="0" algn="ctr" defTabSz="400050">
+          <a:pPr lvl="0" algn="ctr" defTabSz="400050">
             <a:lnSpc>
               <a:spcPct val="90000"/>
             </a:lnSpc>
@@ -18684,7 +19691,6 @@
             <a:spcAft>
               <a:spcPct val="35000"/>
             </a:spcAft>
-            <a:buNone/>
           </a:pPr>
           <a:endParaRPr lang="en-US" sz="900" kern="1200"/>
         </a:p>
@@ -18744,7 +19750,7 @@
         </a:bodyPr>
         <a:lstStyle/>
         <a:p>
-          <a:pPr marL="0" lvl="0" indent="0" algn="ctr" defTabSz="622300">
+          <a:pPr lvl="0" algn="ctr" defTabSz="622300">
             <a:lnSpc>
               <a:spcPct val="90000"/>
             </a:lnSpc>
@@ -18754,7 +19760,6 @@
             <a:spcAft>
               <a:spcPct val="35000"/>
             </a:spcAft>
-            <a:buNone/>
           </a:pPr>
           <a:r>
             <a:rPr lang="en-US" sz="1400" kern="1200" err="1"/>
@@ -18881,7 +19886,7 @@
         </a:bodyPr>
         <a:lstStyle/>
         <a:p>
-          <a:pPr marL="0" lvl="0" indent="0" algn="l" defTabSz="889000">
+          <a:pPr lvl="0" algn="l" defTabSz="889000">
             <a:lnSpc>
               <a:spcPct val="90000"/>
             </a:lnSpc>
@@ -18891,7 +19896,6 @@
             <a:spcAft>
               <a:spcPct val="35000"/>
             </a:spcAft>
-            <a:buNone/>
           </a:pPr>
           <a:r>
             <a:rPr lang="en-US" sz="2000" kern="1200" dirty="0" err="1"/>
@@ -18982,7 +19986,7 @@
         </a:bodyPr>
         <a:lstStyle/>
         <a:p>
-          <a:pPr marL="0" lvl="0" indent="0" algn="l" defTabSz="889000">
+          <a:pPr lvl="0" algn="l" defTabSz="889000">
             <a:lnSpc>
               <a:spcPct val="90000"/>
             </a:lnSpc>
@@ -18992,7 +19996,6 @@
             <a:spcAft>
               <a:spcPct val="35000"/>
             </a:spcAft>
-            <a:buNone/>
           </a:pPr>
           <a:r>
             <a:rPr lang="en-US" sz="2000" kern="1200" dirty="0" err="1"/>
@@ -19107,7 +20110,7 @@
         </a:bodyPr>
         <a:lstStyle/>
         <a:p>
-          <a:pPr marL="0" lvl="0" indent="0" algn="l" defTabSz="889000">
+          <a:pPr lvl="0" algn="l" defTabSz="889000">
             <a:lnSpc>
               <a:spcPct val="90000"/>
             </a:lnSpc>
@@ -19117,7 +20120,6 @@
             <a:spcAft>
               <a:spcPct val="35000"/>
             </a:spcAft>
-            <a:buNone/>
           </a:pPr>
           <a:r>
             <a:rPr lang="en-US" sz="2000" kern="1200" dirty="0" err="1"/>
@@ -19216,7 +20218,7 @@
         </a:bodyPr>
         <a:lstStyle/>
         <a:p>
-          <a:pPr marL="0" lvl="0" indent="0" algn="l" defTabSz="889000">
+          <a:pPr lvl="0" algn="l" defTabSz="889000">
             <a:lnSpc>
               <a:spcPct val="90000"/>
             </a:lnSpc>
@@ -19226,7 +20228,6 @@
             <a:spcAft>
               <a:spcPct val="35000"/>
             </a:spcAft>
-            <a:buNone/>
           </a:pPr>
           <a:r>
             <a:rPr lang="en-US" sz="2000" kern="1200" dirty="0" err="1"/>
@@ -19350,7 +20351,7 @@
         </a:bodyPr>
         <a:lstStyle/>
         <a:p>
-          <a:pPr marL="0" lvl="0" indent="0" algn="ctr" defTabSz="1377950">
+          <a:pPr lvl="0" algn="ctr" defTabSz="1377950">
             <a:lnSpc>
               <a:spcPct val="90000"/>
             </a:lnSpc>
@@ -19360,7 +20361,6 @@
             <a:spcAft>
               <a:spcPct val="35000"/>
             </a:spcAft>
-            <a:buNone/>
           </a:pPr>
           <a:endParaRPr lang="en-US" sz="3100" kern="1200"/>
         </a:p>
@@ -19429,7 +20429,7 @@
         </a:bodyPr>
         <a:lstStyle/>
         <a:p>
-          <a:pPr marL="0" lvl="0" indent="0" algn="ctr" defTabSz="1377950">
+          <a:pPr lvl="0" algn="ctr" defTabSz="1377950">
             <a:lnSpc>
               <a:spcPct val="90000"/>
             </a:lnSpc>
@@ -19439,7 +20439,6 @@
             <a:spcAft>
               <a:spcPct val="35000"/>
             </a:spcAft>
-            <a:buNone/>
           </a:pPr>
           <a:endParaRPr lang="en-US" sz="3100" kern="1200"/>
         </a:p>
@@ -19508,7 +20507,7 @@
         </a:bodyPr>
         <a:lstStyle/>
         <a:p>
-          <a:pPr marL="0" lvl="0" indent="0" algn="ctr" defTabSz="1377950">
+          <a:pPr lvl="0" algn="ctr" defTabSz="1377950">
             <a:lnSpc>
               <a:spcPct val="90000"/>
             </a:lnSpc>
@@ -19518,7 +20517,6 @@
             <a:spcAft>
               <a:spcPct val="35000"/>
             </a:spcAft>
-            <a:buNone/>
           </a:pPr>
           <a:endParaRPr lang="en-US" sz="3100" kern="1200"/>
         </a:p>
@@ -19725,7 +20723,7 @@
         </a:bodyPr>
         <a:lstStyle/>
         <a:p>
-          <a:pPr marL="0" lvl="0" indent="0" algn="ctr" defTabSz="400050">
+          <a:pPr lvl="0" algn="ctr" defTabSz="400050">
             <a:lnSpc>
               <a:spcPct val="90000"/>
             </a:lnSpc>
@@ -19735,7 +20733,6 @@
             <a:spcAft>
               <a:spcPct val="35000"/>
             </a:spcAft>
-            <a:buNone/>
           </a:pPr>
           <a:endParaRPr lang="en-US" sz="900" kern="1200"/>
         </a:p>
@@ -19894,7 +20891,7 @@
         </a:bodyPr>
         <a:lstStyle/>
         <a:p>
-          <a:pPr marL="0" lvl="0" indent="0" algn="ctr" defTabSz="400050">
+          <a:pPr lvl="0" algn="ctr" defTabSz="400050">
             <a:lnSpc>
               <a:spcPct val="90000"/>
             </a:lnSpc>
@@ -19904,7 +20901,6 @@
             <a:spcAft>
               <a:spcPct val="35000"/>
             </a:spcAft>
-            <a:buNone/>
           </a:pPr>
           <a:endParaRPr lang="en-US" sz="900" kern="1200"/>
         </a:p>
@@ -19964,7 +20960,7 @@
         </a:bodyPr>
         <a:lstStyle/>
         <a:p>
-          <a:pPr marL="0" lvl="0" indent="0" algn="ctr" defTabSz="622300">
+          <a:pPr lvl="0" algn="ctr" defTabSz="622300">
             <a:lnSpc>
               <a:spcPct val="90000"/>
             </a:lnSpc>
@@ -19974,7 +20970,6 @@
             <a:spcAft>
               <a:spcPct val="35000"/>
             </a:spcAft>
-            <a:buNone/>
           </a:pPr>
           <a:r>
             <a:rPr lang="en-US" sz="1400" kern="1200" err="1"/>
@@ -20081,7 +21076,7 @@
         </a:bodyPr>
         <a:lstStyle/>
         <a:p>
-          <a:pPr marL="0" lvl="0" indent="0" algn="ctr" defTabSz="400050">
+          <a:pPr lvl="0" algn="ctr" defTabSz="400050">
             <a:lnSpc>
               <a:spcPct val="90000"/>
             </a:lnSpc>
@@ -20091,7 +21086,6 @@
             <a:spcAft>
               <a:spcPct val="35000"/>
             </a:spcAft>
-            <a:buNone/>
           </a:pPr>
           <a:endParaRPr lang="en-US" sz="900" kern="1200"/>
         </a:p>
@@ -20151,7 +21145,7 @@
         </a:bodyPr>
         <a:lstStyle/>
         <a:p>
-          <a:pPr marL="0" lvl="0" indent="0" algn="ctr" defTabSz="622300">
+          <a:pPr lvl="0" algn="ctr" defTabSz="622300">
             <a:lnSpc>
               <a:spcPct val="90000"/>
             </a:lnSpc>
@@ -20161,7 +21155,6 @@
             <a:spcAft>
               <a:spcPct val="35000"/>
             </a:spcAft>
-            <a:buNone/>
           </a:pPr>
           <a:r>
             <a:rPr lang="en-US" sz="1400" kern="1200" err="1"/>
@@ -20249,7 +21242,7 @@
         </a:bodyPr>
         <a:lstStyle/>
         <a:p>
-          <a:pPr marL="0" lvl="0" indent="0" algn="ctr" defTabSz="400050">
+          <a:pPr lvl="0" algn="ctr" defTabSz="400050">
             <a:lnSpc>
               <a:spcPct val="90000"/>
             </a:lnSpc>
@@ -20259,7 +21252,6 @@
             <a:spcAft>
               <a:spcPct val="35000"/>
             </a:spcAft>
-            <a:buNone/>
           </a:pPr>
           <a:endParaRPr lang="en-US" sz="900" kern="1200"/>
         </a:p>
@@ -20317,7 +21309,7 @@
         </a:bodyPr>
         <a:lstStyle/>
         <a:p>
-          <a:pPr marL="0" lvl="0" indent="0" algn="ctr" defTabSz="622300">
+          <a:pPr lvl="0" algn="ctr" defTabSz="622300">
             <a:lnSpc>
               <a:spcPct val="90000"/>
             </a:lnSpc>
@@ -20327,7 +21319,6 @@
             <a:spcAft>
               <a:spcPct val="35000"/>
             </a:spcAft>
-            <a:buNone/>
           </a:pPr>
           <a:r>
             <a:rPr lang="en-US" sz="1400" kern="1200" err="1"/>
@@ -20418,7 +21409,7 @@
         </a:bodyPr>
         <a:lstStyle/>
         <a:p>
-          <a:pPr marL="0" lvl="0" indent="0" algn="ctr" defTabSz="400050">
+          <a:pPr lvl="0" algn="ctr" defTabSz="400050">
             <a:lnSpc>
               <a:spcPct val="90000"/>
             </a:lnSpc>
@@ -20428,7 +21419,6 @@
             <a:spcAft>
               <a:spcPct val="35000"/>
             </a:spcAft>
-            <a:buNone/>
           </a:pPr>
           <a:endParaRPr lang="en-US" sz="900" kern="1200"/>
         </a:p>
@@ -20488,7 +21478,7 @@
         </a:bodyPr>
         <a:lstStyle/>
         <a:p>
-          <a:pPr marL="0" lvl="0" indent="0" algn="ctr" defTabSz="622300">
+          <a:pPr lvl="0" algn="ctr" defTabSz="622300">
             <a:lnSpc>
               <a:spcPct val="90000"/>
             </a:lnSpc>
@@ -20498,7 +21488,6 @@
             <a:spcAft>
               <a:spcPct val="35000"/>
             </a:spcAft>
-            <a:buNone/>
           </a:pPr>
           <a:r>
             <a:rPr lang="en-US" sz="1400" kern="1200" err="1"/>
@@ -20589,7 +21578,7 @@
         </a:bodyPr>
         <a:lstStyle/>
         <a:p>
-          <a:pPr marL="0" lvl="0" indent="0" algn="ctr" defTabSz="400050">
+          <a:pPr lvl="0" algn="ctr" defTabSz="400050">
             <a:lnSpc>
               <a:spcPct val="90000"/>
             </a:lnSpc>
@@ -20599,7 +21588,6 @@
             <a:spcAft>
               <a:spcPct val="35000"/>
             </a:spcAft>
-            <a:buNone/>
           </a:pPr>
           <a:endParaRPr lang="en-US" sz="900" kern="1200"/>
         </a:p>
@@ -20659,7 +21647,7 @@
         </a:bodyPr>
         <a:lstStyle/>
         <a:p>
-          <a:pPr marL="0" lvl="0" indent="0" algn="ctr" defTabSz="622300">
+          <a:pPr lvl="0" algn="ctr" defTabSz="622300">
             <a:lnSpc>
               <a:spcPct val="90000"/>
             </a:lnSpc>
@@ -20669,7 +21657,6 @@
             <a:spcAft>
               <a:spcPct val="35000"/>
             </a:spcAft>
-            <a:buNone/>
           </a:pPr>
           <a:r>
             <a:rPr lang="en-US" sz="1400" kern="1200" err="1"/>
@@ -20912,7 +21899,7 @@
         </a:bodyPr>
         <a:lstStyle/>
         <a:p>
-          <a:pPr marL="0" lvl="0" indent="0" algn="ctr" defTabSz="400050">
+          <a:pPr lvl="0" algn="ctr" defTabSz="400050">
             <a:lnSpc>
               <a:spcPct val="90000"/>
             </a:lnSpc>
@@ -20922,7 +21909,6 @@
             <a:spcAft>
               <a:spcPct val="35000"/>
             </a:spcAft>
-            <a:buNone/>
           </a:pPr>
           <a:endParaRPr lang="en-US" sz="900" kern="1200"/>
         </a:p>
@@ -21081,7 +22067,7 @@
         </a:bodyPr>
         <a:lstStyle/>
         <a:p>
-          <a:pPr marL="0" lvl="0" indent="0" algn="ctr" defTabSz="400050">
+          <a:pPr lvl="0" algn="ctr" defTabSz="400050">
             <a:lnSpc>
               <a:spcPct val="90000"/>
             </a:lnSpc>
@@ -21091,7 +22077,6 @@
             <a:spcAft>
               <a:spcPct val="35000"/>
             </a:spcAft>
-            <a:buNone/>
           </a:pPr>
           <a:endParaRPr lang="en-US" sz="900" kern="1200"/>
         </a:p>
@@ -21151,7 +22136,7 @@
         </a:bodyPr>
         <a:lstStyle/>
         <a:p>
-          <a:pPr marL="0" lvl="0" indent="0" algn="ctr" defTabSz="622300">
+          <a:pPr lvl="0" algn="ctr" defTabSz="622300">
             <a:lnSpc>
               <a:spcPct val="90000"/>
             </a:lnSpc>
@@ -21161,7 +22146,6 @@
             <a:spcAft>
               <a:spcPct val="35000"/>
             </a:spcAft>
-            <a:buNone/>
           </a:pPr>
           <a:r>
             <a:rPr lang="en-US" sz="1400" kern="1200" err="1"/>
@@ -21268,7 +22252,7 @@
         </a:bodyPr>
         <a:lstStyle/>
         <a:p>
-          <a:pPr marL="0" lvl="0" indent="0" algn="ctr" defTabSz="400050">
+          <a:pPr lvl="0" algn="ctr" defTabSz="400050">
             <a:lnSpc>
               <a:spcPct val="90000"/>
             </a:lnSpc>
@@ -21278,7 +22262,6 @@
             <a:spcAft>
               <a:spcPct val="35000"/>
             </a:spcAft>
-            <a:buNone/>
           </a:pPr>
           <a:endParaRPr lang="en-US" sz="900" kern="1200"/>
         </a:p>
@@ -21338,7 +22321,7 @@
         </a:bodyPr>
         <a:lstStyle/>
         <a:p>
-          <a:pPr marL="0" lvl="0" indent="0" algn="ctr" defTabSz="622300">
+          <a:pPr lvl="0" algn="ctr" defTabSz="622300">
             <a:lnSpc>
               <a:spcPct val="90000"/>
             </a:lnSpc>
@@ -21348,7 +22331,6 @@
             <a:spcAft>
               <a:spcPct val="35000"/>
             </a:spcAft>
-            <a:buNone/>
           </a:pPr>
           <a:r>
             <a:rPr lang="en-US" sz="1400" kern="1200" err="1"/>
@@ -21436,7 +22418,7 @@
         </a:bodyPr>
         <a:lstStyle/>
         <a:p>
-          <a:pPr marL="0" lvl="0" indent="0" algn="ctr" defTabSz="400050">
+          <a:pPr lvl="0" algn="ctr" defTabSz="400050">
             <a:lnSpc>
               <a:spcPct val="90000"/>
             </a:lnSpc>
@@ -21446,7 +22428,6 @@
             <a:spcAft>
               <a:spcPct val="35000"/>
             </a:spcAft>
-            <a:buNone/>
           </a:pPr>
           <a:endParaRPr lang="en-US" sz="900" kern="1200"/>
         </a:p>
@@ -21506,7 +22487,7 @@
         </a:bodyPr>
         <a:lstStyle/>
         <a:p>
-          <a:pPr marL="0" lvl="0" indent="0" algn="ctr" defTabSz="622300">
+          <a:pPr lvl="0" algn="ctr" defTabSz="622300">
             <a:lnSpc>
               <a:spcPct val="90000"/>
             </a:lnSpc>
@@ -21516,7 +22497,6 @@
             <a:spcAft>
               <a:spcPct val="35000"/>
             </a:spcAft>
-            <a:buNone/>
           </a:pPr>
           <a:r>
             <a:rPr lang="en-US" sz="1400" kern="1200" err="1"/>
@@ -21607,7 +22587,7 @@
         </a:bodyPr>
         <a:lstStyle/>
         <a:p>
-          <a:pPr marL="0" lvl="0" indent="0" algn="ctr" defTabSz="400050">
+          <a:pPr lvl="0" algn="ctr" defTabSz="400050">
             <a:lnSpc>
               <a:spcPct val="90000"/>
             </a:lnSpc>
@@ -21617,7 +22597,6 @@
             <a:spcAft>
               <a:spcPct val="35000"/>
             </a:spcAft>
-            <a:buNone/>
           </a:pPr>
           <a:endParaRPr lang="en-US" sz="900" kern="1200"/>
         </a:p>
@@ -21675,7 +22654,7 @@
         </a:bodyPr>
         <a:lstStyle/>
         <a:p>
-          <a:pPr marL="0" lvl="0" indent="0" algn="ctr" defTabSz="622300">
+          <a:pPr lvl="0" algn="ctr" defTabSz="622300">
             <a:lnSpc>
               <a:spcPct val="90000"/>
             </a:lnSpc>
@@ -21685,7 +22664,6 @@
             <a:spcAft>
               <a:spcPct val="35000"/>
             </a:spcAft>
-            <a:buNone/>
           </a:pPr>
           <a:r>
             <a:rPr lang="en-US" sz="1400" kern="1200" dirty="0" err="1"/>
@@ -21776,7 +22754,7 @@
         </a:bodyPr>
         <a:lstStyle/>
         <a:p>
-          <a:pPr marL="0" lvl="0" indent="0" algn="ctr" defTabSz="400050">
+          <a:pPr lvl="0" algn="ctr" defTabSz="400050">
             <a:lnSpc>
               <a:spcPct val="90000"/>
             </a:lnSpc>
@@ -21786,7 +22764,6 @@
             <a:spcAft>
               <a:spcPct val="35000"/>
             </a:spcAft>
-            <a:buNone/>
           </a:pPr>
           <a:endParaRPr lang="en-US" sz="900" kern="1200"/>
         </a:p>
@@ -21844,7 +22821,7 @@
         </a:bodyPr>
         <a:lstStyle/>
         <a:p>
-          <a:pPr marL="0" lvl="0" indent="0" algn="ctr" defTabSz="622300">
+          <a:pPr lvl="0" algn="ctr" defTabSz="622300">
             <a:lnSpc>
               <a:spcPct val="90000"/>
             </a:lnSpc>
@@ -21854,7 +22831,6 @@
             <a:spcAft>
               <a:spcPct val="35000"/>
             </a:spcAft>
-            <a:buNone/>
           </a:pPr>
           <a:r>
             <a:rPr lang="en-US" sz="1400" kern="1200" err="1"/>
@@ -32527,7 +33503,7 @@
           <a:p>
             <a:fld id="{29705DCB-C402-437C-AF96-9F67253F0200}" type="datetimeFigureOut">
               <a:rPr lang="en-US"/>
-              <a:t>11/13/2017</a:t>
+              <a:t>11/14/2017</a:t>
             </a:fld>
             <a:endParaRPr lang="en-US"/>
           </a:p>
@@ -32996,7 +33972,7 @@
           <a:p>
             <a:fld id="{6EB0278C-63C2-4566-86AB-F720F0E6BA15}" type="slidenum">
               <a:rPr lang="en-US"/>
-              <a:t>12</a:t>
+              <a:t>5</a:t>
             </a:fld>
             <a:endParaRPr lang="en-US"/>
           </a:p>
@@ -33515,7 +34491,7 @@
           <a:p>
             <a:fld id="{846CE7D5-CF57-46EF-B807-FDD0502418D4}" type="datetimeFigureOut">
               <a:rPr lang="en-US" smtClean="0"/>
-              <a:t>11/13/2017</a:t>
+              <a:t>11/14/2017</a:t>
             </a:fld>
             <a:endParaRPr lang="en-US"/>
           </a:p>
@@ -33809,7 +34785,7 @@
           <a:p>
             <a:fld id="{846CE7D5-CF57-46EF-B807-FDD0502418D4}" type="datetimeFigureOut">
               <a:rPr lang="en-US" smtClean="0"/>
-              <a:t>11/13/2017</a:t>
+              <a:t>11/14/2017</a:t>
             </a:fld>
             <a:endParaRPr lang="en-US"/>
           </a:p>
@@ -34056,7 +35032,7 @@
           <a:p>
             <a:fld id="{846CE7D5-CF57-46EF-B807-FDD0502418D4}" type="datetimeFigureOut">
               <a:rPr lang="en-US" smtClean="0"/>
-              <a:t>11/13/2017</a:t>
+              <a:t>11/14/2017</a:t>
             </a:fld>
             <a:endParaRPr lang="en-US"/>
           </a:p>
@@ -34595,7 +35571,7 @@
           <a:p>
             <a:fld id="{846CE7D5-CF57-46EF-B807-FDD0502418D4}" type="datetimeFigureOut">
               <a:rPr lang="en-US" smtClean="0"/>
-              <a:t>11/13/2017</a:t>
+              <a:t>11/14/2017</a:t>
             </a:fld>
             <a:endParaRPr lang="en-US"/>
           </a:p>
@@ -34842,7 +35818,7 @@
           <a:p>
             <a:fld id="{846CE7D5-CF57-46EF-B807-FDD0502418D4}" type="datetimeFigureOut">
               <a:rPr lang="en-US" smtClean="0"/>
-              <a:t>11/13/2017</a:t>
+              <a:t>11/14/2017</a:t>
             </a:fld>
             <a:endParaRPr lang="en-US"/>
           </a:p>
@@ -35373,7 +36349,7 @@
           <a:p>
             <a:fld id="{846CE7D5-CF57-46EF-B807-FDD0502418D4}" type="datetimeFigureOut">
               <a:rPr lang="en-US" smtClean="0"/>
-              <a:t>11/13/2017</a:t>
+              <a:t>11/14/2017</a:t>
             </a:fld>
             <a:endParaRPr lang="en-US"/>
           </a:p>
@@ -35669,7 +36645,7 @@
           <a:p>
             <a:fld id="{846CE7D5-CF57-46EF-B807-FDD0502418D4}" type="datetimeFigureOut">
               <a:rPr lang="en-US" smtClean="0"/>
-              <a:t>11/13/2017</a:t>
+              <a:t>11/14/2017</a:t>
             </a:fld>
             <a:endParaRPr lang="en-US"/>
           </a:p>
@@ -35841,7 +36817,7 @@
           <a:p>
             <a:fld id="{846CE7D5-CF57-46EF-B807-FDD0502418D4}" type="datetimeFigureOut">
               <a:rPr lang="en-US" smtClean="0"/>
-              <a:t>11/13/2017</a:t>
+              <a:t>11/14/2017</a:t>
             </a:fld>
             <a:endParaRPr lang="en-US"/>
           </a:p>
@@ -36019,7 +36995,7 @@
           <a:p>
             <a:fld id="{846CE7D5-CF57-46EF-B807-FDD0502418D4}" type="datetimeFigureOut">
               <a:rPr lang="en-US" smtClean="0"/>
-              <a:t>11/13/2017</a:t>
+              <a:t>11/14/2017</a:t>
             </a:fld>
             <a:endParaRPr lang="en-US"/>
           </a:p>
@@ -36197,7 +37173,7 @@
           <a:p>
             <a:fld id="{846CE7D5-CF57-46EF-B807-FDD0502418D4}" type="datetimeFigureOut">
               <a:rPr lang="en-US" smtClean="0"/>
-              <a:t>11/13/2017</a:t>
+              <a:t>11/14/2017</a:t>
             </a:fld>
             <a:endParaRPr lang="en-US"/>
           </a:p>
@@ -36260,6 +37236,25 @@
   <p:clrMapOvr>
     <a:masterClrMapping/>
   </p:clrMapOvr>
+  <mc:AlternateContent xmlns:mc="http://schemas.openxmlformats.org/markup-compatibility/2006">
+    <mc:Choice xmlns:p14="http://schemas.microsoft.com/office/powerpoint/2010/main" Requires="p14">
+      <p:transition spd="med" p14:dur="700">
+        <p:fade/>
+      </p:transition>
+    </mc:Choice>
+    <mc:Fallback>
+      <p:transition spd="med">
+        <p:fade/>
+      </p:transition>
+    </mc:Fallback>
+  </mc:AlternateContent>
+  <p:timing>
+    <p:tnLst>
+      <p:par>
+        <p:cTn id="1" dur="indefinite" restart="never" nodeType="tmRoot"/>
+      </p:par>
+    </p:tnLst>
+  </p:timing>
 </p:sldLayout>
 </file>
 
@@ -36447,7 +37442,7 @@
           <a:p>
             <a:fld id="{846CE7D5-CF57-46EF-B807-FDD0502418D4}" type="datetimeFigureOut">
               <a:rPr lang="en-US" smtClean="0"/>
-              <a:t>11/13/2017</a:t>
+              <a:t>11/14/2017</a:t>
             </a:fld>
             <a:endParaRPr lang="en-US"/>
           </a:p>
@@ -36741,7 +37736,7 @@
           <a:p>
             <a:fld id="{846CE7D5-CF57-46EF-B807-FDD0502418D4}" type="datetimeFigureOut">
               <a:rPr lang="en-US" smtClean="0"/>
-              <a:t>11/13/2017</a:t>
+              <a:t>11/14/2017</a:t>
             </a:fld>
             <a:endParaRPr lang="en-US"/>
           </a:p>
@@ -37180,7 +38175,7 @@
           <a:p>
             <a:fld id="{846CE7D5-CF57-46EF-B807-FDD0502418D4}" type="datetimeFigureOut">
               <a:rPr lang="en-US" smtClean="0"/>
-              <a:t>11/13/2017</a:t>
+              <a:t>11/14/2017</a:t>
             </a:fld>
             <a:endParaRPr lang="en-US"/>
           </a:p>
@@ -37297,7 +38292,7 @@
           <a:p>
             <a:fld id="{846CE7D5-CF57-46EF-B807-FDD0502418D4}" type="datetimeFigureOut">
               <a:rPr lang="en-US" smtClean="0"/>
-              <a:t>11/13/2017</a:t>
+              <a:t>11/14/2017</a:t>
             </a:fld>
             <a:endParaRPr lang="en-US"/>
           </a:p>
@@ -37392,7 +38387,7 @@
           <a:p>
             <a:fld id="{846CE7D5-CF57-46EF-B807-FDD0502418D4}" type="datetimeFigureOut">
               <a:rPr lang="en-US" smtClean="0"/>
-              <a:t>11/13/2017</a:t>
+              <a:t>11/14/2017</a:t>
             </a:fld>
             <a:endParaRPr lang="en-US"/>
           </a:p>
@@ -37673,7 +38668,7 @@
           <a:p>
             <a:fld id="{846CE7D5-CF57-46EF-B807-FDD0502418D4}" type="datetimeFigureOut">
               <a:rPr lang="en-US" smtClean="0"/>
-              <a:t>11/13/2017</a:t>
+              <a:t>11/14/2017</a:t>
             </a:fld>
             <a:endParaRPr lang="en-US"/>
           </a:p>
@@ -37962,7 +38957,7 @@
           <a:p>
             <a:fld id="{846CE7D5-CF57-46EF-B807-FDD0502418D4}" type="datetimeFigureOut">
               <a:rPr lang="en-US" smtClean="0"/>
-              <a:t>11/13/2017</a:t>
+              <a:t>11/14/2017</a:t>
             </a:fld>
             <a:endParaRPr lang="en-US"/>
           </a:p>
@@ -38490,7 +39485,7 @@
           <a:p>
             <a:fld id="{846CE7D5-CF57-46EF-B807-FDD0502418D4}" type="datetimeFigureOut">
               <a:rPr lang="en-US" smtClean="0"/>
-              <a:t>11/13/2017</a:t>
+              <a:t>11/14/2017</a:t>
             </a:fld>
             <a:endParaRPr lang="en-US"/>
           </a:p>
@@ -39126,10 +40121,921 @@
   <p:clrMapOvr>
     <a:masterClrMapping/>
   </p:clrMapOvr>
+  <p:timing>
+    <p:tnLst>
+      <p:par>
+        <p:cTn id="1" dur="indefinite" restart="never" nodeType="tmRoot"/>
+      </p:par>
+    </p:tnLst>
+  </p:timing>
 </p:sld>
 </file>
 
 <file path=ppt/slides/slide10.xml><?xml version="1.0" encoding="utf-8"?>
+<p:sld xmlns:a="http://schemas.openxmlformats.org/drawingml/2006/main" xmlns:r="http://schemas.openxmlformats.org/officeDocument/2006/relationships" xmlns:p="http://schemas.openxmlformats.org/presentationml/2006/main">
+  <p:cSld>
+    <p:spTree>
+      <p:nvGrpSpPr>
+        <p:cNvPr id="1" name=""/>
+        <p:cNvGrpSpPr/>
+        <p:nvPr/>
+      </p:nvGrpSpPr>
+      <p:grpSpPr>
+        <a:xfrm>
+          <a:off x="0" y="0"/>
+          <a:ext cx="0" cy="0"/>
+          <a:chOff x="0" y="0"/>
+          <a:chExt cx="0" cy="0"/>
+        </a:xfrm>
+      </p:grpSpPr>
+      <p:sp>
+        <p:nvSpPr>
+          <p:cNvPr id="2" name="Title 1">
+            <a:extLst>
+              <a:ext uri="{FF2B5EF4-FFF2-40B4-BE49-F238E27FC236}">
+                <a16:creationId xmlns:a16="http://schemas.microsoft.com/office/drawing/2014/main" id="{7AB188AF-A9B9-4959-A77C-3CA2A528A629}"/>
+              </a:ext>
+            </a:extLst>
+          </p:cNvPr>
+          <p:cNvSpPr>
+            <a:spLocks noGrp="1"/>
+          </p:cNvSpPr>
+          <p:nvPr>
+            <p:ph type="title"/>
+          </p:nvPr>
+        </p:nvSpPr>
+        <p:spPr>
+          <a:xfrm>
+            <a:off x="1649413" y="327025"/>
+            <a:ext cx="5658586" cy="931863"/>
+          </a:xfrm>
+        </p:spPr>
+        <p:txBody>
+          <a:bodyPr>
+            <a:normAutofit/>
+          </a:bodyPr>
+          <a:lstStyle/>
+          <a:p>
+            <a:r>
+              <a:rPr lang="en-US" dirty="0"/>
+              <a:t>Discovery</a:t>
+            </a:r>
+          </a:p>
+        </p:txBody>
+      </p:sp>
+      <p:graphicFrame>
+        <p:nvGraphicFramePr>
+          <p:cNvPr id="4" name="Diagram 4">
+            <a:extLst>
+              <a:ext uri="{FF2B5EF4-FFF2-40B4-BE49-F238E27FC236}">
+                <a16:creationId xmlns:a16="http://schemas.microsoft.com/office/drawing/2014/main" id="{A1DAB138-7529-476F-85E5-1B8D05F0DEEA}"/>
+              </a:ext>
+            </a:extLst>
+          </p:cNvPr>
+          <p:cNvGraphicFramePr>
+            <a:graphicFrameLocks noGrp="1"/>
+          </p:cNvGraphicFramePr>
+          <p:nvPr>
+            <p:ph idx="1"/>
+            <p:extLst>
+              <p:ext uri="{D42A27DB-BD31-4B8C-83A1-F6EECF244321}">
+                <p14:modId xmlns:p14="http://schemas.microsoft.com/office/powerpoint/2010/main" val="2661365488"/>
+              </p:ext>
+            </p:extLst>
+          </p:nvPr>
+        </p:nvGraphicFramePr>
+        <p:xfrm>
+          <a:off x="8092611" y="200025"/>
+          <a:ext cx="4761955" cy="6310327"/>
+        </p:xfrm>
+        <a:graphic>
+          <a:graphicData uri="http://schemas.openxmlformats.org/drawingml/2006/diagram">
+            <dgm:relIds xmlns:dgm="http://schemas.openxmlformats.org/drawingml/2006/diagram" xmlns:r="http://schemas.openxmlformats.org/officeDocument/2006/relationships" r:dm="rId2" r:lo="rId3" r:qs="rId4" r:cs="rId5"/>
+          </a:graphicData>
+        </a:graphic>
+      </p:graphicFrame>
+      <p:sp>
+        <p:nvSpPr>
+          <p:cNvPr id="5" name="Content Placeholder 2">
+            <a:extLst>
+              <a:ext uri="{FF2B5EF4-FFF2-40B4-BE49-F238E27FC236}">
+                <a16:creationId xmlns:a16="http://schemas.microsoft.com/office/drawing/2014/main" id="{E04603B9-F513-4BA3-A38C-E6EB534AFD65}"/>
+              </a:ext>
+            </a:extLst>
+          </p:cNvPr>
+          <p:cNvSpPr txBox="1">
+            <a:spLocks/>
+          </p:cNvSpPr>
+          <p:nvPr/>
+        </p:nvSpPr>
+        <p:spPr>
+          <a:xfrm>
+            <a:off x="495542" y="1272516"/>
+            <a:ext cx="8556383" cy="5607709"/>
+          </a:xfrm>
+          <a:prstGeom prst="rect">
+            <a:avLst/>
+          </a:prstGeom>
+        </p:spPr>
+        <p:txBody>
+          <a:bodyPr vert="horz" lIns="91440" tIns="45720" rIns="91440" bIns="45720" rtlCol="0" anchor="t">
+            <a:normAutofit fontScale="85000" lnSpcReduction="10000"/>
+          </a:bodyPr>
+          <a:lstStyle>
+            <a:lvl1pPr marL="285750" indent="-285750" algn="l" defTabSz="457200" rtl="0" eaLnBrk="1" latinLnBrk="0" hangingPunct="1">
+              <a:spcBef>
+                <a:spcPct val="20000"/>
+              </a:spcBef>
+              <a:spcAft>
+                <a:spcPts val="600"/>
+              </a:spcAft>
+              <a:buClr>
+                <a:schemeClr val="accent1">
+                  <a:lumMod val="75000"/>
+                </a:schemeClr>
+              </a:buClr>
+              <a:buSzPct val="145000"/>
+              <a:buFont typeface="Arial"/>
+              <a:buChar char="•"/>
+              <a:defRPr sz="2400" kern="1200" cap="none">
+                <a:solidFill>
+                  <a:schemeClr val="tx1"/>
+                </a:solidFill>
+                <a:effectLst/>
+                <a:latin typeface="+mn-lt"/>
+                <a:ea typeface="+mn-ea"/>
+                <a:cs typeface="+mn-cs"/>
+              </a:defRPr>
+            </a:lvl1pPr>
+            <a:lvl2pPr marL="742950" indent="-285750" algn="l" defTabSz="457200" rtl="0" eaLnBrk="1" latinLnBrk="0" hangingPunct="1">
+              <a:spcBef>
+                <a:spcPct val="20000"/>
+              </a:spcBef>
+              <a:spcAft>
+                <a:spcPts val="600"/>
+              </a:spcAft>
+              <a:buClr>
+                <a:schemeClr val="accent1">
+                  <a:lumMod val="75000"/>
+                </a:schemeClr>
+              </a:buClr>
+              <a:buSzPct val="145000"/>
+              <a:buFont typeface="Arial"/>
+              <a:buChar char="•"/>
+              <a:defRPr sz="2000" kern="1200" cap="none">
+                <a:solidFill>
+                  <a:schemeClr val="tx1"/>
+                </a:solidFill>
+                <a:effectLst/>
+                <a:latin typeface="+mn-lt"/>
+                <a:ea typeface="+mn-ea"/>
+                <a:cs typeface="+mn-cs"/>
+              </a:defRPr>
+            </a:lvl2pPr>
+            <a:lvl3pPr marL="1200150" indent="-285750" algn="l" defTabSz="457200" rtl="0" eaLnBrk="1" latinLnBrk="0" hangingPunct="1">
+              <a:spcBef>
+                <a:spcPct val="20000"/>
+              </a:spcBef>
+              <a:spcAft>
+                <a:spcPts val="600"/>
+              </a:spcAft>
+              <a:buClr>
+                <a:schemeClr val="accent1">
+                  <a:lumMod val="75000"/>
+                </a:schemeClr>
+              </a:buClr>
+              <a:buSzPct val="145000"/>
+              <a:buFont typeface="Arial"/>
+              <a:buChar char="•"/>
+              <a:defRPr sz="1800" kern="1200" cap="none">
+                <a:solidFill>
+                  <a:schemeClr val="tx1"/>
+                </a:solidFill>
+                <a:effectLst/>
+                <a:latin typeface="+mn-lt"/>
+                <a:ea typeface="+mn-ea"/>
+                <a:cs typeface="+mn-cs"/>
+              </a:defRPr>
+            </a:lvl3pPr>
+            <a:lvl4pPr marL="1543050" indent="-171450" algn="l" defTabSz="457200" rtl="0" eaLnBrk="1" latinLnBrk="0" hangingPunct="1">
+              <a:spcBef>
+                <a:spcPct val="20000"/>
+              </a:spcBef>
+              <a:spcAft>
+                <a:spcPts val="600"/>
+              </a:spcAft>
+              <a:buClr>
+                <a:schemeClr val="accent1">
+                  <a:lumMod val="75000"/>
+                </a:schemeClr>
+              </a:buClr>
+              <a:buSzPct val="145000"/>
+              <a:buFont typeface="Arial"/>
+              <a:buChar char="•"/>
+              <a:defRPr sz="1600" kern="1200" cap="none">
+                <a:solidFill>
+                  <a:schemeClr val="tx1"/>
+                </a:solidFill>
+                <a:effectLst/>
+                <a:latin typeface="+mn-lt"/>
+                <a:ea typeface="+mn-ea"/>
+                <a:cs typeface="+mn-cs"/>
+              </a:defRPr>
+            </a:lvl4pPr>
+            <a:lvl5pPr marL="2000250" indent="-171450" algn="l" defTabSz="457200" rtl="0" eaLnBrk="1" latinLnBrk="0" hangingPunct="1">
+              <a:spcBef>
+                <a:spcPct val="20000"/>
+              </a:spcBef>
+              <a:spcAft>
+                <a:spcPts val="600"/>
+              </a:spcAft>
+              <a:buClr>
+                <a:schemeClr val="accent1">
+                  <a:lumMod val="75000"/>
+                </a:schemeClr>
+              </a:buClr>
+              <a:buSzPct val="145000"/>
+              <a:buFont typeface="Arial"/>
+              <a:buChar char="•"/>
+              <a:defRPr sz="1400" kern="1200" cap="none">
+                <a:solidFill>
+                  <a:schemeClr val="tx1"/>
+                </a:solidFill>
+                <a:effectLst/>
+                <a:latin typeface="+mn-lt"/>
+                <a:ea typeface="+mn-ea"/>
+                <a:cs typeface="+mn-cs"/>
+              </a:defRPr>
+            </a:lvl5pPr>
+            <a:lvl6pPr marL="2514600" indent="-228600" algn="l" defTabSz="457200" rtl="0" eaLnBrk="1" latinLnBrk="0" hangingPunct="1">
+              <a:spcBef>
+                <a:spcPct val="20000"/>
+              </a:spcBef>
+              <a:spcAft>
+                <a:spcPts val="600"/>
+              </a:spcAft>
+              <a:buClr>
+                <a:schemeClr val="accent1">
+                  <a:lumMod val="75000"/>
+                </a:schemeClr>
+              </a:buClr>
+              <a:buSzPct val="145000"/>
+              <a:buFont typeface="Arial"/>
+              <a:buChar char="•"/>
+              <a:defRPr sz="1400" kern="1200" cap="none">
+                <a:solidFill>
+                  <a:schemeClr val="tx1"/>
+                </a:solidFill>
+                <a:effectLst/>
+                <a:latin typeface="+mn-lt"/>
+                <a:ea typeface="+mn-ea"/>
+                <a:cs typeface="+mn-cs"/>
+              </a:defRPr>
+            </a:lvl6pPr>
+            <a:lvl7pPr marL="2971800" indent="-228600" algn="l" defTabSz="457200" rtl="0" eaLnBrk="1" latinLnBrk="0" hangingPunct="1">
+              <a:spcBef>
+                <a:spcPct val="20000"/>
+              </a:spcBef>
+              <a:spcAft>
+                <a:spcPts val="600"/>
+              </a:spcAft>
+              <a:buClr>
+                <a:schemeClr val="accent1">
+                  <a:lumMod val="75000"/>
+                </a:schemeClr>
+              </a:buClr>
+              <a:buSzPct val="145000"/>
+              <a:buFont typeface="Arial"/>
+              <a:buChar char="•"/>
+              <a:defRPr sz="1400" kern="1200" cap="none">
+                <a:solidFill>
+                  <a:schemeClr val="tx1"/>
+                </a:solidFill>
+                <a:effectLst/>
+                <a:latin typeface="+mn-lt"/>
+                <a:ea typeface="+mn-ea"/>
+                <a:cs typeface="+mn-cs"/>
+              </a:defRPr>
+            </a:lvl7pPr>
+            <a:lvl8pPr marL="3429000" indent="-228600" algn="l" defTabSz="457200" rtl="0" eaLnBrk="1" latinLnBrk="0" hangingPunct="1">
+              <a:spcBef>
+                <a:spcPct val="20000"/>
+              </a:spcBef>
+              <a:spcAft>
+                <a:spcPts val="600"/>
+              </a:spcAft>
+              <a:buClr>
+                <a:schemeClr val="accent1">
+                  <a:lumMod val="75000"/>
+                </a:schemeClr>
+              </a:buClr>
+              <a:buSzPct val="145000"/>
+              <a:buFont typeface="Arial"/>
+              <a:buChar char="•"/>
+              <a:defRPr sz="1400" kern="1200" cap="none">
+                <a:solidFill>
+                  <a:schemeClr val="tx1"/>
+                </a:solidFill>
+                <a:effectLst/>
+                <a:latin typeface="+mn-lt"/>
+                <a:ea typeface="+mn-ea"/>
+                <a:cs typeface="+mn-cs"/>
+              </a:defRPr>
+            </a:lvl8pPr>
+            <a:lvl9pPr marL="3886200" indent="-228600" algn="l" defTabSz="457200" rtl="0" eaLnBrk="1" latinLnBrk="0" hangingPunct="1">
+              <a:spcBef>
+                <a:spcPct val="20000"/>
+              </a:spcBef>
+              <a:spcAft>
+                <a:spcPts val="600"/>
+              </a:spcAft>
+              <a:buClr>
+                <a:schemeClr val="accent1">
+                  <a:lumMod val="75000"/>
+                </a:schemeClr>
+              </a:buClr>
+              <a:buSzPct val="145000"/>
+              <a:buFont typeface="Arial"/>
+              <a:buChar char="•"/>
+              <a:defRPr sz="1400" kern="1200" cap="none">
+                <a:solidFill>
+                  <a:schemeClr val="tx1"/>
+                </a:solidFill>
+                <a:effectLst/>
+                <a:latin typeface="+mn-lt"/>
+                <a:ea typeface="+mn-ea"/>
+                <a:cs typeface="+mn-cs"/>
+              </a:defRPr>
+            </a:lvl9pPr>
+          </a:lstStyle>
+          <a:p>
+            <a:pPr lvl="1">
+              <a:buNone/>
+            </a:pPr>
+            <a:r>
+              <a:rPr lang="en-US" sz="1800" dirty="0"/>
+              <a:t>      </a:t>
+            </a:r>
+            <a:r>
+              <a:rPr lang="en-US" sz="1800" dirty="0">
+                <a:latin typeface="Consolas"/>
+              </a:rPr>
+              <a:t>  </a:t>
+            </a:r>
+            <a:r>
+              <a:rPr lang="en-US" dirty="0" err="1">
+                <a:latin typeface="Consolas"/>
+              </a:rPr>
+              <a:t>IntentFilter</a:t>
+            </a:r>
+            <a:r>
+              <a:rPr lang="en-US" dirty="0">
+                <a:latin typeface="Consolas"/>
+              </a:rPr>
+              <a:t> filter=   new </a:t>
+            </a:r>
+            <a:r>
+              <a:rPr lang="en-US" dirty="0" err="1">
+                <a:latin typeface="Consolas"/>
+              </a:rPr>
+              <a:t>IntentFilter</a:t>
+            </a:r>
+            <a:r>
+              <a:rPr lang="en-US" dirty="0">
+                <a:latin typeface="Consolas"/>
+              </a:rPr>
+              <a:t>(</a:t>
+            </a:r>
+            <a:r>
+              <a:rPr lang="en-US" dirty="0" err="1">
+                <a:latin typeface="Consolas"/>
+              </a:rPr>
+              <a:t>BluetoothDevice.ACTION_FOUND</a:t>
+            </a:r>
+            <a:r>
+              <a:rPr lang="en-US" dirty="0">
+                <a:latin typeface="Consolas"/>
+              </a:rPr>
+              <a:t>);</a:t>
+            </a:r>
+            <a:r>
+              <a:rPr lang="en-US" dirty="0">
+                <a:latin typeface="+mn-ea"/>
+                <a:cs typeface="+mn-ea"/>
+              </a:rPr>
+              <a:t/>
+            </a:r>
+            <a:br>
+              <a:rPr lang="en-US" dirty="0">
+                <a:latin typeface="+mn-ea"/>
+                <a:cs typeface="+mn-ea"/>
+              </a:rPr>
+            </a:br>
+            <a:r>
+              <a:rPr lang="en-US" dirty="0">
+                <a:latin typeface="Consolas"/>
+              </a:rPr>
+              <a:t> </a:t>
+            </a:r>
+            <a:r>
+              <a:rPr lang="en-US" dirty="0" err="1">
+                <a:latin typeface="Consolas"/>
+              </a:rPr>
+              <a:t>registerReceiver</a:t>
+            </a:r>
+            <a:r>
+              <a:rPr lang="en-US" dirty="0">
+                <a:latin typeface="Consolas"/>
+              </a:rPr>
+              <a:t>(</a:t>
+            </a:r>
+            <a:r>
+              <a:rPr lang="en-US" dirty="0" err="1">
+                <a:latin typeface="Consolas"/>
+              </a:rPr>
+              <a:t>mReceiver</a:t>
+            </a:r>
+            <a:r>
+              <a:rPr lang="en-US" dirty="0">
+                <a:latin typeface="Consolas"/>
+              </a:rPr>
+              <a:t>, filter);</a:t>
+            </a:r>
+            <a:endParaRPr lang="en-US" dirty="0">
+              <a:latin typeface="Corbel"/>
+            </a:endParaRPr>
+          </a:p>
+          <a:p>
+            <a:pPr lvl="1">
+              <a:buNone/>
+            </a:pPr>
+            <a:r>
+              <a:rPr lang="en-US" dirty="0">
+                <a:latin typeface="Consolas"/>
+              </a:rPr>
+              <a:t>   </a:t>
+            </a:r>
+            <a:r>
+              <a:rPr lang="en-US" dirty="0" err="1">
+                <a:latin typeface="Consolas"/>
+              </a:rPr>
+              <a:t>mBluetoothAdapter.startDiscovery</a:t>
+            </a:r>
+            <a:r>
+              <a:rPr lang="en-US" dirty="0">
+                <a:latin typeface="Consolas"/>
+              </a:rPr>
+              <a:t>();</a:t>
+            </a:r>
+            <a:endParaRPr lang="en-US" dirty="0">
+              <a:latin typeface="Corbel"/>
+            </a:endParaRPr>
+          </a:p>
+          <a:p>
+            <a:pPr lvl="1">
+              <a:buNone/>
+            </a:pPr>
+            <a:r>
+              <a:rPr lang="en-US" dirty="0">
+                <a:latin typeface="Corbel"/>
+              </a:rPr>
+              <a:t>      ….</a:t>
+            </a:r>
+            <a:endParaRPr lang="en-US" dirty="0">
+              <a:latin typeface="Consolas"/>
+            </a:endParaRPr>
+          </a:p>
+          <a:p>
+            <a:pPr lvl="1">
+              <a:buNone/>
+            </a:pPr>
+            <a:r>
+              <a:rPr lang="en-US" dirty="0">
+                <a:latin typeface="Consolas"/>
+              </a:rPr>
+              <a:t>    private </a:t>
+            </a:r>
+            <a:r>
+              <a:rPr lang="en-US" dirty="0" err="1">
+                <a:latin typeface="Consolas"/>
+              </a:rPr>
+              <a:t>BroadcastReceiver</a:t>
+            </a:r>
+            <a:r>
+              <a:rPr lang="en-US" dirty="0">
+                <a:latin typeface="Consolas"/>
+              </a:rPr>
+              <a:t> </a:t>
+            </a:r>
+            <a:r>
+              <a:rPr lang="en-US" dirty="0" err="1">
+                <a:latin typeface="Consolas"/>
+              </a:rPr>
+              <a:t>mReceiver</a:t>
+            </a:r>
+            <a:r>
+              <a:rPr lang="en-US" dirty="0">
+                <a:latin typeface="Consolas"/>
+              </a:rPr>
+              <a:t> = new </a:t>
+            </a:r>
+            <a:r>
+              <a:rPr lang="en-US" dirty="0" err="1">
+                <a:latin typeface="Consolas"/>
+              </a:rPr>
+              <a:t>BroadcastReceiver</a:t>
+            </a:r>
+            <a:r>
+              <a:rPr lang="en-US" dirty="0">
+                <a:latin typeface="Consolas"/>
+              </a:rPr>
+              <a:t>() {</a:t>
+            </a:r>
+          </a:p>
+          <a:p>
+            <a:pPr lvl="1">
+              <a:buNone/>
+            </a:pPr>
+            <a:r>
+              <a:rPr lang="en-US" dirty="0">
+                <a:latin typeface="Consolas"/>
+              </a:rPr>
+              <a:t>        public void </a:t>
+            </a:r>
+            <a:r>
+              <a:rPr lang="en-US" dirty="0" err="1">
+                <a:latin typeface="Consolas"/>
+              </a:rPr>
+              <a:t>onReceive</a:t>
+            </a:r>
+            <a:r>
+              <a:rPr lang="en-US" dirty="0">
+                <a:latin typeface="Consolas"/>
+              </a:rPr>
+              <a:t>(Context </a:t>
+            </a:r>
+            <a:r>
+              <a:rPr lang="en-US" dirty="0" err="1">
+                <a:latin typeface="Consolas"/>
+              </a:rPr>
+              <a:t>context</a:t>
+            </a:r>
+            <a:r>
+              <a:rPr lang="en-US" dirty="0">
+                <a:latin typeface="Consolas"/>
+              </a:rPr>
+              <a:t>, Intent intent) {</a:t>
+            </a:r>
+            <a:endParaRPr lang="en-US" dirty="0"/>
+          </a:p>
+          <a:p>
+            <a:pPr lvl="1">
+              <a:buNone/>
+            </a:pPr>
+            <a:r>
+              <a:rPr lang="en-US" dirty="0">
+                <a:latin typeface="Consolas"/>
+              </a:rPr>
+              <a:t>            String action = </a:t>
+            </a:r>
+            <a:r>
+              <a:rPr lang="en-US" dirty="0" err="1">
+                <a:latin typeface="Consolas"/>
+              </a:rPr>
+              <a:t>intent.getAction</a:t>
+            </a:r>
+            <a:r>
+              <a:rPr lang="en-US" dirty="0">
+                <a:latin typeface="Consolas"/>
+              </a:rPr>
+              <a:t>();</a:t>
+            </a:r>
+            <a:endParaRPr lang="en-US" dirty="0"/>
+          </a:p>
+          <a:p>
+            <a:pPr lvl="1">
+              <a:buNone/>
+            </a:pPr>
+            <a:r>
+              <a:rPr lang="en-US" dirty="0">
+                <a:latin typeface="Consolas"/>
+              </a:rPr>
+              <a:t>            if (</a:t>
+            </a:r>
+            <a:r>
+              <a:rPr lang="en-US" dirty="0" err="1">
+                <a:latin typeface="Consolas"/>
+              </a:rPr>
+              <a:t>BluetoothDevice.ACTION_FOUND.equals</a:t>
+            </a:r>
+            <a:r>
+              <a:rPr lang="en-US" dirty="0">
+                <a:latin typeface="Consolas"/>
+              </a:rPr>
+              <a:t>(action)) {</a:t>
+            </a:r>
+            <a:endParaRPr lang="en-US" dirty="0"/>
+          </a:p>
+          <a:p>
+            <a:pPr lvl="1">
+              <a:buNone/>
+            </a:pPr>
+            <a:r>
+              <a:rPr lang="en-US" dirty="0">
+                <a:latin typeface="Consolas"/>
+              </a:rPr>
+              <a:t>            </a:t>
+            </a:r>
+            <a:r>
+              <a:rPr lang="en-US" dirty="0" err="1">
+                <a:latin typeface="Consolas"/>
+              </a:rPr>
+              <a:t>BluetoothDevice</a:t>
+            </a:r>
+            <a:r>
+              <a:rPr lang="en-US" dirty="0">
+                <a:latin typeface="Consolas"/>
+              </a:rPr>
+              <a:t> device =    </a:t>
+            </a:r>
+            <a:r>
+              <a:rPr lang="en-US" dirty="0" err="1">
+                <a:latin typeface="Consolas"/>
+              </a:rPr>
+              <a:t>intent.getParcelableExtra</a:t>
+            </a:r>
+            <a:r>
+              <a:rPr lang="en-US" dirty="0">
+                <a:latin typeface="Consolas"/>
+              </a:rPr>
+              <a:t>(</a:t>
+            </a:r>
+            <a:r>
+              <a:rPr lang="en-US" dirty="0" err="1">
+                <a:latin typeface="Consolas"/>
+              </a:rPr>
+              <a:t>BluetoothDevice.EXTRA_DEVICE</a:t>
+            </a:r>
+            <a:r>
+              <a:rPr lang="en-US" dirty="0">
+                <a:latin typeface="Consolas"/>
+              </a:rPr>
+              <a:t>);</a:t>
+            </a:r>
+            <a:endParaRPr lang="en-US" dirty="0"/>
+          </a:p>
+          <a:p>
+            <a:pPr lvl="1">
+              <a:buNone/>
+            </a:pPr>
+            <a:r>
+              <a:rPr lang="en-US" dirty="0">
+                <a:latin typeface="Consolas"/>
+              </a:rPr>
+              <a:t>                String </a:t>
+            </a:r>
+            <a:r>
+              <a:rPr lang="en-US" dirty="0" err="1">
+                <a:latin typeface="Consolas"/>
+              </a:rPr>
+              <a:t>deviceName</a:t>
+            </a:r>
+            <a:r>
+              <a:rPr lang="en-US" dirty="0">
+                <a:latin typeface="Consolas"/>
+              </a:rPr>
+              <a:t> = </a:t>
+            </a:r>
+            <a:r>
+              <a:rPr lang="en-US" dirty="0" err="1">
+                <a:latin typeface="Consolas"/>
+              </a:rPr>
+              <a:t>device.getName</a:t>
+            </a:r>
+            <a:r>
+              <a:rPr lang="en-US" dirty="0">
+                <a:latin typeface="Consolas"/>
+              </a:rPr>
+              <a:t>();</a:t>
+            </a:r>
+            <a:endParaRPr lang="en-US" dirty="0"/>
+          </a:p>
+          <a:p>
+            <a:pPr lvl="1">
+              <a:buNone/>
+            </a:pPr>
+            <a:r>
+              <a:rPr lang="en-US" dirty="0">
+                <a:latin typeface="Consolas"/>
+              </a:rPr>
+              <a:t>            }</a:t>
+            </a:r>
+            <a:endParaRPr lang="en-US" dirty="0"/>
+          </a:p>
+          <a:p>
+            <a:pPr lvl="1">
+              <a:buNone/>
+            </a:pPr>
+            <a:r>
+              <a:rPr lang="en-US" dirty="0">
+                <a:latin typeface="Consolas"/>
+              </a:rPr>
+              <a:t>        }</a:t>
+            </a:r>
+            <a:endParaRPr lang="en-US" dirty="0"/>
+          </a:p>
+          <a:p>
+            <a:pPr lvl="1">
+              <a:buNone/>
+            </a:pPr>
+            <a:r>
+              <a:rPr lang="en-US" dirty="0">
+                <a:latin typeface="Consolas"/>
+              </a:rPr>
+              <a:t>    };</a:t>
+            </a:r>
+            <a:endParaRPr lang="en-US" dirty="0"/>
+          </a:p>
+          <a:p>
+            <a:pPr marL="457200" lvl="1" indent="0">
+              <a:buNone/>
+            </a:pPr>
+            <a:endParaRPr lang="en-US" sz="1800" dirty="0"/>
+          </a:p>
+        </p:txBody>
+      </p:sp>
+    </p:spTree>
+    <p:extLst>
+      <p:ext uri="{BB962C8B-B14F-4D97-AF65-F5344CB8AC3E}">
+        <p14:creationId xmlns:p14="http://schemas.microsoft.com/office/powerpoint/2010/main" val="2247650872"/>
+      </p:ext>
+    </p:extLst>
+  </p:cSld>
+  <p:clrMapOvr>
+    <a:masterClrMapping/>
+  </p:clrMapOvr>
+  <mc:AlternateContent xmlns:mc="http://schemas.openxmlformats.org/markup-compatibility/2006">
+    <mc:Choice xmlns:p14="http://schemas.microsoft.com/office/powerpoint/2010/main" Requires="p14">
+      <p:transition spd="med" p14:dur="700">
+        <p:fade/>
+      </p:transition>
+    </mc:Choice>
+    <mc:Fallback>
+      <p:transition spd="med">
+        <p:fade/>
+      </p:transition>
+    </mc:Fallback>
+  </mc:AlternateContent>
+  <p:timing>
+    <p:tnLst>
+      <p:par>
+        <p:cTn id="1" dur="indefinite" restart="never" nodeType="tmRoot"/>
+      </p:par>
+    </p:tnLst>
+  </p:timing>
+</p:sld>
+</file>
+
+<file path=ppt/slides/slide11.xml><?xml version="1.0" encoding="utf-8"?>
+<p:sld xmlns:a="http://schemas.openxmlformats.org/drawingml/2006/main" xmlns:r="http://schemas.openxmlformats.org/officeDocument/2006/relationships" xmlns:p="http://schemas.openxmlformats.org/presentationml/2006/main">
+  <p:cSld>
+    <p:spTree>
+      <p:nvGrpSpPr>
+        <p:cNvPr id="1" name=""/>
+        <p:cNvGrpSpPr/>
+        <p:nvPr/>
+      </p:nvGrpSpPr>
+      <p:grpSpPr>
+        <a:xfrm>
+          <a:off x="0" y="0"/>
+          <a:ext cx="0" cy="0"/>
+          <a:chOff x="0" y="0"/>
+          <a:chExt cx="0" cy="0"/>
+        </a:xfrm>
+      </p:grpSpPr>
+      <p:sp>
+        <p:nvSpPr>
+          <p:cNvPr id="2" name="Title 1">
+            <a:extLst>
+              <a:ext uri="{FF2B5EF4-FFF2-40B4-BE49-F238E27FC236}">
+                <a16:creationId xmlns:a16="http://schemas.microsoft.com/office/drawing/2014/main" id="{7AB188AF-A9B9-4959-A77C-3CA2A528A629}"/>
+              </a:ext>
+            </a:extLst>
+          </p:cNvPr>
+          <p:cNvSpPr>
+            <a:spLocks noGrp="1"/>
+          </p:cNvSpPr>
+          <p:nvPr>
+            <p:ph type="title"/>
+          </p:nvPr>
+        </p:nvSpPr>
+        <p:spPr>
+          <a:xfrm>
+            <a:off x="1649413" y="327025"/>
+            <a:ext cx="5658586" cy="931863"/>
+          </a:xfrm>
+        </p:spPr>
+        <p:txBody>
+          <a:bodyPr>
+            <a:normAutofit/>
+          </a:bodyPr>
+          <a:lstStyle/>
+          <a:p>
+            <a:r>
+              <a:rPr lang="en-US" dirty="0"/>
+              <a:t>Discovery</a:t>
+            </a:r>
+          </a:p>
+        </p:txBody>
+      </p:sp>
+      <p:graphicFrame>
+        <p:nvGraphicFramePr>
+          <p:cNvPr id="4" name="Diagram 4">
+            <a:extLst>
+              <a:ext uri="{FF2B5EF4-FFF2-40B4-BE49-F238E27FC236}">
+                <a16:creationId xmlns:a16="http://schemas.microsoft.com/office/drawing/2014/main" id="{A1DAB138-7529-476F-85E5-1B8D05F0DEEA}"/>
+              </a:ext>
+            </a:extLst>
+          </p:cNvPr>
+          <p:cNvGraphicFramePr>
+            <a:graphicFrameLocks noGrp="1"/>
+          </p:cNvGraphicFramePr>
+          <p:nvPr>
+            <p:ph idx="1"/>
+            <p:extLst/>
+          </p:nvPr>
+        </p:nvGraphicFramePr>
+        <p:xfrm>
+          <a:off x="8092611" y="200025"/>
+          <a:ext cx="4761955" cy="6310327"/>
+        </p:xfrm>
+        <a:graphic>
+          <a:graphicData uri="http://schemas.openxmlformats.org/drawingml/2006/diagram">
+            <dgm:relIds xmlns:dgm="http://schemas.openxmlformats.org/drawingml/2006/diagram" xmlns:r="http://schemas.openxmlformats.org/officeDocument/2006/relationships" r:dm="rId2" r:lo="rId3" r:qs="rId4" r:cs="rId5"/>
+          </a:graphicData>
+        </a:graphic>
+      </p:graphicFrame>
+      <p:graphicFrame>
+        <p:nvGraphicFramePr>
+          <p:cNvPr id="3" name="Diagram 2">
+            <a:extLst>
+              <a:ext uri="{FF2B5EF4-FFF2-40B4-BE49-F238E27FC236}">
+                <a16:creationId xmlns:a16="http://schemas.microsoft.com/office/drawing/2014/main" id="{81D776BB-6857-4A45-BB0D-CD1D4C5EEC0F}"/>
+              </a:ext>
+            </a:extLst>
+          </p:cNvPr>
+          <p:cNvGraphicFramePr/>
+          <p:nvPr>
+            <p:extLst>
+              <p:ext uri="{D42A27DB-BD31-4B8C-83A1-F6EECF244321}">
+                <p14:modId xmlns:p14="http://schemas.microsoft.com/office/powerpoint/2010/main" val="3674652936"/>
+              </p:ext>
+            </p:extLst>
+          </p:nvPr>
+        </p:nvGraphicFramePr>
+        <p:xfrm>
+          <a:off x="1649413" y="1662545"/>
+          <a:ext cx="6563271" cy="4780588"/>
+        </p:xfrm>
+        <a:graphic>
+          <a:graphicData uri="http://schemas.openxmlformats.org/drawingml/2006/diagram">
+            <dgm:relIds xmlns:dgm="http://schemas.openxmlformats.org/drawingml/2006/diagram" xmlns:r="http://schemas.openxmlformats.org/officeDocument/2006/relationships" r:dm="rId7" r:lo="rId8" r:qs="rId9" r:cs="rId10"/>
+          </a:graphicData>
+        </a:graphic>
+      </p:graphicFrame>
+    </p:spTree>
+    <p:extLst>
+      <p:ext uri="{BB962C8B-B14F-4D97-AF65-F5344CB8AC3E}">
+        <p14:creationId xmlns:p14="http://schemas.microsoft.com/office/powerpoint/2010/main" val="648041488"/>
+      </p:ext>
+    </p:extLst>
+  </p:cSld>
+  <p:clrMapOvr>
+    <a:masterClrMapping/>
+  </p:clrMapOvr>
+  <mc:AlternateContent xmlns:mc="http://schemas.openxmlformats.org/markup-compatibility/2006">
+    <mc:Choice xmlns:p14="http://schemas.microsoft.com/office/powerpoint/2010/main" Requires="p14">
+      <p:transition spd="med" p14:dur="700">
+        <p:fade/>
+      </p:transition>
+    </mc:Choice>
+    <mc:Fallback>
+      <p:transition spd="med">
+        <p:fade/>
+      </p:transition>
+    </mc:Fallback>
+  </mc:AlternateContent>
+  <p:timing>
+    <p:tnLst>
+      <p:par>
+        <p:cTn id="1" dur="indefinite" restart="never" nodeType="tmRoot"/>
+      </p:par>
+    </p:tnLst>
+  </p:timing>
+</p:sld>
+</file>
+
+<file path=ppt/slides/slide12.xml><?xml version="1.0" encoding="utf-8"?>
 <p:sld xmlns:a="http://schemas.openxmlformats.org/drawingml/2006/main" xmlns:r="http://schemas.openxmlformats.org/officeDocument/2006/relationships" xmlns:p="http://schemas.openxmlformats.org/presentationml/2006/main">
   <p:cSld>
     <p:spTree>
@@ -39579,10 +41485,29 @@
   <p:clrMapOvr>
     <a:masterClrMapping/>
   </p:clrMapOvr>
+  <mc:AlternateContent xmlns:mc="http://schemas.openxmlformats.org/markup-compatibility/2006">
+    <mc:Choice xmlns:p14="http://schemas.microsoft.com/office/powerpoint/2010/main" Requires="p14">
+      <p:transition spd="med" p14:dur="700">
+        <p:fade/>
+      </p:transition>
+    </mc:Choice>
+    <mc:Fallback>
+      <p:transition spd="med">
+        <p:fade/>
+      </p:transition>
+    </mc:Fallback>
+  </mc:AlternateContent>
+  <p:timing>
+    <p:tnLst>
+      <p:par>
+        <p:cTn id="1" dur="indefinite" restart="never" nodeType="tmRoot"/>
+      </p:par>
+    </p:tnLst>
+  </p:timing>
 </p:sld>
 </file>
 
-<file path=ppt/slides/slide11.xml><?xml version="1.0" encoding="utf-8"?>
+<file path=ppt/slides/slide13.xml><?xml version="1.0" encoding="utf-8"?>
 <p:sld xmlns:a="http://schemas.openxmlformats.org/drawingml/2006/main" xmlns:r="http://schemas.openxmlformats.org/officeDocument/2006/relationships" xmlns:p="http://schemas.openxmlformats.org/presentationml/2006/main">
   <p:cSld>
     <p:spTree>
@@ -40233,504 +42158,29 @@
   <p:clrMapOvr>
     <a:masterClrMapping/>
   </p:clrMapOvr>
+  <mc:AlternateContent xmlns:mc="http://schemas.openxmlformats.org/markup-compatibility/2006">
+    <mc:Choice xmlns:p14="http://schemas.microsoft.com/office/powerpoint/2010/main" Requires="p14">
+      <p:transition spd="med" p14:dur="700">
+        <p:fade/>
+      </p:transition>
+    </mc:Choice>
+    <mc:Fallback>
+      <p:transition spd="med">
+        <p:fade/>
+      </p:transition>
+    </mc:Fallback>
+  </mc:AlternateContent>
+  <p:timing>
+    <p:tnLst>
+      <p:par>
+        <p:cTn id="1" dur="indefinite" restart="never" nodeType="tmRoot"/>
+      </p:par>
+    </p:tnLst>
+  </p:timing>
 </p:sld>
 </file>
 
-<file path=ppt/slides/slide12.xml><?xml version="1.0" encoding="utf-8"?>
-<p:sld xmlns:a="http://schemas.openxmlformats.org/drawingml/2006/main" xmlns:r="http://schemas.openxmlformats.org/officeDocument/2006/relationships" xmlns:p="http://schemas.openxmlformats.org/presentationml/2006/main">
-  <p:cSld>
-    <p:spTree>
-      <p:nvGrpSpPr>
-        <p:cNvPr id="1" name=""/>
-        <p:cNvGrpSpPr/>
-        <p:nvPr/>
-      </p:nvGrpSpPr>
-      <p:grpSpPr>
-        <a:xfrm>
-          <a:off x="0" y="0"/>
-          <a:ext cx="0" cy="0"/>
-          <a:chOff x="0" y="0"/>
-          <a:chExt cx="0" cy="0"/>
-        </a:xfrm>
-      </p:grpSpPr>
-      <p:sp>
-        <p:nvSpPr>
-          <p:cNvPr id="2" name="Title 1"/>
-          <p:cNvSpPr>
-            <a:spLocks noGrp="1"/>
-          </p:cNvSpPr>
-          <p:nvPr>
-            <p:ph type="title"/>
-          </p:nvPr>
-        </p:nvSpPr>
-        <p:spPr>
-          <a:xfrm>
-            <a:off x="1484311" y="685801"/>
-            <a:ext cx="10018713" cy="814754"/>
-          </a:xfrm>
-        </p:spPr>
-        <p:txBody>
-          <a:bodyPr/>
-          <a:lstStyle/>
-          <a:p>
-            <a:r>
-              <a:rPr lang="en-US" err="1"/>
-              <a:t>Yleisiä</a:t>
-            </a:r>
-            <a:r>
-              <a:rPr lang="en-US"/>
-              <a:t> </a:t>
-            </a:r>
-            <a:r>
-              <a:rPr lang="en-US" err="1"/>
-              <a:t>komponentit</a:t>
-            </a:r>
-            <a:endParaRPr lang="en-US"/>
-          </a:p>
-        </p:txBody>
-      </p:sp>
-      <p:sp>
-        <p:nvSpPr>
-          <p:cNvPr id="3" name="Content Placeholder 2"/>
-          <p:cNvSpPr>
-            <a:spLocks noGrp="1"/>
-          </p:cNvSpPr>
-          <p:nvPr>
-            <p:ph idx="1"/>
-          </p:nvPr>
-        </p:nvSpPr>
-        <p:spPr>
-          <a:xfrm>
-            <a:off x="1335086" y="1607141"/>
-            <a:ext cx="10018714" cy="4569822"/>
-          </a:xfrm>
-        </p:spPr>
-        <p:txBody>
-          <a:bodyPr vert="horz" lIns="91440" tIns="45720" rIns="91440" bIns="45720" rtlCol="0" anchor="t">
-            <a:normAutofit fontScale="62500" lnSpcReduction="20000"/>
-          </a:bodyPr>
-          <a:lstStyle/>
-          <a:p>
-            <a:r>
-              <a:rPr lang="en-US" dirty="0" err="1"/>
-              <a:t>BluetoothDevice</a:t>
-            </a:r>
-            <a:endParaRPr lang="en-US" dirty="0"/>
-          </a:p>
-          <a:p>
-            <a:pPr lvl="1"/>
-            <a:r>
-              <a:rPr lang="en-US" dirty="0" err="1"/>
-              <a:t>Sisältää</a:t>
-            </a:r>
-            <a:r>
-              <a:rPr lang="en-US" dirty="0"/>
-              <a:t> </a:t>
-            </a:r>
-            <a:r>
-              <a:rPr lang="en-US" dirty="0" err="1"/>
-              <a:t>laitteen</a:t>
-            </a:r>
-            <a:r>
-              <a:rPr lang="en-US" dirty="0"/>
-              <a:t> MAC-</a:t>
-            </a:r>
-            <a:r>
-              <a:rPr lang="en-US" dirty="0" err="1"/>
-              <a:t>osoitteen</a:t>
-            </a:r>
-            <a:r>
-              <a:rPr lang="en-US" dirty="0"/>
-              <a:t> ja </a:t>
-            </a:r>
-            <a:r>
-              <a:rPr lang="en-US" dirty="0" err="1"/>
-              <a:t>nimen</a:t>
-            </a:r>
-            <a:r>
-              <a:rPr lang="en-US" dirty="0"/>
-              <a:t>.</a:t>
-            </a:r>
-          </a:p>
-          <a:p>
-            <a:pPr lvl="1"/>
-            <a:endParaRPr lang="en-US" dirty="0"/>
-          </a:p>
-          <a:p>
-            <a:r>
-              <a:rPr lang="en-US" dirty="0" err="1"/>
-              <a:t>BluetoothSocket</a:t>
-            </a:r>
-            <a:endParaRPr lang="en-US" dirty="0"/>
-          </a:p>
-          <a:p>
-            <a:pPr lvl="1"/>
-            <a:r>
-              <a:rPr lang="en-US" dirty="0" err="1"/>
-              <a:t>Käyttöliittymä</a:t>
-            </a:r>
-            <a:r>
-              <a:rPr lang="en-US" dirty="0"/>
-              <a:t>, </a:t>
-            </a:r>
-            <a:r>
-              <a:rPr lang="en-US" dirty="0" err="1"/>
-              <a:t>jonka</a:t>
-            </a:r>
-            <a:r>
-              <a:rPr lang="en-US" dirty="0"/>
-              <a:t> </a:t>
-            </a:r>
-            <a:r>
-              <a:rPr lang="en-US" dirty="0" err="1"/>
-              <a:t>kautta</a:t>
-            </a:r>
-            <a:r>
-              <a:rPr lang="en-US" dirty="0"/>
-              <a:t> </a:t>
-            </a:r>
-            <a:r>
-              <a:rPr lang="en-US" dirty="0" err="1"/>
-              <a:t>puhelin</a:t>
-            </a:r>
-            <a:r>
-              <a:rPr lang="en-US" dirty="0"/>
-              <a:t> </a:t>
-            </a:r>
-            <a:r>
-              <a:rPr lang="en-US" dirty="0" err="1"/>
-              <a:t>pystyy</a:t>
-            </a:r>
-            <a:r>
-              <a:rPr lang="en-US" dirty="0"/>
-              <a:t> </a:t>
-            </a:r>
-            <a:r>
-              <a:rPr lang="en-US" dirty="0" err="1"/>
-              <a:t>lähettämään</a:t>
-            </a:r>
-            <a:r>
-              <a:rPr lang="en-US" dirty="0"/>
-              <a:t> </a:t>
-            </a:r>
-            <a:r>
-              <a:rPr lang="en-US" dirty="0" err="1"/>
-              <a:t>tietoa</a:t>
-            </a:r>
-            <a:r>
-              <a:rPr lang="en-US" dirty="0"/>
-              <a:t> Bluetooth-</a:t>
-            </a:r>
-            <a:r>
-              <a:rPr lang="en-US" dirty="0" err="1"/>
-              <a:t>laitteelle</a:t>
-            </a:r>
-            <a:r>
-              <a:rPr lang="en-US" dirty="0"/>
-              <a:t>.</a:t>
-            </a:r>
-          </a:p>
-          <a:p>
-            <a:pPr lvl="1"/>
-            <a:endParaRPr lang="en-US" dirty="0"/>
-          </a:p>
-          <a:p>
-            <a:r>
-              <a:rPr lang="en-US" dirty="0" err="1"/>
-              <a:t>BluetoothServerSocket</a:t>
-            </a:r>
-            <a:endParaRPr lang="en-US" dirty="0"/>
-          </a:p>
-          <a:p>
-            <a:pPr lvl="1"/>
-            <a:r>
-              <a:rPr lang="en-US" dirty="0" err="1"/>
-              <a:t>Käyttöliittymä</a:t>
-            </a:r>
-            <a:r>
-              <a:rPr lang="en-US" dirty="0"/>
-              <a:t>, </a:t>
-            </a:r>
-            <a:r>
-              <a:rPr lang="en-US" dirty="0" err="1"/>
-              <a:t>joka</a:t>
-            </a:r>
-            <a:r>
-              <a:rPr lang="en-US" dirty="0"/>
-              <a:t> </a:t>
-            </a:r>
-            <a:r>
-              <a:rPr lang="en-US" dirty="0" err="1"/>
-              <a:t>ottaa</a:t>
-            </a:r>
-            <a:r>
-              <a:rPr lang="en-US" dirty="0"/>
-              <a:t> </a:t>
-            </a:r>
-            <a:r>
-              <a:rPr lang="en-US" dirty="0" err="1"/>
-              <a:t>vastaan</a:t>
-            </a:r>
-            <a:r>
-              <a:rPr lang="en-US" dirty="0"/>
-              <a:t> </a:t>
-            </a:r>
-            <a:r>
-              <a:rPr lang="en-US" dirty="0" err="1"/>
-              <a:t>tietoa</a:t>
-            </a:r>
-            <a:r>
-              <a:rPr lang="en-US" dirty="0"/>
-              <a:t> </a:t>
-            </a:r>
-            <a:r>
-              <a:rPr lang="en-US" dirty="0" err="1"/>
-              <a:t>muilta</a:t>
-            </a:r>
-            <a:r>
-              <a:rPr lang="en-US" dirty="0"/>
-              <a:t> </a:t>
-            </a:r>
-            <a:r>
-              <a:rPr lang="en-US" dirty="0" err="1"/>
-              <a:t>laitteilta</a:t>
-            </a:r>
-            <a:r>
-              <a:rPr lang="en-US" dirty="0"/>
-              <a:t>. </a:t>
-            </a:r>
-            <a:r>
-              <a:rPr lang="en-US" dirty="0" err="1"/>
-              <a:t>Laitteiden</a:t>
-            </a:r>
-            <a:r>
-              <a:rPr lang="en-US" dirty="0"/>
-              <a:t> </a:t>
-            </a:r>
-            <a:r>
-              <a:rPr lang="en-US" dirty="0" err="1"/>
-              <a:t>välisten</a:t>
-            </a:r>
-            <a:r>
-              <a:rPr lang="en-US" dirty="0"/>
-              <a:t> </a:t>
-            </a:r>
-            <a:r>
-              <a:rPr lang="en-US" dirty="0" err="1"/>
-              <a:t>kommunikointia</a:t>
-            </a:r>
-            <a:r>
-              <a:rPr lang="en-US" dirty="0"/>
-              <a:t> </a:t>
-            </a:r>
-            <a:r>
-              <a:rPr lang="en-US" dirty="0" err="1"/>
-              <a:t>varten</a:t>
-            </a:r>
-            <a:r>
-              <a:rPr lang="en-US" dirty="0"/>
-              <a:t> on </a:t>
-            </a:r>
-            <a:r>
-              <a:rPr lang="en-US" dirty="0" err="1"/>
-              <a:t>yhden</a:t>
-            </a:r>
-            <a:r>
-              <a:rPr lang="en-US" dirty="0"/>
-              <a:t> </a:t>
-            </a:r>
-            <a:r>
-              <a:rPr lang="en-US" dirty="0" err="1"/>
-              <a:t>laitteen</a:t>
-            </a:r>
-            <a:r>
-              <a:rPr lang="en-US" dirty="0"/>
-              <a:t> </a:t>
-            </a:r>
-            <a:r>
-              <a:rPr lang="en-US" dirty="0" err="1"/>
-              <a:t>toimittava</a:t>
-            </a:r>
-            <a:r>
-              <a:rPr lang="en-US" dirty="0"/>
-              <a:t> </a:t>
-            </a:r>
-            <a:r>
-              <a:rPr lang="en-US" dirty="0" err="1"/>
-              <a:t>palvelimena</a:t>
-            </a:r>
-            <a:r>
-              <a:rPr lang="en-US" dirty="0"/>
-              <a:t>.</a:t>
-            </a:r>
-          </a:p>
-          <a:p>
-            <a:endParaRPr lang="en-US" dirty="0"/>
-          </a:p>
-          <a:p>
-            <a:r>
-              <a:rPr lang="en-US" dirty="0" err="1"/>
-              <a:t>BluetoothProfiles</a:t>
-            </a:r>
-            <a:endParaRPr lang="en-US" dirty="0"/>
-          </a:p>
-          <a:p>
-            <a:pPr lvl="1"/>
-            <a:r>
-              <a:rPr lang="en-US" dirty="0"/>
-              <a:t>Bluetooth </a:t>
-            </a:r>
-            <a:r>
-              <a:rPr lang="en-US" dirty="0" err="1"/>
-              <a:t>tarjoaa</a:t>
-            </a:r>
-            <a:r>
-              <a:rPr lang="en-US" dirty="0"/>
-              <a:t> </a:t>
-            </a:r>
-            <a:r>
-              <a:rPr lang="en-US" dirty="0" err="1"/>
-              <a:t>valmiiksi</a:t>
-            </a:r>
-            <a:r>
-              <a:rPr lang="en-US" dirty="0"/>
-              <a:t> </a:t>
-            </a:r>
-            <a:r>
-              <a:rPr lang="en-US" dirty="0" err="1"/>
-              <a:t>luodut</a:t>
-            </a:r>
-            <a:r>
-              <a:rPr lang="en-US" dirty="0"/>
-              <a:t> </a:t>
-            </a:r>
-            <a:r>
-              <a:rPr lang="en-US" dirty="0" err="1"/>
-              <a:t>profiilit</a:t>
-            </a:r>
-            <a:r>
-              <a:rPr lang="en-US" dirty="0"/>
-              <a:t> A2DP-laitteille, </a:t>
-            </a:r>
-            <a:r>
-              <a:rPr lang="en-US" dirty="0" err="1"/>
-              <a:t>langattomille</a:t>
-            </a:r>
-            <a:r>
-              <a:rPr lang="en-US" dirty="0"/>
-              <a:t> </a:t>
-            </a:r>
-            <a:r>
-              <a:rPr lang="en-US" dirty="0" err="1"/>
-              <a:t>kuulokkeille</a:t>
-            </a:r>
-            <a:r>
-              <a:rPr lang="en-US" dirty="0"/>
-              <a:t> ja </a:t>
-            </a:r>
-            <a:r>
-              <a:rPr lang="en-US" dirty="0" err="1"/>
-              <a:t>terveyslaitteille</a:t>
-            </a:r>
-            <a:r>
-              <a:rPr lang="en-US" dirty="0"/>
-              <a:t>.</a:t>
-            </a:r>
-          </a:p>
-          <a:p>
-            <a:pPr lvl="1"/>
-            <a:endParaRPr lang="en-US" dirty="0"/>
-          </a:p>
-          <a:p>
-            <a:r>
-              <a:rPr lang="en-US" dirty="0" err="1"/>
-              <a:t>BluetoothAdapter</a:t>
-            </a:r>
-            <a:endParaRPr lang="en-US" dirty="0"/>
-          </a:p>
-          <a:p>
-            <a:pPr lvl="1"/>
-            <a:r>
-              <a:rPr lang="en-US" dirty="0" err="1"/>
-              <a:t>Hallitsee</a:t>
-            </a:r>
-            <a:r>
-              <a:rPr lang="en-US" dirty="0"/>
-              <a:t> </a:t>
-            </a:r>
-            <a:r>
-              <a:rPr lang="en-US" dirty="0" err="1"/>
-              <a:t>bluetooth</a:t>
-            </a:r>
-            <a:r>
-              <a:rPr lang="en-US" dirty="0"/>
-              <a:t> </a:t>
-            </a:r>
-            <a:r>
-              <a:rPr lang="en-US" dirty="0" err="1"/>
-              <a:t>laitteiden</a:t>
-            </a:r>
-            <a:r>
-              <a:rPr lang="en-US" dirty="0"/>
-              <a:t> </a:t>
-            </a:r>
-            <a:r>
-              <a:rPr lang="en-US" dirty="0" err="1"/>
-              <a:t>etsintää</a:t>
-            </a:r>
-            <a:r>
-              <a:rPr lang="en-US" dirty="0"/>
-              <a:t>.</a:t>
-            </a:r>
-          </a:p>
-          <a:p>
-            <a:pPr lvl="1"/>
-            <a:r>
-              <a:rPr lang="en-US" dirty="0" err="1"/>
-              <a:t>Laitteen</a:t>
-            </a:r>
-            <a:r>
-              <a:rPr lang="en-US" dirty="0"/>
-              <a:t> Bluetooth-</a:t>
-            </a:r>
-            <a:r>
-              <a:rPr lang="en-US" dirty="0" err="1"/>
-              <a:t>kommunikaation</a:t>
-            </a:r>
-            <a:r>
-              <a:rPr lang="en-US" dirty="0"/>
-              <a:t> </a:t>
-            </a:r>
-            <a:r>
-              <a:rPr lang="en-US" dirty="0" err="1"/>
-              <a:t>yleisiä</a:t>
-            </a:r>
-            <a:r>
-              <a:rPr lang="en-US" dirty="0"/>
-              <a:t> </a:t>
-            </a:r>
-            <a:r>
-              <a:rPr lang="en-US" dirty="0" err="1"/>
-              <a:t>asetuksia</a:t>
-            </a:r>
-            <a:endParaRPr lang="en-US" dirty="0"/>
-          </a:p>
-        </p:txBody>
-      </p:sp>
-    </p:spTree>
-    <p:extLst>
-      <p:ext uri="{BB962C8B-B14F-4D97-AF65-F5344CB8AC3E}">
-        <p14:creationId xmlns:p14="http://schemas.microsoft.com/office/powerpoint/2010/main" val="3598029641"/>
-      </p:ext>
-    </p:extLst>
-  </p:cSld>
-  <p:clrMapOvr>
-    <a:masterClrMapping/>
-  </p:clrMapOvr>
-</p:sld>
-</file>
-
-<file path=ppt/slides/slide13.xml><?xml version="1.0" encoding="utf-8"?>
+<file path=ppt/slides/slide14.xml><?xml version="1.0" encoding="utf-8"?>
 <p:sld xmlns:a="http://schemas.openxmlformats.org/drawingml/2006/main" xmlns:r="http://schemas.openxmlformats.org/officeDocument/2006/relationships" xmlns:p="http://schemas.openxmlformats.org/presentationml/2006/main">
   <p:cSld>
     <p:spTree>
@@ -41069,194 +42519,25 @@
   <p:clrMapOvr>
     <a:masterClrMapping/>
   </p:clrMapOvr>
-</p:sld>
-</file>
-
-<file path=ppt/slides/slide14.xml><?xml version="1.0" encoding="utf-8"?>
-<p:sld xmlns:a="http://schemas.openxmlformats.org/drawingml/2006/main" xmlns:r="http://schemas.openxmlformats.org/officeDocument/2006/relationships" xmlns:p="http://schemas.openxmlformats.org/presentationml/2006/main">
-  <p:cSld>
-    <p:spTree>
-      <p:nvGrpSpPr>
-        <p:cNvPr id="1" name=""/>
-        <p:cNvGrpSpPr/>
-        <p:nvPr/>
-      </p:nvGrpSpPr>
-      <p:grpSpPr>
-        <a:xfrm>
-          <a:off x="0" y="0"/>
-          <a:ext cx="0" cy="0"/>
-          <a:chOff x="0" y="0"/>
-          <a:chExt cx="0" cy="0"/>
-        </a:xfrm>
-      </p:grpSpPr>
-      <p:sp>
-        <p:nvSpPr>
-          <p:cNvPr id="2" name="Title 1">
-            <a:extLst>
-              <a:ext uri="{FF2B5EF4-FFF2-40B4-BE49-F238E27FC236}">
-                <a16:creationId xmlns:a16="http://schemas.microsoft.com/office/drawing/2014/main" id="{FFBA8B74-F668-4D8B-82EE-160C05AE51D3}"/>
-              </a:ext>
-            </a:extLst>
-          </p:cNvPr>
-          <p:cNvSpPr>
-            <a:spLocks noGrp="1"/>
-          </p:cNvSpPr>
-          <p:nvPr>
-            <p:ph type="title"/>
-          </p:nvPr>
-        </p:nvSpPr>
-        <p:spPr/>
-        <p:txBody>
-          <a:bodyPr/>
-          <a:lstStyle/>
-          <a:p>
-            <a:r>
-              <a:rPr lang="fi-FI"/>
-              <a:t>Bluetooth profiilit</a:t>
-            </a:r>
-          </a:p>
-        </p:txBody>
-      </p:sp>
-      <p:sp>
-        <p:nvSpPr>
-          <p:cNvPr id="3" name="Content Placeholder 2">
-            <a:extLst>
-              <a:ext uri="{FF2B5EF4-FFF2-40B4-BE49-F238E27FC236}">
-                <a16:creationId xmlns:a16="http://schemas.microsoft.com/office/drawing/2014/main" id="{EABD0EB6-1216-4078-9D57-3824A7D93124}"/>
-              </a:ext>
-            </a:extLst>
-          </p:cNvPr>
-          <p:cNvSpPr>
-            <a:spLocks noGrp="1"/>
-          </p:cNvSpPr>
-          <p:nvPr>
-            <p:ph idx="1"/>
-          </p:nvPr>
-        </p:nvSpPr>
-        <p:spPr>
-          <a:xfrm>
-            <a:off x="1719384" y="2086253"/>
-            <a:ext cx="9783639" cy="3704948"/>
-          </a:xfrm>
-        </p:spPr>
-        <p:txBody>
-          <a:bodyPr>
-            <a:normAutofit lnSpcReduction="10000"/>
-          </a:bodyPr>
-          <a:lstStyle/>
-          <a:p>
-            <a:r>
-              <a:rPr lang="fi-FI" dirty="0"/>
-              <a:t>Android v3.o alkaen Bluetooth API sisältää valmiiksi tehtyjä profiileja, joiden avulla erityyppisiä laitteita voidaan hallita.</a:t>
-            </a:r>
-          </a:p>
-          <a:p>
-            <a:pPr>
-              <a:buClr>
-                <a:srgbClr val="1287C3"/>
-              </a:buClr>
-            </a:pPr>
-            <a:r>
-              <a:rPr lang="fi-FI" dirty="0" err="1"/>
-              <a:t>Headset</a:t>
-            </a:r>
-            <a:endParaRPr lang="fi-FI" dirty="0"/>
-          </a:p>
-          <a:p>
-            <a:pPr lvl="1">
-              <a:buClr>
-                <a:srgbClr val="1287C3"/>
-              </a:buClr>
-            </a:pPr>
-            <a:r>
-              <a:rPr lang="fi-FI" dirty="0" err="1"/>
-              <a:t>Hands</a:t>
-            </a:r>
-            <a:r>
-              <a:rPr lang="fi-FI" dirty="0"/>
-              <a:t>-</a:t>
-            </a:r>
-            <a:r>
-              <a:rPr lang="fi-FI" dirty="0" err="1"/>
-              <a:t>Free</a:t>
-            </a:r>
-            <a:r>
-              <a:rPr lang="fi-FI" dirty="0"/>
-              <a:t>-kuulokkeiden käyttöön.</a:t>
-            </a:r>
-          </a:p>
-          <a:p>
-            <a:pPr>
-              <a:buClr>
-                <a:srgbClr val="1287C3"/>
-              </a:buClr>
-            </a:pPr>
-            <a:r>
-              <a:rPr lang="fi-FI" dirty="0"/>
-              <a:t>A2DP</a:t>
-            </a:r>
-          </a:p>
-          <a:p>
-            <a:pPr lvl="1">
-              <a:buClr>
-                <a:srgbClr val="1287C3"/>
-              </a:buClr>
-            </a:pPr>
-            <a:r>
-              <a:rPr lang="fi-FI" dirty="0"/>
-              <a:t>Advanced Audio </a:t>
-            </a:r>
-            <a:r>
-              <a:rPr lang="fi-FI" dirty="0" err="1"/>
-              <a:t>Distribution</a:t>
-            </a:r>
-            <a:r>
-              <a:rPr lang="fi-FI" dirty="0"/>
-              <a:t> </a:t>
-            </a:r>
-            <a:r>
-              <a:rPr lang="fi-FI" dirty="0" err="1"/>
-              <a:t>Profile</a:t>
-            </a:r>
-            <a:r>
-              <a:rPr lang="fi-FI" dirty="0"/>
-              <a:t>. Tarkoitettu korkealaatuiseen äänentoistoon. Käytetään erityisesti langattomissa kuulokkeissa ja kaiuttimissa.</a:t>
-            </a:r>
-          </a:p>
-          <a:p>
-            <a:pPr>
-              <a:buClr>
-                <a:srgbClr val="1287C3"/>
-              </a:buClr>
-            </a:pPr>
-            <a:r>
-              <a:rPr lang="fi-FI" dirty="0"/>
-              <a:t>Health Device </a:t>
-            </a:r>
-          </a:p>
-          <a:p>
-            <a:pPr lvl="1">
-              <a:buClr>
-                <a:srgbClr val="1287C3"/>
-              </a:buClr>
-            </a:pPr>
-            <a:r>
-              <a:rPr lang="fi-FI" dirty="0"/>
-              <a:t>Käytetään mm. syke- ja lämpömittareissa, henkilövaaoissa yms. </a:t>
-            </a:r>
-          </a:p>
-        </p:txBody>
-      </p:sp>
-    </p:spTree>
-    <p:extLst>
-      <p:ext uri="{BB962C8B-B14F-4D97-AF65-F5344CB8AC3E}">
-        <p14:creationId xmlns:p14="http://schemas.microsoft.com/office/powerpoint/2010/main" val="1556678748"/>
-      </p:ext>
-    </p:extLst>
-  </p:cSld>
-  <p:clrMapOvr>
-    <a:masterClrMapping/>
-  </p:clrMapOvr>
+  <mc:AlternateContent xmlns:mc="http://schemas.openxmlformats.org/markup-compatibility/2006">
+    <mc:Choice xmlns:p14="http://schemas.microsoft.com/office/powerpoint/2010/main" Requires="p14">
+      <p:transition spd="med" p14:dur="700">
+        <p:fade/>
+      </p:transition>
+    </mc:Choice>
+    <mc:Fallback>
+      <p:transition spd="med">
+        <p:fade/>
+      </p:transition>
+    </mc:Fallback>
+  </mc:AlternateContent>
+  <p:timing>
+    <p:tnLst>
+      <p:par>
+        <p:cTn id="1" dur="indefinite" restart="never" nodeType="tmRoot"/>
+      </p:par>
+    </p:tnLst>
+  </p:timing>
 </p:sld>
 </file>
 
@@ -41579,6 +42860,25 @@
   <p:clrMapOvr>
     <a:masterClrMapping/>
   </p:clrMapOvr>
+  <mc:AlternateContent xmlns:mc="http://schemas.openxmlformats.org/markup-compatibility/2006">
+    <mc:Choice xmlns:p14="http://schemas.microsoft.com/office/powerpoint/2010/main" Requires="p14">
+      <p:transition spd="med" p14:dur="700">
+        <p:fade/>
+      </p:transition>
+    </mc:Choice>
+    <mc:Fallback>
+      <p:transition spd="med">
+        <p:fade/>
+      </p:transition>
+    </mc:Fallback>
+  </mc:AlternateContent>
+  <p:timing>
+    <p:tnLst>
+      <p:par>
+        <p:cTn id="1" dur="indefinite" restart="never" nodeType="tmRoot"/>
+      </p:par>
+    </p:tnLst>
+  </p:timing>
 </p:sld>
 </file>
 
@@ -41881,6 +43181,25 @@
   <p:clrMapOvr>
     <a:masterClrMapping/>
   </p:clrMapOvr>
+  <mc:AlternateContent xmlns:mc="http://schemas.openxmlformats.org/markup-compatibility/2006">
+    <mc:Choice xmlns:p14="http://schemas.microsoft.com/office/powerpoint/2010/main" Requires="p14">
+      <p:transition spd="med" p14:dur="700">
+        <p:fade/>
+      </p:transition>
+    </mc:Choice>
+    <mc:Fallback>
+      <p:transition spd="med">
+        <p:fade/>
+      </p:transition>
+    </mc:Fallback>
+  </mc:AlternateContent>
+  <p:timing>
+    <p:tnLst>
+      <p:par>
+        <p:cTn id="1" dur="indefinite" restart="never" nodeType="tmRoot"/>
+      </p:par>
+    </p:tnLst>
+  </p:timing>
 </p:sld>
 </file>
 
@@ -42163,6 +43482,25 @@
   <p:clrMapOvr>
     <a:masterClrMapping/>
   </p:clrMapOvr>
+  <mc:AlternateContent xmlns:mc="http://schemas.openxmlformats.org/markup-compatibility/2006">
+    <mc:Choice xmlns:p14="http://schemas.microsoft.com/office/powerpoint/2010/main" Requires="p14">
+      <p:transition spd="med" p14:dur="700">
+        <p:fade/>
+      </p:transition>
+    </mc:Choice>
+    <mc:Fallback>
+      <p:transition spd="med">
+        <p:fade/>
+      </p:transition>
+    </mc:Fallback>
+  </mc:AlternateContent>
+  <p:timing>
+    <p:tnLst>
+      <p:par>
+        <p:cTn id="1" dur="indefinite" restart="never" nodeType="tmRoot"/>
+      </p:par>
+    </p:tnLst>
+  </p:timing>
 </p:sld>
 </file>
 
@@ -42438,6 +43776,25 @@
   <p:clrMapOvr>
     <a:masterClrMapping/>
   </p:clrMapOvr>
+  <mc:AlternateContent xmlns:mc="http://schemas.openxmlformats.org/markup-compatibility/2006">
+    <mc:Choice xmlns:p14="http://schemas.microsoft.com/office/powerpoint/2010/main" Requires="p14">
+      <p:transition spd="med" p14:dur="700">
+        <p:fade/>
+      </p:transition>
+    </mc:Choice>
+    <mc:Fallback>
+      <p:transition spd="med">
+        <p:fade/>
+      </p:transition>
+    </mc:Fallback>
+  </mc:AlternateContent>
+  <p:timing>
+    <p:tnLst>
+      <p:par>
+        <p:cTn id="1" dur="indefinite" restart="never" nodeType="tmRoot"/>
+      </p:par>
+    </p:tnLst>
+  </p:timing>
 </p:sld>
 </file>
 
@@ -42628,6 +43985,25 @@
   <p:clrMapOvr>
     <a:masterClrMapping/>
   </p:clrMapOvr>
+  <mc:AlternateContent xmlns:mc="http://schemas.openxmlformats.org/markup-compatibility/2006">
+    <mc:Choice xmlns:p14="http://schemas.microsoft.com/office/powerpoint/2010/main" Requires="p14">
+      <p:transition spd="med" p14:dur="700">
+        <p:fade/>
+      </p:transition>
+    </mc:Choice>
+    <mc:Fallback>
+      <p:transition spd="med">
+        <p:fade/>
+      </p:transition>
+    </mc:Fallback>
+  </mc:AlternateContent>
+  <p:timing>
+    <p:tnLst>
+      <p:par>
+        <p:cTn id="1" dur="indefinite" restart="never" nodeType="tmRoot"/>
+      </p:par>
+    </p:tnLst>
+  </p:timing>
 </p:sld>
 </file>
 
@@ -42937,6 +44313,25 @@
   <p:clrMapOvr>
     <a:masterClrMapping/>
   </p:clrMapOvr>
+  <mc:AlternateContent xmlns:mc="http://schemas.openxmlformats.org/markup-compatibility/2006">
+    <mc:Choice xmlns:p14="http://schemas.microsoft.com/office/powerpoint/2010/main" Requires="p14">
+      <p:transition spd="med" p14:dur="700">
+        <p:fade/>
+      </p:transition>
+    </mc:Choice>
+    <mc:Fallback>
+      <p:transition spd="med">
+        <p:fade/>
+      </p:transition>
+    </mc:Fallback>
+  </mc:AlternateContent>
+  <p:timing>
+    <p:tnLst>
+      <p:par>
+        <p:cTn id="1" dur="indefinite" restart="never" nodeType="tmRoot"/>
+      </p:par>
+    </p:tnLst>
+  </p:timing>
 </p:sld>
 </file>
 
@@ -43116,6 +44511,25 @@
   <p:clrMapOvr>
     <a:masterClrMapping/>
   </p:clrMapOvr>
+  <mc:AlternateContent xmlns:mc="http://schemas.openxmlformats.org/markup-compatibility/2006">
+    <mc:Choice xmlns:p14="http://schemas.microsoft.com/office/powerpoint/2010/main" Requires="p14">
+      <p:transition spd="med" p14:dur="700">
+        <p:fade/>
+      </p:transition>
+    </mc:Choice>
+    <mc:Fallback>
+      <p:transition spd="med">
+        <p:fade/>
+      </p:transition>
+    </mc:Fallback>
+  </mc:AlternateContent>
+  <p:timing>
+    <p:tnLst>
+      <p:par>
+        <p:cTn id="1" dur="indefinite" restart="never" nodeType="tmRoot"/>
+      </p:par>
+    </p:tnLst>
+  </p:timing>
 </p:sld>
 </file>
 
@@ -43341,10 +44755,749 @@
   <p:clrMapOvr>
     <a:masterClrMapping/>
   </p:clrMapOvr>
+  <mc:AlternateContent xmlns:mc="http://schemas.openxmlformats.org/markup-compatibility/2006">
+    <mc:Choice xmlns:p14="http://schemas.microsoft.com/office/powerpoint/2010/main" Requires="p14">
+      <p:transition spd="med" p14:dur="700">
+        <p:fade/>
+      </p:transition>
+    </mc:Choice>
+    <mc:Fallback>
+      <p:transition spd="med">
+        <p:fade/>
+      </p:transition>
+    </mc:Fallback>
+  </mc:AlternateContent>
+  <p:timing>
+    <p:tnLst>
+      <p:par>
+        <p:cTn id="1" dur="indefinite" restart="never" nodeType="tmRoot"/>
+      </p:par>
+    </p:tnLst>
+  </p:timing>
 </p:sld>
 </file>
 
 <file path=ppt/slides/slide5.xml><?xml version="1.0" encoding="utf-8"?>
+<p:sld xmlns:a="http://schemas.openxmlformats.org/drawingml/2006/main" xmlns:r="http://schemas.openxmlformats.org/officeDocument/2006/relationships" xmlns:p="http://schemas.openxmlformats.org/presentationml/2006/main">
+  <p:cSld>
+    <p:spTree>
+      <p:nvGrpSpPr>
+        <p:cNvPr id="1" name=""/>
+        <p:cNvGrpSpPr/>
+        <p:nvPr/>
+      </p:nvGrpSpPr>
+      <p:grpSpPr>
+        <a:xfrm>
+          <a:off x="0" y="0"/>
+          <a:ext cx="0" cy="0"/>
+          <a:chOff x="0" y="0"/>
+          <a:chExt cx="0" cy="0"/>
+        </a:xfrm>
+      </p:grpSpPr>
+      <p:sp>
+        <p:nvSpPr>
+          <p:cNvPr id="2" name="Title 1"/>
+          <p:cNvSpPr>
+            <a:spLocks noGrp="1"/>
+          </p:cNvSpPr>
+          <p:nvPr>
+            <p:ph type="title"/>
+          </p:nvPr>
+        </p:nvSpPr>
+        <p:spPr>
+          <a:xfrm>
+            <a:off x="1484311" y="685801"/>
+            <a:ext cx="10018713" cy="814754"/>
+          </a:xfrm>
+        </p:spPr>
+        <p:txBody>
+          <a:bodyPr/>
+          <a:lstStyle/>
+          <a:p>
+            <a:r>
+              <a:rPr lang="en-US" err="1"/>
+              <a:t>Yleisiä</a:t>
+            </a:r>
+            <a:r>
+              <a:rPr lang="en-US"/>
+              <a:t> </a:t>
+            </a:r>
+            <a:r>
+              <a:rPr lang="en-US" err="1"/>
+              <a:t>komponentit</a:t>
+            </a:r>
+            <a:endParaRPr lang="en-US"/>
+          </a:p>
+        </p:txBody>
+      </p:sp>
+      <p:sp>
+        <p:nvSpPr>
+          <p:cNvPr id="3" name="Content Placeholder 2"/>
+          <p:cNvSpPr>
+            <a:spLocks noGrp="1"/>
+          </p:cNvSpPr>
+          <p:nvPr>
+            <p:ph idx="1"/>
+          </p:nvPr>
+        </p:nvSpPr>
+        <p:spPr>
+          <a:xfrm>
+            <a:off x="1335086" y="1607141"/>
+            <a:ext cx="10018714" cy="4569822"/>
+          </a:xfrm>
+        </p:spPr>
+        <p:txBody>
+          <a:bodyPr vert="horz" lIns="91440" tIns="45720" rIns="91440" bIns="45720" rtlCol="0" anchor="t">
+            <a:normAutofit fontScale="62500" lnSpcReduction="20000"/>
+          </a:bodyPr>
+          <a:lstStyle/>
+          <a:p>
+            <a:r>
+              <a:rPr lang="en-US" dirty="0" err="1"/>
+              <a:t>BluetoothDevice</a:t>
+            </a:r>
+            <a:endParaRPr lang="en-US" dirty="0"/>
+          </a:p>
+          <a:p>
+            <a:pPr lvl="1"/>
+            <a:r>
+              <a:rPr lang="en-US" dirty="0" err="1"/>
+              <a:t>Sisältää</a:t>
+            </a:r>
+            <a:r>
+              <a:rPr lang="en-US" dirty="0"/>
+              <a:t> </a:t>
+            </a:r>
+            <a:r>
+              <a:rPr lang="en-US" dirty="0" err="1"/>
+              <a:t>laitteen</a:t>
+            </a:r>
+            <a:r>
+              <a:rPr lang="en-US" dirty="0"/>
+              <a:t> MAC-</a:t>
+            </a:r>
+            <a:r>
+              <a:rPr lang="en-US" dirty="0" err="1"/>
+              <a:t>osoitteen</a:t>
+            </a:r>
+            <a:r>
+              <a:rPr lang="en-US" dirty="0"/>
+              <a:t> ja </a:t>
+            </a:r>
+            <a:r>
+              <a:rPr lang="en-US" dirty="0" err="1"/>
+              <a:t>nimen</a:t>
+            </a:r>
+            <a:r>
+              <a:rPr lang="en-US" dirty="0"/>
+              <a:t>.</a:t>
+            </a:r>
+          </a:p>
+          <a:p>
+            <a:pPr lvl="1"/>
+            <a:endParaRPr lang="en-US" dirty="0"/>
+          </a:p>
+          <a:p>
+            <a:r>
+              <a:rPr lang="en-US" dirty="0" err="1"/>
+              <a:t>BluetoothSocket</a:t>
+            </a:r>
+            <a:endParaRPr lang="en-US" dirty="0"/>
+          </a:p>
+          <a:p>
+            <a:pPr lvl="1"/>
+            <a:r>
+              <a:rPr lang="en-US" dirty="0" err="1"/>
+              <a:t>Käyttöliittymä</a:t>
+            </a:r>
+            <a:r>
+              <a:rPr lang="en-US" dirty="0"/>
+              <a:t>, </a:t>
+            </a:r>
+            <a:r>
+              <a:rPr lang="en-US" dirty="0" err="1"/>
+              <a:t>jonka</a:t>
+            </a:r>
+            <a:r>
+              <a:rPr lang="en-US" dirty="0"/>
+              <a:t> </a:t>
+            </a:r>
+            <a:r>
+              <a:rPr lang="en-US" dirty="0" err="1"/>
+              <a:t>kautta</a:t>
+            </a:r>
+            <a:r>
+              <a:rPr lang="en-US" dirty="0"/>
+              <a:t> </a:t>
+            </a:r>
+            <a:r>
+              <a:rPr lang="en-US" dirty="0" err="1"/>
+              <a:t>puhelin</a:t>
+            </a:r>
+            <a:r>
+              <a:rPr lang="en-US" dirty="0"/>
+              <a:t> </a:t>
+            </a:r>
+            <a:r>
+              <a:rPr lang="en-US" dirty="0" err="1"/>
+              <a:t>pystyy</a:t>
+            </a:r>
+            <a:r>
+              <a:rPr lang="en-US" dirty="0"/>
+              <a:t> </a:t>
+            </a:r>
+            <a:r>
+              <a:rPr lang="en-US" dirty="0" err="1"/>
+              <a:t>lähettämään</a:t>
+            </a:r>
+            <a:r>
+              <a:rPr lang="en-US" dirty="0"/>
+              <a:t> </a:t>
+            </a:r>
+            <a:r>
+              <a:rPr lang="en-US" dirty="0" err="1"/>
+              <a:t>tietoa</a:t>
+            </a:r>
+            <a:r>
+              <a:rPr lang="en-US" dirty="0"/>
+              <a:t> Bluetooth-</a:t>
+            </a:r>
+            <a:r>
+              <a:rPr lang="en-US" dirty="0" err="1"/>
+              <a:t>laitteelle</a:t>
+            </a:r>
+            <a:r>
+              <a:rPr lang="en-US" dirty="0"/>
+              <a:t>.</a:t>
+            </a:r>
+          </a:p>
+          <a:p>
+            <a:pPr lvl="1"/>
+            <a:endParaRPr lang="en-US" dirty="0"/>
+          </a:p>
+          <a:p>
+            <a:r>
+              <a:rPr lang="en-US" dirty="0" err="1"/>
+              <a:t>BluetoothServerSocket</a:t>
+            </a:r>
+            <a:endParaRPr lang="en-US" dirty="0"/>
+          </a:p>
+          <a:p>
+            <a:pPr lvl="1"/>
+            <a:r>
+              <a:rPr lang="en-US" dirty="0" err="1"/>
+              <a:t>Käyttöliittymä</a:t>
+            </a:r>
+            <a:r>
+              <a:rPr lang="en-US" dirty="0"/>
+              <a:t>, </a:t>
+            </a:r>
+            <a:r>
+              <a:rPr lang="en-US" dirty="0" err="1"/>
+              <a:t>joka</a:t>
+            </a:r>
+            <a:r>
+              <a:rPr lang="en-US" dirty="0"/>
+              <a:t> </a:t>
+            </a:r>
+            <a:r>
+              <a:rPr lang="en-US" dirty="0" err="1"/>
+              <a:t>ottaa</a:t>
+            </a:r>
+            <a:r>
+              <a:rPr lang="en-US" dirty="0"/>
+              <a:t> </a:t>
+            </a:r>
+            <a:r>
+              <a:rPr lang="en-US" dirty="0" err="1"/>
+              <a:t>vastaan</a:t>
+            </a:r>
+            <a:r>
+              <a:rPr lang="en-US" dirty="0"/>
+              <a:t> </a:t>
+            </a:r>
+            <a:r>
+              <a:rPr lang="en-US" dirty="0" err="1"/>
+              <a:t>tietoa</a:t>
+            </a:r>
+            <a:r>
+              <a:rPr lang="en-US" dirty="0"/>
+              <a:t> </a:t>
+            </a:r>
+            <a:r>
+              <a:rPr lang="en-US" dirty="0" err="1"/>
+              <a:t>muilta</a:t>
+            </a:r>
+            <a:r>
+              <a:rPr lang="en-US" dirty="0"/>
+              <a:t> </a:t>
+            </a:r>
+            <a:r>
+              <a:rPr lang="en-US" dirty="0" err="1"/>
+              <a:t>laitteilta</a:t>
+            </a:r>
+            <a:r>
+              <a:rPr lang="en-US" dirty="0"/>
+              <a:t>. </a:t>
+            </a:r>
+            <a:r>
+              <a:rPr lang="en-US" dirty="0" err="1"/>
+              <a:t>Laitteiden</a:t>
+            </a:r>
+            <a:r>
+              <a:rPr lang="en-US" dirty="0"/>
+              <a:t> </a:t>
+            </a:r>
+            <a:r>
+              <a:rPr lang="en-US" dirty="0" err="1"/>
+              <a:t>välisten</a:t>
+            </a:r>
+            <a:r>
+              <a:rPr lang="en-US" dirty="0"/>
+              <a:t> </a:t>
+            </a:r>
+            <a:r>
+              <a:rPr lang="en-US" dirty="0" err="1"/>
+              <a:t>kommunikointia</a:t>
+            </a:r>
+            <a:r>
+              <a:rPr lang="en-US" dirty="0"/>
+              <a:t> </a:t>
+            </a:r>
+            <a:r>
+              <a:rPr lang="en-US" dirty="0" err="1"/>
+              <a:t>varten</a:t>
+            </a:r>
+            <a:r>
+              <a:rPr lang="en-US" dirty="0"/>
+              <a:t> on </a:t>
+            </a:r>
+            <a:r>
+              <a:rPr lang="en-US" dirty="0" err="1"/>
+              <a:t>yhden</a:t>
+            </a:r>
+            <a:r>
+              <a:rPr lang="en-US" dirty="0"/>
+              <a:t> </a:t>
+            </a:r>
+            <a:r>
+              <a:rPr lang="en-US" dirty="0" err="1"/>
+              <a:t>laitteen</a:t>
+            </a:r>
+            <a:r>
+              <a:rPr lang="en-US" dirty="0"/>
+              <a:t> </a:t>
+            </a:r>
+            <a:r>
+              <a:rPr lang="en-US" dirty="0" err="1"/>
+              <a:t>toimittava</a:t>
+            </a:r>
+            <a:r>
+              <a:rPr lang="en-US" dirty="0"/>
+              <a:t> </a:t>
+            </a:r>
+            <a:r>
+              <a:rPr lang="en-US" dirty="0" err="1"/>
+              <a:t>palvelimena</a:t>
+            </a:r>
+            <a:r>
+              <a:rPr lang="en-US" dirty="0"/>
+              <a:t>.</a:t>
+            </a:r>
+          </a:p>
+          <a:p>
+            <a:endParaRPr lang="en-US" dirty="0"/>
+          </a:p>
+          <a:p>
+            <a:r>
+              <a:rPr lang="en-US" dirty="0" err="1"/>
+              <a:t>BluetoothProfiles</a:t>
+            </a:r>
+            <a:endParaRPr lang="en-US" dirty="0"/>
+          </a:p>
+          <a:p>
+            <a:pPr lvl="1"/>
+            <a:r>
+              <a:rPr lang="en-US" dirty="0"/>
+              <a:t>Bluetooth </a:t>
+            </a:r>
+            <a:r>
+              <a:rPr lang="en-US" dirty="0" err="1"/>
+              <a:t>tarjoaa</a:t>
+            </a:r>
+            <a:r>
+              <a:rPr lang="en-US" dirty="0"/>
+              <a:t> </a:t>
+            </a:r>
+            <a:r>
+              <a:rPr lang="en-US" dirty="0" err="1"/>
+              <a:t>valmiiksi</a:t>
+            </a:r>
+            <a:r>
+              <a:rPr lang="en-US" dirty="0"/>
+              <a:t> </a:t>
+            </a:r>
+            <a:r>
+              <a:rPr lang="en-US" dirty="0" err="1"/>
+              <a:t>luodut</a:t>
+            </a:r>
+            <a:r>
+              <a:rPr lang="en-US" dirty="0"/>
+              <a:t> </a:t>
+            </a:r>
+            <a:r>
+              <a:rPr lang="en-US" dirty="0" err="1"/>
+              <a:t>profiilit</a:t>
+            </a:r>
+            <a:r>
+              <a:rPr lang="en-US" dirty="0"/>
+              <a:t> A2DP-laitteille, </a:t>
+            </a:r>
+            <a:r>
+              <a:rPr lang="en-US" dirty="0" err="1"/>
+              <a:t>langattomille</a:t>
+            </a:r>
+            <a:r>
+              <a:rPr lang="en-US" dirty="0"/>
+              <a:t> </a:t>
+            </a:r>
+            <a:r>
+              <a:rPr lang="en-US" dirty="0" err="1"/>
+              <a:t>kuulokkeille</a:t>
+            </a:r>
+            <a:r>
+              <a:rPr lang="en-US" dirty="0"/>
+              <a:t> ja </a:t>
+            </a:r>
+            <a:r>
+              <a:rPr lang="en-US" dirty="0" err="1"/>
+              <a:t>terveyslaitteille</a:t>
+            </a:r>
+            <a:r>
+              <a:rPr lang="en-US" dirty="0"/>
+              <a:t>.</a:t>
+            </a:r>
+          </a:p>
+          <a:p>
+            <a:pPr lvl="1"/>
+            <a:endParaRPr lang="en-US" dirty="0"/>
+          </a:p>
+          <a:p>
+            <a:r>
+              <a:rPr lang="en-US" dirty="0" err="1"/>
+              <a:t>BluetoothAdapter</a:t>
+            </a:r>
+            <a:endParaRPr lang="en-US" dirty="0"/>
+          </a:p>
+          <a:p>
+            <a:pPr lvl="1"/>
+            <a:r>
+              <a:rPr lang="en-US" dirty="0" err="1"/>
+              <a:t>Hallitsee</a:t>
+            </a:r>
+            <a:r>
+              <a:rPr lang="en-US" dirty="0"/>
+              <a:t> </a:t>
+            </a:r>
+            <a:r>
+              <a:rPr lang="en-US" dirty="0" err="1"/>
+              <a:t>bluetooth</a:t>
+            </a:r>
+            <a:r>
+              <a:rPr lang="en-US" dirty="0"/>
+              <a:t> </a:t>
+            </a:r>
+            <a:r>
+              <a:rPr lang="en-US" dirty="0" err="1"/>
+              <a:t>laitteiden</a:t>
+            </a:r>
+            <a:r>
+              <a:rPr lang="en-US" dirty="0"/>
+              <a:t> </a:t>
+            </a:r>
+            <a:r>
+              <a:rPr lang="en-US" dirty="0" err="1"/>
+              <a:t>etsintää</a:t>
+            </a:r>
+            <a:r>
+              <a:rPr lang="en-US" dirty="0"/>
+              <a:t>.</a:t>
+            </a:r>
+          </a:p>
+          <a:p>
+            <a:pPr lvl="1"/>
+            <a:r>
+              <a:rPr lang="en-US" dirty="0" err="1"/>
+              <a:t>Laitteen</a:t>
+            </a:r>
+            <a:r>
+              <a:rPr lang="en-US" dirty="0"/>
+              <a:t> Bluetooth-</a:t>
+            </a:r>
+            <a:r>
+              <a:rPr lang="en-US" dirty="0" err="1"/>
+              <a:t>kommunikaation</a:t>
+            </a:r>
+            <a:r>
+              <a:rPr lang="en-US" dirty="0"/>
+              <a:t> </a:t>
+            </a:r>
+            <a:r>
+              <a:rPr lang="en-US" dirty="0" err="1"/>
+              <a:t>yleisiä</a:t>
+            </a:r>
+            <a:r>
+              <a:rPr lang="en-US" dirty="0"/>
+              <a:t> </a:t>
+            </a:r>
+            <a:r>
+              <a:rPr lang="en-US" dirty="0" err="1"/>
+              <a:t>asetuksia</a:t>
+            </a:r>
+            <a:endParaRPr lang="en-US" dirty="0"/>
+          </a:p>
+        </p:txBody>
+      </p:sp>
+    </p:spTree>
+    <p:extLst>
+      <p:ext uri="{BB962C8B-B14F-4D97-AF65-F5344CB8AC3E}">
+        <p14:creationId xmlns:p14="http://schemas.microsoft.com/office/powerpoint/2010/main" val="3598029641"/>
+      </p:ext>
+    </p:extLst>
+  </p:cSld>
+  <p:clrMapOvr>
+    <a:masterClrMapping/>
+  </p:clrMapOvr>
+  <mc:AlternateContent xmlns:mc="http://schemas.openxmlformats.org/markup-compatibility/2006">
+    <mc:Choice xmlns:p14="http://schemas.microsoft.com/office/powerpoint/2010/main" Requires="p14">
+      <p:transition spd="med" p14:dur="700">
+        <p:fade/>
+      </p:transition>
+    </mc:Choice>
+    <mc:Fallback>
+      <p:transition spd="med">
+        <p:fade/>
+      </p:transition>
+    </mc:Fallback>
+  </mc:AlternateContent>
+  <p:timing>
+    <p:tnLst>
+      <p:par>
+        <p:cTn id="1" dur="indefinite" restart="never" nodeType="tmRoot"/>
+      </p:par>
+    </p:tnLst>
+  </p:timing>
+</p:sld>
+</file>
+
+<file path=ppt/slides/slide6.xml><?xml version="1.0" encoding="utf-8"?>
+<p:sld xmlns:a="http://schemas.openxmlformats.org/drawingml/2006/main" xmlns:r="http://schemas.openxmlformats.org/officeDocument/2006/relationships" xmlns:p="http://schemas.openxmlformats.org/presentationml/2006/main">
+  <p:cSld>
+    <p:spTree>
+      <p:nvGrpSpPr>
+        <p:cNvPr id="1" name=""/>
+        <p:cNvGrpSpPr/>
+        <p:nvPr/>
+      </p:nvGrpSpPr>
+      <p:grpSpPr>
+        <a:xfrm>
+          <a:off x="0" y="0"/>
+          <a:ext cx="0" cy="0"/>
+          <a:chOff x="0" y="0"/>
+          <a:chExt cx="0" cy="0"/>
+        </a:xfrm>
+      </p:grpSpPr>
+      <p:sp>
+        <p:nvSpPr>
+          <p:cNvPr id="2" name="Title 1">
+            <a:extLst>
+              <a:ext uri="{FF2B5EF4-FFF2-40B4-BE49-F238E27FC236}">
+                <a16:creationId xmlns:a16="http://schemas.microsoft.com/office/drawing/2014/main" id="{FFBA8B74-F668-4D8B-82EE-160C05AE51D3}"/>
+              </a:ext>
+            </a:extLst>
+          </p:cNvPr>
+          <p:cNvSpPr>
+            <a:spLocks noGrp="1"/>
+          </p:cNvSpPr>
+          <p:nvPr>
+            <p:ph type="title"/>
+          </p:nvPr>
+        </p:nvSpPr>
+        <p:spPr/>
+        <p:txBody>
+          <a:bodyPr/>
+          <a:lstStyle/>
+          <a:p>
+            <a:r>
+              <a:rPr lang="fi-FI"/>
+              <a:t>Bluetooth profiilit</a:t>
+            </a:r>
+          </a:p>
+        </p:txBody>
+      </p:sp>
+      <p:sp>
+        <p:nvSpPr>
+          <p:cNvPr id="3" name="Content Placeholder 2">
+            <a:extLst>
+              <a:ext uri="{FF2B5EF4-FFF2-40B4-BE49-F238E27FC236}">
+                <a16:creationId xmlns:a16="http://schemas.microsoft.com/office/drawing/2014/main" id="{EABD0EB6-1216-4078-9D57-3824A7D93124}"/>
+              </a:ext>
+            </a:extLst>
+          </p:cNvPr>
+          <p:cNvSpPr>
+            <a:spLocks noGrp="1"/>
+          </p:cNvSpPr>
+          <p:nvPr>
+            <p:ph idx="1"/>
+          </p:nvPr>
+        </p:nvSpPr>
+        <p:spPr>
+          <a:xfrm>
+            <a:off x="1719384" y="2086253"/>
+            <a:ext cx="9783639" cy="3704948"/>
+          </a:xfrm>
+        </p:spPr>
+        <p:txBody>
+          <a:bodyPr>
+            <a:normAutofit lnSpcReduction="10000"/>
+          </a:bodyPr>
+          <a:lstStyle/>
+          <a:p>
+            <a:r>
+              <a:rPr lang="fi-FI" dirty="0"/>
+              <a:t>Android v3.o alkaen Bluetooth API sisältää valmiiksi tehtyjä profiileja, joiden avulla erityyppisiä laitteita voidaan hallita.</a:t>
+            </a:r>
+          </a:p>
+          <a:p>
+            <a:pPr>
+              <a:buClr>
+                <a:srgbClr val="1287C3"/>
+              </a:buClr>
+            </a:pPr>
+            <a:r>
+              <a:rPr lang="fi-FI" dirty="0" err="1"/>
+              <a:t>Headset</a:t>
+            </a:r>
+            <a:endParaRPr lang="fi-FI" dirty="0"/>
+          </a:p>
+          <a:p>
+            <a:pPr lvl="1">
+              <a:buClr>
+                <a:srgbClr val="1287C3"/>
+              </a:buClr>
+            </a:pPr>
+            <a:r>
+              <a:rPr lang="fi-FI" dirty="0" err="1"/>
+              <a:t>Hands</a:t>
+            </a:r>
+            <a:r>
+              <a:rPr lang="fi-FI" dirty="0"/>
+              <a:t>-</a:t>
+            </a:r>
+            <a:r>
+              <a:rPr lang="fi-FI" dirty="0" err="1"/>
+              <a:t>Free</a:t>
+            </a:r>
+            <a:r>
+              <a:rPr lang="fi-FI" dirty="0"/>
+              <a:t>-kuulokkeiden käyttöön.</a:t>
+            </a:r>
+          </a:p>
+          <a:p>
+            <a:pPr>
+              <a:buClr>
+                <a:srgbClr val="1287C3"/>
+              </a:buClr>
+            </a:pPr>
+            <a:r>
+              <a:rPr lang="fi-FI" dirty="0"/>
+              <a:t>A2DP</a:t>
+            </a:r>
+          </a:p>
+          <a:p>
+            <a:pPr lvl="1">
+              <a:buClr>
+                <a:srgbClr val="1287C3"/>
+              </a:buClr>
+            </a:pPr>
+            <a:r>
+              <a:rPr lang="fi-FI" dirty="0"/>
+              <a:t>Advanced Audio </a:t>
+            </a:r>
+            <a:r>
+              <a:rPr lang="fi-FI" dirty="0" err="1"/>
+              <a:t>Distribution</a:t>
+            </a:r>
+            <a:r>
+              <a:rPr lang="fi-FI" dirty="0"/>
+              <a:t> </a:t>
+            </a:r>
+            <a:r>
+              <a:rPr lang="fi-FI" dirty="0" err="1"/>
+              <a:t>Profile</a:t>
+            </a:r>
+            <a:r>
+              <a:rPr lang="fi-FI" dirty="0"/>
+              <a:t>. Tarkoitettu korkealaatuiseen äänentoistoon. Käytetään erityisesti langattomissa kuulokkeissa ja kaiuttimissa.</a:t>
+            </a:r>
+          </a:p>
+          <a:p>
+            <a:pPr>
+              <a:buClr>
+                <a:srgbClr val="1287C3"/>
+              </a:buClr>
+            </a:pPr>
+            <a:r>
+              <a:rPr lang="fi-FI" dirty="0"/>
+              <a:t>Health Device </a:t>
+            </a:r>
+          </a:p>
+          <a:p>
+            <a:pPr lvl="1">
+              <a:buClr>
+                <a:srgbClr val="1287C3"/>
+              </a:buClr>
+            </a:pPr>
+            <a:r>
+              <a:rPr lang="fi-FI" dirty="0"/>
+              <a:t>Käytetään mm. syke- ja lämpömittareissa, henkilövaaoissa yms. </a:t>
+            </a:r>
+          </a:p>
+        </p:txBody>
+      </p:sp>
+    </p:spTree>
+    <p:extLst>
+      <p:ext uri="{BB962C8B-B14F-4D97-AF65-F5344CB8AC3E}">
+        <p14:creationId xmlns:p14="http://schemas.microsoft.com/office/powerpoint/2010/main" val="1556678748"/>
+      </p:ext>
+    </p:extLst>
+  </p:cSld>
+  <p:clrMapOvr>
+    <a:masterClrMapping/>
+  </p:clrMapOvr>
+  <mc:AlternateContent xmlns:mc="http://schemas.openxmlformats.org/markup-compatibility/2006">
+    <mc:Choice xmlns:p14="http://schemas.microsoft.com/office/powerpoint/2010/main" Requires="p14">
+      <p:transition spd="med" p14:dur="700">
+        <p:fade/>
+      </p:transition>
+    </mc:Choice>
+    <mc:Fallback>
+      <p:transition spd="med">
+        <p:fade/>
+      </p:transition>
+    </mc:Fallback>
+  </mc:AlternateContent>
+  <p:timing>
+    <p:tnLst>
+      <p:par>
+        <p:cTn id="1" dur="indefinite" restart="never" nodeType="tmRoot"/>
+      </p:par>
+    </p:tnLst>
+  </p:timing>
+</p:sld>
+</file>
+
+<file path=ppt/slides/slide7.xml><?xml version="1.0" encoding="utf-8"?>
 <p:sld xmlns:a="http://schemas.openxmlformats.org/drawingml/2006/main" xmlns:r="http://schemas.openxmlformats.org/officeDocument/2006/relationships" xmlns:p="http://schemas.openxmlformats.org/presentationml/2006/main">
   <p:cSld>
     <p:spTree>
@@ -43996,10 +46149,29 @@
   <p:clrMapOvr>
     <a:masterClrMapping/>
   </p:clrMapOvr>
+  <mc:AlternateContent xmlns:mc="http://schemas.openxmlformats.org/markup-compatibility/2006">
+    <mc:Choice xmlns:p14="http://schemas.microsoft.com/office/powerpoint/2010/main" Requires="p14">
+      <p:transition spd="med" p14:dur="700">
+        <p:fade/>
+      </p:transition>
+    </mc:Choice>
+    <mc:Fallback>
+      <p:transition spd="med">
+        <p:fade/>
+      </p:transition>
+    </mc:Fallback>
+  </mc:AlternateContent>
+  <p:timing>
+    <p:tnLst>
+      <p:par>
+        <p:cTn id="1" dur="indefinite" restart="never" nodeType="tmRoot"/>
+      </p:par>
+    </p:tnLst>
+  </p:timing>
 </p:sld>
 </file>
 
-<file path=ppt/slides/slide6.xml><?xml version="1.0" encoding="utf-8"?>
+<file path=ppt/slides/slide8.xml><?xml version="1.0" encoding="utf-8"?>
 <p:sld xmlns:a="http://schemas.openxmlformats.org/drawingml/2006/main" xmlns:r="http://schemas.openxmlformats.org/officeDocument/2006/relationships" xmlns:p="http://schemas.openxmlformats.org/presentationml/2006/main">
   <p:cSld>
     <p:spTree>
@@ -44523,6 +46695,13 @@
               </a:rPr>
               <a:t>);</a:t>
             </a:r>
+            <a:r>
+              <a:rPr lang="en-US" dirty="0">
+                <a:latin typeface="+mn-ea"/>
+                <a:cs typeface="+mn-ea"/>
+              </a:rPr>
+              <a:t/>
+            </a:r>
             <a:br>
               <a:rPr lang="en-US" dirty="0">
                 <a:latin typeface="+mn-ea"/>
@@ -44599,10 +46778,29 @@
   <p:clrMapOvr>
     <a:masterClrMapping/>
   </p:clrMapOvr>
+  <mc:AlternateContent xmlns:mc="http://schemas.openxmlformats.org/markup-compatibility/2006">
+    <mc:Choice xmlns:p14="http://schemas.microsoft.com/office/powerpoint/2010/main" Requires="p14">
+      <p:transition spd="med" p14:dur="700">
+        <p:fade/>
+      </p:transition>
+    </mc:Choice>
+    <mc:Fallback>
+      <p:transition spd="med">
+        <p:fade/>
+      </p:transition>
+    </mc:Fallback>
+  </mc:AlternateContent>
+  <p:timing>
+    <p:tnLst>
+      <p:par>
+        <p:cTn id="1" dur="indefinite" restart="never" nodeType="tmRoot"/>
+      </p:par>
+    </p:tnLst>
+  </p:timing>
 </p:sld>
 </file>
 
-<file path=ppt/slides/slide7.xml><?xml version="1.0" encoding="utf-8"?>
+<file path=ppt/slides/slide9.xml><?xml version="1.0" encoding="utf-8"?>
 <p:sld xmlns:a="http://schemas.openxmlformats.org/drawingml/2006/main" xmlns:r="http://schemas.openxmlformats.org/officeDocument/2006/relationships" xmlns:p="http://schemas.openxmlformats.org/presentationml/2006/main">
   <p:cSld>
     <p:spTree>
@@ -44987,6 +47185,13 @@
               </a:rPr>
               <a:t>.</a:t>
             </a:r>
+            <a:r>
+              <a:rPr lang="en-US">
+                <a:latin typeface="+mn-ea"/>
+                <a:cs typeface="+mn-ea"/>
+              </a:rPr>
+              <a:t/>
+            </a:r>
             <a:br>
               <a:rPr lang="en-US">
                 <a:latin typeface="+mn-ea"/>
@@ -45126,6 +47331,13 @@
               </a:rPr>
               <a:t>, new String[]{</a:t>
             </a:r>
+            <a:r>
+              <a:rPr lang="en-US">
+                <a:latin typeface="+mn-ea"/>
+                <a:cs typeface="+mn-ea"/>
+              </a:rPr>
+              <a:t/>
+            </a:r>
             <a:br>
               <a:rPr lang="en-US">
                 <a:latin typeface="+mn-ea"/>
@@ -45156,6 +47368,13 @@
               </a:rPr>
               <a:t>,</a:t>
             </a:r>
+            <a:r>
+              <a:rPr lang="en-US">
+                <a:latin typeface="+mn-ea"/>
+                <a:cs typeface="+mn-ea"/>
+              </a:rPr>
+              <a:t/>
+            </a:r>
             <a:br>
               <a:rPr lang="en-US">
                 <a:latin typeface="+mn-ea"/>
@@ -45186,6 +47405,13 @@
               </a:rPr>
               <a:t>,</a:t>
             </a:r>
+            <a:r>
+              <a:rPr lang="en-US">
+                <a:latin typeface="+mn-ea"/>
+                <a:cs typeface="+mn-ea"/>
+              </a:rPr>
+              <a:t/>
+            </a:r>
             <a:br>
               <a:rPr lang="en-US">
                 <a:latin typeface="+mn-ea"/>
@@ -45216,6 +47442,13 @@
               </a:rPr>
               <a:t>,</a:t>
             </a:r>
+            <a:r>
+              <a:rPr lang="en-US">
+                <a:latin typeface="+mn-ea"/>
+                <a:cs typeface="+mn-ea"/>
+              </a:rPr>
+              <a:t/>
+            </a:r>
             <a:br>
               <a:rPr lang="en-US">
                 <a:latin typeface="+mn-ea"/>
@@ -45239,6 +47472,13 @@
                 <a:latin typeface="Consolas"/>
               </a:rPr>
               <a:t>ACCESS_COARSE_LOCATION</a:t>
+            </a:r>
+            <a:r>
+              <a:rPr lang="en-US">
+                <a:latin typeface="+mn-ea"/>
+                <a:cs typeface="+mn-ea"/>
+              </a:rPr>
+              <a:t/>
             </a:r>
             <a:br>
               <a:rPr lang="en-US">
@@ -45295,865 +47535,25 @@
   <p:clrMapOvr>
     <a:masterClrMapping/>
   </p:clrMapOvr>
-</p:sld>
-</file>
-
-<file path=ppt/slides/slide8.xml><?xml version="1.0" encoding="utf-8"?>
-<p:sld xmlns:a="http://schemas.openxmlformats.org/drawingml/2006/main" xmlns:r="http://schemas.openxmlformats.org/officeDocument/2006/relationships" xmlns:p="http://schemas.openxmlformats.org/presentationml/2006/main">
-  <p:cSld>
-    <p:spTree>
-      <p:nvGrpSpPr>
-        <p:cNvPr id="1" name=""/>
-        <p:cNvGrpSpPr/>
-        <p:nvPr/>
-      </p:nvGrpSpPr>
-      <p:grpSpPr>
-        <a:xfrm>
-          <a:off x="0" y="0"/>
-          <a:ext cx="0" cy="0"/>
-          <a:chOff x="0" y="0"/>
-          <a:chExt cx="0" cy="0"/>
-        </a:xfrm>
-      </p:grpSpPr>
-      <p:sp>
-        <p:nvSpPr>
-          <p:cNvPr id="2" name="Title 1">
-            <a:extLst>
-              <a:ext uri="{FF2B5EF4-FFF2-40B4-BE49-F238E27FC236}">
-                <a16:creationId xmlns:a16="http://schemas.microsoft.com/office/drawing/2014/main" id="{7AB188AF-A9B9-4959-A77C-3CA2A528A629}"/>
-              </a:ext>
-            </a:extLst>
-          </p:cNvPr>
-          <p:cNvSpPr>
-            <a:spLocks noGrp="1"/>
-          </p:cNvSpPr>
-          <p:nvPr>
-            <p:ph type="title"/>
-          </p:nvPr>
-        </p:nvSpPr>
-        <p:spPr>
-          <a:xfrm>
-            <a:off x="1649413" y="327025"/>
-            <a:ext cx="5658586" cy="931863"/>
-          </a:xfrm>
-        </p:spPr>
-        <p:txBody>
-          <a:bodyPr>
-            <a:normAutofit/>
-          </a:bodyPr>
-          <a:lstStyle/>
-          <a:p>
-            <a:r>
-              <a:rPr lang="en-US" dirty="0"/>
-              <a:t>Discovery</a:t>
-            </a:r>
-          </a:p>
-        </p:txBody>
-      </p:sp>
-      <p:graphicFrame>
-        <p:nvGraphicFramePr>
-          <p:cNvPr id="4" name="Diagram 4">
-            <a:extLst>
-              <a:ext uri="{FF2B5EF4-FFF2-40B4-BE49-F238E27FC236}">
-                <a16:creationId xmlns:a16="http://schemas.microsoft.com/office/drawing/2014/main" id="{A1DAB138-7529-476F-85E5-1B8D05F0DEEA}"/>
-              </a:ext>
-            </a:extLst>
-          </p:cNvPr>
-          <p:cNvGraphicFramePr>
-            <a:graphicFrameLocks noGrp="1"/>
-          </p:cNvGraphicFramePr>
-          <p:nvPr>
-            <p:ph idx="1"/>
-            <p:extLst>
-              <p:ext uri="{D42A27DB-BD31-4B8C-83A1-F6EECF244321}">
-                <p14:modId xmlns:p14="http://schemas.microsoft.com/office/powerpoint/2010/main" val="2661365488"/>
-              </p:ext>
-            </p:extLst>
-          </p:nvPr>
-        </p:nvGraphicFramePr>
-        <p:xfrm>
-          <a:off x="8092611" y="200025"/>
-          <a:ext cx="4761955" cy="6310327"/>
-        </p:xfrm>
-        <a:graphic>
-          <a:graphicData uri="http://schemas.openxmlformats.org/drawingml/2006/diagram">
-            <dgm:relIds xmlns:dgm="http://schemas.openxmlformats.org/drawingml/2006/diagram" xmlns:r="http://schemas.openxmlformats.org/officeDocument/2006/relationships" r:dm="rId2" r:lo="rId3" r:qs="rId4" r:cs="rId5"/>
-          </a:graphicData>
-        </a:graphic>
-      </p:graphicFrame>
-      <p:sp>
-        <p:nvSpPr>
-          <p:cNvPr id="5" name="Content Placeholder 2">
-            <a:extLst>
-              <a:ext uri="{FF2B5EF4-FFF2-40B4-BE49-F238E27FC236}">
-                <a16:creationId xmlns:a16="http://schemas.microsoft.com/office/drawing/2014/main" id="{E04603B9-F513-4BA3-A38C-E6EB534AFD65}"/>
-              </a:ext>
-            </a:extLst>
-          </p:cNvPr>
-          <p:cNvSpPr txBox="1">
-            <a:spLocks/>
-          </p:cNvSpPr>
-          <p:nvPr/>
-        </p:nvSpPr>
-        <p:spPr>
-          <a:xfrm>
-            <a:off x="495542" y="1272516"/>
-            <a:ext cx="8556383" cy="5607709"/>
-          </a:xfrm>
-          <a:prstGeom prst="rect">
-            <a:avLst/>
-          </a:prstGeom>
-        </p:spPr>
-        <p:txBody>
-          <a:bodyPr vert="horz" lIns="91440" tIns="45720" rIns="91440" bIns="45720" rtlCol="0" anchor="t">
-            <a:normAutofit fontScale="85000" lnSpcReduction="10000"/>
-          </a:bodyPr>
-          <a:lstStyle>
-            <a:lvl1pPr marL="285750" indent="-285750" algn="l" defTabSz="457200" rtl="0" eaLnBrk="1" latinLnBrk="0" hangingPunct="1">
-              <a:spcBef>
-                <a:spcPct val="20000"/>
-              </a:spcBef>
-              <a:spcAft>
-                <a:spcPts val="600"/>
-              </a:spcAft>
-              <a:buClr>
-                <a:schemeClr val="accent1">
-                  <a:lumMod val="75000"/>
-                </a:schemeClr>
-              </a:buClr>
-              <a:buSzPct val="145000"/>
-              <a:buFont typeface="Arial"/>
-              <a:buChar char="•"/>
-              <a:defRPr sz="2400" kern="1200" cap="none">
-                <a:solidFill>
-                  <a:schemeClr val="tx1"/>
-                </a:solidFill>
-                <a:effectLst/>
-                <a:latin typeface="+mn-lt"/>
-                <a:ea typeface="+mn-ea"/>
-                <a:cs typeface="+mn-cs"/>
-              </a:defRPr>
-            </a:lvl1pPr>
-            <a:lvl2pPr marL="742950" indent="-285750" algn="l" defTabSz="457200" rtl="0" eaLnBrk="1" latinLnBrk="0" hangingPunct="1">
-              <a:spcBef>
-                <a:spcPct val="20000"/>
-              </a:spcBef>
-              <a:spcAft>
-                <a:spcPts val="600"/>
-              </a:spcAft>
-              <a:buClr>
-                <a:schemeClr val="accent1">
-                  <a:lumMod val="75000"/>
-                </a:schemeClr>
-              </a:buClr>
-              <a:buSzPct val="145000"/>
-              <a:buFont typeface="Arial"/>
-              <a:buChar char="•"/>
-              <a:defRPr sz="2000" kern="1200" cap="none">
-                <a:solidFill>
-                  <a:schemeClr val="tx1"/>
-                </a:solidFill>
-                <a:effectLst/>
-                <a:latin typeface="+mn-lt"/>
-                <a:ea typeface="+mn-ea"/>
-                <a:cs typeface="+mn-cs"/>
-              </a:defRPr>
-            </a:lvl2pPr>
-            <a:lvl3pPr marL="1200150" indent="-285750" algn="l" defTabSz="457200" rtl="0" eaLnBrk="1" latinLnBrk="0" hangingPunct="1">
-              <a:spcBef>
-                <a:spcPct val="20000"/>
-              </a:spcBef>
-              <a:spcAft>
-                <a:spcPts val="600"/>
-              </a:spcAft>
-              <a:buClr>
-                <a:schemeClr val="accent1">
-                  <a:lumMod val="75000"/>
-                </a:schemeClr>
-              </a:buClr>
-              <a:buSzPct val="145000"/>
-              <a:buFont typeface="Arial"/>
-              <a:buChar char="•"/>
-              <a:defRPr sz="1800" kern="1200" cap="none">
-                <a:solidFill>
-                  <a:schemeClr val="tx1"/>
-                </a:solidFill>
-                <a:effectLst/>
-                <a:latin typeface="+mn-lt"/>
-                <a:ea typeface="+mn-ea"/>
-                <a:cs typeface="+mn-cs"/>
-              </a:defRPr>
-            </a:lvl3pPr>
-            <a:lvl4pPr marL="1543050" indent="-171450" algn="l" defTabSz="457200" rtl="0" eaLnBrk="1" latinLnBrk="0" hangingPunct="1">
-              <a:spcBef>
-                <a:spcPct val="20000"/>
-              </a:spcBef>
-              <a:spcAft>
-                <a:spcPts val="600"/>
-              </a:spcAft>
-              <a:buClr>
-                <a:schemeClr val="accent1">
-                  <a:lumMod val="75000"/>
-                </a:schemeClr>
-              </a:buClr>
-              <a:buSzPct val="145000"/>
-              <a:buFont typeface="Arial"/>
-              <a:buChar char="•"/>
-              <a:defRPr sz="1600" kern="1200" cap="none">
-                <a:solidFill>
-                  <a:schemeClr val="tx1"/>
-                </a:solidFill>
-                <a:effectLst/>
-                <a:latin typeface="+mn-lt"/>
-                <a:ea typeface="+mn-ea"/>
-                <a:cs typeface="+mn-cs"/>
-              </a:defRPr>
-            </a:lvl4pPr>
-            <a:lvl5pPr marL="2000250" indent="-171450" algn="l" defTabSz="457200" rtl="0" eaLnBrk="1" latinLnBrk="0" hangingPunct="1">
-              <a:spcBef>
-                <a:spcPct val="20000"/>
-              </a:spcBef>
-              <a:spcAft>
-                <a:spcPts val="600"/>
-              </a:spcAft>
-              <a:buClr>
-                <a:schemeClr val="accent1">
-                  <a:lumMod val="75000"/>
-                </a:schemeClr>
-              </a:buClr>
-              <a:buSzPct val="145000"/>
-              <a:buFont typeface="Arial"/>
-              <a:buChar char="•"/>
-              <a:defRPr sz="1400" kern="1200" cap="none">
-                <a:solidFill>
-                  <a:schemeClr val="tx1"/>
-                </a:solidFill>
-                <a:effectLst/>
-                <a:latin typeface="+mn-lt"/>
-                <a:ea typeface="+mn-ea"/>
-                <a:cs typeface="+mn-cs"/>
-              </a:defRPr>
-            </a:lvl5pPr>
-            <a:lvl6pPr marL="2514600" indent="-228600" algn="l" defTabSz="457200" rtl="0" eaLnBrk="1" latinLnBrk="0" hangingPunct="1">
-              <a:spcBef>
-                <a:spcPct val="20000"/>
-              </a:spcBef>
-              <a:spcAft>
-                <a:spcPts val="600"/>
-              </a:spcAft>
-              <a:buClr>
-                <a:schemeClr val="accent1">
-                  <a:lumMod val="75000"/>
-                </a:schemeClr>
-              </a:buClr>
-              <a:buSzPct val="145000"/>
-              <a:buFont typeface="Arial"/>
-              <a:buChar char="•"/>
-              <a:defRPr sz="1400" kern="1200" cap="none">
-                <a:solidFill>
-                  <a:schemeClr val="tx1"/>
-                </a:solidFill>
-                <a:effectLst/>
-                <a:latin typeface="+mn-lt"/>
-                <a:ea typeface="+mn-ea"/>
-                <a:cs typeface="+mn-cs"/>
-              </a:defRPr>
-            </a:lvl6pPr>
-            <a:lvl7pPr marL="2971800" indent="-228600" algn="l" defTabSz="457200" rtl="0" eaLnBrk="1" latinLnBrk="0" hangingPunct="1">
-              <a:spcBef>
-                <a:spcPct val="20000"/>
-              </a:spcBef>
-              <a:spcAft>
-                <a:spcPts val="600"/>
-              </a:spcAft>
-              <a:buClr>
-                <a:schemeClr val="accent1">
-                  <a:lumMod val="75000"/>
-                </a:schemeClr>
-              </a:buClr>
-              <a:buSzPct val="145000"/>
-              <a:buFont typeface="Arial"/>
-              <a:buChar char="•"/>
-              <a:defRPr sz="1400" kern="1200" cap="none">
-                <a:solidFill>
-                  <a:schemeClr val="tx1"/>
-                </a:solidFill>
-                <a:effectLst/>
-                <a:latin typeface="+mn-lt"/>
-                <a:ea typeface="+mn-ea"/>
-                <a:cs typeface="+mn-cs"/>
-              </a:defRPr>
-            </a:lvl7pPr>
-            <a:lvl8pPr marL="3429000" indent="-228600" algn="l" defTabSz="457200" rtl="0" eaLnBrk="1" latinLnBrk="0" hangingPunct="1">
-              <a:spcBef>
-                <a:spcPct val="20000"/>
-              </a:spcBef>
-              <a:spcAft>
-                <a:spcPts val="600"/>
-              </a:spcAft>
-              <a:buClr>
-                <a:schemeClr val="accent1">
-                  <a:lumMod val="75000"/>
-                </a:schemeClr>
-              </a:buClr>
-              <a:buSzPct val="145000"/>
-              <a:buFont typeface="Arial"/>
-              <a:buChar char="•"/>
-              <a:defRPr sz="1400" kern="1200" cap="none">
-                <a:solidFill>
-                  <a:schemeClr val="tx1"/>
-                </a:solidFill>
-                <a:effectLst/>
-                <a:latin typeface="+mn-lt"/>
-                <a:ea typeface="+mn-ea"/>
-                <a:cs typeface="+mn-cs"/>
-              </a:defRPr>
-            </a:lvl8pPr>
-            <a:lvl9pPr marL="3886200" indent="-228600" algn="l" defTabSz="457200" rtl="0" eaLnBrk="1" latinLnBrk="0" hangingPunct="1">
-              <a:spcBef>
-                <a:spcPct val="20000"/>
-              </a:spcBef>
-              <a:spcAft>
-                <a:spcPts val="600"/>
-              </a:spcAft>
-              <a:buClr>
-                <a:schemeClr val="accent1">
-                  <a:lumMod val="75000"/>
-                </a:schemeClr>
-              </a:buClr>
-              <a:buSzPct val="145000"/>
-              <a:buFont typeface="Arial"/>
-              <a:buChar char="•"/>
-              <a:defRPr sz="1400" kern="1200" cap="none">
-                <a:solidFill>
-                  <a:schemeClr val="tx1"/>
-                </a:solidFill>
-                <a:effectLst/>
-                <a:latin typeface="+mn-lt"/>
-                <a:ea typeface="+mn-ea"/>
-                <a:cs typeface="+mn-cs"/>
-              </a:defRPr>
-            </a:lvl9pPr>
-          </a:lstStyle>
-          <a:p>
-            <a:pPr lvl="1">
-              <a:buNone/>
-            </a:pPr>
-            <a:r>
-              <a:rPr lang="en-US" sz="1800" dirty="0"/>
-              <a:t>      </a:t>
-            </a:r>
-            <a:r>
-              <a:rPr lang="en-US" sz="1800" dirty="0">
-                <a:latin typeface="Consolas"/>
-              </a:rPr>
-              <a:t>  </a:t>
-            </a:r>
-            <a:r>
-              <a:rPr lang="en-US" dirty="0" err="1">
-                <a:latin typeface="Consolas"/>
-              </a:rPr>
-              <a:t>IntentFilter</a:t>
-            </a:r>
-            <a:r>
-              <a:rPr lang="en-US" dirty="0">
-                <a:latin typeface="Consolas"/>
-              </a:rPr>
-              <a:t> filter=   new </a:t>
-            </a:r>
-            <a:r>
-              <a:rPr lang="en-US" dirty="0" err="1">
-                <a:latin typeface="Consolas"/>
-              </a:rPr>
-              <a:t>IntentFilter</a:t>
-            </a:r>
-            <a:r>
-              <a:rPr lang="en-US" dirty="0">
-                <a:latin typeface="Consolas"/>
-              </a:rPr>
-              <a:t>(</a:t>
-            </a:r>
-            <a:r>
-              <a:rPr lang="en-US" dirty="0" err="1">
-                <a:latin typeface="Consolas"/>
-              </a:rPr>
-              <a:t>BluetoothDevice.ACTION_FOUND</a:t>
-            </a:r>
-            <a:r>
-              <a:rPr lang="en-US" dirty="0">
-                <a:latin typeface="Consolas"/>
-              </a:rPr>
-              <a:t>);</a:t>
-            </a:r>
-            <a:br>
-              <a:rPr lang="en-US" dirty="0">
-                <a:latin typeface="+mn-ea"/>
-                <a:cs typeface="+mn-ea"/>
-              </a:rPr>
-            </a:br>
-            <a:r>
-              <a:rPr lang="en-US" dirty="0">
-                <a:latin typeface="Consolas"/>
-              </a:rPr>
-              <a:t> </a:t>
-            </a:r>
-            <a:r>
-              <a:rPr lang="en-US" dirty="0" err="1">
-                <a:latin typeface="Consolas"/>
-              </a:rPr>
-              <a:t>registerReceiver</a:t>
-            </a:r>
-            <a:r>
-              <a:rPr lang="en-US" dirty="0">
-                <a:latin typeface="Consolas"/>
-              </a:rPr>
-              <a:t>(</a:t>
-            </a:r>
-            <a:r>
-              <a:rPr lang="en-US" dirty="0" err="1">
-                <a:latin typeface="Consolas"/>
-              </a:rPr>
-              <a:t>mReceiver</a:t>
-            </a:r>
-            <a:r>
-              <a:rPr lang="en-US" dirty="0">
-                <a:latin typeface="Consolas"/>
-              </a:rPr>
-              <a:t>, filter);</a:t>
-            </a:r>
-            <a:endParaRPr lang="en-US" dirty="0">
-              <a:latin typeface="Corbel"/>
-            </a:endParaRPr>
-          </a:p>
-          <a:p>
-            <a:pPr lvl="1">
-              <a:buNone/>
-            </a:pPr>
-            <a:r>
-              <a:rPr lang="en-US" dirty="0">
-                <a:latin typeface="Consolas"/>
-              </a:rPr>
-              <a:t>   </a:t>
-            </a:r>
-            <a:r>
-              <a:rPr lang="en-US" dirty="0" err="1">
-                <a:latin typeface="Consolas"/>
-              </a:rPr>
-              <a:t>mBluetoothAdapter.startDiscovery</a:t>
-            </a:r>
-            <a:r>
-              <a:rPr lang="en-US" dirty="0">
-                <a:latin typeface="Consolas"/>
-              </a:rPr>
-              <a:t>();</a:t>
-            </a:r>
-            <a:endParaRPr lang="en-US" dirty="0">
-              <a:latin typeface="Corbel"/>
-            </a:endParaRPr>
-          </a:p>
-          <a:p>
-            <a:pPr lvl="1">
-              <a:buNone/>
-            </a:pPr>
-            <a:r>
-              <a:rPr lang="en-US" dirty="0">
-                <a:latin typeface="Corbel"/>
-              </a:rPr>
-              <a:t>      ….</a:t>
-            </a:r>
-            <a:endParaRPr lang="en-US" dirty="0">
-              <a:latin typeface="Consolas"/>
-            </a:endParaRPr>
-          </a:p>
-          <a:p>
-            <a:pPr lvl="1">
-              <a:buNone/>
-            </a:pPr>
-            <a:r>
-              <a:rPr lang="en-US" dirty="0">
-                <a:latin typeface="Consolas"/>
-              </a:rPr>
-              <a:t>    private </a:t>
-            </a:r>
-            <a:r>
-              <a:rPr lang="en-US" dirty="0" err="1">
-                <a:latin typeface="Consolas"/>
-              </a:rPr>
-              <a:t>BroadcastReceiver</a:t>
-            </a:r>
-            <a:r>
-              <a:rPr lang="en-US" dirty="0">
-                <a:latin typeface="Consolas"/>
-              </a:rPr>
-              <a:t> </a:t>
-            </a:r>
-            <a:r>
-              <a:rPr lang="en-US" dirty="0" err="1">
-                <a:latin typeface="Consolas"/>
-              </a:rPr>
-              <a:t>mReceiver</a:t>
-            </a:r>
-            <a:r>
-              <a:rPr lang="en-US" dirty="0">
-                <a:latin typeface="Consolas"/>
-              </a:rPr>
-              <a:t> = new </a:t>
-            </a:r>
-            <a:r>
-              <a:rPr lang="en-US" dirty="0" err="1">
-                <a:latin typeface="Consolas"/>
-              </a:rPr>
-              <a:t>BroadcastReceiver</a:t>
-            </a:r>
-            <a:r>
-              <a:rPr lang="en-US" dirty="0">
-                <a:latin typeface="Consolas"/>
-              </a:rPr>
-              <a:t>() {</a:t>
-            </a:r>
-          </a:p>
-          <a:p>
-            <a:pPr lvl="1">
-              <a:buNone/>
-            </a:pPr>
-            <a:r>
-              <a:rPr lang="en-US" dirty="0">
-                <a:latin typeface="Consolas"/>
-              </a:rPr>
-              <a:t>        public void </a:t>
-            </a:r>
-            <a:r>
-              <a:rPr lang="en-US" dirty="0" err="1">
-                <a:latin typeface="Consolas"/>
-              </a:rPr>
-              <a:t>onReceive</a:t>
-            </a:r>
-            <a:r>
-              <a:rPr lang="en-US" dirty="0">
-                <a:latin typeface="Consolas"/>
-              </a:rPr>
-              <a:t>(Context </a:t>
-            </a:r>
-            <a:r>
-              <a:rPr lang="en-US" dirty="0" err="1">
-                <a:latin typeface="Consolas"/>
-              </a:rPr>
-              <a:t>context</a:t>
-            </a:r>
-            <a:r>
-              <a:rPr lang="en-US" dirty="0">
-                <a:latin typeface="Consolas"/>
-              </a:rPr>
-              <a:t>, Intent intent) {</a:t>
-            </a:r>
-            <a:endParaRPr lang="en-US" dirty="0"/>
-          </a:p>
-          <a:p>
-            <a:pPr lvl="1">
-              <a:buNone/>
-            </a:pPr>
-            <a:r>
-              <a:rPr lang="en-US" dirty="0">
-                <a:latin typeface="Consolas"/>
-              </a:rPr>
-              <a:t>            String action = </a:t>
-            </a:r>
-            <a:r>
-              <a:rPr lang="en-US" dirty="0" err="1">
-                <a:latin typeface="Consolas"/>
-              </a:rPr>
-              <a:t>intent.getAction</a:t>
-            </a:r>
-            <a:r>
-              <a:rPr lang="en-US" dirty="0">
-                <a:latin typeface="Consolas"/>
-              </a:rPr>
-              <a:t>();</a:t>
-            </a:r>
-            <a:endParaRPr lang="en-US" dirty="0"/>
-          </a:p>
-          <a:p>
-            <a:pPr lvl="1">
-              <a:buNone/>
-            </a:pPr>
-            <a:r>
-              <a:rPr lang="en-US" dirty="0">
-                <a:latin typeface="Consolas"/>
-              </a:rPr>
-              <a:t>            if (</a:t>
-            </a:r>
-            <a:r>
-              <a:rPr lang="en-US" dirty="0" err="1">
-                <a:latin typeface="Consolas"/>
-              </a:rPr>
-              <a:t>BluetoothDevice.ACTION_FOUND.equals</a:t>
-            </a:r>
-            <a:r>
-              <a:rPr lang="en-US" dirty="0">
-                <a:latin typeface="Consolas"/>
-              </a:rPr>
-              <a:t>(action)) {</a:t>
-            </a:r>
-            <a:endParaRPr lang="en-US" dirty="0"/>
-          </a:p>
-          <a:p>
-            <a:pPr lvl="1">
-              <a:buNone/>
-            </a:pPr>
-            <a:r>
-              <a:rPr lang="en-US" dirty="0">
-                <a:latin typeface="Consolas"/>
-              </a:rPr>
-              <a:t>            </a:t>
-            </a:r>
-            <a:r>
-              <a:rPr lang="en-US" dirty="0" err="1">
-                <a:latin typeface="Consolas"/>
-              </a:rPr>
-              <a:t>BluetoothDevice</a:t>
-            </a:r>
-            <a:r>
-              <a:rPr lang="en-US" dirty="0">
-                <a:latin typeface="Consolas"/>
-              </a:rPr>
-              <a:t> device =    </a:t>
-            </a:r>
-            <a:r>
-              <a:rPr lang="en-US" dirty="0" err="1">
-                <a:latin typeface="Consolas"/>
-              </a:rPr>
-              <a:t>intent.getParcelableExtra</a:t>
-            </a:r>
-            <a:r>
-              <a:rPr lang="en-US" dirty="0">
-                <a:latin typeface="Consolas"/>
-              </a:rPr>
-              <a:t>(</a:t>
-            </a:r>
-            <a:r>
-              <a:rPr lang="en-US" dirty="0" err="1">
-                <a:latin typeface="Consolas"/>
-              </a:rPr>
-              <a:t>BluetoothDevice.EXTRA_DEVICE</a:t>
-            </a:r>
-            <a:r>
-              <a:rPr lang="en-US" dirty="0">
-                <a:latin typeface="Consolas"/>
-              </a:rPr>
-              <a:t>);</a:t>
-            </a:r>
-            <a:endParaRPr lang="en-US" dirty="0"/>
-          </a:p>
-          <a:p>
-            <a:pPr lvl="1">
-              <a:buNone/>
-            </a:pPr>
-            <a:r>
-              <a:rPr lang="en-US" dirty="0">
-                <a:latin typeface="Consolas"/>
-              </a:rPr>
-              <a:t>                String </a:t>
-            </a:r>
-            <a:r>
-              <a:rPr lang="en-US" dirty="0" err="1">
-                <a:latin typeface="Consolas"/>
-              </a:rPr>
-              <a:t>deviceName</a:t>
-            </a:r>
-            <a:r>
-              <a:rPr lang="en-US" dirty="0">
-                <a:latin typeface="Consolas"/>
-              </a:rPr>
-              <a:t> = </a:t>
-            </a:r>
-            <a:r>
-              <a:rPr lang="en-US" dirty="0" err="1">
-                <a:latin typeface="Consolas"/>
-              </a:rPr>
-              <a:t>device.getName</a:t>
-            </a:r>
-            <a:r>
-              <a:rPr lang="en-US" dirty="0">
-                <a:latin typeface="Consolas"/>
-              </a:rPr>
-              <a:t>();</a:t>
-            </a:r>
-            <a:endParaRPr lang="en-US" dirty="0"/>
-          </a:p>
-          <a:p>
-            <a:pPr lvl="1">
-              <a:buNone/>
-            </a:pPr>
-            <a:r>
-              <a:rPr lang="en-US" dirty="0">
-                <a:latin typeface="Consolas"/>
-              </a:rPr>
-              <a:t>            }</a:t>
-            </a:r>
-            <a:endParaRPr lang="en-US" dirty="0"/>
-          </a:p>
-          <a:p>
-            <a:pPr lvl="1">
-              <a:buNone/>
-            </a:pPr>
-            <a:r>
-              <a:rPr lang="en-US" dirty="0">
-                <a:latin typeface="Consolas"/>
-              </a:rPr>
-              <a:t>        }</a:t>
-            </a:r>
-            <a:endParaRPr lang="en-US" dirty="0"/>
-          </a:p>
-          <a:p>
-            <a:pPr lvl="1">
-              <a:buNone/>
-            </a:pPr>
-            <a:r>
-              <a:rPr lang="en-US" dirty="0">
-                <a:latin typeface="Consolas"/>
-              </a:rPr>
-              <a:t>    };</a:t>
-            </a:r>
-            <a:endParaRPr lang="en-US" dirty="0"/>
-          </a:p>
-          <a:p>
-            <a:pPr marL="457200" lvl="1" indent="0">
-              <a:buNone/>
-            </a:pPr>
-            <a:endParaRPr lang="en-US" sz="1800" dirty="0"/>
-          </a:p>
-        </p:txBody>
-      </p:sp>
-    </p:spTree>
-    <p:extLst>
-      <p:ext uri="{BB962C8B-B14F-4D97-AF65-F5344CB8AC3E}">
-        <p14:creationId xmlns:p14="http://schemas.microsoft.com/office/powerpoint/2010/main" val="2247650872"/>
-      </p:ext>
-    </p:extLst>
-  </p:cSld>
-  <p:clrMapOvr>
-    <a:masterClrMapping/>
-  </p:clrMapOvr>
-</p:sld>
-</file>
-
-<file path=ppt/slides/slide9.xml><?xml version="1.0" encoding="utf-8"?>
-<p:sld xmlns:a="http://schemas.openxmlformats.org/drawingml/2006/main" xmlns:r="http://schemas.openxmlformats.org/officeDocument/2006/relationships" xmlns:p="http://schemas.openxmlformats.org/presentationml/2006/main">
-  <p:cSld>
-    <p:spTree>
-      <p:nvGrpSpPr>
-        <p:cNvPr id="1" name=""/>
-        <p:cNvGrpSpPr/>
-        <p:nvPr/>
-      </p:nvGrpSpPr>
-      <p:grpSpPr>
-        <a:xfrm>
-          <a:off x="0" y="0"/>
-          <a:ext cx="0" cy="0"/>
-          <a:chOff x="0" y="0"/>
-          <a:chExt cx="0" cy="0"/>
-        </a:xfrm>
-      </p:grpSpPr>
-      <p:sp>
-        <p:nvSpPr>
-          <p:cNvPr id="2" name="Title 1">
-            <a:extLst>
-              <a:ext uri="{FF2B5EF4-FFF2-40B4-BE49-F238E27FC236}">
-                <a16:creationId xmlns:a16="http://schemas.microsoft.com/office/drawing/2014/main" id="{7AB188AF-A9B9-4959-A77C-3CA2A528A629}"/>
-              </a:ext>
-            </a:extLst>
-          </p:cNvPr>
-          <p:cNvSpPr>
-            <a:spLocks noGrp="1"/>
-          </p:cNvSpPr>
-          <p:nvPr>
-            <p:ph type="title"/>
-          </p:nvPr>
-        </p:nvSpPr>
-        <p:spPr>
-          <a:xfrm>
-            <a:off x="1649413" y="327025"/>
-            <a:ext cx="5658586" cy="931863"/>
-          </a:xfrm>
-        </p:spPr>
-        <p:txBody>
-          <a:bodyPr>
-            <a:normAutofit/>
-          </a:bodyPr>
-          <a:lstStyle/>
-          <a:p>
-            <a:r>
-              <a:rPr lang="en-US" dirty="0"/>
-              <a:t>Discovery</a:t>
-            </a:r>
-          </a:p>
-        </p:txBody>
-      </p:sp>
-      <p:graphicFrame>
-        <p:nvGraphicFramePr>
-          <p:cNvPr id="4" name="Diagram 4">
-            <a:extLst>
-              <a:ext uri="{FF2B5EF4-FFF2-40B4-BE49-F238E27FC236}">
-                <a16:creationId xmlns:a16="http://schemas.microsoft.com/office/drawing/2014/main" id="{A1DAB138-7529-476F-85E5-1B8D05F0DEEA}"/>
-              </a:ext>
-            </a:extLst>
-          </p:cNvPr>
-          <p:cNvGraphicFramePr>
-            <a:graphicFrameLocks noGrp="1"/>
-          </p:cNvGraphicFramePr>
-          <p:nvPr>
-            <p:ph idx="1"/>
-            <p:extLst/>
-          </p:nvPr>
-        </p:nvGraphicFramePr>
-        <p:xfrm>
-          <a:off x="8092611" y="200025"/>
-          <a:ext cx="4761955" cy="6310327"/>
-        </p:xfrm>
-        <a:graphic>
-          <a:graphicData uri="http://schemas.openxmlformats.org/drawingml/2006/diagram">
-            <dgm:relIds xmlns:dgm="http://schemas.openxmlformats.org/drawingml/2006/diagram" xmlns:r="http://schemas.openxmlformats.org/officeDocument/2006/relationships" r:dm="rId2" r:lo="rId3" r:qs="rId4" r:cs="rId5"/>
-          </a:graphicData>
-        </a:graphic>
-      </p:graphicFrame>
-      <p:graphicFrame>
-        <p:nvGraphicFramePr>
-          <p:cNvPr id="3" name="Diagram 2">
-            <a:extLst>
-              <a:ext uri="{FF2B5EF4-FFF2-40B4-BE49-F238E27FC236}">
-                <a16:creationId xmlns:a16="http://schemas.microsoft.com/office/drawing/2014/main" id="{81D776BB-6857-4A45-BB0D-CD1D4C5EEC0F}"/>
-              </a:ext>
-            </a:extLst>
-          </p:cNvPr>
-          <p:cNvGraphicFramePr/>
-          <p:nvPr>
-            <p:extLst>
-              <p:ext uri="{D42A27DB-BD31-4B8C-83A1-F6EECF244321}">
-                <p14:modId xmlns:p14="http://schemas.microsoft.com/office/powerpoint/2010/main" val="3674652936"/>
-              </p:ext>
-            </p:extLst>
-          </p:nvPr>
-        </p:nvGraphicFramePr>
-        <p:xfrm>
-          <a:off x="1649413" y="1662545"/>
-          <a:ext cx="6563271" cy="4780588"/>
-        </p:xfrm>
-        <a:graphic>
-          <a:graphicData uri="http://schemas.openxmlformats.org/drawingml/2006/diagram">
-            <dgm:relIds xmlns:dgm="http://schemas.openxmlformats.org/drawingml/2006/diagram" xmlns:r="http://schemas.openxmlformats.org/officeDocument/2006/relationships" r:dm="rId7" r:lo="rId8" r:qs="rId9" r:cs="rId10"/>
-          </a:graphicData>
-        </a:graphic>
-      </p:graphicFrame>
-    </p:spTree>
-    <p:extLst>
-      <p:ext uri="{BB962C8B-B14F-4D97-AF65-F5344CB8AC3E}">
-        <p14:creationId xmlns:p14="http://schemas.microsoft.com/office/powerpoint/2010/main" val="648041488"/>
-      </p:ext>
-    </p:extLst>
-  </p:cSld>
-  <p:clrMapOvr>
-    <a:masterClrMapping/>
-  </p:clrMapOvr>
+  <mc:AlternateContent xmlns:mc="http://schemas.openxmlformats.org/markup-compatibility/2006">
+    <mc:Choice xmlns:p14="http://schemas.microsoft.com/office/powerpoint/2010/main" Requires="p14">
+      <p:transition spd="med" p14:dur="700">
+        <p:fade/>
+      </p:transition>
+    </mc:Choice>
+    <mc:Fallback>
+      <p:transition spd="med">
+        <p:fade/>
+      </p:transition>
+    </mc:Fallback>
+  </mc:AlternateContent>
+  <p:timing>
+    <p:tnLst>
+      <p:par>
+        <p:cTn id="1" dur="indefinite" restart="never" nodeType="tmRoot"/>
+      </p:par>
+    </p:tnLst>
+  </p:timing>
 </p:sld>
 </file>
 
